--- a/Пример каз.pptx
+++ b/Пример каз.pptx
@@ -5,10 +5,10 @@
     <p:sldMasterId id="2147483648" r:id="rId1"/>
   </p:sldMasterIdLst>
   <p:notesMasterIdLst>
-    <p:notesMasterId r:id="rId19"/>
+    <p:notesMasterId r:id="rId18"/>
   </p:notesMasterIdLst>
   <p:handoutMasterIdLst>
-    <p:handoutMasterId r:id="rId20"/>
+    <p:handoutMasterId r:id="rId19"/>
   </p:handoutMasterIdLst>
   <p:sldIdLst>
     <p:sldId id="256" r:id="rId2"/>
@@ -16,18 +16,17 @@
     <p:sldId id="258" r:id="rId4"/>
     <p:sldId id="259" r:id="rId5"/>
     <p:sldId id="260" r:id="rId6"/>
-    <p:sldId id="268" r:id="rId7"/>
-    <p:sldId id="269" r:id="rId8"/>
-    <p:sldId id="270" r:id="rId9"/>
-    <p:sldId id="271" r:id="rId10"/>
-    <p:sldId id="272" r:id="rId11"/>
-    <p:sldId id="275" r:id="rId12"/>
-    <p:sldId id="273" r:id="rId13"/>
-    <p:sldId id="274" r:id="rId14"/>
-    <p:sldId id="266" r:id="rId15"/>
-    <p:sldId id="263" r:id="rId16"/>
-    <p:sldId id="265" r:id="rId17"/>
-    <p:sldId id="267" r:id="rId18"/>
+    <p:sldId id="276" r:id="rId7"/>
+    <p:sldId id="268" r:id="rId8"/>
+    <p:sldId id="271" r:id="rId9"/>
+    <p:sldId id="272" r:id="rId10"/>
+    <p:sldId id="275" r:id="rId11"/>
+    <p:sldId id="273" r:id="rId12"/>
+    <p:sldId id="274" r:id="rId13"/>
+    <p:sldId id="266" r:id="rId14"/>
+    <p:sldId id="263" r:id="rId15"/>
+    <p:sldId id="265" r:id="rId16"/>
+    <p:sldId id="267" r:id="rId17"/>
   </p:sldIdLst>
   <p:sldSz cx="12192000" cy="6858000"/>
   <p:notesSz cx="6858000" cy="9144000"/>
@@ -415,7 +414,7 @@
                 <a:cs typeface="+mn-cs"/>
               </a:defRPr>
             </a:pPr>
-            <a:endParaRPr lang="ru-RU"/>
+            <a:endParaRPr lang="en-US"/>
           </a:p>
         </c:txPr>
         <c:crossAx val="1457858143"/>
@@ -474,7 +473,7 @@
                 <a:cs typeface="+mn-cs"/>
               </a:defRPr>
             </a:pPr>
-            <a:endParaRPr lang="ru-RU"/>
+            <a:endParaRPr lang="en-US"/>
           </a:p>
         </c:txPr>
         <c:crossAx val="1457872287"/>
@@ -517,7 +516,7 @@
               <a:cs typeface="+mn-cs"/>
             </a:defRPr>
           </a:pPr>
-          <a:endParaRPr lang="ru-RU"/>
+          <a:endParaRPr lang="en-US"/>
         </a:p>
       </c:txPr>
     </c:legend>
@@ -539,7 +538,7 @@
       <a:pPr>
         <a:defRPr/>
       </a:pPr>
-      <a:endParaRPr lang="ru-RU"/>
+      <a:endParaRPr lang="en-US"/>
     </a:p>
   </c:txPr>
   <c:externalData r:id="rId3">
@@ -1185,7 +1184,7 @@
           <a:p>
             <a:fld id="{EAC7B480-4FB3-4F32-9642-08EBE6967632}" type="datetime1">
               <a:rPr lang="ru-RU" smtClean="0"/>
-              <a:t>24.04.2022</a:t>
+              <a:t>25.04.2022</a:t>
             </a:fld>
             <a:endParaRPr lang="ru-RU"/>
           </a:p>
@@ -1363,7 +1362,7 @@
           <a:p>
             <a:fld id="{0FF2E734-2E7E-4FAA-9647-ABEE08BAA44C}" type="datetime1">
               <a:rPr lang="ru-RU" smtClean="0"/>
-              <a:t>24.04.2022</a:t>
+              <a:t>25.04.2022</a:t>
             </a:fld>
             <a:endParaRPr lang="ru-RU"/>
           </a:p>
@@ -2217,7 +2216,7 @@
           <a:p>
             <a:fld id="{44E0955F-D797-4FF7-9F57-168AA0F993D1}" type="datetime1">
               <a:rPr lang="ru-RU" smtClean="0"/>
-              <a:t>24.04.2022</a:t>
+              <a:t>25.04.2022</a:t>
             </a:fld>
             <a:endParaRPr lang="ru-RU" dirty="0"/>
           </a:p>
@@ -2587,7 +2586,7 @@
           <a:p>
             <a:fld id="{E5D7C68A-9F4D-47E4-815D-DFB2FF0C473E}" type="datetime1">
               <a:rPr lang="ru-RU" smtClean="0"/>
-              <a:t>24.04.2022</a:t>
+              <a:t>25.04.2022</a:t>
             </a:fld>
             <a:endParaRPr lang="ru-RU"/>
           </a:p>
@@ -3153,333 +3152,54 @@
             <p:ph type="title"/>
           </p:nvPr>
         </p:nvSpPr>
-        <p:spPr>
-          <a:xfrm>
-            <a:off x="2105890" y="328179"/>
-            <a:ext cx="9621511" cy="1044049"/>
-          </a:xfrm>
-        </p:spPr>
-        <p:txBody>
-          <a:bodyPr/>
-          <a:lstStyle/>
-          <a:p>
-            <a:r>
-              <a:rPr lang="en-US" b="1" dirty="0">
-                <a:latin typeface="Times New Roman" panose="02020603050405020304" pitchFamily="18" charset="0"/>
-                <a:cs typeface="Times New Roman" panose="02020603050405020304" pitchFamily="18" charset="0"/>
-              </a:rPr>
-              <a:t>CG</a:t>
-            </a:r>
-            <a:r>
-              <a:rPr lang="ru-RU" b="1" dirty="0">
-                <a:latin typeface="Times New Roman" panose="02020603050405020304" pitchFamily="18" charset="0"/>
-                <a:cs typeface="Times New Roman" panose="02020603050405020304" pitchFamily="18" charset="0"/>
-              </a:rPr>
-              <a:t> </a:t>
-            </a:r>
-            <a:r>
-              <a:rPr lang="ru-RU" b="1" dirty="0" err="1">
-                <a:latin typeface="Times New Roman" panose="02020603050405020304" pitchFamily="18" charset="0"/>
-                <a:cs typeface="Times New Roman" panose="02020603050405020304" pitchFamily="18" charset="0"/>
-              </a:rPr>
-              <a:t>әдісінің</a:t>
-            </a:r>
-            <a:r>
-              <a:rPr lang="ru-RU" b="1" dirty="0">
-                <a:latin typeface="Times New Roman" panose="02020603050405020304" pitchFamily="18" charset="0"/>
-                <a:cs typeface="Times New Roman" panose="02020603050405020304" pitchFamily="18" charset="0"/>
-              </a:rPr>
-              <a:t> </a:t>
-            </a:r>
-            <a:r>
-              <a:rPr lang="ru-RU" b="1" dirty="0" err="1">
-                <a:latin typeface="Times New Roman" panose="02020603050405020304" pitchFamily="18" charset="0"/>
-                <a:cs typeface="Times New Roman" panose="02020603050405020304" pitchFamily="18" charset="0"/>
-              </a:rPr>
-              <a:t>алгоритмі</a:t>
-            </a:r>
-            <a:r>
-              <a:rPr lang="ru-RU" b="1" dirty="0" smtClean="0">
-                <a:latin typeface="Times New Roman" panose="02020603050405020304" pitchFamily="18" charset="0"/>
-                <a:cs typeface="Times New Roman" panose="02020603050405020304" pitchFamily="18" charset="0"/>
-              </a:rPr>
-              <a:t>.</a:t>
-            </a:r>
-            <a:endParaRPr lang="ru-RU" dirty="0"/>
-          </a:p>
-        </p:txBody>
-      </p:sp>
-      <p:sp>
-        <p:nvSpPr>
-          <p:cNvPr id="3" name="Объект 2"/>
-          <p:cNvSpPr>
-            <a:spLocks noGrp="1"/>
-          </p:cNvSpPr>
-          <p:nvPr>
-            <p:ph idx="1"/>
-          </p:nvPr>
-        </p:nvSpPr>
-        <p:spPr>
-          <a:xfrm>
-            <a:off x="461638" y="1372227"/>
-            <a:ext cx="11265763" cy="1585429"/>
-          </a:xfrm>
-        </p:spPr>
+        <p:spPr/>
         <p:txBody>
           <a:bodyPr>
             <a:normAutofit/>
           </a:bodyPr>
           <a:lstStyle/>
           <a:p>
-            <a:pPr marL="457200" indent="-457200" algn="just">
-              <a:buAutoNum type="arabicPeriod"/>
-            </a:pPr>
-            <a:r>
-              <a:rPr lang="ru-RU" dirty="0" err="1">
-                <a:latin typeface="Times New Roman" panose="02020603050405020304" pitchFamily="18" charset="0"/>
-                <a:cs typeface="Times New Roman" panose="02020603050405020304" pitchFamily="18" charset="0"/>
-              </a:rPr>
-              <a:t>Градиетті</a:t>
-            </a:r>
-            <a:r>
-              <a:rPr lang="ru-RU" dirty="0">
-                <a:latin typeface="Times New Roman" panose="02020603050405020304" pitchFamily="18" charset="0"/>
-                <a:cs typeface="Times New Roman" panose="02020603050405020304" pitchFamily="18" charset="0"/>
-              </a:rPr>
-              <a:t> </a:t>
-            </a:r>
-            <a:r>
-              <a:rPr lang="ru-RU" dirty="0" err="1">
-                <a:latin typeface="Times New Roman" panose="02020603050405020304" pitchFamily="18" charset="0"/>
-                <a:cs typeface="Times New Roman" panose="02020603050405020304" pitchFamily="18" charset="0"/>
-              </a:rPr>
-              <a:t>есептеу</a:t>
-            </a:r>
-            <a:r>
-              <a:rPr lang="ru-RU" dirty="0">
-                <a:latin typeface="Times New Roman" panose="02020603050405020304" pitchFamily="18" charset="0"/>
-                <a:cs typeface="Times New Roman" panose="02020603050405020304" pitchFamily="18" charset="0"/>
-              </a:rPr>
-              <a:t>;</a:t>
-            </a:r>
-          </a:p>
-          <a:p>
-            <a:pPr marL="457200" indent="-457200" algn="just">
-              <a:buAutoNum type="arabicPeriod"/>
-            </a:pPr>
-            <a:r>
-              <a:rPr lang="ru-RU" dirty="0" err="1">
-                <a:latin typeface="Times New Roman" panose="02020603050405020304" pitchFamily="18" charset="0"/>
-                <a:cs typeface="Times New Roman" panose="02020603050405020304" pitchFamily="18" charset="0"/>
-              </a:rPr>
-              <a:t>Бағыттауыш</a:t>
-            </a:r>
-            <a:r>
-              <a:rPr lang="ru-RU" dirty="0">
-                <a:latin typeface="Times New Roman" panose="02020603050405020304" pitchFamily="18" charset="0"/>
-                <a:cs typeface="Times New Roman" panose="02020603050405020304" pitchFamily="18" charset="0"/>
-              </a:rPr>
-              <a:t> </a:t>
-            </a:r>
-            <a:r>
-              <a:rPr lang="ru-RU" dirty="0" err="1">
-                <a:latin typeface="Times New Roman" panose="02020603050405020304" pitchFamily="18" charset="0"/>
-                <a:cs typeface="Times New Roman" panose="02020603050405020304" pitchFamily="18" charset="0"/>
-              </a:rPr>
-              <a:t>векторды</a:t>
-            </a:r>
-            <a:r>
-              <a:rPr lang="ru-RU" dirty="0">
-                <a:latin typeface="Times New Roman" panose="02020603050405020304" pitchFamily="18" charset="0"/>
-                <a:cs typeface="Times New Roman" panose="02020603050405020304" pitchFamily="18" charset="0"/>
-              </a:rPr>
-              <a:t> </a:t>
-            </a:r>
-            <a:r>
-              <a:rPr lang="ru-RU" dirty="0" err="1">
-                <a:latin typeface="Times New Roman" panose="02020603050405020304" pitchFamily="18" charset="0"/>
-                <a:cs typeface="Times New Roman" panose="02020603050405020304" pitchFamily="18" charset="0"/>
-              </a:rPr>
-              <a:t>есептеу</a:t>
-            </a:r>
-            <a:r>
-              <a:rPr lang="ru-RU" dirty="0">
-                <a:latin typeface="Times New Roman" panose="02020603050405020304" pitchFamily="18" charset="0"/>
-                <a:cs typeface="Times New Roman" panose="02020603050405020304" pitchFamily="18" charset="0"/>
-              </a:rPr>
-              <a:t>;</a:t>
-            </a:r>
-            <a:endParaRPr lang="en-US" dirty="0">
-              <a:latin typeface="Times New Roman" panose="02020603050405020304" pitchFamily="18" charset="0"/>
-              <a:cs typeface="Times New Roman" panose="02020603050405020304" pitchFamily="18" charset="0"/>
-            </a:endParaRPr>
-          </a:p>
-          <a:p>
-            <a:pPr marL="457200" indent="-457200" algn="just">
-              <a:buAutoNum type="arabicPeriod"/>
-            </a:pPr>
-            <a:r>
-              <a:rPr lang="ru-RU" dirty="0" err="1">
-                <a:latin typeface="Times New Roman" panose="02020603050405020304" pitchFamily="18" charset="0"/>
-                <a:cs typeface="Times New Roman" panose="02020603050405020304" pitchFamily="18" charset="0"/>
-              </a:rPr>
-              <a:t>Берілген</a:t>
-            </a:r>
-            <a:r>
-              <a:rPr lang="ru-RU" dirty="0">
-                <a:latin typeface="Times New Roman" panose="02020603050405020304" pitchFamily="18" charset="0"/>
-                <a:cs typeface="Times New Roman" panose="02020603050405020304" pitchFamily="18" charset="0"/>
-              </a:rPr>
-              <a:t> </a:t>
-            </a:r>
-            <a:r>
-              <a:rPr lang="ru-RU" dirty="0" err="1">
-                <a:latin typeface="Times New Roman" panose="02020603050405020304" pitchFamily="18" charset="0"/>
-                <a:cs typeface="Times New Roman" panose="02020603050405020304" pitchFamily="18" charset="0"/>
-              </a:rPr>
-              <a:t>бағыт</a:t>
-            </a:r>
-            <a:r>
-              <a:rPr lang="ru-RU" dirty="0">
-                <a:latin typeface="Times New Roman" panose="02020603050405020304" pitchFamily="18" charset="0"/>
-                <a:cs typeface="Times New Roman" panose="02020603050405020304" pitchFamily="18" charset="0"/>
-              </a:rPr>
-              <a:t> </a:t>
-            </a:r>
-            <a:r>
-              <a:rPr lang="ru-RU" dirty="0" err="1">
-                <a:latin typeface="Times New Roman" panose="02020603050405020304" pitchFamily="18" charset="0"/>
-                <a:cs typeface="Times New Roman" panose="02020603050405020304" pitchFamily="18" charset="0"/>
-              </a:rPr>
-              <a:t>бойынша</a:t>
-            </a:r>
-            <a:r>
-              <a:rPr lang="ru-RU" dirty="0">
-                <a:latin typeface="Times New Roman" panose="02020603050405020304" pitchFamily="18" charset="0"/>
-                <a:cs typeface="Times New Roman" panose="02020603050405020304" pitchFamily="18" charset="0"/>
-              </a:rPr>
-              <a:t> </a:t>
-            </a:r>
-            <a:r>
-              <a:rPr lang="ru-RU" dirty="0" err="1">
-                <a:latin typeface="Times New Roman" panose="02020603050405020304" pitchFamily="18" charset="0"/>
-                <a:cs typeface="Times New Roman" panose="02020603050405020304" pitchFamily="18" charset="0"/>
-              </a:rPr>
-              <a:t>ығысу</a:t>
-            </a:r>
-            <a:r>
-              <a:rPr lang="ru-RU" dirty="0">
-                <a:latin typeface="Times New Roman" panose="02020603050405020304" pitchFamily="18" charset="0"/>
-                <a:cs typeface="Times New Roman" panose="02020603050405020304" pitchFamily="18" charset="0"/>
-              </a:rPr>
-              <a:t> </a:t>
-            </a:r>
-            <a:r>
-              <a:rPr lang="ru-RU" dirty="0" err="1">
-                <a:latin typeface="Times New Roman" panose="02020603050405020304" pitchFamily="18" charset="0"/>
-                <a:cs typeface="Times New Roman" panose="02020603050405020304" pitchFamily="18" charset="0"/>
-              </a:rPr>
-              <a:t>шамасын</a:t>
-            </a:r>
-            <a:r>
-              <a:rPr lang="ru-RU" dirty="0">
-                <a:latin typeface="Times New Roman" panose="02020603050405020304" pitchFamily="18" charset="0"/>
-                <a:cs typeface="Times New Roman" panose="02020603050405020304" pitchFamily="18" charset="0"/>
-              </a:rPr>
-              <a:t> (</a:t>
-            </a:r>
-            <a:r>
-              <a:rPr lang="ru-RU" dirty="0" err="1">
-                <a:latin typeface="Times New Roman" panose="02020603050405020304" pitchFamily="18" charset="0"/>
-                <a:cs typeface="Times New Roman" panose="02020603050405020304" pitchFamily="18" charset="0"/>
-              </a:rPr>
-              <a:t>қадамды</a:t>
-            </a:r>
-            <a:r>
-              <a:rPr lang="ru-RU" dirty="0">
-                <a:latin typeface="Times New Roman" panose="02020603050405020304" pitchFamily="18" charset="0"/>
-                <a:cs typeface="Times New Roman" panose="02020603050405020304" pitchFamily="18" charset="0"/>
-              </a:rPr>
-              <a:t>) </a:t>
-            </a:r>
-            <a:r>
-              <a:rPr lang="ru-RU" dirty="0" err="1">
-                <a:latin typeface="Times New Roman" panose="02020603050405020304" pitchFamily="18" charset="0"/>
-                <a:cs typeface="Times New Roman" panose="02020603050405020304" pitchFamily="18" charset="0"/>
-              </a:rPr>
-              <a:t>есептеу</a:t>
-            </a:r>
-            <a:r>
-              <a:rPr lang="ru-RU" dirty="0">
-                <a:latin typeface="Times New Roman" panose="02020603050405020304" pitchFamily="18" charset="0"/>
-                <a:cs typeface="Times New Roman" panose="02020603050405020304" pitchFamily="18" charset="0"/>
-              </a:rPr>
-              <a:t>;</a:t>
-            </a:r>
-          </a:p>
-          <a:p>
-            <a:pPr marL="457200" indent="-457200" algn="just">
-              <a:buAutoNum type="arabicPeriod"/>
-            </a:pPr>
-            <a:r>
-              <a:rPr lang="ru-RU" dirty="0" err="1">
-                <a:latin typeface="Times New Roman" panose="02020603050405020304" pitchFamily="18" charset="0"/>
-                <a:cs typeface="Times New Roman" panose="02020603050405020304" pitchFamily="18" charset="0"/>
-              </a:rPr>
-              <a:t>Жаңа</a:t>
-            </a:r>
-            <a:r>
-              <a:rPr lang="ru-RU" dirty="0">
-                <a:latin typeface="Times New Roman" panose="02020603050405020304" pitchFamily="18" charset="0"/>
-                <a:cs typeface="Times New Roman" panose="02020603050405020304" pitchFamily="18" charset="0"/>
-              </a:rPr>
-              <a:t> </a:t>
-            </a:r>
-            <a:r>
-              <a:rPr lang="ru-RU" dirty="0" err="1">
-                <a:latin typeface="Times New Roman" panose="02020603050405020304" pitchFamily="18" charset="0"/>
-                <a:cs typeface="Times New Roman" panose="02020603050405020304" pitchFamily="18" charset="0"/>
-              </a:rPr>
-              <a:t>жуықтауды</a:t>
-            </a:r>
-            <a:r>
-              <a:rPr lang="ru-RU" dirty="0">
-                <a:latin typeface="Times New Roman" panose="02020603050405020304" pitchFamily="18" charset="0"/>
-                <a:cs typeface="Times New Roman" panose="02020603050405020304" pitchFamily="18" charset="0"/>
-              </a:rPr>
-              <a:t> (</a:t>
-            </a:r>
-            <a:r>
-              <a:rPr lang="ru-RU" dirty="0" err="1">
-                <a:latin typeface="Times New Roman" panose="02020603050405020304" pitchFamily="18" charset="0"/>
-                <a:cs typeface="Times New Roman" panose="02020603050405020304" pitchFamily="18" charset="0"/>
-              </a:rPr>
-              <a:t>шешімді</a:t>
-            </a:r>
-            <a:r>
-              <a:rPr lang="ru-RU" dirty="0">
-                <a:latin typeface="Times New Roman" panose="02020603050405020304" pitchFamily="18" charset="0"/>
-                <a:cs typeface="Times New Roman" panose="02020603050405020304" pitchFamily="18" charset="0"/>
-              </a:rPr>
-              <a:t>) </a:t>
-            </a:r>
-            <a:r>
-              <a:rPr lang="ru-RU" dirty="0" err="1">
-                <a:latin typeface="Times New Roman" panose="02020603050405020304" pitchFamily="18" charset="0"/>
-                <a:cs typeface="Times New Roman" panose="02020603050405020304" pitchFamily="18" charset="0"/>
-              </a:rPr>
-              <a:t>есептеу</a:t>
-            </a:r>
-            <a:r>
-              <a:rPr lang="ru-RU" dirty="0">
-                <a:latin typeface="Times New Roman" panose="02020603050405020304" pitchFamily="18" charset="0"/>
-                <a:cs typeface="Times New Roman" panose="02020603050405020304" pitchFamily="18" charset="0"/>
-              </a:rPr>
-              <a:t>.</a:t>
-            </a:r>
-          </a:p>
-        </p:txBody>
-      </p:sp>
+            <a:r>
+              <a:rPr lang="kk-KZ" dirty="0" smtClean="0"/>
+              <a:t>Гаусс сызықты және </a:t>
+            </a:r>
+            <a:r>
+              <a:rPr lang="en-US" dirty="0" smtClean="0"/>
+              <a:t>CG </a:t>
+            </a:r>
+            <a:r>
+              <a:rPr lang="kk-KZ" dirty="0" smtClean="0"/>
+              <a:t>сызықты әдістері</a:t>
+            </a:r>
+            <a:endParaRPr lang="ru-RU" dirty="0"/>
+          </a:p>
+        </p:txBody>
+      </p:sp>
+      <p:graphicFrame>
+        <p:nvGraphicFramePr>
+          <p:cNvPr id="9" name="Объект 8"/>
+          <p:cNvGraphicFramePr>
+            <a:graphicFrameLocks noGrp="1"/>
+          </p:cNvGraphicFramePr>
+          <p:nvPr>
+            <p:ph idx="1"/>
+            <p:extLst>
+              <p:ext uri="{D42A27DB-BD31-4B8C-83A1-F6EECF244321}">
+                <p14:modId xmlns:p14="http://schemas.microsoft.com/office/powerpoint/2010/main" val="1986054194"/>
+              </p:ext>
+            </p:extLst>
+          </p:nvPr>
+        </p:nvGraphicFramePr>
+        <p:xfrm>
+          <a:off x="794326" y="1551709"/>
+          <a:ext cx="10168425" cy="4804641"/>
+        </p:xfrm>
+        <a:graphic>
+          <a:graphicData uri="http://schemas.openxmlformats.org/drawingml/2006/chart">
+            <c:chart xmlns:c="http://schemas.openxmlformats.org/drawingml/2006/chart" xmlns:r="http://schemas.openxmlformats.org/officeDocument/2006/relationships" r:id="rId2"/>
+          </a:graphicData>
+        </a:graphic>
+      </p:graphicFrame>
       <p:sp>
         <p:nvSpPr>
           <p:cNvPr id="4" name="Дата 3"/>
@@ -3497,7 +3217,7 @@
           <a:p>
             <a:fld id="{44E0955F-D797-4FF7-9F57-168AA0F993D1}" type="datetime1">
               <a:rPr lang="ru-RU" smtClean="0"/>
-              <a:t>24.04.2022</a:t>
+              <a:t>25.04.2022</a:t>
             </a:fld>
             <a:endParaRPr lang="ru-RU" dirty="0"/>
           </a:p>
@@ -3549,124 +3269,56 @@
           </a:p>
         </p:txBody>
       </p:sp>
-      <p:graphicFrame>
-        <p:nvGraphicFramePr>
-          <p:cNvPr id="7" name="Объект 6"/>
-          <p:cNvGraphicFramePr>
-            <a:graphicFrameLocks noChangeAspect="1"/>
-          </p:cNvGraphicFramePr>
-          <p:nvPr>
-            <p:extLst>
-              <p:ext uri="{D42A27DB-BD31-4B8C-83A1-F6EECF244321}">
-                <p14:modId xmlns:p14="http://schemas.microsoft.com/office/powerpoint/2010/main" val="1133300017"/>
-              </p:ext>
-            </p:extLst>
-          </p:nvPr>
-        </p:nvGraphicFramePr>
-        <p:xfrm>
-          <a:off x="804863" y="3105778"/>
-          <a:ext cx="4763366" cy="3814618"/>
-        </p:xfrm>
-        <a:graphic>
-          <a:graphicData uri="http://schemas.openxmlformats.org/presentationml/2006/ole">
-            <mc:AlternateContent xmlns:mc="http://schemas.openxmlformats.org/markup-compatibility/2006">
-              <mc:Choice xmlns:v="urn:schemas-microsoft-com:vml" Requires="v">
-                <p:oleObj spid="_x0000_s1028" name="Equation" r:id="rId3" imgW="3688222" imgH="3931967" progId="Equation.DSMT4">
-                  <p:embed/>
-                </p:oleObj>
-              </mc:Choice>
-              <mc:Fallback>
-                <p:oleObj name="Equation" r:id="rId3" imgW="3688222" imgH="3931967" progId="Equation.DSMT4">
-                  <p:embed/>
-                  <p:pic>
-                    <p:nvPicPr>
-                      <p:cNvPr id="0" name=""/>
-                      <p:cNvPicPr/>
-                      <p:nvPr/>
-                    </p:nvPicPr>
-                    <p:blipFill>
-                      <a:blip r:embed="rId4"/>
-                      <a:stretch>
-                        <a:fillRect/>
-                      </a:stretch>
-                    </p:blipFill>
-                    <p:spPr>
-                      <a:xfrm>
-                        <a:off x="804863" y="3105778"/>
-                        <a:ext cx="4763366" cy="3814618"/>
-                      </a:xfrm>
-                      <a:prstGeom prst="rect">
-                        <a:avLst/>
-                      </a:prstGeom>
-                    </p:spPr>
-                  </p:pic>
-                </p:oleObj>
-              </mc:Fallback>
-            </mc:AlternateContent>
-          </a:graphicData>
-        </a:graphic>
-      </p:graphicFrame>
-      <p:graphicFrame>
-        <p:nvGraphicFramePr>
-          <p:cNvPr id="9" name="Объект 8"/>
-          <p:cNvGraphicFramePr>
-            <a:graphicFrameLocks noChangeAspect="1"/>
-          </p:cNvGraphicFramePr>
-          <p:nvPr>
-            <p:extLst>
-              <p:ext uri="{D42A27DB-BD31-4B8C-83A1-F6EECF244321}">
-                <p14:modId xmlns:p14="http://schemas.microsoft.com/office/powerpoint/2010/main" val="1106875644"/>
-              </p:ext>
-            </p:extLst>
-          </p:nvPr>
-        </p:nvGraphicFramePr>
-        <p:xfrm>
-          <a:off x="5975927" y="3156578"/>
-          <a:ext cx="5189537" cy="2400300"/>
-        </p:xfrm>
-        <a:graphic>
-          <a:graphicData uri="http://schemas.openxmlformats.org/presentationml/2006/ole">
-            <mc:AlternateContent xmlns:mc="http://schemas.openxmlformats.org/markup-compatibility/2006">
-              <mc:Choice xmlns:v="urn:schemas-microsoft-com:vml" Requires="v">
-                <p:oleObj spid="_x0000_s1029" name="Equation" r:id="rId5" imgW="5189114" imgH="2400159" progId="Equation.DSMT4">
-                  <p:embed/>
-                </p:oleObj>
-              </mc:Choice>
-              <mc:Fallback>
-                <p:oleObj name="Equation" r:id="rId5" imgW="5189114" imgH="2400159" progId="Equation.DSMT4">
-                  <p:embed/>
-                  <p:pic>
-                    <p:nvPicPr>
-                      <p:cNvPr id="0" name=""/>
-                      <p:cNvPicPr/>
-                      <p:nvPr/>
-                    </p:nvPicPr>
-                    <p:blipFill>
-                      <a:blip r:embed="rId6"/>
-                      <a:stretch>
-                        <a:fillRect/>
-                      </a:stretch>
-                    </p:blipFill>
-                    <p:spPr>
-                      <a:xfrm>
-                        <a:off x="5975927" y="3156578"/>
-                        <a:ext cx="5189537" cy="2400300"/>
-                      </a:xfrm>
-                      <a:prstGeom prst="rect">
-                        <a:avLst/>
-                      </a:prstGeom>
-                    </p:spPr>
-                  </p:pic>
-                </p:oleObj>
-              </mc:Fallback>
-            </mc:AlternateContent>
-          </a:graphicData>
-        </a:graphic>
-      </p:graphicFrame>
+      <p:sp>
+        <p:nvSpPr>
+          <p:cNvPr id="11" name="Прямоугольник 10"/>
+          <p:cNvSpPr/>
+          <p:nvPr/>
+        </p:nvSpPr>
+        <p:spPr>
+          <a:xfrm flipH="1">
+            <a:off x="3788228" y="3086471"/>
+            <a:ext cx="472272" cy="388696"/>
+          </a:xfrm>
+          <a:prstGeom prst="rect">
+            <a:avLst/>
+          </a:prstGeom>
+        </p:spPr>
+        <p:txBody>
+          <a:bodyPr wrap="square">
+            <a:spAutoFit/>
+          </a:bodyPr>
+          <a:lstStyle/>
+          <a:p>
+            <a:pPr indent="450215" algn="just">
+              <a:lnSpc>
+                <a:spcPct val="107000"/>
+              </a:lnSpc>
+              <a:spcAft>
+                <a:spcPts val="0"/>
+              </a:spcAft>
+            </a:pPr>
+            <a:r>
+              <a:rPr lang="en-US" dirty="0" smtClean="0">
+                <a:latin typeface="Times New Roman" panose="02020603050405020304" pitchFamily="18" charset="0"/>
+                <a:ea typeface="Calibri" panose="020F0502020204030204" pitchFamily="34" charset="0"/>
+                <a:cs typeface="Times New Roman" panose="02020603050405020304" pitchFamily="18" charset="0"/>
+              </a:rPr>
+              <a:t>t</a:t>
+            </a:r>
+            <a:endParaRPr lang="ru-RU" sz="1400" dirty="0">
+              <a:effectLst/>
+              <a:latin typeface="Calibri" panose="020F0502020204030204" pitchFamily="34" charset="0"/>
+              <a:ea typeface="Calibri" panose="020F0502020204030204" pitchFamily="34" charset="0"/>
+              <a:cs typeface="Times New Roman" panose="02020603050405020304" pitchFamily="18" charset="0"/>
+            </a:endParaRPr>
+          </a:p>
+        </p:txBody>
+      </p:sp>
     </p:spTree>
     <p:extLst>
       <p:ext uri="{BB962C8B-B14F-4D97-AF65-F5344CB8AC3E}">
-        <p14:creationId xmlns:p14="http://schemas.microsoft.com/office/powerpoint/2010/main" val="2515122019"/>
+        <p14:creationId xmlns:p14="http://schemas.microsoft.com/office/powerpoint/2010/main" val="3031822018"/>
       </p:ext>
     </p:extLst>
   </p:cSld>
@@ -3706,13 +3358,13 @@
         <p:spPr/>
         <p:txBody>
           <a:bodyPr>
-            <a:normAutofit/>
+            <a:normAutofit fontScale="90000"/>
           </a:bodyPr>
           <a:lstStyle/>
           <a:p>
             <a:r>
               <a:rPr lang="kk-KZ" dirty="0" smtClean="0"/>
-              <a:t>Гаусс сызықты және </a:t>
+              <a:t>Гаусс және </a:t>
             </a:r>
             <a:r>
               <a:rPr lang="en-US" dirty="0" smtClean="0"/>
@@ -3720,37 +3372,249 @@
             </a:r>
             <a:r>
               <a:rPr lang="kk-KZ" dirty="0" smtClean="0"/>
-              <a:t>сызықты әдістері</a:t>
+              <a:t>әдістерін параллельді алгоритмдері С++ программалау тілінде</a:t>
             </a:r>
             <a:endParaRPr lang="ru-RU" dirty="0"/>
           </a:p>
         </p:txBody>
       </p:sp>
-      <p:graphicFrame>
-        <p:nvGraphicFramePr>
-          <p:cNvPr id="9" name="Объект 8"/>
-          <p:cNvGraphicFramePr>
-            <a:graphicFrameLocks noGrp="1"/>
-          </p:cNvGraphicFramePr>
+      <p:sp>
+        <p:nvSpPr>
+          <p:cNvPr id="3" name="Объект 2"/>
+          <p:cNvSpPr>
+            <a:spLocks noGrp="1"/>
+          </p:cNvSpPr>
           <p:nvPr>
             <p:ph idx="1"/>
-            <p:extLst>
-              <p:ext uri="{D42A27DB-BD31-4B8C-83A1-F6EECF244321}">
-                <p14:modId xmlns:p14="http://schemas.microsoft.com/office/powerpoint/2010/main" val="1986054194"/>
-              </p:ext>
-            </p:extLst>
-          </p:nvPr>
-        </p:nvGraphicFramePr>
-        <p:xfrm>
-          <a:off x="794326" y="1551709"/>
-          <a:ext cx="10168425" cy="4804641"/>
-        </p:xfrm>
-        <a:graphic>
-          <a:graphicData uri="http://schemas.openxmlformats.org/drawingml/2006/chart">
-            <c:chart xmlns:c="http://schemas.openxmlformats.org/drawingml/2006/chart" xmlns:r="http://schemas.openxmlformats.org/officeDocument/2006/relationships" r:id="rId2"/>
-          </a:graphicData>
-        </a:graphic>
-      </p:graphicFrame>
+          </p:nvPr>
+        </p:nvSpPr>
+        <p:spPr/>
+        <p:txBody>
+          <a:bodyPr/>
+          <a:lstStyle/>
+          <a:p>
+            <a:pPr marL="0" indent="0">
+              <a:buNone/>
+            </a:pPr>
+            <a:r>
+              <a:rPr lang="ru-RU" dirty="0" smtClean="0"/>
+              <a:t>      </a:t>
+            </a:r>
+            <a:r>
+              <a:rPr lang="ru-RU" b="1" i="1" dirty="0" err="1" smtClean="0"/>
+              <a:t>Параллельді</a:t>
+            </a:r>
+            <a:r>
+              <a:rPr lang="ru-RU" b="1" i="1" dirty="0" smtClean="0"/>
+              <a:t> </a:t>
+            </a:r>
+            <a:r>
+              <a:rPr lang="ru-RU" b="1" i="1" dirty="0" err="1" smtClean="0"/>
+              <a:t>есептеу</a:t>
+            </a:r>
+            <a:r>
+              <a:rPr lang="ru-RU" b="1" i="1" dirty="0" smtClean="0"/>
+              <a:t> </a:t>
+            </a:r>
+            <a:r>
+              <a:rPr lang="ru-RU" dirty="0" smtClean="0"/>
+              <a:t>- </a:t>
+            </a:r>
+            <a:r>
+              <a:rPr lang="ru-RU" dirty="0" err="1" smtClean="0"/>
+              <a:t>бағдарламаларды</a:t>
+            </a:r>
+            <a:r>
+              <a:rPr lang="ru-RU" dirty="0" smtClean="0"/>
+              <a:t> </a:t>
+            </a:r>
+            <a:r>
+              <a:rPr lang="ru-RU" dirty="0"/>
+              <a:t>параллель (</a:t>
+            </a:r>
+            <a:r>
+              <a:rPr lang="ru-RU" dirty="0" err="1"/>
+              <a:t>бір</a:t>
+            </a:r>
+            <a:r>
+              <a:rPr lang="ru-RU" dirty="0"/>
+              <a:t> </a:t>
+            </a:r>
+            <a:r>
+              <a:rPr lang="ru-RU" dirty="0" err="1"/>
+              <a:t>уақытта</a:t>
+            </a:r>
+            <a:r>
+              <a:rPr lang="ru-RU" dirty="0"/>
+              <a:t>)</a:t>
+            </a:r>
+            <a:r>
+              <a:rPr lang="ru-RU" dirty="0" err="1"/>
+              <a:t>жұмыс</a:t>
+            </a:r>
+            <a:r>
+              <a:rPr lang="ru-RU" dirty="0"/>
+              <a:t> </a:t>
+            </a:r>
+            <a:r>
+              <a:rPr lang="ru-RU" dirty="0" err="1"/>
+              <a:t>істейтін</a:t>
+            </a:r>
+            <a:r>
+              <a:rPr lang="ru-RU" dirty="0"/>
+              <a:t> </a:t>
+            </a:r>
+            <a:r>
+              <a:rPr lang="ru-RU" dirty="0" err="1"/>
+              <a:t>өзара</a:t>
+            </a:r>
+            <a:r>
+              <a:rPr lang="ru-RU" dirty="0"/>
+              <a:t> </a:t>
+            </a:r>
+            <a:r>
+              <a:rPr lang="ru-RU" dirty="0" err="1"/>
+              <a:t>әрекеттесетін</a:t>
+            </a:r>
+            <a:r>
+              <a:rPr lang="ru-RU" dirty="0"/>
+              <a:t> </a:t>
+            </a:r>
+            <a:r>
+              <a:rPr lang="ru-RU" dirty="0" err="1"/>
+              <a:t>есептеу</a:t>
+            </a:r>
+            <a:r>
+              <a:rPr lang="ru-RU" dirty="0"/>
+              <a:t> </a:t>
+            </a:r>
+            <a:r>
+              <a:rPr lang="ru-RU" dirty="0" err="1"/>
+              <a:t>процестерінің</a:t>
+            </a:r>
+            <a:r>
+              <a:rPr lang="ru-RU" dirty="0"/>
+              <a:t> </a:t>
+            </a:r>
+            <a:r>
+              <a:rPr lang="ru-RU" dirty="0" err="1"/>
+              <a:t>жиынтығы</a:t>
+            </a:r>
+            <a:r>
+              <a:rPr lang="ru-RU" dirty="0"/>
+              <a:t> </a:t>
+            </a:r>
+            <a:r>
+              <a:rPr lang="ru-RU" dirty="0" err="1"/>
+              <a:t>ретінде</a:t>
+            </a:r>
+            <a:r>
+              <a:rPr lang="ru-RU" dirty="0"/>
+              <a:t> </a:t>
+            </a:r>
+            <a:r>
+              <a:rPr lang="ru-RU" dirty="0" err="1" smtClean="0"/>
+              <a:t>жасайтын</a:t>
+            </a:r>
+            <a:r>
+              <a:rPr lang="ru-RU" dirty="0" smtClean="0"/>
+              <a:t> </a:t>
+            </a:r>
+            <a:r>
+              <a:rPr lang="ru-RU" dirty="0" err="1"/>
+              <a:t>компьютерлік</a:t>
+            </a:r>
+            <a:r>
+              <a:rPr lang="ru-RU" dirty="0"/>
+              <a:t> </a:t>
+            </a:r>
+            <a:r>
+              <a:rPr lang="ru-RU" dirty="0" err="1" smtClean="0"/>
+              <a:t>есептеулерді</a:t>
+            </a:r>
+            <a:r>
+              <a:rPr lang="ru-RU" dirty="0" smtClean="0"/>
+              <a:t> </a:t>
+            </a:r>
+            <a:r>
+              <a:rPr lang="ru-RU" dirty="0" err="1"/>
+              <a:t>ұйымдастыру</a:t>
+            </a:r>
+            <a:r>
+              <a:rPr lang="ru-RU" dirty="0"/>
+              <a:t> </a:t>
+            </a:r>
+            <a:r>
+              <a:rPr lang="ru-RU" dirty="0" err="1" smtClean="0"/>
+              <a:t>әдісі</a:t>
+            </a:r>
+            <a:r>
+              <a:rPr lang="ru-RU" dirty="0" smtClean="0"/>
+              <a:t>.</a:t>
+            </a:r>
+          </a:p>
+          <a:p>
+            <a:pPr marL="0" indent="0">
+              <a:buNone/>
+            </a:pPr>
+            <a:r>
+              <a:rPr lang="en-US" b="1" i="1" dirty="0" err="1"/>
+              <a:t>OpenMP</a:t>
+            </a:r>
+            <a:r>
+              <a:rPr lang="en-US" dirty="0"/>
+              <a:t>-</a:t>
+            </a:r>
+            <a:r>
+              <a:rPr lang="ru-RU" dirty="0" err="1"/>
+              <a:t>жалпы</a:t>
+            </a:r>
+            <a:r>
+              <a:rPr lang="ru-RU" dirty="0"/>
+              <a:t> </a:t>
+            </a:r>
+            <a:r>
+              <a:rPr lang="ru-RU" dirty="0" err="1"/>
+              <a:t>жады</a:t>
+            </a:r>
+            <a:r>
+              <a:rPr lang="ru-RU" dirty="0"/>
+              <a:t> бар параллель </a:t>
+            </a:r>
+            <a:r>
+              <a:rPr lang="ru-RU" dirty="0" err="1"/>
+              <a:t>жүйелерге</a:t>
+            </a:r>
+            <a:r>
+              <a:rPr lang="ru-RU" dirty="0"/>
+              <a:t> </a:t>
+            </a:r>
+            <a:r>
+              <a:rPr lang="ru-RU" dirty="0" err="1"/>
+              <a:t>арналған</a:t>
+            </a:r>
+            <a:r>
+              <a:rPr lang="ru-RU" dirty="0"/>
+              <a:t> </a:t>
+            </a:r>
+            <a:r>
+              <a:rPr lang="ru-RU" dirty="0" err="1"/>
+              <a:t>қолданбалы</a:t>
+            </a:r>
+            <a:r>
+              <a:rPr lang="ru-RU" dirty="0"/>
+              <a:t> интерфейс стандарты</a:t>
+            </a:r>
+            <a:endParaRPr lang="ru-RU" dirty="0" smtClean="0"/>
+          </a:p>
+          <a:p>
+            <a:pPr marL="0" indent="0">
+              <a:buNone/>
+            </a:pPr>
+            <a:endParaRPr lang="ru-RU" dirty="0"/>
+          </a:p>
+        </p:txBody>
+      </p:sp>
       <p:sp>
         <p:nvSpPr>
           <p:cNvPr id="4" name="Дата 3"/>
@@ -3820,56 +3684,10 @@
           </a:p>
         </p:txBody>
       </p:sp>
-      <p:sp>
-        <p:nvSpPr>
-          <p:cNvPr id="11" name="Прямоугольник 10"/>
-          <p:cNvSpPr/>
-          <p:nvPr/>
-        </p:nvSpPr>
-        <p:spPr>
-          <a:xfrm flipH="1">
-            <a:off x="3788228" y="3086471"/>
-            <a:ext cx="472272" cy="388696"/>
-          </a:xfrm>
-          <a:prstGeom prst="rect">
-            <a:avLst/>
-          </a:prstGeom>
-        </p:spPr>
-        <p:txBody>
-          <a:bodyPr wrap="square">
-            <a:spAutoFit/>
-          </a:bodyPr>
-          <a:lstStyle/>
-          <a:p>
-            <a:pPr indent="450215" algn="just">
-              <a:lnSpc>
-                <a:spcPct val="107000"/>
-              </a:lnSpc>
-              <a:spcAft>
-                <a:spcPts val="0"/>
-              </a:spcAft>
-            </a:pPr>
-            <a:r>
-              <a:rPr lang="en-US" dirty="0" smtClean="0">
-                <a:latin typeface="Times New Roman" panose="02020603050405020304" pitchFamily="18" charset="0"/>
-                <a:ea typeface="Calibri" panose="020F0502020204030204" pitchFamily="34" charset="0"/>
-                <a:cs typeface="Times New Roman" panose="02020603050405020304" pitchFamily="18" charset="0"/>
-              </a:rPr>
-              <a:t>t</a:t>
-            </a:r>
-            <a:endParaRPr lang="ru-RU" sz="1400" dirty="0">
-              <a:effectLst/>
-              <a:latin typeface="Calibri" panose="020F0502020204030204" pitchFamily="34" charset="0"/>
-              <a:ea typeface="Calibri" panose="020F0502020204030204" pitchFamily="34" charset="0"/>
-              <a:cs typeface="Times New Roman" panose="02020603050405020304" pitchFamily="18" charset="0"/>
-            </a:endParaRPr>
-          </a:p>
-        </p:txBody>
-      </p:sp>
     </p:spTree>
     <p:extLst>
       <p:ext uri="{BB962C8B-B14F-4D97-AF65-F5344CB8AC3E}">
-        <p14:creationId xmlns:p14="http://schemas.microsoft.com/office/powerpoint/2010/main" val="3031822018"/>
+        <p14:creationId xmlns:p14="http://schemas.microsoft.com/office/powerpoint/2010/main" val="2765152718"/>
       </p:ext>
     </p:extLst>
   </p:cSld>
@@ -3908,24 +3726,10 @@
         </p:nvSpPr>
         <p:spPr/>
         <p:txBody>
-          <a:bodyPr>
-            <a:normAutofit fontScale="90000"/>
-          </a:bodyPr>
+          <a:bodyPr/>
           <a:lstStyle/>
           <a:p>
-            <a:r>
-              <a:rPr lang="kk-KZ" dirty="0" smtClean="0"/>
-              <a:t>Гаусс және </a:t>
-            </a:r>
-            <a:r>
-              <a:rPr lang="en-US" dirty="0" smtClean="0"/>
-              <a:t>CG </a:t>
-            </a:r>
-            <a:r>
-              <a:rPr lang="kk-KZ" dirty="0" smtClean="0"/>
-              <a:t>әдістерін параллельді алгоритмдері С++ программалау тілінде</a:t>
-            </a:r>
-            <a:endParaRPr lang="ru-RU" dirty="0"/>
+            <a:endParaRPr lang="ru-RU"/>
           </a:p>
         </p:txBody>
       </p:sp>
@@ -3944,225 +3748,7 @@
           <a:bodyPr/>
           <a:lstStyle/>
           <a:p>
-            <a:pPr marL="0" indent="0">
-              <a:buNone/>
-            </a:pPr>
-            <a:r>
-              <a:rPr lang="ru-RU" dirty="0" smtClean="0"/>
-              <a:t>      </a:t>
-            </a:r>
-            <a:r>
-              <a:rPr lang="ru-RU" b="1" i="1" dirty="0" err="1" smtClean="0"/>
-              <a:t>Параллельді</a:t>
-            </a:r>
-            <a:r>
-              <a:rPr lang="ru-RU" b="1" i="1" dirty="0" smtClean="0"/>
-              <a:t> </a:t>
-            </a:r>
-            <a:r>
-              <a:rPr lang="ru-RU" b="1" i="1" dirty="0" err="1" smtClean="0"/>
-              <a:t>есептеу</a:t>
-            </a:r>
-            <a:r>
-              <a:rPr lang="ru-RU" b="1" i="1" dirty="0" smtClean="0"/>
-              <a:t> </a:t>
-            </a:r>
-            <a:r>
-              <a:rPr lang="ru-RU" dirty="0" smtClean="0"/>
-              <a:t>- </a:t>
-            </a:r>
-            <a:r>
-              <a:rPr lang="ru-RU" dirty="0" err="1" smtClean="0"/>
-              <a:t>бағдарламаларды</a:t>
-            </a:r>
-            <a:r>
-              <a:rPr lang="ru-RU" dirty="0" smtClean="0"/>
-              <a:t> </a:t>
-            </a:r>
-            <a:r>
-              <a:rPr lang="ru-RU" dirty="0"/>
-              <a:t>параллель (</a:t>
-            </a:r>
-            <a:r>
-              <a:rPr lang="ru-RU" dirty="0" err="1"/>
-              <a:t>бір</a:t>
-            </a:r>
-            <a:r>
-              <a:rPr lang="ru-RU" dirty="0"/>
-              <a:t> </a:t>
-            </a:r>
-            <a:r>
-              <a:rPr lang="ru-RU" dirty="0" err="1"/>
-              <a:t>уақытта</a:t>
-            </a:r>
-            <a:r>
-              <a:rPr lang="ru-RU" dirty="0"/>
-              <a:t>)</a:t>
-            </a:r>
-            <a:r>
-              <a:rPr lang="ru-RU" dirty="0" err="1"/>
-              <a:t>жұмыс</a:t>
-            </a:r>
-            <a:r>
-              <a:rPr lang="ru-RU" dirty="0"/>
-              <a:t> </a:t>
-            </a:r>
-            <a:r>
-              <a:rPr lang="ru-RU" dirty="0" err="1"/>
-              <a:t>істейтін</a:t>
-            </a:r>
-            <a:r>
-              <a:rPr lang="ru-RU" dirty="0"/>
-              <a:t> </a:t>
-            </a:r>
-            <a:r>
-              <a:rPr lang="ru-RU" dirty="0" err="1"/>
-              <a:t>өзара</a:t>
-            </a:r>
-            <a:r>
-              <a:rPr lang="ru-RU" dirty="0"/>
-              <a:t> </a:t>
-            </a:r>
-            <a:r>
-              <a:rPr lang="ru-RU" dirty="0" err="1"/>
-              <a:t>әрекеттесетін</a:t>
-            </a:r>
-            <a:r>
-              <a:rPr lang="ru-RU" dirty="0"/>
-              <a:t> </a:t>
-            </a:r>
-            <a:r>
-              <a:rPr lang="ru-RU" dirty="0" err="1"/>
-              <a:t>есептеу</a:t>
-            </a:r>
-            <a:r>
-              <a:rPr lang="ru-RU" dirty="0"/>
-              <a:t> </a:t>
-            </a:r>
-            <a:r>
-              <a:rPr lang="ru-RU" dirty="0" err="1"/>
-              <a:t>процестерінің</a:t>
-            </a:r>
-            <a:r>
-              <a:rPr lang="ru-RU" dirty="0"/>
-              <a:t> </a:t>
-            </a:r>
-            <a:r>
-              <a:rPr lang="ru-RU" dirty="0" err="1"/>
-              <a:t>жиынтығы</a:t>
-            </a:r>
-            <a:r>
-              <a:rPr lang="ru-RU" dirty="0"/>
-              <a:t> </a:t>
-            </a:r>
-            <a:r>
-              <a:rPr lang="ru-RU" dirty="0" err="1"/>
-              <a:t>ретінде</a:t>
-            </a:r>
-            <a:r>
-              <a:rPr lang="ru-RU" dirty="0"/>
-              <a:t> </a:t>
-            </a:r>
-            <a:r>
-              <a:rPr lang="ru-RU" dirty="0" err="1" smtClean="0"/>
-              <a:t>жасайтын</a:t>
-            </a:r>
-            <a:r>
-              <a:rPr lang="ru-RU" dirty="0" smtClean="0"/>
-              <a:t> </a:t>
-            </a:r>
-            <a:r>
-              <a:rPr lang="ru-RU" dirty="0" err="1"/>
-              <a:t>компьютерлік</a:t>
-            </a:r>
-            <a:r>
-              <a:rPr lang="ru-RU" dirty="0"/>
-              <a:t> </a:t>
-            </a:r>
-            <a:r>
-              <a:rPr lang="ru-RU" dirty="0" err="1" smtClean="0"/>
-              <a:t>есептеулерді</a:t>
-            </a:r>
-            <a:r>
-              <a:rPr lang="ru-RU" dirty="0" smtClean="0"/>
-              <a:t> </a:t>
-            </a:r>
-            <a:r>
-              <a:rPr lang="ru-RU" dirty="0" err="1"/>
-              <a:t>ұйымдастыру</a:t>
-            </a:r>
-            <a:r>
-              <a:rPr lang="ru-RU" dirty="0"/>
-              <a:t> </a:t>
-            </a:r>
-            <a:r>
-              <a:rPr lang="ru-RU" dirty="0" err="1" smtClean="0"/>
-              <a:t>әдісі</a:t>
-            </a:r>
-            <a:r>
-              <a:rPr lang="ru-RU" dirty="0" smtClean="0"/>
-              <a:t>.</a:t>
-            </a:r>
-          </a:p>
-          <a:p>
-            <a:pPr marL="0" indent="0">
-              <a:buNone/>
-            </a:pPr>
-            <a:r>
-              <a:rPr lang="en-US" b="1" i="1" dirty="0" err="1"/>
-              <a:t>OpenMP</a:t>
-            </a:r>
-            <a:r>
-              <a:rPr lang="en-US" dirty="0"/>
-              <a:t>-</a:t>
-            </a:r>
-            <a:r>
-              <a:rPr lang="ru-RU" dirty="0" err="1"/>
-              <a:t>жалпы</a:t>
-            </a:r>
-            <a:r>
-              <a:rPr lang="ru-RU" dirty="0"/>
-              <a:t> </a:t>
-            </a:r>
-            <a:r>
-              <a:rPr lang="ru-RU" dirty="0" err="1"/>
-              <a:t>жады</a:t>
-            </a:r>
-            <a:r>
-              <a:rPr lang="ru-RU" dirty="0"/>
-              <a:t> бар параллель </a:t>
-            </a:r>
-            <a:r>
-              <a:rPr lang="ru-RU" dirty="0" err="1"/>
-              <a:t>жүйелерге</a:t>
-            </a:r>
-            <a:r>
-              <a:rPr lang="ru-RU" dirty="0"/>
-              <a:t> </a:t>
-            </a:r>
-            <a:r>
-              <a:rPr lang="ru-RU" dirty="0" err="1"/>
-              <a:t>арналған</a:t>
-            </a:r>
-            <a:r>
-              <a:rPr lang="ru-RU" dirty="0"/>
-              <a:t> </a:t>
-            </a:r>
-            <a:r>
-              <a:rPr lang="ru-RU" dirty="0" err="1"/>
-              <a:t>қолданбалы</a:t>
-            </a:r>
-            <a:r>
-              <a:rPr lang="ru-RU" dirty="0"/>
-              <a:t> интерфейс стандарты</a:t>
-            </a:r>
-            <a:endParaRPr lang="ru-RU" dirty="0" smtClean="0"/>
-          </a:p>
-          <a:p>
-            <a:pPr marL="0" indent="0">
-              <a:buNone/>
-            </a:pPr>
-            <a:endParaRPr lang="ru-RU" dirty="0"/>
+            <a:endParaRPr lang="ru-RU"/>
           </a:p>
         </p:txBody>
       </p:sp>
@@ -4238,7 +3824,7 @@
     </p:spTree>
     <p:extLst>
       <p:ext uri="{BB962C8B-B14F-4D97-AF65-F5344CB8AC3E}">
-        <p14:creationId xmlns:p14="http://schemas.microsoft.com/office/powerpoint/2010/main" val="2765152718"/>
+        <p14:creationId xmlns:p14="http://schemas.microsoft.com/office/powerpoint/2010/main" val="3923541446"/>
       </p:ext>
     </p:extLst>
   </p:cSld>
@@ -4267,7 +3853,13 @@
       </p:grpSpPr>
       <p:sp>
         <p:nvSpPr>
-          <p:cNvPr id="2" name="Заголовок 1"/>
+          <p:cNvPr id="2" name="Заголовок 1">
+            <a:extLst>
+              <a:ext uri="{FF2B5EF4-FFF2-40B4-BE49-F238E27FC236}">
+                <a16:creationId xmlns:a16="http://schemas.microsoft.com/office/drawing/2014/main" id="{707BE14F-B593-41C0-AE63-A4D21B92A937}"/>
+              </a:ext>
+            </a:extLst>
+          </p:cNvPr>
           <p:cNvSpPr>
             <a:spLocks noGrp="1"/>
           </p:cNvSpPr>
@@ -4277,6 +3869,53 @@
         </p:nvSpPr>
         <p:spPr/>
         <p:txBody>
+          <a:bodyPr>
+            <a:normAutofit/>
+          </a:bodyPr>
+          <a:lstStyle/>
+          <a:p>
+            <a:r>
+              <a:rPr lang="ru-RU" sz="3600" dirty="0" err="1"/>
+              <a:t>Графиктер</a:t>
+            </a:r>
+            <a:r>
+              <a:rPr lang="ru-RU" sz="3600" dirty="0"/>
+              <a:t>, </a:t>
+            </a:r>
+            <a:r>
+              <a:rPr lang="ru-RU" sz="3600" dirty="0" err="1"/>
+              <a:t>кестелер</a:t>
+            </a:r>
+            <a:r>
+              <a:rPr lang="ru-RU" sz="3600" dirty="0"/>
+              <a:t>, </a:t>
+            </a:r>
+            <a:r>
+              <a:rPr lang="ru-RU" sz="3600" dirty="0" err="1"/>
+              <a:t>суреттер</a:t>
+            </a:r>
+            <a:endParaRPr lang="ru-RU" sz="3600" dirty="0"/>
+          </a:p>
+        </p:txBody>
+      </p:sp>
+      <p:sp>
+        <p:nvSpPr>
+          <p:cNvPr id="3" name="Объект 2">
+            <a:extLst>
+              <a:ext uri="{FF2B5EF4-FFF2-40B4-BE49-F238E27FC236}">
+                <a16:creationId xmlns:a16="http://schemas.microsoft.com/office/drawing/2014/main" id="{0412E398-2BD1-4A66-B50A-DAFF60E098A9}"/>
+              </a:ext>
+            </a:extLst>
+          </p:cNvPr>
+          <p:cNvSpPr>
+            <a:spLocks noGrp="1"/>
+          </p:cNvSpPr>
+          <p:nvPr>
+            <p:ph idx="1"/>
+          </p:nvPr>
+        </p:nvSpPr>
+        <p:spPr/>
+        <p:txBody>
           <a:bodyPr/>
           <a:lstStyle/>
           <a:p>
@@ -4286,12 +3925,18 @@
       </p:sp>
       <p:sp>
         <p:nvSpPr>
-          <p:cNvPr id="3" name="Объект 2"/>
+          <p:cNvPr id="4" name="Дата 3">
+            <a:extLst>
+              <a:ext uri="{FF2B5EF4-FFF2-40B4-BE49-F238E27FC236}">
+                <a16:creationId xmlns:a16="http://schemas.microsoft.com/office/drawing/2014/main" id="{55FD7646-7316-478C-A278-77F0790A6AED}"/>
+              </a:ext>
+            </a:extLst>
+          </p:cNvPr>
           <p:cNvSpPr>
             <a:spLocks noGrp="1"/>
           </p:cNvSpPr>
           <p:nvPr>
-            <p:ph idx="1"/>
+            <p:ph type="dt" sz="half" idx="10"/>
           </p:nvPr>
         </p:nvSpPr>
         <p:spPr/>
@@ -4299,26 +3944,7 @@
           <a:bodyPr/>
           <a:lstStyle/>
           <a:p>
-            <a:endParaRPr lang="ru-RU"/>
-          </a:p>
-        </p:txBody>
-      </p:sp>
-      <p:sp>
-        <p:nvSpPr>
-          <p:cNvPr id="4" name="Дата 3"/>
-          <p:cNvSpPr>
-            <a:spLocks noGrp="1"/>
-          </p:cNvSpPr>
-          <p:nvPr>
-            <p:ph type="dt" sz="half" idx="10"/>
-          </p:nvPr>
-        </p:nvSpPr>
-        <p:spPr/>
-        <p:txBody>
-          <a:bodyPr/>
-          <a:lstStyle/>
-          <a:p>
-            <a:fld id="{44E0955F-D797-4FF7-9F57-168AA0F993D1}" type="datetime1">
+            <a:fld id="{E78E70B4-3E75-47F2-9C8B-A072F7CAC3FB}" type="datetime1">
               <a:rPr lang="ru-RU" smtClean="0"/>
               <a:t>25.04.2022</a:t>
             </a:fld>
@@ -4328,7 +3954,13 @@
       </p:sp>
       <p:sp>
         <p:nvSpPr>
-          <p:cNvPr id="5" name="Нижний колонтитул 4"/>
+          <p:cNvPr id="5" name="Нижний колонтитул 4">
+            <a:extLst>
+              <a:ext uri="{FF2B5EF4-FFF2-40B4-BE49-F238E27FC236}">
+                <a16:creationId xmlns:a16="http://schemas.microsoft.com/office/drawing/2014/main" id="{BD90A76A-990E-469D-8F80-F257D9F68AEB}"/>
+              </a:ext>
+            </a:extLst>
+          </p:cNvPr>
           <p:cNvSpPr>
             <a:spLocks noGrp="1"/>
           </p:cNvSpPr>
@@ -4342,7 +3974,7 @@
           <a:lstStyle/>
           <a:p>
             <a:r>
-              <a:rPr lang="kk-KZ" smtClean="0"/>
+              <a:rPr lang="kk-KZ"/>
               <a:t>Әл-Фараби атындағы Қазақ ұлттық университеті</a:t>
             </a:r>
             <a:endParaRPr lang="kk-KZ" dirty="0"/>
@@ -4351,7 +3983,13 @@
       </p:sp>
       <p:sp>
         <p:nvSpPr>
-          <p:cNvPr id="6" name="Номер слайда 5"/>
+          <p:cNvPr id="6" name="Номер слайда 5">
+            <a:extLst>
+              <a:ext uri="{FF2B5EF4-FFF2-40B4-BE49-F238E27FC236}">
+                <a16:creationId xmlns:a16="http://schemas.microsoft.com/office/drawing/2014/main" id="{2E7D4CFA-BC6C-4A77-87E9-D4F23BC4DD79}"/>
+              </a:ext>
+            </a:extLst>
+          </p:cNvPr>
           <p:cNvSpPr>
             <a:spLocks noGrp="1"/>
           </p:cNvSpPr>
@@ -4375,7 +4013,7 @@
     </p:spTree>
     <p:extLst>
       <p:ext uri="{BB962C8B-B14F-4D97-AF65-F5344CB8AC3E}">
-        <p14:creationId xmlns:p14="http://schemas.microsoft.com/office/powerpoint/2010/main" val="3923541446"/>
+        <p14:creationId xmlns:p14="http://schemas.microsoft.com/office/powerpoint/2010/main" val="530518521"/>
       </p:ext>
     </p:extLst>
   </p:cSld>
@@ -4404,10 +4042,10 @@
       </p:grpSpPr>
       <p:sp>
         <p:nvSpPr>
-          <p:cNvPr id="2" name="Заголовок 1">
+          <p:cNvPr id="5" name="Заголовок 4">
             <a:extLst>
               <a:ext uri="{FF2B5EF4-FFF2-40B4-BE49-F238E27FC236}">
-                <a16:creationId xmlns:a16="http://schemas.microsoft.com/office/drawing/2014/main" id="{707BE14F-B593-41C0-AE63-A4D21B92A937}"/>
+                <a16:creationId xmlns:a16="http://schemas.microsoft.com/office/drawing/2014/main" id="{D448D9FA-893E-4870-BD8B-65DF1C654E77}"/>
               </a:ext>
             </a:extLst>
           </p:cNvPr>
@@ -4426,35 +4064,46 @@
           <a:lstStyle/>
           <a:p>
             <a:r>
-              <a:rPr lang="ru-RU" sz="3600" dirty="0" err="1"/>
-              <a:t>Графиктер</a:t>
-            </a:r>
-            <a:r>
-              <a:rPr lang="ru-RU" sz="3600" dirty="0"/>
-              <a:t>, </a:t>
-            </a:r>
-            <a:r>
-              <a:rPr lang="ru-RU" sz="3600" dirty="0" err="1"/>
-              <a:t>кестелер</a:t>
-            </a:r>
-            <a:r>
-              <a:rPr lang="ru-RU" sz="3600" dirty="0"/>
-              <a:t>, </a:t>
-            </a:r>
-            <a:r>
-              <a:rPr lang="ru-RU" sz="3600" dirty="0" err="1"/>
-              <a:t>суреттер</a:t>
-            </a:r>
-            <a:endParaRPr lang="ru-RU" sz="3600" dirty="0"/>
-          </a:p>
-        </p:txBody>
-      </p:sp>
-      <p:sp>
-        <p:nvSpPr>
-          <p:cNvPr id="3" name="Объект 2">
+              <a:rPr lang="ru-RU" sz="3600" dirty="0" err="1">
+                <a:latin typeface="Arial" panose="020B0604020202020204" pitchFamily="34" charset="0"/>
+                <a:cs typeface="Arial" panose="020B0604020202020204" pitchFamily="34" charset="0"/>
+              </a:rPr>
+              <a:t>Зерттеу</a:t>
+            </a:r>
+            <a:r>
+              <a:rPr lang="ru-RU" sz="3600" dirty="0">
+                <a:latin typeface="Arial" panose="020B0604020202020204" pitchFamily="34" charset="0"/>
+                <a:cs typeface="Arial" panose="020B0604020202020204" pitchFamily="34" charset="0"/>
+              </a:rPr>
+              <a:t> </a:t>
+            </a:r>
+            <a:r>
+              <a:rPr lang="ru-RU" sz="3600" dirty="0" err="1">
+                <a:latin typeface="Arial" panose="020B0604020202020204" pitchFamily="34" charset="0"/>
+                <a:cs typeface="Arial" panose="020B0604020202020204" pitchFamily="34" charset="0"/>
+              </a:rPr>
+              <a:t>нәтиже</a:t>
+            </a:r>
+            <a:r>
+              <a:rPr lang="kk-KZ" sz="3600" dirty="0">
+                <a:latin typeface="Arial" panose="020B0604020202020204" pitchFamily="34" charset="0"/>
+                <a:cs typeface="Arial" panose="020B0604020202020204" pitchFamily="34" charset="0"/>
+              </a:rPr>
+              <a:t>лері</a:t>
+            </a:r>
+            <a:endParaRPr lang="ru-RU" sz="3600" dirty="0">
+              <a:latin typeface="Arial" panose="020B0604020202020204" pitchFamily="34" charset="0"/>
+              <a:cs typeface="Arial" panose="020B0604020202020204" pitchFamily="34" charset="0"/>
+            </a:endParaRPr>
+          </a:p>
+        </p:txBody>
+      </p:sp>
+      <p:sp>
+        <p:nvSpPr>
+          <p:cNvPr id="10" name="Объект 9">
             <a:extLst>
               <a:ext uri="{FF2B5EF4-FFF2-40B4-BE49-F238E27FC236}">
-                <a16:creationId xmlns:a16="http://schemas.microsoft.com/office/drawing/2014/main" id="{0412E398-2BD1-4A66-B50A-DAFF60E098A9}"/>
+                <a16:creationId xmlns:a16="http://schemas.microsoft.com/office/drawing/2014/main" id="{1CB27D92-96CD-44F8-8D83-564EDD636E51}"/>
               </a:ext>
             </a:extLst>
           </p:cNvPr>
@@ -4476,10 +4125,10 @@
       </p:sp>
       <p:sp>
         <p:nvSpPr>
-          <p:cNvPr id="4" name="Дата 3">
+          <p:cNvPr id="8" name="Дата 7">
             <a:extLst>
               <a:ext uri="{FF2B5EF4-FFF2-40B4-BE49-F238E27FC236}">
-                <a16:creationId xmlns:a16="http://schemas.microsoft.com/office/drawing/2014/main" id="{55FD7646-7316-478C-A278-77F0790A6AED}"/>
+                <a16:creationId xmlns:a16="http://schemas.microsoft.com/office/drawing/2014/main" id="{F7F4D3F7-36E3-4B72-BC1D-5F2980B47D66}"/>
               </a:ext>
             </a:extLst>
           </p:cNvPr>
@@ -4495,9 +4144,9 @@
           <a:bodyPr/>
           <a:lstStyle/>
           <a:p>
-            <a:fld id="{E78E70B4-3E75-47F2-9C8B-A072F7CAC3FB}" type="datetime1">
+            <a:fld id="{2F69B412-2FFB-469E-B29B-6FD9F71D1B4A}" type="datetime1">
               <a:rPr lang="ru-RU" smtClean="0"/>
-              <a:t>24.04.2022</a:t>
+              <a:t>25.04.2022</a:t>
             </a:fld>
             <a:endParaRPr lang="ru-RU" dirty="0"/>
           </a:p>
@@ -4505,10 +4154,10 @@
       </p:sp>
       <p:sp>
         <p:nvSpPr>
-          <p:cNvPr id="5" name="Нижний колонтитул 4">
+          <p:cNvPr id="6" name="Нижний колонтитул 5">
             <a:extLst>
               <a:ext uri="{FF2B5EF4-FFF2-40B4-BE49-F238E27FC236}">
-                <a16:creationId xmlns:a16="http://schemas.microsoft.com/office/drawing/2014/main" id="{BD90A76A-990E-469D-8F80-F257D9F68AEB}"/>
+                <a16:creationId xmlns:a16="http://schemas.microsoft.com/office/drawing/2014/main" id="{DC782594-9F4A-4E97-AC68-B38F2CD3E936}"/>
               </a:ext>
             </a:extLst>
           </p:cNvPr>
@@ -4525,19 +4174,19 @@
           <a:lstStyle/>
           <a:p>
             <a:r>
-              <a:rPr lang="kk-KZ"/>
+              <a:rPr lang="ru-RU"/>
               <a:t>Әл-Фараби атындағы Қазақ ұлттық университеті</a:t>
             </a:r>
-            <a:endParaRPr lang="kk-KZ" dirty="0"/>
-          </a:p>
-        </p:txBody>
-      </p:sp>
-      <p:sp>
-        <p:nvSpPr>
-          <p:cNvPr id="6" name="Номер слайда 5">
+            <a:endParaRPr lang="ru-RU" dirty="0"/>
+          </a:p>
+        </p:txBody>
+      </p:sp>
+      <p:sp>
+        <p:nvSpPr>
+          <p:cNvPr id="7" name="Номер слайда 6">
             <a:extLst>
               <a:ext uri="{FF2B5EF4-FFF2-40B4-BE49-F238E27FC236}">
-                <a16:creationId xmlns:a16="http://schemas.microsoft.com/office/drawing/2014/main" id="{2E7D4CFA-BC6C-4A77-87E9-D4F23BC4DD79}"/>
+                <a16:creationId xmlns:a16="http://schemas.microsoft.com/office/drawing/2014/main" id="{D8F8CABC-DB36-4F4C-B4D6-E636A2013CBE}"/>
               </a:ext>
             </a:extLst>
           </p:cNvPr>
@@ -4564,7 +4213,7 @@
     </p:spTree>
     <p:extLst>
       <p:ext uri="{BB962C8B-B14F-4D97-AF65-F5344CB8AC3E}">
-        <p14:creationId xmlns:p14="http://schemas.microsoft.com/office/powerpoint/2010/main" val="530518521"/>
+        <p14:creationId xmlns:p14="http://schemas.microsoft.com/office/powerpoint/2010/main" val="3011542719"/>
       </p:ext>
     </p:extLst>
   </p:cSld>
@@ -4593,206 +4242,6 @@
       </p:grpSpPr>
       <p:sp>
         <p:nvSpPr>
-          <p:cNvPr id="5" name="Заголовок 4">
-            <a:extLst>
-              <a:ext uri="{FF2B5EF4-FFF2-40B4-BE49-F238E27FC236}">
-                <a16:creationId xmlns:a16="http://schemas.microsoft.com/office/drawing/2014/main" id="{D448D9FA-893E-4870-BD8B-65DF1C654E77}"/>
-              </a:ext>
-            </a:extLst>
-          </p:cNvPr>
-          <p:cNvSpPr>
-            <a:spLocks noGrp="1"/>
-          </p:cNvSpPr>
-          <p:nvPr>
-            <p:ph type="title"/>
-          </p:nvPr>
-        </p:nvSpPr>
-        <p:spPr/>
-        <p:txBody>
-          <a:bodyPr>
-            <a:normAutofit/>
-          </a:bodyPr>
-          <a:lstStyle/>
-          <a:p>
-            <a:r>
-              <a:rPr lang="ru-RU" sz="3600" dirty="0" err="1">
-                <a:latin typeface="Arial" panose="020B0604020202020204" pitchFamily="34" charset="0"/>
-                <a:cs typeface="Arial" panose="020B0604020202020204" pitchFamily="34" charset="0"/>
-              </a:rPr>
-              <a:t>Зерттеу</a:t>
-            </a:r>
-            <a:r>
-              <a:rPr lang="ru-RU" sz="3600" dirty="0">
-                <a:latin typeface="Arial" panose="020B0604020202020204" pitchFamily="34" charset="0"/>
-                <a:cs typeface="Arial" panose="020B0604020202020204" pitchFamily="34" charset="0"/>
-              </a:rPr>
-              <a:t> </a:t>
-            </a:r>
-            <a:r>
-              <a:rPr lang="ru-RU" sz="3600" dirty="0" err="1">
-                <a:latin typeface="Arial" panose="020B0604020202020204" pitchFamily="34" charset="0"/>
-                <a:cs typeface="Arial" panose="020B0604020202020204" pitchFamily="34" charset="0"/>
-              </a:rPr>
-              <a:t>нәтиже</a:t>
-            </a:r>
-            <a:r>
-              <a:rPr lang="kk-KZ" sz="3600" dirty="0">
-                <a:latin typeface="Arial" panose="020B0604020202020204" pitchFamily="34" charset="0"/>
-                <a:cs typeface="Arial" panose="020B0604020202020204" pitchFamily="34" charset="0"/>
-              </a:rPr>
-              <a:t>лері</a:t>
-            </a:r>
-            <a:endParaRPr lang="ru-RU" sz="3600" dirty="0">
-              <a:latin typeface="Arial" panose="020B0604020202020204" pitchFamily="34" charset="0"/>
-              <a:cs typeface="Arial" panose="020B0604020202020204" pitchFamily="34" charset="0"/>
-            </a:endParaRPr>
-          </a:p>
-        </p:txBody>
-      </p:sp>
-      <p:sp>
-        <p:nvSpPr>
-          <p:cNvPr id="10" name="Объект 9">
-            <a:extLst>
-              <a:ext uri="{FF2B5EF4-FFF2-40B4-BE49-F238E27FC236}">
-                <a16:creationId xmlns:a16="http://schemas.microsoft.com/office/drawing/2014/main" id="{1CB27D92-96CD-44F8-8D83-564EDD636E51}"/>
-              </a:ext>
-            </a:extLst>
-          </p:cNvPr>
-          <p:cNvSpPr>
-            <a:spLocks noGrp="1"/>
-          </p:cNvSpPr>
-          <p:nvPr>
-            <p:ph idx="1"/>
-          </p:nvPr>
-        </p:nvSpPr>
-        <p:spPr/>
-        <p:txBody>
-          <a:bodyPr/>
-          <a:lstStyle/>
-          <a:p>
-            <a:endParaRPr lang="ru-RU"/>
-          </a:p>
-        </p:txBody>
-      </p:sp>
-      <p:sp>
-        <p:nvSpPr>
-          <p:cNvPr id="8" name="Дата 7">
-            <a:extLst>
-              <a:ext uri="{FF2B5EF4-FFF2-40B4-BE49-F238E27FC236}">
-                <a16:creationId xmlns:a16="http://schemas.microsoft.com/office/drawing/2014/main" id="{F7F4D3F7-36E3-4B72-BC1D-5F2980B47D66}"/>
-              </a:ext>
-            </a:extLst>
-          </p:cNvPr>
-          <p:cNvSpPr>
-            <a:spLocks noGrp="1"/>
-          </p:cNvSpPr>
-          <p:nvPr>
-            <p:ph type="dt" sz="half" idx="10"/>
-          </p:nvPr>
-        </p:nvSpPr>
-        <p:spPr/>
-        <p:txBody>
-          <a:bodyPr/>
-          <a:lstStyle/>
-          <a:p>
-            <a:fld id="{2F69B412-2FFB-469E-B29B-6FD9F71D1B4A}" type="datetime1">
-              <a:rPr lang="ru-RU" smtClean="0"/>
-              <a:t>24.04.2022</a:t>
-            </a:fld>
-            <a:endParaRPr lang="ru-RU" dirty="0"/>
-          </a:p>
-        </p:txBody>
-      </p:sp>
-      <p:sp>
-        <p:nvSpPr>
-          <p:cNvPr id="6" name="Нижний колонтитул 5">
-            <a:extLst>
-              <a:ext uri="{FF2B5EF4-FFF2-40B4-BE49-F238E27FC236}">
-                <a16:creationId xmlns:a16="http://schemas.microsoft.com/office/drawing/2014/main" id="{DC782594-9F4A-4E97-AC68-B38F2CD3E936}"/>
-              </a:ext>
-            </a:extLst>
-          </p:cNvPr>
-          <p:cNvSpPr>
-            <a:spLocks noGrp="1"/>
-          </p:cNvSpPr>
-          <p:nvPr>
-            <p:ph type="ftr" sz="quarter" idx="11"/>
-          </p:nvPr>
-        </p:nvSpPr>
-        <p:spPr/>
-        <p:txBody>
-          <a:bodyPr/>
-          <a:lstStyle/>
-          <a:p>
-            <a:r>
-              <a:rPr lang="ru-RU"/>
-              <a:t>Әл-Фараби атындағы Қазақ ұлттық университеті</a:t>
-            </a:r>
-            <a:endParaRPr lang="ru-RU" dirty="0"/>
-          </a:p>
-        </p:txBody>
-      </p:sp>
-      <p:sp>
-        <p:nvSpPr>
-          <p:cNvPr id="7" name="Номер слайда 6">
-            <a:extLst>
-              <a:ext uri="{FF2B5EF4-FFF2-40B4-BE49-F238E27FC236}">
-                <a16:creationId xmlns:a16="http://schemas.microsoft.com/office/drawing/2014/main" id="{D8F8CABC-DB36-4F4C-B4D6-E636A2013CBE}"/>
-              </a:ext>
-            </a:extLst>
-          </p:cNvPr>
-          <p:cNvSpPr>
-            <a:spLocks noGrp="1"/>
-          </p:cNvSpPr>
-          <p:nvPr>
-            <p:ph type="sldNum" sz="quarter" idx="12"/>
-          </p:nvPr>
-        </p:nvSpPr>
-        <p:spPr/>
-        <p:txBody>
-          <a:bodyPr/>
-          <a:lstStyle/>
-          <a:p>
-            <a:fld id="{AC83EC1F-A917-497A-BAA4-DAF738FAF6FC}" type="slidenum">
-              <a:rPr lang="ru-RU" smtClean="0"/>
-              <a:t>15</a:t>
-            </a:fld>
-            <a:endParaRPr lang="ru-RU" dirty="0"/>
-          </a:p>
-        </p:txBody>
-      </p:sp>
-    </p:spTree>
-    <p:extLst>
-      <p:ext uri="{BB962C8B-B14F-4D97-AF65-F5344CB8AC3E}">
-        <p14:creationId xmlns:p14="http://schemas.microsoft.com/office/powerpoint/2010/main" val="3011542719"/>
-      </p:ext>
-    </p:extLst>
-  </p:cSld>
-  <p:clrMapOvr>
-    <a:masterClrMapping/>
-  </p:clrMapOvr>
-</p:sld>
-</file>
-
-<file path=ppt/slides/slide16.xml><?xml version="1.0" encoding="utf-8"?>
-<p:sld xmlns:a="http://schemas.openxmlformats.org/drawingml/2006/main" xmlns:r="http://schemas.openxmlformats.org/officeDocument/2006/relationships" xmlns:p="http://schemas.openxmlformats.org/presentationml/2006/main">
-  <p:cSld>
-    <p:spTree>
-      <p:nvGrpSpPr>
-        <p:cNvPr id="1" name=""/>
-        <p:cNvGrpSpPr/>
-        <p:nvPr/>
-      </p:nvGrpSpPr>
-      <p:grpSpPr>
-        <a:xfrm>
-          <a:off x="0" y="0"/>
-          <a:ext cx="0" cy="0"/>
-          <a:chOff x="0" y="0"/>
-          <a:chExt cx="0" cy="0"/>
-        </a:xfrm>
-      </p:grpSpPr>
-      <p:sp>
-        <p:nvSpPr>
           <p:cNvPr id="4" name="Заголовок 3">
             <a:extLst>
               <a:ext uri="{FF2B5EF4-FFF2-40B4-BE49-F238E27FC236}">
@@ -4876,7 +4325,7 @@
           <a:p>
             <a:fld id="{D5779F22-C20D-4E9F-B8C2-1FF288EE1F47}" type="datetime1">
               <a:rPr lang="ru-RU" smtClean="0"/>
-              <a:t>24.04.2022</a:t>
+              <a:t>25.04.2022</a:t>
             </a:fld>
             <a:endParaRPr lang="ru-RU" dirty="0"/>
           </a:p>
@@ -4934,7 +4383,7 @@
           <a:p>
             <a:fld id="{AC83EC1F-A917-497A-BAA4-DAF738FAF6FC}" type="slidenum">
               <a:rPr lang="ru-RU" smtClean="0"/>
-              <a:t>16</a:t>
+              <a:t>15</a:t>
             </a:fld>
             <a:endParaRPr lang="ru-RU" dirty="0"/>
           </a:p>
@@ -4953,7 +4402,7 @@
 </p:sld>
 </file>
 
-<file path=ppt/slides/slide17.xml><?xml version="1.0" encoding="utf-8"?>
+<file path=ppt/slides/slide16.xml><?xml version="1.0" encoding="utf-8"?>
 <p:sld xmlns:a="http://schemas.openxmlformats.org/drawingml/2006/main" xmlns:r="http://schemas.openxmlformats.org/officeDocument/2006/relationships" xmlns:p="http://schemas.openxmlformats.org/presentationml/2006/main">
   <p:cSld>
     <p:spTree>
@@ -5094,7 +4543,7 @@
           <a:p>
             <a:fld id="{D2F1E462-3017-480F-B32E-3DD937001A55}" type="datetime1">
               <a:rPr lang="ru-RU" smtClean="0"/>
-              <a:t>24.04.2022</a:t>
+              <a:t>25.04.2022</a:t>
             </a:fld>
             <a:endParaRPr lang="ru-RU" dirty="0"/>
           </a:p>
@@ -5317,7 +4766,7 @@
           <a:p>
             <a:fld id="{72EFA71C-0D3E-470E-A426-350DC7500209}" type="datetime1">
               <a:rPr lang="ru-RU" smtClean="0"/>
-              <a:t>24.04.2022</a:t>
+              <a:t>25.04.2022</a:t>
             </a:fld>
             <a:endParaRPr lang="ru-RU" dirty="0"/>
           </a:p>
@@ -5562,7 +5011,7 @@
           <a:p>
             <a:fld id="{6AA39B8D-9B44-4C03-8586-2025FA882966}" type="datetime1">
               <a:rPr lang="ru-RU" smtClean="0"/>
-              <a:t>24.04.2022</a:t>
+              <a:t>25.04.2022</a:t>
             </a:fld>
             <a:endParaRPr lang="ru-RU" dirty="0"/>
           </a:p>
@@ -5745,7 +5194,7 @@
           <a:p>
             <a:fld id="{A643CDCB-9A2C-4E9E-A4D3-2108173B919B}" type="datetime1">
               <a:rPr lang="ru-RU" smtClean="0"/>
-              <a:t>24.04.2022</a:t>
+              <a:t>25.04.2022</a:t>
             </a:fld>
             <a:endParaRPr lang="ru-RU" dirty="0"/>
           </a:p>
@@ -6129,13 +5578,17 @@
         <p:spPr/>
         <p:txBody>
           <a:bodyPr>
-            <a:normAutofit fontScale="90000"/>
+            <a:normAutofit/>
           </a:bodyPr>
           <a:lstStyle/>
           <a:p>
             <a:r>
               <a:rPr lang="kk-KZ" dirty="0" smtClean="0"/>
-              <a:t>Гаусс әдісінің алгоритмі. 1-кезең (Тура бағыт).</a:t>
+              <a:t>Гаусс </a:t>
+            </a:r>
+            <a:r>
+              <a:rPr lang="kk-KZ" dirty="0" smtClean="0"/>
+              <a:t>әдісі</a:t>
             </a:r>
             <a:endParaRPr lang="ru-RU" dirty="0"/>
           </a:p>
@@ -6158,7 +5611,7 @@
           <a:p>
             <a:fld id="{44E0955F-D797-4FF7-9F57-168AA0F993D1}" type="datetime1">
               <a:rPr lang="ru-RU" smtClean="0"/>
-              <a:t>24.04.2022</a:t>
+              <a:t>25.04.2022</a:t>
             </a:fld>
             <a:endParaRPr lang="ru-RU" dirty="0"/>
           </a:p>
@@ -6210,38 +5663,727 @@
           </a:p>
         </p:txBody>
       </p:sp>
+      <p:sp>
+        <p:nvSpPr>
+          <p:cNvPr id="8" name="Объект 2"/>
+          <p:cNvSpPr>
+            <a:spLocks noGrp="1"/>
+          </p:cNvSpPr>
+          <p:nvPr>
+            <p:ph idx="1"/>
+          </p:nvPr>
+        </p:nvSpPr>
+        <p:spPr>
+          <a:xfrm>
+            <a:off x="854364" y="1656744"/>
+            <a:ext cx="10483272" cy="4351338"/>
+          </a:xfrm>
+        </p:spPr>
+        <p:txBody>
+          <a:bodyPr>
+            <a:normAutofit/>
+          </a:bodyPr>
+          <a:lstStyle/>
+          <a:p>
+            <a:pPr marL="0" indent="0" algn="just">
+              <a:buNone/>
+            </a:pPr>
+            <a:r>
+              <a:rPr lang="ru-RU" dirty="0" smtClean="0">
+                <a:latin typeface="Times New Roman" panose="02020603050405020304" pitchFamily="18" charset="0"/>
+                <a:cs typeface="Times New Roman" panose="02020603050405020304" pitchFamily="18" charset="0"/>
+              </a:rPr>
+              <a:t>     </a:t>
+            </a:r>
+            <a:r>
+              <a:rPr lang="ru-RU" dirty="0" err="1" smtClean="0">
+                <a:latin typeface="Times New Roman" panose="02020603050405020304" pitchFamily="18" charset="0"/>
+                <a:cs typeface="Times New Roman" panose="02020603050405020304" pitchFamily="18" charset="0"/>
+              </a:rPr>
+              <a:t>Бұл</a:t>
+            </a:r>
+            <a:r>
+              <a:rPr lang="ru-RU" dirty="0" smtClean="0">
+                <a:latin typeface="Times New Roman" panose="02020603050405020304" pitchFamily="18" charset="0"/>
+                <a:cs typeface="Times New Roman" panose="02020603050405020304" pitchFamily="18" charset="0"/>
+              </a:rPr>
+              <a:t> </a:t>
+            </a:r>
+            <a:r>
+              <a:rPr lang="ru-RU" dirty="0" err="1">
+                <a:latin typeface="Times New Roman" panose="02020603050405020304" pitchFamily="18" charset="0"/>
+                <a:cs typeface="Times New Roman" panose="02020603050405020304" pitchFamily="18" charset="0"/>
+              </a:rPr>
+              <a:t>әдіс</a:t>
+            </a:r>
+            <a:r>
+              <a:rPr lang="ru-RU" dirty="0">
+                <a:latin typeface="Times New Roman" panose="02020603050405020304" pitchFamily="18" charset="0"/>
+                <a:cs typeface="Times New Roman" panose="02020603050405020304" pitchFamily="18" charset="0"/>
+              </a:rPr>
+              <a:t> </a:t>
+            </a:r>
+            <a:r>
+              <a:rPr lang="ru-RU" dirty="0" err="1">
+                <a:latin typeface="Times New Roman" panose="02020603050405020304" pitchFamily="18" charset="0"/>
+                <a:cs typeface="Times New Roman" panose="02020603050405020304" pitchFamily="18" charset="0"/>
+              </a:rPr>
+              <a:t>сызықтық</a:t>
+            </a:r>
+            <a:r>
+              <a:rPr lang="ru-RU" dirty="0">
+                <a:latin typeface="Times New Roman" panose="02020603050405020304" pitchFamily="18" charset="0"/>
+                <a:cs typeface="Times New Roman" panose="02020603050405020304" pitchFamily="18" charset="0"/>
+              </a:rPr>
+              <a:t> </a:t>
+            </a:r>
+            <a:r>
+              <a:rPr lang="ru-RU" dirty="0" err="1">
+                <a:latin typeface="Times New Roman" panose="02020603050405020304" pitchFamily="18" charset="0"/>
+                <a:cs typeface="Times New Roman" panose="02020603050405020304" pitchFamily="18" charset="0"/>
+              </a:rPr>
+              <a:t>теңдеулер</a:t>
+            </a:r>
+            <a:r>
+              <a:rPr lang="ru-RU" dirty="0">
+                <a:latin typeface="Times New Roman" panose="02020603050405020304" pitchFamily="18" charset="0"/>
+                <a:cs typeface="Times New Roman" panose="02020603050405020304" pitchFamily="18" charset="0"/>
+              </a:rPr>
+              <a:t> </a:t>
+            </a:r>
+            <a:r>
+              <a:rPr lang="ru-RU" dirty="0" err="1">
+                <a:latin typeface="Times New Roman" panose="02020603050405020304" pitchFamily="18" charset="0"/>
+                <a:cs typeface="Times New Roman" panose="02020603050405020304" pitchFamily="18" charset="0"/>
+              </a:rPr>
+              <a:t>жүйесін</a:t>
+            </a:r>
+            <a:r>
+              <a:rPr lang="ru-RU" dirty="0">
+                <a:latin typeface="Times New Roman" panose="02020603050405020304" pitchFamily="18" charset="0"/>
+                <a:cs typeface="Times New Roman" panose="02020603050405020304" pitchFamily="18" charset="0"/>
+              </a:rPr>
+              <a:t> </a:t>
+            </a:r>
+            <a:r>
+              <a:rPr lang="ru-RU" dirty="0" err="1">
+                <a:latin typeface="Times New Roman" panose="02020603050405020304" pitchFamily="18" charset="0"/>
+                <a:cs typeface="Times New Roman" panose="02020603050405020304" pitchFamily="18" charset="0"/>
+              </a:rPr>
+              <a:t>шешудің</a:t>
+            </a:r>
+            <a:r>
+              <a:rPr lang="ru-RU" dirty="0">
+                <a:latin typeface="Times New Roman" panose="02020603050405020304" pitchFamily="18" charset="0"/>
+                <a:cs typeface="Times New Roman" panose="02020603050405020304" pitchFamily="18" charset="0"/>
+              </a:rPr>
+              <a:t> </a:t>
+            </a:r>
+            <a:r>
+              <a:rPr lang="ru-RU" dirty="0" err="1">
+                <a:latin typeface="Times New Roman" panose="02020603050405020304" pitchFamily="18" charset="0"/>
+                <a:cs typeface="Times New Roman" panose="02020603050405020304" pitchFamily="18" charset="0"/>
+              </a:rPr>
+              <a:t>ең</a:t>
+            </a:r>
+            <a:r>
+              <a:rPr lang="ru-RU" dirty="0">
+                <a:latin typeface="Times New Roman" panose="02020603050405020304" pitchFamily="18" charset="0"/>
+                <a:cs typeface="Times New Roman" panose="02020603050405020304" pitchFamily="18" charset="0"/>
+              </a:rPr>
+              <a:t> </a:t>
+            </a:r>
+            <a:r>
+              <a:rPr lang="ru-RU" dirty="0" err="1">
+                <a:latin typeface="Times New Roman" panose="02020603050405020304" pitchFamily="18" charset="0"/>
+                <a:cs typeface="Times New Roman" panose="02020603050405020304" pitchFamily="18" charset="0"/>
+              </a:rPr>
+              <a:t>танымал</a:t>
+            </a:r>
+            <a:r>
+              <a:rPr lang="ru-RU" dirty="0">
+                <a:latin typeface="Times New Roman" panose="02020603050405020304" pitchFamily="18" charset="0"/>
+                <a:cs typeface="Times New Roman" panose="02020603050405020304" pitchFamily="18" charset="0"/>
+              </a:rPr>
+              <a:t> </a:t>
+            </a:r>
+            <a:r>
+              <a:rPr lang="ru-RU" dirty="0" err="1" smtClean="0">
+                <a:latin typeface="Times New Roman" panose="02020603050405020304" pitchFamily="18" charset="0"/>
+                <a:cs typeface="Times New Roman" panose="02020603050405020304" pitchFamily="18" charset="0"/>
+              </a:rPr>
+              <a:t>нақты</a:t>
+            </a:r>
+            <a:r>
+              <a:rPr lang="ru-RU" dirty="0" smtClean="0">
+                <a:latin typeface="Times New Roman" panose="02020603050405020304" pitchFamily="18" charset="0"/>
+                <a:cs typeface="Times New Roman" panose="02020603050405020304" pitchFamily="18" charset="0"/>
+              </a:rPr>
+              <a:t> </a:t>
+            </a:r>
+            <a:r>
+              <a:rPr lang="ru-RU" dirty="0" err="1">
+                <a:latin typeface="Times New Roman" panose="02020603050405020304" pitchFamily="18" charset="0"/>
+                <a:cs typeface="Times New Roman" panose="02020603050405020304" pitchFamily="18" charset="0"/>
+              </a:rPr>
+              <a:t>әдістерінің</a:t>
+            </a:r>
+            <a:r>
+              <a:rPr lang="ru-RU" dirty="0">
+                <a:latin typeface="Times New Roman" panose="02020603050405020304" pitchFamily="18" charset="0"/>
+                <a:cs typeface="Times New Roman" panose="02020603050405020304" pitchFamily="18" charset="0"/>
+              </a:rPr>
+              <a:t> </a:t>
+            </a:r>
+            <a:r>
+              <a:rPr lang="ru-RU" dirty="0" err="1">
+                <a:latin typeface="Times New Roman" panose="02020603050405020304" pitchFamily="18" charset="0"/>
+                <a:cs typeface="Times New Roman" panose="02020603050405020304" pitchFamily="18" charset="0"/>
+              </a:rPr>
+              <a:t>бірі</a:t>
+            </a:r>
+            <a:r>
+              <a:rPr lang="ru-RU" dirty="0">
+                <a:latin typeface="Times New Roman" panose="02020603050405020304" pitchFamily="18" charset="0"/>
+                <a:cs typeface="Times New Roman" panose="02020603050405020304" pitchFamily="18" charset="0"/>
+              </a:rPr>
+              <a:t>. </a:t>
+            </a:r>
+            <a:r>
+              <a:rPr lang="ru-RU" dirty="0" err="1">
+                <a:latin typeface="Times New Roman" panose="02020603050405020304" pitchFamily="18" charset="0"/>
+                <a:ea typeface="Calibri" panose="020F0502020204030204" pitchFamily="34" charset="0"/>
+              </a:rPr>
+              <a:t>Әдістің</a:t>
+            </a:r>
+            <a:r>
+              <a:rPr lang="ru-RU" dirty="0">
+                <a:latin typeface="Times New Roman" panose="02020603050405020304" pitchFamily="18" charset="0"/>
+                <a:ea typeface="Calibri" panose="020F0502020204030204" pitchFamily="34" charset="0"/>
+              </a:rPr>
+              <a:t> </a:t>
+            </a:r>
+            <a:r>
+              <a:rPr lang="ru-RU" dirty="0" err="1">
+                <a:latin typeface="Times New Roman" panose="02020603050405020304" pitchFamily="18" charset="0"/>
+                <a:ea typeface="Calibri" panose="020F0502020204030204" pitchFamily="34" charset="0"/>
+              </a:rPr>
+              <a:t>негізгі</a:t>
+            </a:r>
+            <a:r>
+              <a:rPr lang="ru-RU" dirty="0">
+                <a:latin typeface="Times New Roman" panose="02020603050405020304" pitchFamily="18" charset="0"/>
+                <a:ea typeface="Calibri" panose="020F0502020204030204" pitchFamily="34" charset="0"/>
+              </a:rPr>
+              <a:t> </a:t>
+            </a:r>
+            <a:r>
+              <a:rPr lang="ru-RU" dirty="0" err="1">
+                <a:latin typeface="Times New Roman" panose="02020603050405020304" pitchFamily="18" charset="0"/>
+                <a:ea typeface="Calibri" panose="020F0502020204030204" pitchFamily="34" charset="0"/>
+              </a:rPr>
+              <a:t>идеясы</a:t>
+            </a:r>
+            <a:r>
+              <a:rPr lang="ru-RU" dirty="0">
+                <a:latin typeface="Times New Roman" panose="02020603050405020304" pitchFamily="18" charset="0"/>
+                <a:ea typeface="Calibri" panose="020F0502020204030204" pitchFamily="34" charset="0"/>
+              </a:rPr>
+              <a:t> </a:t>
+            </a:r>
+            <a:r>
+              <a:rPr lang="ru-RU" dirty="0" smtClean="0">
+                <a:latin typeface="Times New Roman" panose="02020603050405020304" pitchFamily="18" charset="0"/>
+                <a:ea typeface="Calibri" panose="020F0502020204030204" pitchFamily="34" charset="0"/>
+              </a:rPr>
+              <a:t>- </a:t>
+            </a:r>
+            <a:r>
+              <a:rPr lang="ru-RU" dirty="0" err="1" smtClean="0">
+                <a:latin typeface="Times New Roman" panose="02020603050405020304" pitchFamily="18" charset="0"/>
+                <a:ea typeface="Calibri" panose="020F0502020204030204" pitchFamily="34" charset="0"/>
+              </a:rPr>
+              <a:t>элементар</a:t>
+            </a:r>
+            <a:r>
+              <a:rPr lang="ru-RU" dirty="0" smtClean="0">
+                <a:latin typeface="Times New Roman" panose="02020603050405020304" pitchFamily="18" charset="0"/>
+                <a:ea typeface="Calibri" panose="020F0502020204030204" pitchFamily="34" charset="0"/>
+              </a:rPr>
+              <a:t> </a:t>
+            </a:r>
+            <a:r>
+              <a:rPr lang="ru-RU" dirty="0" err="1">
+                <a:latin typeface="Times New Roman" panose="02020603050405020304" pitchFamily="18" charset="0"/>
+                <a:ea typeface="Calibri" panose="020F0502020204030204" pitchFamily="34" charset="0"/>
+              </a:rPr>
+              <a:t>түрлендірулерді</a:t>
+            </a:r>
+            <a:r>
+              <a:rPr lang="ru-RU" dirty="0">
+                <a:latin typeface="Times New Roman" panose="02020603050405020304" pitchFamily="18" charset="0"/>
+                <a:ea typeface="Calibri" panose="020F0502020204030204" pitchFamily="34" charset="0"/>
+              </a:rPr>
+              <a:t> </a:t>
+            </a:r>
+            <a:r>
+              <a:rPr lang="ru-RU" dirty="0" err="1">
+                <a:latin typeface="Times New Roman" panose="02020603050405020304" pitchFamily="18" charset="0"/>
+                <a:ea typeface="Calibri" panose="020F0502020204030204" pitchFamily="34" charset="0"/>
+              </a:rPr>
+              <a:t>қолдана</a:t>
+            </a:r>
+            <a:r>
+              <a:rPr lang="ru-RU" dirty="0">
+                <a:latin typeface="Times New Roman" panose="02020603050405020304" pitchFamily="18" charset="0"/>
+                <a:ea typeface="Calibri" panose="020F0502020204030204" pitchFamily="34" charset="0"/>
+              </a:rPr>
+              <a:t> </a:t>
+            </a:r>
+            <a:r>
+              <a:rPr lang="ru-RU" dirty="0" err="1">
+                <a:latin typeface="Times New Roman" panose="02020603050405020304" pitchFamily="18" charset="0"/>
+                <a:ea typeface="Calibri" panose="020F0502020204030204" pitchFamily="34" charset="0"/>
+              </a:rPr>
+              <a:t>отырып</a:t>
+            </a:r>
+            <a:r>
+              <a:rPr lang="ru-RU" dirty="0">
+                <a:latin typeface="Times New Roman" panose="02020603050405020304" pitchFamily="18" charset="0"/>
+                <a:ea typeface="Calibri" panose="020F0502020204030204" pitchFamily="34" charset="0"/>
+              </a:rPr>
+              <a:t>, </a:t>
+            </a:r>
+            <a:r>
+              <a:rPr lang="ru-RU" dirty="0" err="1">
+                <a:latin typeface="Times New Roman" panose="02020603050405020304" pitchFamily="18" charset="0"/>
+                <a:ea typeface="Calibri" panose="020F0502020204030204" pitchFamily="34" charset="0"/>
+              </a:rPr>
+              <a:t>теңдеулер</a:t>
+            </a:r>
+            <a:r>
+              <a:rPr lang="ru-RU" dirty="0">
+                <a:latin typeface="Times New Roman" panose="02020603050405020304" pitchFamily="18" charset="0"/>
+                <a:ea typeface="Calibri" panose="020F0502020204030204" pitchFamily="34" charset="0"/>
+              </a:rPr>
+              <a:t> </a:t>
+            </a:r>
+            <a:r>
+              <a:rPr lang="ru-RU" dirty="0" err="1">
+                <a:latin typeface="Times New Roman" panose="02020603050405020304" pitchFamily="18" charset="0"/>
+                <a:ea typeface="Calibri" panose="020F0502020204030204" pitchFamily="34" charset="0"/>
+              </a:rPr>
+              <a:t>жүйесі</a:t>
+            </a:r>
+            <a:r>
+              <a:rPr lang="ru-RU" dirty="0">
+                <a:latin typeface="Times New Roman" panose="02020603050405020304" pitchFamily="18" charset="0"/>
+                <a:ea typeface="Calibri" panose="020F0502020204030204" pitchFamily="34" charset="0"/>
+              </a:rPr>
+              <a:t> </a:t>
+            </a:r>
+            <a:r>
+              <a:rPr lang="ru-RU" dirty="0" err="1" smtClean="0">
+                <a:latin typeface="Times New Roman" panose="02020603050405020304" pitchFamily="18" charset="0"/>
+                <a:ea typeface="Calibri" panose="020F0502020204030204" pitchFamily="34" charset="0"/>
+              </a:rPr>
+              <a:t>үшбұрышты</a:t>
+            </a:r>
+            <a:r>
+              <a:rPr lang="ru-RU" dirty="0" smtClean="0">
+                <a:latin typeface="Times New Roman" panose="02020603050405020304" pitchFamily="18" charset="0"/>
+                <a:ea typeface="Calibri" panose="020F0502020204030204" pitchFamily="34" charset="0"/>
+              </a:rPr>
+              <a:t> </a:t>
+            </a:r>
+            <a:r>
+              <a:rPr lang="ru-RU" dirty="0" err="1">
+                <a:latin typeface="Times New Roman" panose="02020603050405020304" pitchFamily="18" charset="0"/>
+                <a:ea typeface="Calibri" panose="020F0502020204030204" pitchFamily="34" charset="0"/>
+              </a:rPr>
+              <a:t>түрдегі</a:t>
+            </a:r>
+            <a:r>
+              <a:rPr lang="ru-RU" dirty="0">
+                <a:latin typeface="Times New Roman" panose="02020603050405020304" pitchFamily="18" charset="0"/>
+                <a:ea typeface="Calibri" panose="020F0502020204030204" pitchFamily="34" charset="0"/>
+              </a:rPr>
+              <a:t> </a:t>
+            </a:r>
+            <a:r>
+              <a:rPr lang="ru-RU" dirty="0" err="1">
+                <a:latin typeface="Times New Roman" panose="02020603050405020304" pitchFamily="18" charset="0"/>
+                <a:ea typeface="Calibri" panose="020F0502020204030204" pitchFamily="34" charset="0"/>
+              </a:rPr>
+              <a:t>эквивалентті</a:t>
+            </a:r>
+            <a:r>
+              <a:rPr lang="ru-RU" dirty="0">
+                <a:latin typeface="Times New Roman" panose="02020603050405020304" pitchFamily="18" charset="0"/>
+                <a:ea typeface="Calibri" panose="020F0502020204030204" pitchFamily="34" charset="0"/>
+              </a:rPr>
+              <a:t> </a:t>
+            </a:r>
+            <a:r>
+              <a:rPr lang="ru-RU" dirty="0" err="1">
+                <a:latin typeface="Times New Roman" panose="02020603050405020304" pitchFamily="18" charset="0"/>
+                <a:ea typeface="Calibri" panose="020F0502020204030204" pitchFamily="34" charset="0"/>
+              </a:rPr>
+              <a:t>жүйеге</a:t>
+            </a:r>
+            <a:r>
+              <a:rPr lang="ru-RU" dirty="0">
+                <a:latin typeface="Times New Roman" panose="02020603050405020304" pitchFamily="18" charset="0"/>
+                <a:ea typeface="Calibri" panose="020F0502020204030204" pitchFamily="34" charset="0"/>
+              </a:rPr>
+              <a:t> </a:t>
+            </a:r>
+            <a:r>
+              <a:rPr lang="ru-RU" dirty="0" err="1" smtClean="0">
+                <a:latin typeface="Times New Roman" panose="02020603050405020304" pitchFamily="18" charset="0"/>
+                <a:ea typeface="Calibri" panose="020F0502020204030204" pitchFamily="34" charset="0"/>
+              </a:rPr>
+              <a:t>келтіру</a:t>
+            </a:r>
+            <a:r>
+              <a:rPr lang="ru-RU" dirty="0" smtClean="0">
+                <a:latin typeface="Times New Roman" panose="02020603050405020304" pitchFamily="18" charset="0"/>
+                <a:ea typeface="Calibri" panose="020F0502020204030204" pitchFamily="34" charset="0"/>
+              </a:rPr>
+              <a:t>. </a:t>
+            </a:r>
+          </a:p>
+          <a:p>
+            <a:pPr marL="0" indent="0" algn="just">
+              <a:buNone/>
+            </a:pPr>
+            <a:r>
+              <a:rPr lang="ru-RU" dirty="0" err="1">
+                <a:latin typeface="Times New Roman" panose="02020603050405020304" pitchFamily="18" charset="0"/>
+                <a:ea typeface="Calibri" panose="020F0502020204030204" pitchFamily="34" charset="0"/>
+              </a:rPr>
+              <a:t>Алгоритмді</a:t>
+            </a:r>
+            <a:r>
+              <a:rPr lang="ru-RU" dirty="0">
+                <a:latin typeface="Times New Roman" panose="02020603050405020304" pitchFamily="18" charset="0"/>
+                <a:ea typeface="Calibri" panose="020F0502020204030204" pitchFamily="34" charset="0"/>
+              </a:rPr>
+              <a:t> </a:t>
+            </a:r>
+            <a:r>
+              <a:rPr lang="ru-RU" dirty="0" err="1">
+                <a:latin typeface="Times New Roman" panose="02020603050405020304" pitchFamily="18" charset="0"/>
+                <a:ea typeface="Calibri" panose="020F0502020204030204" pitchFamily="34" charset="0"/>
+              </a:rPr>
+              <a:t>шартты</a:t>
+            </a:r>
+            <a:r>
+              <a:rPr lang="ru-RU" dirty="0">
+                <a:latin typeface="Times New Roman" panose="02020603050405020304" pitchFamily="18" charset="0"/>
+                <a:ea typeface="Calibri" panose="020F0502020204030204" pitchFamily="34" charset="0"/>
+              </a:rPr>
+              <a:t> </a:t>
+            </a:r>
+            <a:r>
+              <a:rPr lang="ru-RU" dirty="0" err="1">
+                <a:latin typeface="Times New Roman" panose="02020603050405020304" pitchFamily="18" charset="0"/>
+                <a:ea typeface="Calibri" panose="020F0502020204030204" pitchFamily="34" charset="0"/>
+              </a:rPr>
+              <a:t>түрде</a:t>
+            </a:r>
+            <a:r>
+              <a:rPr lang="ru-RU" dirty="0">
+                <a:latin typeface="Times New Roman" panose="02020603050405020304" pitchFamily="18" charset="0"/>
+                <a:ea typeface="Calibri" panose="020F0502020204030204" pitchFamily="34" charset="0"/>
+              </a:rPr>
+              <a:t> </a:t>
+            </a:r>
+            <a:r>
+              <a:rPr lang="ru-RU" dirty="0" err="1">
+                <a:latin typeface="Times New Roman" panose="02020603050405020304" pitchFamily="18" charset="0"/>
+                <a:ea typeface="Calibri" panose="020F0502020204030204" pitchFamily="34" charset="0"/>
+              </a:rPr>
+              <a:t>екі</a:t>
+            </a:r>
+            <a:r>
+              <a:rPr lang="ru-RU" dirty="0">
+                <a:latin typeface="Times New Roman" panose="02020603050405020304" pitchFamily="18" charset="0"/>
+                <a:ea typeface="Calibri" panose="020F0502020204030204" pitchFamily="34" charset="0"/>
+              </a:rPr>
+              <a:t> </a:t>
+            </a:r>
+            <a:r>
+              <a:rPr lang="ru-RU" dirty="0" err="1">
+                <a:latin typeface="Times New Roman" panose="02020603050405020304" pitchFamily="18" charset="0"/>
+                <a:ea typeface="Calibri" panose="020F0502020204030204" pitchFamily="34" charset="0"/>
+              </a:rPr>
+              <a:t>кезеңге</a:t>
+            </a:r>
+            <a:r>
+              <a:rPr lang="ru-RU" dirty="0">
+                <a:latin typeface="Times New Roman" panose="02020603050405020304" pitchFamily="18" charset="0"/>
+                <a:ea typeface="Calibri" panose="020F0502020204030204" pitchFamily="34" charset="0"/>
+              </a:rPr>
+              <a:t> </a:t>
+            </a:r>
+            <a:r>
+              <a:rPr lang="ru-RU" dirty="0" err="1">
+                <a:latin typeface="Times New Roman" panose="02020603050405020304" pitchFamily="18" charset="0"/>
+                <a:ea typeface="Calibri" panose="020F0502020204030204" pitchFamily="34" charset="0"/>
+              </a:rPr>
+              <a:t>бөлуге</a:t>
+            </a:r>
+            <a:r>
+              <a:rPr lang="ru-RU" dirty="0">
+                <a:latin typeface="Times New Roman" panose="02020603050405020304" pitchFamily="18" charset="0"/>
+                <a:ea typeface="Calibri" panose="020F0502020204030204" pitchFamily="34" charset="0"/>
+              </a:rPr>
+              <a:t> </a:t>
+            </a:r>
+            <a:r>
+              <a:rPr lang="ru-RU" dirty="0" err="1">
+                <a:latin typeface="Times New Roman" panose="02020603050405020304" pitchFamily="18" charset="0"/>
+                <a:ea typeface="Calibri" panose="020F0502020204030204" pitchFamily="34" charset="0"/>
+              </a:rPr>
+              <a:t>болады</a:t>
+            </a:r>
+            <a:r>
+              <a:rPr lang="ru-RU" dirty="0" smtClean="0">
+                <a:latin typeface="Times New Roman" panose="02020603050405020304" pitchFamily="18" charset="0"/>
+                <a:ea typeface="Calibri" panose="020F0502020204030204" pitchFamily="34" charset="0"/>
+              </a:rPr>
+              <a:t>:</a:t>
+            </a:r>
+          </a:p>
+          <a:p>
+            <a:pPr algn="just"/>
+            <a:r>
+              <a:rPr lang="ru-RU" dirty="0" smtClean="0">
+                <a:latin typeface="Times New Roman" panose="02020603050405020304" pitchFamily="18" charset="0"/>
+                <a:ea typeface="Calibri" panose="020F0502020204030204" pitchFamily="34" charset="0"/>
+              </a:rPr>
+              <a:t>Тура </a:t>
+            </a:r>
+            <a:r>
+              <a:rPr lang="ru-RU" dirty="0" err="1" smtClean="0">
+                <a:latin typeface="Times New Roman" panose="02020603050405020304" pitchFamily="18" charset="0"/>
+                <a:ea typeface="Calibri" panose="020F0502020204030204" pitchFamily="34" charset="0"/>
+              </a:rPr>
+              <a:t>жүріс</a:t>
+            </a:r>
+            <a:r>
+              <a:rPr lang="ru-RU" dirty="0" smtClean="0">
+                <a:latin typeface="Times New Roman" panose="02020603050405020304" pitchFamily="18" charset="0"/>
+                <a:ea typeface="Calibri" panose="020F0502020204030204" pitchFamily="34" charset="0"/>
+              </a:rPr>
+              <a:t> – </a:t>
+            </a:r>
+            <a:r>
+              <a:rPr lang="ru-RU" dirty="0" err="1" smtClean="0">
+                <a:latin typeface="Times New Roman" panose="02020603050405020304" pitchFamily="18" charset="0"/>
+                <a:ea typeface="Calibri" panose="020F0502020204030204" pitchFamily="34" charset="0"/>
+              </a:rPr>
+              <a:t>айнымалыларды</a:t>
+            </a:r>
+            <a:r>
+              <a:rPr lang="ru-RU" dirty="0" smtClean="0">
+                <a:latin typeface="Times New Roman" panose="02020603050405020304" pitchFamily="18" charset="0"/>
+                <a:ea typeface="Calibri" panose="020F0502020204030204" pitchFamily="34" charset="0"/>
+              </a:rPr>
+              <a:t> </a:t>
+            </a:r>
+            <a:r>
+              <a:rPr lang="ru-RU" dirty="0" err="1" smtClean="0">
+                <a:latin typeface="Times New Roman" panose="02020603050405020304" pitchFamily="18" charset="0"/>
+                <a:ea typeface="Calibri" panose="020F0502020204030204" pitchFamily="34" charset="0"/>
+              </a:rPr>
+              <a:t>сатылы</a:t>
+            </a:r>
+            <a:r>
+              <a:rPr lang="ru-RU" dirty="0" smtClean="0">
+                <a:latin typeface="Times New Roman" panose="02020603050405020304" pitchFamily="18" charset="0"/>
+                <a:ea typeface="Calibri" panose="020F0502020204030204" pitchFamily="34" charset="0"/>
+              </a:rPr>
+              <a:t> </a:t>
+            </a:r>
+            <a:r>
+              <a:rPr lang="ru-RU" dirty="0" err="1" smtClean="0">
+                <a:latin typeface="Times New Roman" panose="02020603050405020304" pitchFamily="18" charset="0"/>
+                <a:ea typeface="Calibri" panose="020F0502020204030204" pitchFamily="34" charset="0"/>
+              </a:rPr>
+              <a:t>біртіндеп</a:t>
+            </a:r>
+            <a:r>
+              <a:rPr lang="ru-RU" dirty="0" smtClean="0">
+                <a:latin typeface="Times New Roman" panose="02020603050405020304" pitchFamily="18" charset="0"/>
+                <a:ea typeface="Calibri" panose="020F0502020204030204" pitchFamily="34" charset="0"/>
+              </a:rPr>
+              <a:t> </a:t>
+            </a:r>
+            <a:r>
+              <a:rPr lang="ru-RU" dirty="0" err="1" smtClean="0">
+                <a:latin typeface="Times New Roman" panose="02020603050405020304" pitchFamily="18" charset="0"/>
+                <a:ea typeface="Calibri" panose="020F0502020204030204" pitchFamily="34" charset="0"/>
+              </a:rPr>
+              <a:t>жою</a:t>
+            </a:r>
+            <a:r>
+              <a:rPr lang="ru-RU" dirty="0" smtClean="0">
+                <a:latin typeface="Times New Roman" panose="02020603050405020304" pitchFamily="18" charset="0"/>
+                <a:ea typeface="Calibri" panose="020F0502020204030204" pitchFamily="34" charset="0"/>
+              </a:rPr>
+              <a:t>;</a:t>
+            </a:r>
+          </a:p>
+          <a:p>
+            <a:pPr algn="just"/>
+            <a:r>
+              <a:rPr lang="ru-RU" dirty="0" err="1" smtClean="0">
+                <a:latin typeface="Times New Roman" panose="02020603050405020304" pitchFamily="18" charset="0"/>
+                <a:ea typeface="Calibri" panose="020F0502020204030204" pitchFamily="34" charset="0"/>
+              </a:rPr>
+              <a:t>Кері</a:t>
+            </a:r>
+            <a:r>
+              <a:rPr lang="ru-RU" dirty="0" smtClean="0">
+                <a:latin typeface="Times New Roman" panose="02020603050405020304" pitchFamily="18" charset="0"/>
+                <a:ea typeface="Calibri" panose="020F0502020204030204" pitchFamily="34" charset="0"/>
+              </a:rPr>
+              <a:t> </a:t>
+            </a:r>
+            <a:r>
+              <a:rPr lang="ru-RU" dirty="0" err="1" smtClean="0">
+                <a:latin typeface="Times New Roman" panose="02020603050405020304" pitchFamily="18" charset="0"/>
+                <a:ea typeface="Calibri" panose="020F0502020204030204" pitchFamily="34" charset="0"/>
+              </a:rPr>
+              <a:t>жүріс</a:t>
+            </a:r>
+            <a:r>
+              <a:rPr lang="ru-RU" dirty="0" smtClean="0">
+                <a:latin typeface="Times New Roman" panose="02020603050405020304" pitchFamily="18" charset="0"/>
+                <a:ea typeface="Calibri" panose="020F0502020204030204" pitchFamily="34" charset="0"/>
+              </a:rPr>
+              <a:t> – </a:t>
+            </a:r>
+            <a:r>
+              <a:rPr lang="ru-RU" dirty="0" err="1" smtClean="0">
+                <a:latin typeface="Times New Roman" panose="02020603050405020304" pitchFamily="18" charset="0"/>
+                <a:ea typeface="Calibri" panose="020F0502020204030204" pitchFamily="34" charset="0"/>
+              </a:rPr>
+              <a:t>қалған</a:t>
+            </a:r>
+            <a:r>
+              <a:rPr lang="ru-RU" dirty="0" smtClean="0">
+                <a:latin typeface="Times New Roman" panose="02020603050405020304" pitchFamily="18" charset="0"/>
+                <a:ea typeface="Calibri" panose="020F0502020204030204" pitchFamily="34" charset="0"/>
+              </a:rPr>
+              <a:t> </a:t>
+            </a:r>
+            <a:r>
+              <a:rPr lang="ru-RU" dirty="0" err="1" smtClean="0">
+                <a:latin typeface="Times New Roman" panose="02020603050405020304" pitchFamily="18" charset="0"/>
+                <a:ea typeface="Calibri" panose="020F0502020204030204" pitchFamily="34" charset="0"/>
+              </a:rPr>
+              <a:t>айнымалыларды</a:t>
+            </a:r>
+            <a:r>
+              <a:rPr lang="ru-RU" dirty="0" smtClean="0">
+                <a:latin typeface="Times New Roman" panose="02020603050405020304" pitchFamily="18" charset="0"/>
+                <a:ea typeface="Calibri" panose="020F0502020204030204" pitchFamily="34" charset="0"/>
+              </a:rPr>
+              <a:t> </a:t>
+            </a:r>
+            <a:r>
+              <a:rPr lang="ru-RU" dirty="0" err="1" smtClean="0">
+                <a:latin typeface="Times New Roman" panose="02020603050405020304" pitchFamily="18" charset="0"/>
+                <a:ea typeface="Calibri" panose="020F0502020204030204" pitchFamily="34" charset="0"/>
+              </a:rPr>
+              <a:t>соңғысынан</a:t>
+            </a:r>
+            <a:r>
+              <a:rPr lang="ru-RU" dirty="0" smtClean="0">
+                <a:latin typeface="Times New Roman" panose="02020603050405020304" pitchFamily="18" charset="0"/>
+                <a:ea typeface="Calibri" panose="020F0502020204030204" pitchFamily="34" charset="0"/>
+              </a:rPr>
+              <a:t> </a:t>
+            </a:r>
+            <a:r>
+              <a:rPr lang="ru-RU" dirty="0" err="1" smtClean="0">
+                <a:latin typeface="Times New Roman" panose="02020603050405020304" pitchFamily="18" charset="0"/>
+                <a:ea typeface="Calibri" panose="020F0502020204030204" pitchFamily="34" charset="0"/>
+              </a:rPr>
+              <a:t>бастап</a:t>
+            </a:r>
+            <a:r>
+              <a:rPr lang="ru-RU" dirty="0" smtClean="0">
+                <a:latin typeface="Times New Roman" panose="02020603050405020304" pitchFamily="18" charset="0"/>
+                <a:ea typeface="Calibri" panose="020F0502020204030204" pitchFamily="34" charset="0"/>
+              </a:rPr>
+              <a:t> </a:t>
+            </a:r>
+            <a:r>
+              <a:rPr lang="ru-RU" dirty="0" err="1" smtClean="0">
+                <a:latin typeface="Times New Roman" panose="02020603050405020304" pitchFamily="18" charset="0"/>
+                <a:ea typeface="Calibri" panose="020F0502020204030204" pitchFamily="34" charset="0"/>
+              </a:rPr>
+              <a:t>біртіндеп</a:t>
+            </a:r>
+            <a:r>
+              <a:rPr lang="ru-RU" dirty="0" smtClean="0">
+                <a:latin typeface="Times New Roman" panose="02020603050405020304" pitchFamily="18" charset="0"/>
+                <a:ea typeface="Calibri" panose="020F0502020204030204" pitchFamily="34" charset="0"/>
+              </a:rPr>
+              <a:t> табу.</a:t>
+            </a:r>
+            <a:endParaRPr lang="ru-RU" dirty="0">
+              <a:latin typeface="Times New Roman" panose="02020603050405020304" pitchFamily="18" charset="0"/>
+              <a:ea typeface="Calibri" panose="020F0502020204030204" pitchFamily="34" charset="0"/>
+            </a:endParaRPr>
+          </a:p>
+          <a:p>
+            <a:pPr marL="0" indent="0">
+              <a:buNone/>
+            </a:pPr>
+            <a:endParaRPr lang="ru-RU" dirty="0">
+              <a:latin typeface="Times New Roman" panose="02020603050405020304" pitchFamily="18" charset="0"/>
+              <a:cs typeface="Times New Roman" panose="02020603050405020304" pitchFamily="18" charset="0"/>
+            </a:endParaRPr>
+          </a:p>
+        </p:txBody>
+      </p:sp>
       <p:graphicFrame>
         <p:nvGraphicFramePr>
-          <p:cNvPr id="7" name="Объект 6"/>
+          <p:cNvPr id="15" name="Объект 14"/>
           <p:cNvGraphicFramePr>
             <a:graphicFrameLocks noChangeAspect="1"/>
           </p:cNvGraphicFramePr>
           <p:nvPr>
             <p:extLst>
               <p:ext uri="{D42A27DB-BD31-4B8C-83A1-F6EECF244321}">
-                <p14:modId xmlns:p14="http://schemas.microsoft.com/office/powerpoint/2010/main" val="2769529645"/>
+                <p14:modId xmlns:p14="http://schemas.microsoft.com/office/powerpoint/2010/main" val="11213672"/>
               </p:ext>
             </p:extLst>
           </p:nvPr>
         </p:nvGraphicFramePr>
         <p:xfrm>
-          <a:off x="781446" y="1735932"/>
-          <a:ext cx="9388475" cy="4441031"/>
+          <a:off x="924703" y="3990730"/>
+          <a:ext cx="9686729" cy="1249485"/>
         </p:xfrm>
         <a:graphic>
           <a:graphicData uri="http://schemas.openxmlformats.org/presentationml/2006/ole">
             <mc:AlternateContent xmlns:mc="http://schemas.openxmlformats.org/markup-compatibility/2006">
               <mc:Choice xmlns:v="urn:schemas-microsoft-com:vml" Requires="v">
-                <p:oleObj spid="_x0000_s2051" name="Equation" r:id="rId3" imgW="9387698" imgH="5128229" progId="Equation.DSMT4">
+                <p:oleObj spid="_x0000_s5124" name="Equation" r:id="rId3" imgW="4775040" imgH="711000" progId="Equation.DSMT4">
                   <p:embed/>
                 </p:oleObj>
               </mc:Choice>
               <mc:Fallback>
-                <p:oleObj name="Equation" r:id="rId3" imgW="9387698" imgH="5128229" progId="Equation.DSMT4">
+                <p:oleObj name="Equation" r:id="rId3" imgW="4775040" imgH="711000" progId="Equation.DSMT4">
                   <p:embed/>
                   <p:pic>
                     <p:nvPicPr>
-                      <p:cNvPr id="0" name=""/>
+                      <p:cNvPr id="7" name="Объект 6"/>
                       <p:cNvPicPr/>
                       <p:nvPr/>
                     </p:nvPicPr>
@@ -6253,8 +6395,8 @@
                     </p:blipFill>
                     <p:spPr>
                       <a:xfrm>
-                        <a:off x="781446" y="1735932"/>
-                        <a:ext cx="9388475" cy="4441031"/>
+                        <a:off x="924703" y="3990730"/>
+                        <a:ext cx="9686729" cy="1249485"/>
                       </a:xfrm>
                       <a:prstGeom prst="rect">
                         <a:avLst/>
@@ -6270,7 +6412,7 @@
     </p:spTree>
     <p:extLst>
       <p:ext uri="{BB962C8B-B14F-4D97-AF65-F5344CB8AC3E}">
-        <p14:creationId xmlns:p14="http://schemas.microsoft.com/office/powerpoint/2010/main" val="2536628468"/>
+        <p14:creationId xmlns:p14="http://schemas.microsoft.com/office/powerpoint/2010/main" val="3062508374"/>
       </p:ext>
     </p:extLst>
   </p:cSld>
@@ -6310,52 +6452,17 @@
         <p:spPr/>
         <p:txBody>
           <a:bodyPr>
-            <a:normAutofit fontScale="90000"/>
+            <a:normAutofit/>
           </a:bodyPr>
           <a:lstStyle/>
           <a:p>
             <a:r>
-              <a:rPr lang="kk-KZ" dirty="0"/>
-              <a:t>Гаусс әдісінің алгоритмі. </a:t>
-            </a:r>
-            <a:r>
               <a:rPr lang="kk-KZ" dirty="0" smtClean="0"/>
-              <a:t>2-кезең (Кері </a:t>
-            </a:r>
-            <a:r>
-              <a:rPr lang="kk-KZ" dirty="0"/>
-              <a:t>бағыт).</a:t>
-            </a:r>
-            <a:endParaRPr lang="ru-RU" dirty="0"/>
-          </a:p>
-        </p:txBody>
-      </p:sp>
-      <p:sp>
-        <p:nvSpPr>
-          <p:cNvPr id="3" name="Объект 2"/>
-          <p:cNvSpPr>
-            <a:spLocks noGrp="1"/>
-          </p:cNvSpPr>
-          <p:nvPr>
-            <p:ph idx="1"/>
-          </p:nvPr>
-        </p:nvSpPr>
-        <p:spPr>
-          <a:xfrm>
-            <a:off x="461639" y="5089235"/>
-            <a:ext cx="11265763" cy="1087727"/>
-          </a:xfrm>
-        </p:spPr>
-        <p:txBody>
-          <a:bodyPr/>
-          <a:lstStyle/>
-          <a:p>
-            <a:pPr marL="0" indent="0">
-              <a:buNone/>
-            </a:pPr>
+              <a:t>Гаусс </a:t>
+            </a:r>
             <a:r>
               <a:rPr lang="kk-KZ" dirty="0" smtClean="0"/>
-              <a:t>       Осылайша теңдеулер жүйесінің шешімі алынады.</a:t>
+              <a:t>әдісі алгоритмі</a:t>
             </a:r>
             <a:endParaRPr lang="ru-RU" dirty="0"/>
           </a:p>
@@ -6439,25 +6546,25 @@
           <p:nvPr>
             <p:extLst>
               <p:ext uri="{D42A27DB-BD31-4B8C-83A1-F6EECF244321}">
-                <p14:modId xmlns:p14="http://schemas.microsoft.com/office/powerpoint/2010/main" val="2827049797"/>
+                <p14:modId xmlns:p14="http://schemas.microsoft.com/office/powerpoint/2010/main" val="4077006669"/>
               </p:ext>
             </p:extLst>
           </p:nvPr>
         </p:nvGraphicFramePr>
         <p:xfrm>
-          <a:off x="1878013" y="2379663"/>
-          <a:ext cx="8435975" cy="2095500"/>
+          <a:off x="4038600" y="2136531"/>
+          <a:ext cx="2897518" cy="1707824"/>
         </p:xfrm>
         <a:graphic>
           <a:graphicData uri="http://schemas.openxmlformats.org/presentationml/2006/ole">
             <mc:AlternateContent xmlns:mc="http://schemas.openxmlformats.org/markup-compatibility/2006">
               <mc:Choice xmlns:v="urn:schemas-microsoft-com:vml" Requires="v">
-                <p:oleObj spid="_x0000_s3075" name="Equation" r:id="rId3" imgW="8435446" imgH="2095579" progId="Equation.DSMT4">
+                <p:oleObj spid="_x0000_s2055" name="Equation" r:id="rId3" imgW="1828800" imgH="1244520" progId="Equation.DSMT4">
                   <p:embed/>
                 </p:oleObj>
               </mc:Choice>
               <mc:Fallback>
-                <p:oleObj name="Equation" r:id="rId3" imgW="8435446" imgH="2095579" progId="Equation.DSMT4">
+                <p:oleObj name="Equation" r:id="rId3" imgW="1828800" imgH="1244520" progId="Equation.DSMT4">
                   <p:embed/>
                   <p:pic>
                     <p:nvPicPr>
@@ -6473,8 +6580,769 @@
                     </p:blipFill>
                     <p:spPr>
                       <a:xfrm>
-                        <a:off x="1878013" y="2379663"/>
-                        <a:ext cx="8435975" cy="2095500"/>
+                        <a:off x="4038600" y="2136531"/>
+                        <a:ext cx="2897518" cy="1707824"/>
+                      </a:xfrm>
+                      <a:prstGeom prst="rect">
+                        <a:avLst/>
+                      </a:prstGeom>
+                    </p:spPr>
+                  </p:pic>
+                </p:oleObj>
+              </mc:Fallback>
+            </mc:AlternateContent>
+          </a:graphicData>
+        </a:graphic>
+      </p:graphicFrame>
+      <p:sp>
+        <p:nvSpPr>
+          <p:cNvPr id="8" name="Объект 2"/>
+          <p:cNvSpPr>
+            <a:spLocks noGrp="1"/>
+          </p:cNvSpPr>
+          <p:nvPr>
+            <p:ph idx="1"/>
+          </p:nvPr>
+        </p:nvSpPr>
+        <p:spPr>
+          <a:xfrm>
+            <a:off x="336631" y="1556545"/>
+            <a:ext cx="10483272" cy="579986"/>
+          </a:xfrm>
+        </p:spPr>
+        <p:txBody>
+          <a:bodyPr>
+            <a:normAutofit lnSpcReduction="10000"/>
+          </a:bodyPr>
+          <a:lstStyle/>
+          <a:p>
+            <a:pPr marL="0" indent="0" algn="just">
+              <a:buNone/>
+            </a:pPr>
+            <a:r>
+              <a:rPr lang="ru-RU" dirty="0" smtClean="0">
+                <a:latin typeface="Times New Roman" panose="02020603050405020304" pitchFamily="18" charset="0"/>
+                <a:cs typeface="Times New Roman" panose="02020603050405020304" pitchFamily="18" charset="0"/>
+              </a:rPr>
+              <a:t>Тура </a:t>
+            </a:r>
+            <a:r>
+              <a:rPr lang="ru-RU" dirty="0" err="1" smtClean="0">
+                <a:latin typeface="Times New Roman" panose="02020603050405020304" pitchFamily="18" charset="0"/>
+                <a:cs typeface="Times New Roman" panose="02020603050405020304" pitchFamily="18" charset="0"/>
+              </a:rPr>
+              <a:t>жүріс</a:t>
+            </a:r>
+            <a:r>
+              <a:rPr lang="ru-RU" dirty="0" smtClean="0">
+                <a:latin typeface="Times New Roman" panose="02020603050405020304" pitchFamily="18" charset="0"/>
+                <a:cs typeface="Times New Roman" panose="02020603050405020304" pitchFamily="18" charset="0"/>
+              </a:rPr>
+              <a:t> </a:t>
+            </a:r>
+            <a:r>
+              <a:rPr lang="ru-RU" dirty="0" err="1" smtClean="0">
+                <a:latin typeface="Times New Roman" panose="02020603050405020304" pitchFamily="18" charset="0"/>
+                <a:cs typeface="Times New Roman" panose="02020603050405020304" pitchFamily="18" charset="0"/>
+              </a:rPr>
+              <a:t>кезеңінде</a:t>
+            </a:r>
+            <a:r>
+              <a:rPr lang="ru-RU" dirty="0" smtClean="0">
+                <a:latin typeface="Times New Roman" panose="02020603050405020304" pitchFamily="18" charset="0"/>
+                <a:cs typeface="Times New Roman" panose="02020603050405020304" pitchFamily="18" charset="0"/>
+              </a:rPr>
+              <a:t> бас диагональ элемент </a:t>
+            </a:r>
+            <a:r>
+              <a:rPr lang="ru-RU" dirty="0" err="1" smtClean="0">
+                <a:latin typeface="Times New Roman" panose="02020603050405020304" pitchFamily="18" charset="0"/>
+                <a:cs typeface="Times New Roman" panose="02020603050405020304" pitchFamily="18" charset="0"/>
+              </a:rPr>
+              <a:t>астындағы</a:t>
+            </a:r>
+            <a:r>
+              <a:rPr lang="ru-RU" dirty="0" smtClean="0">
+                <a:latin typeface="Times New Roman" panose="02020603050405020304" pitchFamily="18" charset="0"/>
+                <a:cs typeface="Times New Roman" panose="02020603050405020304" pitchFamily="18" charset="0"/>
+              </a:rPr>
+              <a:t> </a:t>
+            </a:r>
+            <a:r>
+              <a:rPr lang="ru-RU" dirty="0" err="1" smtClean="0">
+                <a:latin typeface="Times New Roman" panose="02020603050405020304" pitchFamily="18" charset="0"/>
+                <a:cs typeface="Times New Roman" panose="02020603050405020304" pitchFamily="18" charset="0"/>
+              </a:rPr>
+              <a:t>элементтер</a:t>
+            </a:r>
+            <a:r>
+              <a:rPr lang="ru-RU" dirty="0" smtClean="0">
+                <a:latin typeface="Times New Roman" panose="02020603050405020304" pitchFamily="18" charset="0"/>
+                <a:cs typeface="Times New Roman" panose="02020603050405020304" pitchFamily="18" charset="0"/>
+              </a:rPr>
+              <a:t> </a:t>
+            </a:r>
+            <a:r>
+              <a:rPr lang="ru-RU" dirty="0" err="1" smtClean="0">
+                <a:latin typeface="Times New Roman" panose="02020603050405020304" pitchFamily="18" charset="0"/>
+                <a:cs typeface="Times New Roman" panose="02020603050405020304" pitchFamily="18" charset="0"/>
+              </a:rPr>
+              <a:t>жойылады</a:t>
+            </a:r>
+            <a:r>
+              <a:rPr lang="ru-RU" dirty="0" smtClean="0">
+                <a:latin typeface="Times New Roman" panose="02020603050405020304" pitchFamily="18" charset="0"/>
+                <a:cs typeface="Times New Roman" panose="02020603050405020304" pitchFamily="18" charset="0"/>
+              </a:rPr>
+              <a:t>. Ал </a:t>
+            </a:r>
+            <a:r>
+              <a:rPr lang="ru-RU" dirty="0" err="1" smtClean="0">
+                <a:latin typeface="Times New Roman" panose="02020603050405020304" pitchFamily="18" charset="0"/>
+                <a:cs typeface="Times New Roman" panose="02020603050405020304" pitchFamily="18" charset="0"/>
+              </a:rPr>
+              <a:t>қалған</a:t>
+            </a:r>
+            <a:r>
+              <a:rPr lang="ru-RU" dirty="0" smtClean="0">
+                <a:latin typeface="Times New Roman" panose="02020603050405020304" pitchFamily="18" charset="0"/>
+                <a:cs typeface="Times New Roman" panose="02020603050405020304" pitchFamily="18" charset="0"/>
+              </a:rPr>
+              <a:t> </a:t>
+            </a:r>
+            <a:r>
+              <a:rPr lang="ru-RU" dirty="0" err="1" smtClean="0">
+                <a:latin typeface="Times New Roman" panose="02020603050405020304" pitchFamily="18" charset="0"/>
+                <a:cs typeface="Times New Roman" panose="02020603050405020304" pitchFamily="18" charset="0"/>
+              </a:rPr>
+              <a:t>элементтер</a:t>
+            </a:r>
+            <a:r>
+              <a:rPr lang="ru-RU" dirty="0" smtClean="0">
+                <a:latin typeface="Times New Roman" panose="02020603050405020304" pitchFamily="18" charset="0"/>
+                <a:cs typeface="Times New Roman" panose="02020603050405020304" pitchFamily="18" charset="0"/>
+              </a:rPr>
+              <a:t> </a:t>
+            </a:r>
+            <a:r>
+              <a:rPr lang="ru-RU" dirty="0" err="1" smtClean="0">
+                <a:latin typeface="Times New Roman" panose="02020603050405020304" pitchFamily="18" charset="0"/>
+                <a:cs typeface="Times New Roman" panose="02020603050405020304" pitchFamily="18" charset="0"/>
+              </a:rPr>
+              <a:t>жаңа</a:t>
+            </a:r>
+            <a:r>
+              <a:rPr lang="ru-RU" dirty="0" smtClean="0">
+                <a:latin typeface="Times New Roman" panose="02020603050405020304" pitchFamily="18" charset="0"/>
+                <a:cs typeface="Times New Roman" panose="02020603050405020304" pitchFamily="18" charset="0"/>
+              </a:rPr>
+              <a:t> </a:t>
+            </a:r>
+            <a:r>
+              <a:rPr lang="ru-RU" dirty="0" err="1" smtClean="0">
+                <a:latin typeface="Times New Roman" panose="02020603050405020304" pitchFamily="18" charset="0"/>
+                <a:cs typeface="Times New Roman" panose="02020603050405020304" pitchFamily="18" charset="0"/>
+              </a:rPr>
+              <a:t>мәнге</a:t>
+            </a:r>
+            <a:r>
+              <a:rPr lang="ru-RU" dirty="0" smtClean="0">
+                <a:latin typeface="Times New Roman" panose="02020603050405020304" pitchFamily="18" charset="0"/>
+                <a:cs typeface="Times New Roman" panose="02020603050405020304" pitchFamily="18" charset="0"/>
+              </a:rPr>
+              <a:t> </a:t>
+            </a:r>
+            <a:r>
+              <a:rPr lang="ru-RU" dirty="0" err="1" smtClean="0">
+                <a:latin typeface="Times New Roman" panose="02020603050405020304" pitchFamily="18" charset="0"/>
+                <a:cs typeface="Times New Roman" panose="02020603050405020304" pitchFamily="18" charset="0"/>
+              </a:rPr>
+              <a:t>өзгереді</a:t>
+            </a:r>
+            <a:r>
+              <a:rPr lang="ru-RU" dirty="0" smtClean="0">
+                <a:latin typeface="Times New Roman" panose="02020603050405020304" pitchFamily="18" charset="0"/>
+                <a:cs typeface="Times New Roman" panose="02020603050405020304" pitchFamily="18" charset="0"/>
+              </a:rPr>
+              <a:t>. </a:t>
+            </a:r>
+            <a:r>
+              <a:rPr lang="ru-RU" dirty="0" err="1" smtClean="0">
+                <a:latin typeface="Times New Roman" panose="02020603050405020304" pitchFamily="18" charset="0"/>
+                <a:cs typeface="Times New Roman" panose="02020603050405020304" pitchFamily="18" charset="0"/>
+              </a:rPr>
+              <a:t>Жаңа</a:t>
+            </a:r>
+            <a:r>
+              <a:rPr lang="ru-RU" dirty="0" smtClean="0">
+                <a:latin typeface="Times New Roman" panose="02020603050405020304" pitchFamily="18" charset="0"/>
+                <a:cs typeface="Times New Roman" panose="02020603050405020304" pitchFamily="18" charset="0"/>
+              </a:rPr>
+              <a:t> </a:t>
+            </a:r>
+            <a:r>
+              <a:rPr lang="ru-RU" dirty="0" err="1" smtClean="0">
+                <a:latin typeface="Times New Roman" panose="02020603050405020304" pitchFamily="18" charset="0"/>
+                <a:cs typeface="Times New Roman" panose="02020603050405020304" pitchFamily="18" charset="0"/>
+              </a:rPr>
+              <a:t>мәнді</a:t>
+            </a:r>
+            <a:r>
+              <a:rPr lang="ru-RU" dirty="0" smtClean="0">
+                <a:latin typeface="Times New Roman" panose="02020603050405020304" pitchFamily="18" charset="0"/>
+                <a:cs typeface="Times New Roman" panose="02020603050405020304" pitchFamily="18" charset="0"/>
+              </a:rPr>
+              <a:t> </a:t>
+            </a:r>
+            <a:r>
+              <a:rPr lang="ru-RU" dirty="0" err="1" smtClean="0">
+                <a:latin typeface="Times New Roman" panose="02020603050405020304" pitchFamily="18" charset="0"/>
+                <a:cs typeface="Times New Roman" panose="02020603050405020304" pitchFamily="18" charset="0"/>
+              </a:rPr>
+              <a:t>келесі</a:t>
+            </a:r>
+            <a:r>
+              <a:rPr lang="ru-RU" dirty="0" smtClean="0">
+                <a:latin typeface="Times New Roman" panose="02020603050405020304" pitchFamily="18" charset="0"/>
+                <a:cs typeface="Times New Roman" panose="02020603050405020304" pitchFamily="18" charset="0"/>
+              </a:rPr>
+              <a:t> </a:t>
+            </a:r>
+            <a:r>
+              <a:rPr lang="ru-RU" dirty="0" err="1" smtClean="0">
+                <a:latin typeface="Times New Roman" panose="02020603050405020304" pitchFamily="18" charset="0"/>
+                <a:cs typeface="Times New Roman" panose="02020603050405020304" pitchFamily="18" charset="0"/>
+              </a:rPr>
+              <a:t>формуламен</a:t>
+            </a:r>
+            <a:r>
+              <a:rPr lang="ru-RU" dirty="0" smtClean="0">
+                <a:latin typeface="Times New Roman" panose="02020603050405020304" pitchFamily="18" charset="0"/>
+                <a:cs typeface="Times New Roman" panose="02020603050405020304" pitchFamily="18" charset="0"/>
+              </a:rPr>
+              <a:t> </a:t>
+            </a:r>
+            <a:r>
+              <a:rPr lang="ru-RU" dirty="0" err="1" smtClean="0">
+                <a:latin typeface="Times New Roman" panose="02020603050405020304" pitchFamily="18" charset="0"/>
+                <a:cs typeface="Times New Roman" panose="02020603050405020304" pitchFamily="18" charset="0"/>
+              </a:rPr>
+              <a:t>есептеп</a:t>
+            </a:r>
+            <a:r>
+              <a:rPr lang="ru-RU" dirty="0" smtClean="0">
+                <a:latin typeface="Times New Roman" panose="02020603050405020304" pitchFamily="18" charset="0"/>
+                <a:cs typeface="Times New Roman" panose="02020603050405020304" pitchFamily="18" charset="0"/>
+              </a:rPr>
+              <a:t> </a:t>
+            </a:r>
+            <a:r>
+              <a:rPr lang="ru-RU" dirty="0" err="1" smtClean="0">
+                <a:latin typeface="Times New Roman" panose="02020603050405020304" pitchFamily="18" charset="0"/>
+                <a:cs typeface="Times New Roman" panose="02020603050405020304" pitchFamily="18" charset="0"/>
+              </a:rPr>
+              <a:t>алуға</a:t>
+            </a:r>
+            <a:r>
+              <a:rPr lang="ru-RU" dirty="0" smtClean="0">
+                <a:latin typeface="Times New Roman" panose="02020603050405020304" pitchFamily="18" charset="0"/>
+                <a:cs typeface="Times New Roman" panose="02020603050405020304" pitchFamily="18" charset="0"/>
+              </a:rPr>
+              <a:t> </a:t>
+            </a:r>
+            <a:r>
+              <a:rPr lang="ru-RU" dirty="0" err="1" smtClean="0">
+                <a:latin typeface="Times New Roman" panose="02020603050405020304" pitchFamily="18" charset="0"/>
+                <a:cs typeface="Times New Roman" panose="02020603050405020304" pitchFamily="18" charset="0"/>
+              </a:rPr>
+              <a:t>болады</a:t>
+            </a:r>
+            <a:r>
+              <a:rPr lang="ru-RU" dirty="0" smtClean="0">
+                <a:latin typeface="Times New Roman" panose="02020603050405020304" pitchFamily="18" charset="0"/>
+                <a:cs typeface="Times New Roman" panose="02020603050405020304" pitchFamily="18" charset="0"/>
+              </a:rPr>
+              <a:t>:</a:t>
+            </a:r>
+            <a:endParaRPr lang="ru-RU" dirty="0">
+              <a:latin typeface="Times New Roman" panose="02020603050405020304" pitchFamily="18" charset="0"/>
+              <a:cs typeface="Times New Roman" panose="02020603050405020304" pitchFamily="18" charset="0"/>
+            </a:endParaRPr>
+          </a:p>
+          <a:p>
+            <a:pPr marL="0" indent="0">
+              <a:buNone/>
+            </a:pPr>
+            <a:endParaRPr lang="ru-RU" dirty="0" smtClean="0">
+              <a:latin typeface="Times New Roman" panose="02020603050405020304" pitchFamily="18" charset="0"/>
+              <a:cs typeface="Times New Roman" panose="02020603050405020304" pitchFamily="18" charset="0"/>
+            </a:endParaRPr>
+          </a:p>
+          <a:p>
+            <a:pPr marL="0" indent="0">
+              <a:buNone/>
+            </a:pPr>
+            <a:endParaRPr lang="ru-RU" dirty="0">
+              <a:latin typeface="Times New Roman" panose="02020603050405020304" pitchFamily="18" charset="0"/>
+              <a:cs typeface="Times New Roman" panose="02020603050405020304" pitchFamily="18" charset="0"/>
+            </a:endParaRPr>
+          </a:p>
+        </p:txBody>
+      </p:sp>
+      <p:sp>
+        <p:nvSpPr>
+          <p:cNvPr id="9" name="Объект 2"/>
+          <p:cNvSpPr txBox="1">
+            <a:spLocks/>
+          </p:cNvSpPr>
+          <p:nvPr/>
+        </p:nvSpPr>
+        <p:spPr>
+          <a:xfrm>
+            <a:off x="461639" y="3956447"/>
+            <a:ext cx="10483272" cy="579986"/>
+          </a:xfrm>
+          <a:prstGeom prst="rect">
+            <a:avLst/>
+          </a:prstGeom>
+        </p:spPr>
+        <p:txBody>
+          <a:bodyPr vert="horz" lIns="91440" tIns="45720" rIns="91440" bIns="45720" rtlCol="0">
+            <a:normAutofit lnSpcReduction="10000"/>
+          </a:bodyPr>
+          <a:lstStyle>
+            <a:lvl1pPr marL="228600" indent="-228600" algn="l" defTabSz="914400" rtl="0" eaLnBrk="1" latinLnBrk="0" hangingPunct="1">
+              <a:lnSpc>
+                <a:spcPct val="90000"/>
+              </a:lnSpc>
+              <a:spcBef>
+                <a:spcPts val="1000"/>
+              </a:spcBef>
+              <a:buFont typeface="Arial" panose="020B0604020202020204" pitchFamily="34" charset="0"/>
+              <a:buChar char="•"/>
+              <a:defRPr sz="1800" kern="1200">
+                <a:solidFill>
+                  <a:schemeClr val="tx1"/>
+                </a:solidFill>
+                <a:latin typeface="Arial" panose="020B0604020202020204" pitchFamily="34" charset="0"/>
+                <a:ea typeface="+mn-ea"/>
+                <a:cs typeface="Arial" panose="020B0604020202020204" pitchFamily="34" charset="0"/>
+              </a:defRPr>
+            </a:lvl1pPr>
+            <a:lvl2pPr marL="685800" indent="-228600" algn="l" defTabSz="914400" rtl="0" eaLnBrk="1" latinLnBrk="0" hangingPunct="1">
+              <a:lnSpc>
+                <a:spcPct val="90000"/>
+              </a:lnSpc>
+              <a:spcBef>
+                <a:spcPts val="500"/>
+              </a:spcBef>
+              <a:buFont typeface="Arial" panose="020B0604020202020204" pitchFamily="34" charset="0"/>
+              <a:buChar char="•"/>
+              <a:defRPr sz="1800" kern="1200">
+                <a:solidFill>
+                  <a:schemeClr val="tx1"/>
+                </a:solidFill>
+                <a:latin typeface="Arial" panose="020B0604020202020204" pitchFamily="34" charset="0"/>
+                <a:ea typeface="+mn-ea"/>
+                <a:cs typeface="Arial" panose="020B0604020202020204" pitchFamily="34" charset="0"/>
+              </a:defRPr>
+            </a:lvl2pPr>
+            <a:lvl3pPr marL="1143000" indent="-228600" algn="l" defTabSz="914400" rtl="0" eaLnBrk="1" latinLnBrk="0" hangingPunct="1">
+              <a:lnSpc>
+                <a:spcPct val="90000"/>
+              </a:lnSpc>
+              <a:spcBef>
+                <a:spcPts val="500"/>
+              </a:spcBef>
+              <a:buFont typeface="Arial" panose="020B0604020202020204" pitchFamily="34" charset="0"/>
+              <a:buChar char="•"/>
+              <a:defRPr sz="1800" kern="1200">
+                <a:solidFill>
+                  <a:schemeClr val="tx1"/>
+                </a:solidFill>
+                <a:latin typeface="Arial" panose="020B0604020202020204" pitchFamily="34" charset="0"/>
+                <a:ea typeface="+mn-ea"/>
+                <a:cs typeface="Arial" panose="020B0604020202020204" pitchFamily="34" charset="0"/>
+              </a:defRPr>
+            </a:lvl3pPr>
+            <a:lvl4pPr marL="1600200" indent="-228600" algn="l" defTabSz="914400" rtl="0" eaLnBrk="1" latinLnBrk="0" hangingPunct="1">
+              <a:lnSpc>
+                <a:spcPct val="90000"/>
+              </a:lnSpc>
+              <a:spcBef>
+                <a:spcPts val="500"/>
+              </a:spcBef>
+              <a:buFont typeface="Arial" panose="020B0604020202020204" pitchFamily="34" charset="0"/>
+              <a:buChar char="•"/>
+              <a:defRPr sz="1800" kern="1200">
+                <a:solidFill>
+                  <a:schemeClr val="tx1"/>
+                </a:solidFill>
+                <a:latin typeface="Arial" panose="020B0604020202020204" pitchFamily="34" charset="0"/>
+                <a:ea typeface="+mn-ea"/>
+                <a:cs typeface="Arial" panose="020B0604020202020204" pitchFamily="34" charset="0"/>
+              </a:defRPr>
+            </a:lvl4pPr>
+            <a:lvl5pPr marL="2057400" indent="-228600" algn="l" defTabSz="914400" rtl="0" eaLnBrk="1" latinLnBrk="0" hangingPunct="1">
+              <a:lnSpc>
+                <a:spcPct val="90000"/>
+              </a:lnSpc>
+              <a:spcBef>
+                <a:spcPts val="500"/>
+              </a:spcBef>
+              <a:buFont typeface="Arial" panose="020B0604020202020204" pitchFamily="34" charset="0"/>
+              <a:buChar char="•"/>
+              <a:defRPr sz="1800" kern="1200">
+                <a:solidFill>
+                  <a:schemeClr val="tx1"/>
+                </a:solidFill>
+                <a:latin typeface="Arial" panose="020B0604020202020204" pitchFamily="34" charset="0"/>
+                <a:ea typeface="+mn-ea"/>
+                <a:cs typeface="Arial" panose="020B0604020202020204" pitchFamily="34" charset="0"/>
+              </a:defRPr>
+            </a:lvl5pPr>
+            <a:lvl6pPr marL="2514600" indent="-228600" algn="l" defTabSz="914400" rtl="0" eaLnBrk="1" latinLnBrk="0" hangingPunct="1">
+              <a:lnSpc>
+                <a:spcPct val="90000"/>
+              </a:lnSpc>
+              <a:spcBef>
+                <a:spcPts val="500"/>
+              </a:spcBef>
+              <a:buFont typeface="Arial" panose="020B0604020202020204" pitchFamily="34" charset="0"/>
+              <a:buChar char="•"/>
+              <a:defRPr sz="1800" kern="1200">
+                <a:solidFill>
+                  <a:schemeClr val="tx1"/>
+                </a:solidFill>
+                <a:latin typeface="+mn-lt"/>
+                <a:ea typeface="+mn-ea"/>
+                <a:cs typeface="+mn-cs"/>
+              </a:defRPr>
+            </a:lvl6pPr>
+            <a:lvl7pPr marL="2971800" indent="-228600" algn="l" defTabSz="914400" rtl="0" eaLnBrk="1" latinLnBrk="0" hangingPunct="1">
+              <a:lnSpc>
+                <a:spcPct val="90000"/>
+              </a:lnSpc>
+              <a:spcBef>
+                <a:spcPts val="500"/>
+              </a:spcBef>
+              <a:buFont typeface="Arial" panose="020B0604020202020204" pitchFamily="34" charset="0"/>
+              <a:buChar char="•"/>
+              <a:defRPr sz="1800" kern="1200">
+                <a:solidFill>
+                  <a:schemeClr val="tx1"/>
+                </a:solidFill>
+                <a:latin typeface="+mn-lt"/>
+                <a:ea typeface="+mn-ea"/>
+                <a:cs typeface="+mn-cs"/>
+              </a:defRPr>
+            </a:lvl7pPr>
+            <a:lvl8pPr marL="3429000" indent="-228600" algn="l" defTabSz="914400" rtl="0" eaLnBrk="1" latinLnBrk="0" hangingPunct="1">
+              <a:lnSpc>
+                <a:spcPct val="90000"/>
+              </a:lnSpc>
+              <a:spcBef>
+                <a:spcPts val="500"/>
+              </a:spcBef>
+              <a:buFont typeface="Arial" panose="020B0604020202020204" pitchFamily="34" charset="0"/>
+              <a:buChar char="•"/>
+              <a:defRPr sz="1800" kern="1200">
+                <a:solidFill>
+                  <a:schemeClr val="tx1"/>
+                </a:solidFill>
+                <a:latin typeface="+mn-lt"/>
+                <a:ea typeface="+mn-ea"/>
+                <a:cs typeface="+mn-cs"/>
+              </a:defRPr>
+            </a:lvl8pPr>
+            <a:lvl9pPr marL="3886200" indent="-228600" algn="l" defTabSz="914400" rtl="0" eaLnBrk="1" latinLnBrk="0" hangingPunct="1">
+              <a:lnSpc>
+                <a:spcPct val="90000"/>
+              </a:lnSpc>
+              <a:spcBef>
+                <a:spcPts val="500"/>
+              </a:spcBef>
+              <a:buFont typeface="Arial" panose="020B0604020202020204" pitchFamily="34" charset="0"/>
+              <a:buChar char="•"/>
+              <a:defRPr sz="1800" kern="1200">
+                <a:solidFill>
+                  <a:schemeClr val="tx1"/>
+                </a:solidFill>
+                <a:latin typeface="+mn-lt"/>
+                <a:ea typeface="+mn-ea"/>
+                <a:cs typeface="+mn-cs"/>
+              </a:defRPr>
+            </a:lvl9pPr>
+          </a:lstStyle>
+          <a:p>
+            <a:pPr marL="0" indent="0" algn="just">
+              <a:buFont typeface="Arial" panose="020B0604020202020204" pitchFamily="34" charset="0"/>
+              <a:buNone/>
+            </a:pPr>
+            <a:r>
+              <a:rPr lang="ru-RU" dirty="0" err="1" smtClean="0">
+                <a:latin typeface="Times New Roman" panose="02020603050405020304" pitchFamily="18" charset="0"/>
+                <a:cs typeface="Times New Roman" panose="02020603050405020304" pitchFamily="18" charset="0"/>
+              </a:rPr>
+              <a:t>Кері</a:t>
+            </a:r>
+            <a:r>
+              <a:rPr lang="ru-RU" dirty="0" smtClean="0">
+                <a:latin typeface="Times New Roman" panose="02020603050405020304" pitchFamily="18" charset="0"/>
+                <a:cs typeface="Times New Roman" panose="02020603050405020304" pitchFamily="18" charset="0"/>
+              </a:rPr>
+              <a:t> </a:t>
+            </a:r>
+            <a:r>
+              <a:rPr lang="ru-RU" dirty="0" err="1" smtClean="0">
+                <a:latin typeface="Times New Roman" panose="02020603050405020304" pitchFamily="18" charset="0"/>
+                <a:cs typeface="Times New Roman" panose="02020603050405020304" pitchFamily="18" charset="0"/>
+              </a:rPr>
+              <a:t>жүріс</a:t>
+            </a:r>
+            <a:r>
+              <a:rPr lang="ru-RU" dirty="0" smtClean="0">
+                <a:latin typeface="Times New Roman" panose="02020603050405020304" pitchFamily="18" charset="0"/>
+                <a:cs typeface="Times New Roman" panose="02020603050405020304" pitchFamily="18" charset="0"/>
+              </a:rPr>
+              <a:t> </a:t>
+            </a:r>
+            <a:r>
+              <a:rPr lang="ru-RU" dirty="0" err="1" smtClean="0">
+                <a:latin typeface="Times New Roman" panose="02020603050405020304" pitchFamily="18" charset="0"/>
+                <a:cs typeface="Times New Roman" panose="02020603050405020304" pitchFamily="18" charset="0"/>
+              </a:rPr>
+              <a:t>кезеңінде</a:t>
+            </a:r>
+            <a:r>
+              <a:rPr lang="ru-RU" dirty="0" smtClean="0">
+                <a:latin typeface="Times New Roman" panose="02020603050405020304" pitchFamily="18" charset="0"/>
+                <a:cs typeface="Times New Roman" panose="02020603050405020304" pitchFamily="18" charset="0"/>
+              </a:rPr>
+              <a:t> </a:t>
+            </a:r>
+            <a:r>
+              <a:rPr lang="ru-RU" dirty="0" err="1" smtClean="0">
+                <a:latin typeface="Times New Roman" panose="02020603050405020304" pitchFamily="18" charset="0"/>
+                <a:cs typeface="Times New Roman" panose="02020603050405020304" pitchFamily="18" charset="0"/>
+              </a:rPr>
+              <a:t>жаңа</a:t>
+            </a:r>
+            <a:r>
+              <a:rPr lang="ru-RU" dirty="0" smtClean="0">
+                <a:latin typeface="Times New Roman" panose="02020603050405020304" pitchFamily="18" charset="0"/>
+                <a:cs typeface="Times New Roman" panose="02020603050405020304" pitchFamily="18" charset="0"/>
+              </a:rPr>
+              <a:t> </a:t>
+            </a:r>
+            <a:r>
+              <a:rPr lang="ru-RU" dirty="0" err="1" smtClean="0">
+                <a:latin typeface="Times New Roman" panose="02020603050405020304" pitchFamily="18" charset="0"/>
+                <a:cs typeface="Times New Roman" panose="02020603050405020304" pitchFamily="18" charset="0"/>
+              </a:rPr>
+              <a:t>элементтер</a:t>
+            </a:r>
+            <a:r>
+              <a:rPr lang="ru-RU" dirty="0" smtClean="0">
+                <a:latin typeface="Times New Roman" panose="02020603050405020304" pitchFamily="18" charset="0"/>
+                <a:cs typeface="Times New Roman" panose="02020603050405020304" pitchFamily="18" charset="0"/>
+              </a:rPr>
+              <a:t> </a:t>
+            </a:r>
+            <a:r>
+              <a:rPr lang="ru-RU" dirty="0" err="1" smtClean="0">
+                <a:latin typeface="Times New Roman" panose="02020603050405020304" pitchFamily="18" charset="0"/>
+                <a:cs typeface="Times New Roman" panose="02020603050405020304" pitchFamily="18" charset="0"/>
+              </a:rPr>
+              <a:t>бойынша</a:t>
+            </a:r>
+            <a:r>
+              <a:rPr lang="ru-RU" dirty="0" smtClean="0">
+                <a:latin typeface="Times New Roman" panose="02020603050405020304" pitchFamily="18" charset="0"/>
+                <a:cs typeface="Times New Roman" panose="02020603050405020304" pitchFamily="18" charset="0"/>
+              </a:rPr>
+              <a:t> </a:t>
+            </a:r>
+            <a:r>
+              <a:rPr lang="ru-RU" dirty="0" err="1" smtClean="0">
+                <a:latin typeface="Times New Roman" panose="02020603050405020304" pitchFamily="18" charset="0"/>
+                <a:cs typeface="Times New Roman" panose="02020603050405020304" pitchFamily="18" charset="0"/>
+              </a:rPr>
+              <a:t>айнымалы</a:t>
+            </a:r>
+            <a:r>
+              <a:rPr lang="ru-RU" dirty="0" smtClean="0">
+                <a:latin typeface="Times New Roman" panose="02020603050405020304" pitchFamily="18" charset="0"/>
+                <a:cs typeface="Times New Roman" panose="02020603050405020304" pitchFamily="18" charset="0"/>
+              </a:rPr>
+              <a:t> </a:t>
+            </a:r>
+            <a:r>
+              <a:rPr lang="ru-RU" dirty="0" err="1" smtClean="0">
+                <a:latin typeface="Times New Roman" panose="02020603050405020304" pitchFamily="18" charset="0"/>
+                <a:cs typeface="Times New Roman" panose="02020603050405020304" pitchFamily="18" charset="0"/>
+              </a:rPr>
+              <a:t>мәндері</a:t>
+            </a:r>
+            <a:r>
+              <a:rPr lang="ru-RU" dirty="0" smtClean="0">
+                <a:latin typeface="Times New Roman" panose="02020603050405020304" pitchFamily="18" charset="0"/>
+                <a:cs typeface="Times New Roman" panose="02020603050405020304" pitchFamily="18" charset="0"/>
+              </a:rPr>
+              <a:t> </a:t>
+            </a:r>
+            <a:r>
+              <a:rPr lang="ru-RU" dirty="0" err="1" smtClean="0">
+                <a:latin typeface="Times New Roman" panose="02020603050405020304" pitchFamily="18" charset="0"/>
+                <a:cs typeface="Times New Roman" panose="02020603050405020304" pitchFamily="18" charset="0"/>
+              </a:rPr>
+              <a:t>есептелінеді</a:t>
+            </a:r>
+            <a:r>
+              <a:rPr lang="ru-RU" dirty="0" smtClean="0">
+                <a:latin typeface="Times New Roman" panose="02020603050405020304" pitchFamily="18" charset="0"/>
+                <a:cs typeface="Times New Roman" panose="02020603050405020304" pitchFamily="18" charset="0"/>
+              </a:rPr>
+              <a:t>. </a:t>
+            </a:r>
+            <a:r>
+              <a:rPr lang="ru-RU" dirty="0" err="1" smtClean="0">
+                <a:latin typeface="Times New Roman" panose="02020603050405020304" pitchFamily="18" charset="0"/>
+                <a:cs typeface="Times New Roman" panose="02020603050405020304" pitchFamily="18" charset="0"/>
+              </a:rPr>
+              <a:t>Келесі</a:t>
+            </a:r>
+            <a:r>
+              <a:rPr lang="ru-RU" dirty="0" smtClean="0">
+                <a:latin typeface="Times New Roman" panose="02020603050405020304" pitchFamily="18" charset="0"/>
+                <a:cs typeface="Times New Roman" panose="02020603050405020304" pitchFamily="18" charset="0"/>
+              </a:rPr>
+              <a:t> </a:t>
+            </a:r>
+            <a:r>
+              <a:rPr lang="ru-RU" dirty="0" err="1" smtClean="0">
+                <a:latin typeface="Times New Roman" panose="02020603050405020304" pitchFamily="18" charset="0"/>
+                <a:cs typeface="Times New Roman" panose="02020603050405020304" pitchFamily="18" charset="0"/>
+              </a:rPr>
+              <a:t>формуламен</a:t>
+            </a:r>
+            <a:r>
+              <a:rPr lang="ru-RU" dirty="0" smtClean="0">
+                <a:latin typeface="Times New Roman" panose="02020603050405020304" pitchFamily="18" charset="0"/>
+                <a:cs typeface="Times New Roman" panose="02020603050405020304" pitchFamily="18" charset="0"/>
+              </a:rPr>
+              <a:t> </a:t>
+            </a:r>
+            <a:r>
+              <a:rPr lang="ru-RU" dirty="0" err="1" smtClean="0">
+                <a:latin typeface="Times New Roman" panose="02020603050405020304" pitchFamily="18" charset="0"/>
+                <a:cs typeface="Times New Roman" panose="02020603050405020304" pitchFamily="18" charset="0"/>
+              </a:rPr>
+              <a:t>есептеп</a:t>
+            </a:r>
+            <a:r>
+              <a:rPr lang="ru-RU" dirty="0" smtClean="0">
+                <a:latin typeface="Times New Roman" panose="02020603050405020304" pitchFamily="18" charset="0"/>
+                <a:cs typeface="Times New Roman" panose="02020603050405020304" pitchFamily="18" charset="0"/>
+              </a:rPr>
+              <a:t> </a:t>
+            </a:r>
+            <a:r>
+              <a:rPr lang="ru-RU" dirty="0" err="1" smtClean="0">
+                <a:latin typeface="Times New Roman" panose="02020603050405020304" pitchFamily="18" charset="0"/>
+                <a:cs typeface="Times New Roman" panose="02020603050405020304" pitchFamily="18" charset="0"/>
+              </a:rPr>
+              <a:t>алуға</a:t>
+            </a:r>
+            <a:r>
+              <a:rPr lang="ru-RU" dirty="0" smtClean="0">
+                <a:latin typeface="Times New Roman" panose="02020603050405020304" pitchFamily="18" charset="0"/>
+                <a:cs typeface="Times New Roman" panose="02020603050405020304" pitchFamily="18" charset="0"/>
+              </a:rPr>
+              <a:t> </a:t>
+            </a:r>
+            <a:r>
+              <a:rPr lang="ru-RU" dirty="0" err="1" smtClean="0">
+                <a:latin typeface="Times New Roman" panose="02020603050405020304" pitchFamily="18" charset="0"/>
+                <a:cs typeface="Times New Roman" panose="02020603050405020304" pitchFamily="18" charset="0"/>
+              </a:rPr>
+              <a:t>болады</a:t>
+            </a:r>
+            <a:r>
+              <a:rPr lang="ru-RU" dirty="0" smtClean="0">
+                <a:latin typeface="Times New Roman" panose="02020603050405020304" pitchFamily="18" charset="0"/>
+                <a:cs typeface="Times New Roman" panose="02020603050405020304" pitchFamily="18" charset="0"/>
+              </a:rPr>
+              <a:t>:</a:t>
+            </a:r>
+          </a:p>
+          <a:p>
+            <a:pPr marL="0" indent="0">
+              <a:buFont typeface="Arial" panose="020B0604020202020204" pitchFamily="34" charset="0"/>
+              <a:buNone/>
+            </a:pPr>
+            <a:endParaRPr lang="ru-RU" dirty="0" smtClean="0">
+              <a:latin typeface="Times New Roman" panose="02020603050405020304" pitchFamily="18" charset="0"/>
+              <a:cs typeface="Times New Roman" panose="02020603050405020304" pitchFamily="18" charset="0"/>
+            </a:endParaRPr>
+          </a:p>
+          <a:p>
+            <a:pPr marL="0" indent="0">
+              <a:buFont typeface="Arial" panose="020B0604020202020204" pitchFamily="34" charset="0"/>
+              <a:buNone/>
+            </a:pPr>
+            <a:endParaRPr lang="ru-RU" dirty="0">
+              <a:latin typeface="Times New Roman" panose="02020603050405020304" pitchFamily="18" charset="0"/>
+              <a:cs typeface="Times New Roman" panose="02020603050405020304" pitchFamily="18" charset="0"/>
+            </a:endParaRPr>
+          </a:p>
+        </p:txBody>
+      </p:sp>
+      <p:graphicFrame>
+        <p:nvGraphicFramePr>
+          <p:cNvPr id="10" name="Объект 9"/>
+          <p:cNvGraphicFramePr>
+            <a:graphicFrameLocks noChangeAspect="1"/>
+          </p:cNvGraphicFramePr>
+          <p:nvPr>
+            <p:extLst>
+              <p:ext uri="{D42A27DB-BD31-4B8C-83A1-F6EECF244321}">
+                <p14:modId xmlns:p14="http://schemas.microsoft.com/office/powerpoint/2010/main" val="1931122880"/>
+              </p:ext>
+            </p:extLst>
+          </p:nvPr>
+        </p:nvGraphicFramePr>
+        <p:xfrm>
+          <a:off x="3704474" y="4424341"/>
+          <a:ext cx="3575556" cy="1631565"/>
+        </p:xfrm>
+        <a:graphic>
+          <a:graphicData uri="http://schemas.openxmlformats.org/presentationml/2006/ole">
+            <mc:AlternateContent xmlns:mc="http://schemas.openxmlformats.org/markup-compatibility/2006">
+              <mc:Choice xmlns:v="urn:schemas-microsoft-com:vml" Requires="v">
+                <p:oleObj spid="_x0000_s2056" name="Equation" r:id="rId5" imgW="2616120" imgH="1193760" progId="Equation.DSMT4">
+                  <p:embed/>
+                </p:oleObj>
+              </mc:Choice>
+              <mc:Fallback>
+                <p:oleObj name="Equation" r:id="rId5" imgW="2616120" imgH="1193760" progId="Equation.DSMT4">
+                  <p:embed/>
+                  <p:pic>
+                    <p:nvPicPr>
+                      <p:cNvPr id="7" name="Объект 6"/>
+                      <p:cNvPicPr/>
+                      <p:nvPr/>
+                    </p:nvPicPr>
+                    <p:blipFill>
+                      <a:blip r:embed="rId6"/>
+                      <a:stretch>
+                        <a:fillRect/>
+                      </a:stretch>
+                    </p:blipFill>
+                    <p:spPr>
+                      <a:xfrm>
+                        <a:off x="3704474" y="4424341"/>
+                        <a:ext cx="3575556" cy="1631565"/>
                       </a:xfrm>
                       <a:prstGeom prst="rect">
                         <a:avLst/>
@@ -6490,7 +7358,7 @@
     </p:spTree>
     <p:extLst>
       <p:ext uri="{BB962C8B-B14F-4D97-AF65-F5344CB8AC3E}">
-        <p14:creationId xmlns:p14="http://schemas.microsoft.com/office/powerpoint/2010/main" val="511763280"/>
+        <p14:creationId xmlns:p14="http://schemas.microsoft.com/office/powerpoint/2010/main" val="2536628468"/>
       </p:ext>
     </p:extLst>
   </p:cSld>
@@ -6532,143 +7400,6 @@
           <a:bodyPr/>
           <a:lstStyle/>
           <a:p>
-            <a:endParaRPr lang="ru-RU"/>
-          </a:p>
-        </p:txBody>
-      </p:sp>
-      <p:sp>
-        <p:nvSpPr>
-          <p:cNvPr id="3" name="Объект 2"/>
-          <p:cNvSpPr>
-            <a:spLocks noGrp="1"/>
-          </p:cNvSpPr>
-          <p:nvPr>
-            <p:ph idx="1"/>
-          </p:nvPr>
-        </p:nvSpPr>
-        <p:spPr/>
-        <p:txBody>
-          <a:bodyPr/>
-          <a:lstStyle/>
-          <a:p>
-            <a:endParaRPr lang="ru-RU" dirty="0"/>
-          </a:p>
-        </p:txBody>
-      </p:sp>
-      <p:sp>
-        <p:nvSpPr>
-          <p:cNvPr id="4" name="Дата 3"/>
-          <p:cNvSpPr>
-            <a:spLocks noGrp="1"/>
-          </p:cNvSpPr>
-          <p:nvPr>
-            <p:ph type="dt" sz="half" idx="10"/>
-          </p:nvPr>
-        </p:nvSpPr>
-        <p:spPr/>
-        <p:txBody>
-          <a:bodyPr/>
-          <a:lstStyle/>
-          <a:p>
-            <a:fld id="{44E0955F-D797-4FF7-9F57-168AA0F993D1}" type="datetime1">
-              <a:rPr lang="ru-RU" smtClean="0"/>
-              <a:t>24.04.2022</a:t>
-            </a:fld>
-            <a:endParaRPr lang="ru-RU" dirty="0"/>
-          </a:p>
-        </p:txBody>
-      </p:sp>
-      <p:sp>
-        <p:nvSpPr>
-          <p:cNvPr id="5" name="Нижний колонтитул 4"/>
-          <p:cNvSpPr>
-            <a:spLocks noGrp="1"/>
-          </p:cNvSpPr>
-          <p:nvPr>
-            <p:ph type="ftr" sz="quarter" idx="11"/>
-          </p:nvPr>
-        </p:nvSpPr>
-        <p:spPr/>
-        <p:txBody>
-          <a:bodyPr/>
-          <a:lstStyle/>
-          <a:p>
-            <a:r>
-              <a:rPr lang="kk-KZ" smtClean="0"/>
-              <a:t>Әл-Фараби атындағы Қазақ ұлттық университеті</a:t>
-            </a:r>
-            <a:endParaRPr lang="kk-KZ" dirty="0"/>
-          </a:p>
-        </p:txBody>
-      </p:sp>
-      <p:sp>
-        <p:nvSpPr>
-          <p:cNvPr id="6" name="Номер слайда 5"/>
-          <p:cNvSpPr>
-            <a:spLocks noGrp="1"/>
-          </p:cNvSpPr>
-          <p:nvPr>
-            <p:ph type="sldNum" sz="quarter" idx="12"/>
-          </p:nvPr>
-        </p:nvSpPr>
-        <p:spPr/>
-        <p:txBody>
-          <a:bodyPr/>
-          <a:lstStyle/>
-          <a:p>
-            <a:fld id="{AC83EC1F-A917-497A-BAA4-DAF738FAF6FC}" type="slidenum">
-              <a:rPr lang="ru-RU" smtClean="0"/>
-              <a:t>8</a:t>
-            </a:fld>
-            <a:endParaRPr lang="ru-RU" dirty="0"/>
-          </a:p>
-        </p:txBody>
-      </p:sp>
-    </p:spTree>
-    <p:extLst>
-      <p:ext uri="{BB962C8B-B14F-4D97-AF65-F5344CB8AC3E}">
-        <p14:creationId xmlns:p14="http://schemas.microsoft.com/office/powerpoint/2010/main" val="3545250091"/>
-      </p:ext>
-    </p:extLst>
-  </p:cSld>
-  <p:clrMapOvr>
-    <a:masterClrMapping/>
-  </p:clrMapOvr>
-</p:sld>
-</file>
-
-<file path=ppt/slides/slide9.xml><?xml version="1.0" encoding="utf-8"?>
-<p:sld xmlns:a="http://schemas.openxmlformats.org/drawingml/2006/main" xmlns:r="http://schemas.openxmlformats.org/officeDocument/2006/relationships" xmlns:p="http://schemas.openxmlformats.org/presentationml/2006/main">
-  <p:cSld>
-    <p:spTree>
-      <p:nvGrpSpPr>
-        <p:cNvPr id="1" name=""/>
-        <p:cNvGrpSpPr/>
-        <p:nvPr/>
-      </p:nvGrpSpPr>
-      <p:grpSpPr>
-        <a:xfrm>
-          <a:off x="0" y="0"/>
-          <a:ext cx="0" cy="0"/>
-          <a:chOff x="0" y="0"/>
-          <a:chExt cx="0" cy="0"/>
-        </a:xfrm>
-      </p:grpSpPr>
-      <p:sp>
-        <p:nvSpPr>
-          <p:cNvPr id="2" name="Заголовок 1"/>
-          <p:cNvSpPr>
-            <a:spLocks noGrp="1"/>
-          </p:cNvSpPr>
-          <p:nvPr>
-            <p:ph type="title"/>
-          </p:nvPr>
-        </p:nvSpPr>
-        <p:spPr/>
-        <p:txBody>
-          <a:bodyPr/>
-          <a:lstStyle/>
-          <a:p>
             <a:r>
               <a:rPr lang="ru-RU" dirty="0" err="1">
                 <a:latin typeface="Times New Roman" panose="02020603050405020304" pitchFamily="18" charset="0"/>
@@ -6735,7 +7466,7 @@
           <a:bodyPr/>
           <a:lstStyle/>
           <a:p>
-            <a:pPr marL="0" indent="0">
+            <a:pPr marL="0" indent="0" algn="just">
               <a:buNone/>
             </a:pPr>
             <a:r>
@@ -7267,7 +7998,7 @@
           <a:p>
             <a:fld id="{AC83EC1F-A917-497A-BAA4-DAF738FAF6FC}" type="slidenum">
               <a:rPr lang="ru-RU" smtClean="0"/>
-              <a:t>9</a:t>
+              <a:t>8</a:t>
             </a:fld>
             <a:endParaRPr lang="ru-RU" dirty="0"/>
           </a:p>
@@ -7295,7 +8026,7 @@
           <a:graphicData uri="http://schemas.openxmlformats.org/presentationml/2006/ole">
             <mc:AlternateContent xmlns:mc="http://schemas.openxmlformats.org/markup-compatibility/2006">
               <mc:Choice xmlns:v="urn:schemas-microsoft-com:vml" Requires="v">
-                <p:oleObj spid="_x0000_s4100" name="Equation" r:id="rId3" imgW="8503920" imgH="2110850" progId="Equation.DSMT4">
+                <p:oleObj spid="_x0000_s4104" name="Equation" r:id="rId3" imgW="8503920" imgH="2110850" progId="Equation.DSMT4">
                   <p:embed/>
                 </p:oleObj>
               </mc:Choice>
@@ -7352,7 +8083,7 @@
           <a:graphicData uri="http://schemas.openxmlformats.org/presentationml/2006/ole">
             <mc:AlternateContent xmlns:mc="http://schemas.openxmlformats.org/markup-compatibility/2006">
               <mc:Choice xmlns:v="urn:schemas-microsoft-com:vml" Requires="v">
-                <p:oleObj spid="_x0000_s4101" name="Equation" r:id="rId5" imgW="5996763" imgH="1371459" progId="Equation.DSMT4">
+                <p:oleObj spid="_x0000_s4105" name="Equation" r:id="rId5" imgW="5996763" imgH="1371459" progId="Equation.DSMT4">
                   <p:embed/>
                 </p:oleObj>
               </mc:Choice>
@@ -7391,6 +8122,556 @@
     <p:extLst>
       <p:ext uri="{BB962C8B-B14F-4D97-AF65-F5344CB8AC3E}">
         <p14:creationId xmlns:p14="http://schemas.microsoft.com/office/powerpoint/2010/main" val="3748769697"/>
+      </p:ext>
+    </p:extLst>
+  </p:cSld>
+  <p:clrMapOvr>
+    <a:masterClrMapping/>
+  </p:clrMapOvr>
+</p:sld>
+</file>
+
+<file path=ppt/slides/slide9.xml><?xml version="1.0" encoding="utf-8"?>
+<p:sld xmlns:a="http://schemas.openxmlformats.org/drawingml/2006/main" xmlns:r="http://schemas.openxmlformats.org/officeDocument/2006/relationships" xmlns:p="http://schemas.openxmlformats.org/presentationml/2006/main">
+  <p:cSld>
+    <p:spTree>
+      <p:nvGrpSpPr>
+        <p:cNvPr id="1" name=""/>
+        <p:cNvGrpSpPr/>
+        <p:nvPr/>
+      </p:nvGrpSpPr>
+      <p:grpSpPr>
+        <a:xfrm>
+          <a:off x="0" y="0"/>
+          <a:ext cx="0" cy="0"/>
+          <a:chOff x="0" y="0"/>
+          <a:chExt cx="0" cy="0"/>
+        </a:xfrm>
+      </p:grpSpPr>
+      <p:sp>
+        <p:nvSpPr>
+          <p:cNvPr id="2" name="Заголовок 1"/>
+          <p:cNvSpPr>
+            <a:spLocks noGrp="1"/>
+          </p:cNvSpPr>
+          <p:nvPr>
+            <p:ph type="title"/>
+          </p:nvPr>
+        </p:nvSpPr>
+        <p:spPr>
+          <a:xfrm>
+            <a:off x="2105890" y="328179"/>
+            <a:ext cx="9621511" cy="1044049"/>
+          </a:xfrm>
+        </p:spPr>
+        <p:txBody>
+          <a:bodyPr/>
+          <a:lstStyle/>
+          <a:p>
+            <a:r>
+              <a:rPr lang="en-US" b="1" dirty="0">
+                <a:latin typeface="Times New Roman" panose="02020603050405020304" pitchFamily="18" charset="0"/>
+                <a:cs typeface="Times New Roman" panose="02020603050405020304" pitchFamily="18" charset="0"/>
+              </a:rPr>
+              <a:t>CG</a:t>
+            </a:r>
+            <a:r>
+              <a:rPr lang="ru-RU" b="1" dirty="0">
+                <a:latin typeface="Times New Roman" panose="02020603050405020304" pitchFamily="18" charset="0"/>
+                <a:cs typeface="Times New Roman" panose="02020603050405020304" pitchFamily="18" charset="0"/>
+              </a:rPr>
+              <a:t> </a:t>
+            </a:r>
+            <a:r>
+              <a:rPr lang="ru-RU" b="1" dirty="0" err="1">
+                <a:latin typeface="Times New Roman" panose="02020603050405020304" pitchFamily="18" charset="0"/>
+                <a:cs typeface="Times New Roman" panose="02020603050405020304" pitchFamily="18" charset="0"/>
+              </a:rPr>
+              <a:t>әдісінің</a:t>
+            </a:r>
+            <a:r>
+              <a:rPr lang="ru-RU" b="1" dirty="0">
+                <a:latin typeface="Times New Roman" panose="02020603050405020304" pitchFamily="18" charset="0"/>
+                <a:cs typeface="Times New Roman" panose="02020603050405020304" pitchFamily="18" charset="0"/>
+              </a:rPr>
+              <a:t> </a:t>
+            </a:r>
+            <a:r>
+              <a:rPr lang="ru-RU" b="1" dirty="0" err="1">
+                <a:latin typeface="Times New Roman" panose="02020603050405020304" pitchFamily="18" charset="0"/>
+                <a:cs typeface="Times New Roman" panose="02020603050405020304" pitchFamily="18" charset="0"/>
+              </a:rPr>
+              <a:t>алгоритмі</a:t>
+            </a:r>
+            <a:r>
+              <a:rPr lang="ru-RU" b="1" dirty="0" smtClean="0">
+                <a:latin typeface="Times New Roman" panose="02020603050405020304" pitchFamily="18" charset="0"/>
+                <a:cs typeface="Times New Roman" panose="02020603050405020304" pitchFamily="18" charset="0"/>
+              </a:rPr>
+              <a:t>.</a:t>
+            </a:r>
+            <a:endParaRPr lang="ru-RU" dirty="0"/>
+          </a:p>
+        </p:txBody>
+      </p:sp>
+      <p:sp>
+        <p:nvSpPr>
+          <p:cNvPr id="3" name="Объект 2"/>
+          <p:cNvSpPr>
+            <a:spLocks noGrp="1"/>
+          </p:cNvSpPr>
+          <p:nvPr>
+            <p:ph idx="1"/>
+          </p:nvPr>
+        </p:nvSpPr>
+        <p:spPr>
+          <a:xfrm>
+            <a:off x="461638" y="1372227"/>
+            <a:ext cx="11265763" cy="1585429"/>
+          </a:xfrm>
+        </p:spPr>
+        <p:txBody>
+          <a:bodyPr>
+            <a:normAutofit/>
+          </a:bodyPr>
+          <a:lstStyle/>
+          <a:p>
+            <a:pPr marL="457200" indent="-457200" algn="just">
+              <a:buAutoNum type="arabicPeriod"/>
+            </a:pPr>
+            <a:r>
+              <a:rPr lang="ru-RU" dirty="0" err="1">
+                <a:latin typeface="Times New Roman" panose="02020603050405020304" pitchFamily="18" charset="0"/>
+                <a:cs typeface="Times New Roman" panose="02020603050405020304" pitchFamily="18" charset="0"/>
+              </a:rPr>
+              <a:t>Градиетті</a:t>
+            </a:r>
+            <a:r>
+              <a:rPr lang="ru-RU" dirty="0">
+                <a:latin typeface="Times New Roman" panose="02020603050405020304" pitchFamily="18" charset="0"/>
+                <a:cs typeface="Times New Roman" panose="02020603050405020304" pitchFamily="18" charset="0"/>
+              </a:rPr>
+              <a:t> </a:t>
+            </a:r>
+            <a:r>
+              <a:rPr lang="ru-RU" dirty="0" err="1">
+                <a:latin typeface="Times New Roman" panose="02020603050405020304" pitchFamily="18" charset="0"/>
+                <a:cs typeface="Times New Roman" panose="02020603050405020304" pitchFamily="18" charset="0"/>
+              </a:rPr>
+              <a:t>есептеу</a:t>
+            </a:r>
+            <a:r>
+              <a:rPr lang="ru-RU" dirty="0">
+                <a:latin typeface="Times New Roman" panose="02020603050405020304" pitchFamily="18" charset="0"/>
+                <a:cs typeface="Times New Roman" panose="02020603050405020304" pitchFamily="18" charset="0"/>
+              </a:rPr>
+              <a:t>;</a:t>
+            </a:r>
+          </a:p>
+          <a:p>
+            <a:pPr marL="457200" indent="-457200" algn="just">
+              <a:buAutoNum type="arabicPeriod"/>
+            </a:pPr>
+            <a:r>
+              <a:rPr lang="ru-RU" dirty="0" err="1">
+                <a:latin typeface="Times New Roman" panose="02020603050405020304" pitchFamily="18" charset="0"/>
+                <a:cs typeface="Times New Roman" panose="02020603050405020304" pitchFamily="18" charset="0"/>
+              </a:rPr>
+              <a:t>Бағыттауыш</a:t>
+            </a:r>
+            <a:r>
+              <a:rPr lang="ru-RU" dirty="0">
+                <a:latin typeface="Times New Roman" panose="02020603050405020304" pitchFamily="18" charset="0"/>
+                <a:cs typeface="Times New Roman" panose="02020603050405020304" pitchFamily="18" charset="0"/>
+              </a:rPr>
+              <a:t> </a:t>
+            </a:r>
+            <a:r>
+              <a:rPr lang="ru-RU" dirty="0" err="1">
+                <a:latin typeface="Times New Roman" panose="02020603050405020304" pitchFamily="18" charset="0"/>
+                <a:cs typeface="Times New Roman" panose="02020603050405020304" pitchFamily="18" charset="0"/>
+              </a:rPr>
+              <a:t>векторды</a:t>
+            </a:r>
+            <a:r>
+              <a:rPr lang="ru-RU" dirty="0">
+                <a:latin typeface="Times New Roman" panose="02020603050405020304" pitchFamily="18" charset="0"/>
+                <a:cs typeface="Times New Roman" panose="02020603050405020304" pitchFamily="18" charset="0"/>
+              </a:rPr>
+              <a:t> </a:t>
+            </a:r>
+            <a:r>
+              <a:rPr lang="ru-RU" dirty="0" err="1">
+                <a:latin typeface="Times New Roman" panose="02020603050405020304" pitchFamily="18" charset="0"/>
+                <a:cs typeface="Times New Roman" panose="02020603050405020304" pitchFamily="18" charset="0"/>
+              </a:rPr>
+              <a:t>есептеу</a:t>
+            </a:r>
+            <a:r>
+              <a:rPr lang="ru-RU" dirty="0">
+                <a:latin typeface="Times New Roman" panose="02020603050405020304" pitchFamily="18" charset="0"/>
+                <a:cs typeface="Times New Roman" panose="02020603050405020304" pitchFamily="18" charset="0"/>
+              </a:rPr>
+              <a:t>;</a:t>
+            </a:r>
+            <a:endParaRPr lang="en-US" dirty="0">
+              <a:latin typeface="Times New Roman" panose="02020603050405020304" pitchFamily="18" charset="0"/>
+              <a:cs typeface="Times New Roman" panose="02020603050405020304" pitchFamily="18" charset="0"/>
+            </a:endParaRPr>
+          </a:p>
+          <a:p>
+            <a:pPr marL="457200" indent="-457200" algn="just">
+              <a:buAutoNum type="arabicPeriod"/>
+            </a:pPr>
+            <a:r>
+              <a:rPr lang="ru-RU" dirty="0" err="1">
+                <a:latin typeface="Times New Roman" panose="02020603050405020304" pitchFamily="18" charset="0"/>
+                <a:cs typeface="Times New Roman" panose="02020603050405020304" pitchFamily="18" charset="0"/>
+              </a:rPr>
+              <a:t>Берілген</a:t>
+            </a:r>
+            <a:r>
+              <a:rPr lang="ru-RU" dirty="0">
+                <a:latin typeface="Times New Roman" panose="02020603050405020304" pitchFamily="18" charset="0"/>
+                <a:cs typeface="Times New Roman" panose="02020603050405020304" pitchFamily="18" charset="0"/>
+              </a:rPr>
+              <a:t> </a:t>
+            </a:r>
+            <a:r>
+              <a:rPr lang="ru-RU" dirty="0" err="1">
+                <a:latin typeface="Times New Roman" panose="02020603050405020304" pitchFamily="18" charset="0"/>
+                <a:cs typeface="Times New Roman" panose="02020603050405020304" pitchFamily="18" charset="0"/>
+              </a:rPr>
+              <a:t>бағыт</a:t>
+            </a:r>
+            <a:r>
+              <a:rPr lang="ru-RU" dirty="0">
+                <a:latin typeface="Times New Roman" panose="02020603050405020304" pitchFamily="18" charset="0"/>
+                <a:cs typeface="Times New Roman" panose="02020603050405020304" pitchFamily="18" charset="0"/>
+              </a:rPr>
+              <a:t> </a:t>
+            </a:r>
+            <a:r>
+              <a:rPr lang="ru-RU" dirty="0" err="1">
+                <a:latin typeface="Times New Roman" panose="02020603050405020304" pitchFamily="18" charset="0"/>
+                <a:cs typeface="Times New Roman" panose="02020603050405020304" pitchFamily="18" charset="0"/>
+              </a:rPr>
+              <a:t>бойынша</a:t>
+            </a:r>
+            <a:r>
+              <a:rPr lang="ru-RU" dirty="0">
+                <a:latin typeface="Times New Roman" panose="02020603050405020304" pitchFamily="18" charset="0"/>
+                <a:cs typeface="Times New Roman" panose="02020603050405020304" pitchFamily="18" charset="0"/>
+              </a:rPr>
+              <a:t> </a:t>
+            </a:r>
+            <a:r>
+              <a:rPr lang="ru-RU" dirty="0" err="1">
+                <a:latin typeface="Times New Roman" panose="02020603050405020304" pitchFamily="18" charset="0"/>
+                <a:cs typeface="Times New Roman" panose="02020603050405020304" pitchFamily="18" charset="0"/>
+              </a:rPr>
+              <a:t>ығысу</a:t>
+            </a:r>
+            <a:r>
+              <a:rPr lang="ru-RU" dirty="0">
+                <a:latin typeface="Times New Roman" panose="02020603050405020304" pitchFamily="18" charset="0"/>
+                <a:cs typeface="Times New Roman" panose="02020603050405020304" pitchFamily="18" charset="0"/>
+              </a:rPr>
+              <a:t> </a:t>
+            </a:r>
+            <a:r>
+              <a:rPr lang="ru-RU" dirty="0" err="1">
+                <a:latin typeface="Times New Roman" panose="02020603050405020304" pitchFamily="18" charset="0"/>
+                <a:cs typeface="Times New Roman" panose="02020603050405020304" pitchFamily="18" charset="0"/>
+              </a:rPr>
+              <a:t>шамасын</a:t>
+            </a:r>
+            <a:r>
+              <a:rPr lang="ru-RU" dirty="0">
+                <a:latin typeface="Times New Roman" panose="02020603050405020304" pitchFamily="18" charset="0"/>
+                <a:cs typeface="Times New Roman" panose="02020603050405020304" pitchFamily="18" charset="0"/>
+              </a:rPr>
+              <a:t> (</a:t>
+            </a:r>
+            <a:r>
+              <a:rPr lang="ru-RU" dirty="0" err="1">
+                <a:latin typeface="Times New Roman" panose="02020603050405020304" pitchFamily="18" charset="0"/>
+                <a:cs typeface="Times New Roman" panose="02020603050405020304" pitchFamily="18" charset="0"/>
+              </a:rPr>
+              <a:t>қадамды</a:t>
+            </a:r>
+            <a:r>
+              <a:rPr lang="ru-RU" dirty="0">
+                <a:latin typeface="Times New Roman" panose="02020603050405020304" pitchFamily="18" charset="0"/>
+                <a:cs typeface="Times New Roman" panose="02020603050405020304" pitchFamily="18" charset="0"/>
+              </a:rPr>
+              <a:t>) </a:t>
+            </a:r>
+            <a:r>
+              <a:rPr lang="ru-RU" dirty="0" err="1">
+                <a:latin typeface="Times New Roman" panose="02020603050405020304" pitchFamily="18" charset="0"/>
+                <a:cs typeface="Times New Roman" panose="02020603050405020304" pitchFamily="18" charset="0"/>
+              </a:rPr>
+              <a:t>есептеу</a:t>
+            </a:r>
+            <a:r>
+              <a:rPr lang="ru-RU" dirty="0">
+                <a:latin typeface="Times New Roman" panose="02020603050405020304" pitchFamily="18" charset="0"/>
+                <a:cs typeface="Times New Roman" panose="02020603050405020304" pitchFamily="18" charset="0"/>
+              </a:rPr>
+              <a:t>;</a:t>
+            </a:r>
+          </a:p>
+          <a:p>
+            <a:pPr marL="457200" indent="-457200" algn="just">
+              <a:buAutoNum type="arabicPeriod"/>
+            </a:pPr>
+            <a:r>
+              <a:rPr lang="ru-RU" dirty="0" err="1">
+                <a:latin typeface="Times New Roman" panose="02020603050405020304" pitchFamily="18" charset="0"/>
+                <a:cs typeface="Times New Roman" panose="02020603050405020304" pitchFamily="18" charset="0"/>
+              </a:rPr>
+              <a:t>Жаңа</a:t>
+            </a:r>
+            <a:r>
+              <a:rPr lang="ru-RU" dirty="0">
+                <a:latin typeface="Times New Roman" panose="02020603050405020304" pitchFamily="18" charset="0"/>
+                <a:cs typeface="Times New Roman" panose="02020603050405020304" pitchFamily="18" charset="0"/>
+              </a:rPr>
+              <a:t> </a:t>
+            </a:r>
+            <a:r>
+              <a:rPr lang="ru-RU" dirty="0" err="1">
+                <a:latin typeface="Times New Roman" panose="02020603050405020304" pitchFamily="18" charset="0"/>
+                <a:cs typeface="Times New Roman" panose="02020603050405020304" pitchFamily="18" charset="0"/>
+              </a:rPr>
+              <a:t>жуықтауды</a:t>
+            </a:r>
+            <a:r>
+              <a:rPr lang="ru-RU" dirty="0">
+                <a:latin typeface="Times New Roman" panose="02020603050405020304" pitchFamily="18" charset="0"/>
+                <a:cs typeface="Times New Roman" panose="02020603050405020304" pitchFamily="18" charset="0"/>
+              </a:rPr>
+              <a:t> (</a:t>
+            </a:r>
+            <a:r>
+              <a:rPr lang="ru-RU" dirty="0" err="1">
+                <a:latin typeface="Times New Roman" panose="02020603050405020304" pitchFamily="18" charset="0"/>
+                <a:cs typeface="Times New Roman" panose="02020603050405020304" pitchFamily="18" charset="0"/>
+              </a:rPr>
+              <a:t>шешімді</a:t>
+            </a:r>
+            <a:r>
+              <a:rPr lang="ru-RU" dirty="0">
+                <a:latin typeface="Times New Roman" panose="02020603050405020304" pitchFamily="18" charset="0"/>
+                <a:cs typeface="Times New Roman" panose="02020603050405020304" pitchFamily="18" charset="0"/>
+              </a:rPr>
+              <a:t>) </a:t>
+            </a:r>
+            <a:r>
+              <a:rPr lang="ru-RU" dirty="0" err="1">
+                <a:latin typeface="Times New Roman" panose="02020603050405020304" pitchFamily="18" charset="0"/>
+                <a:cs typeface="Times New Roman" panose="02020603050405020304" pitchFamily="18" charset="0"/>
+              </a:rPr>
+              <a:t>есептеу</a:t>
+            </a:r>
+            <a:r>
+              <a:rPr lang="ru-RU" dirty="0">
+                <a:latin typeface="Times New Roman" panose="02020603050405020304" pitchFamily="18" charset="0"/>
+                <a:cs typeface="Times New Roman" panose="02020603050405020304" pitchFamily="18" charset="0"/>
+              </a:rPr>
+              <a:t>.</a:t>
+            </a:r>
+          </a:p>
+        </p:txBody>
+      </p:sp>
+      <p:sp>
+        <p:nvSpPr>
+          <p:cNvPr id="4" name="Дата 3"/>
+          <p:cNvSpPr>
+            <a:spLocks noGrp="1"/>
+          </p:cNvSpPr>
+          <p:nvPr>
+            <p:ph type="dt" sz="half" idx="10"/>
+          </p:nvPr>
+        </p:nvSpPr>
+        <p:spPr/>
+        <p:txBody>
+          <a:bodyPr/>
+          <a:lstStyle/>
+          <a:p>
+            <a:fld id="{44E0955F-D797-4FF7-9F57-168AA0F993D1}" type="datetime1">
+              <a:rPr lang="ru-RU" smtClean="0"/>
+              <a:t>25.04.2022</a:t>
+            </a:fld>
+            <a:endParaRPr lang="ru-RU" dirty="0"/>
+          </a:p>
+        </p:txBody>
+      </p:sp>
+      <p:sp>
+        <p:nvSpPr>
+          <p:cNvPr id="5" name="Нижний колонтитул 4"/>
+          <p:cNvSpPr>
+            <a:spLocks noGrp="1"/>
+          </p:cNvSpPr>
+          <p:nvPr>
+            <p:ph type="ftr" sz="quarter" idx="11"/>
+          </p:nvPr>
+        </p:nvSpPr>
+        <p:spPr/>
+        <p:txBody>
+          <a:bodyPr/>
+          <a:lstStyle/>
+          <a:p>
+            <a:r>
+              <a:rPr lang="kk-KZ" smtClean="0"/>
+              <a:t>Әл-Фараби атындағы Қазақ ұлттық университеті</a:t>
+            </a:r>
+            <a:endParaRPr lang="kk-KZ" dirty="0"/>
+          </a:p>
+        </p:txBody>
+      </p:sp>
+      <p:sp>
+        <p:nvSpPr>
+          <p:cNvPr id="6" name="Номер слайда 5"/>
+          <p:cNvSpPr>
+            <a:spLocks noGrp="1"/>
+          </p:cNvSpPr>
+          <p:nvPr>
+            <p:ph type="sldNum" sz="quarter" idx="12"/>
+          </p:nvPr>
+        </p:nvSpPr>
+        <p:spPr/>
+        <p:txBody>
+          <a:bodyPr/>
+          <a:lstStyle/>
+          <a:p>
+            <a:fld id="{AC83EC1F-A917-497A-BAA4-DAF738FAF6FC}" type="slidenum">
+              <a:rPr lang="ru-RU" smtClean="0"/>
+              <a:t>9</a:t>
+            </a:fld>
+            <a:endParaRPr lang="ru-RU" dirty="0"/>
+          </a:p>
+        </p:txBody>
+      </p:sp>
+      <p:graphicFrame>
+        <p:nvGraphicFramePr>
+          <p:cNvPr id="7" name="Объект 6"/>
+          <p:cNvGraphicFramePr>
+            <a:graphicFrameLocks noChangeAspect="1"/>
+          </p:cNvGraphicFramePr>
+          <p:nvPr>
+            <p:extLst>
+              <p:ext uri="{D42A27DB-BD31-4B8C-83A1-F6EECF244321}">
+                <p14:modId xmlns:p14="http://schemas.microsoft.com/office/powerpoint/2010/main" val="1133300017"/>
+              </p:ext>
+            </p:extLst>
+          </p:nvPr>
+        </p:nvGraphicFramePr>
+        <p:xfrm>
+          <a:off x="804863" y="3105778"/>
+          <a:ext cx="4763366" cy="3814618"/>
+        </p:xfrm>
+        <a:graphic>
+          <a:graphicData uri="http://schemas.openxmlformats.org/presentationml/2006/ole">
+            <mc:AlternateContent xmlns:mc="http://schemas.openxmlformats.org/markup-compatibility/2006">
+              <mc:Choice xmlns:v="urn:schemas-microsoft-com:vml" Requires="v">
+                <p:oleObj spid="_x0000_s1032" name="Equation" r:id="rId3" imgW="3688222" imgH="3931967" progId="Equation.DSMT4">
+                  <p:embed/>
+                </p:oleObj>
+              </mc:Choice>
+              <mc:Fallback>
+                <p:oleObj name="Equation" r:id="rId3" imgW="3688222" imgH="3931967" progId="Equation.DSMT4">
+                  <p:embed/>
+                  <p:pic>
+                    <p:nvPicPr>
+                      <p:cNvPr id="0" name=""/>
+                      <p:cNvPicPr/>
+                      <p:nvPr/>
+                    </p:nvPicPr>
+                    <p:blipFill>
+                      <a:blip r:embed="rId4"/>
+                      <a:stretch>
+                        <a:fillRect/>
+                      </a:stretch>
+                    </p:blipFill>
+                    <p:spPr>
+                      <a:xfrm>
+                        <a:off x="804863" y="3105778"/>
+                        <a:ext cx="4763366" cy="3814618"/>
+                      </a:xfrm>
+                      <a:prstGeom prst="rect">
+                        <a:avLst/>
+                      </a:prstGeom>
+                    </p:spPr>
+                  </p:pic>
+                </p:oleObj>
+              </mc:Fallback>
+            </mc:AlternateContent>
+          </a:graphicData>
+        </a:graphic>
+      </p:graphicFrame>
+      <p:graphicFrame>
+        <p:nvGraphicFramePr>
+          <p:cNvPr id="9" name="Объект 8"/>
+          <p:cNvGraphicFramePr>
+            <a:graphicFrameLocks noChangeAspect="1"/>
+          </p:cNvGraphicFramePr>
+          <p:nvPr>
+            <p:extLst>
+              <p:ext uri="{D42A27DB-BD31-4B8C-83A1-F6EECF244321}">
+                <p14:modId xmlns:p14="http://schemas.microsoft.com/office/powerpoint/2010/main" val="1106875644"/>
+              </p:ext>
+            </p:extLst>
+          </p:nvPr>
+        </p:nvGraphicFramePr>
+        <p:xfrm>
+          <a:off x="5975927" y="3156578"/>
+          <a:ext cx="5189537" cy="2400300"/>
+        </p:xfrm>
+        <a:graphic>
+          <a:graphicData uri="http://schemas.openxmlformats.org/presentationml/2006/ole">
+            <mc:AlternateContent xmlns:mc="http://schemas.openxmlformats.org/markup-compatibility/2006">
+              <mc:Choice xmlns:v="urn:schemas-microsoft-com:vml" Requires="v">
+                <p:oleObj spid="_x0000_s1033" name="Equation" r:id="rId5" imgW="5189114" imgH="2400159" progId="Equation.DSMT4">
+                  <p:embed/>
+                </p:oleObj>
+              </mc:Choice>
+              <mc:Fallback>
+                <p:oleObj name="Equation" r:id="rId5" imgW="5189114" imgH="2400159" progId="Equation.DSMT4">
+                  <p:embed/>
+                  <p:pic>
+                    <p:nvPicPr>
+                      <p:cNvPr id="0" name=""/>
+                      <p:cNvPicPr/>
+                      <p:nvPr/>
+                    </p:nvPicPr>
+                    <p:blipFill>
+                      <a:blip r:embed="rId6"/>
+                      <a:stretch>
+                        <a:fillRect/>
+                      </a:stretch>
+                    </p:blipFill>
+                    <p:spPr>
+                      <a:xfrm>
+                        <a:off x="5975927" y="3156578"/>
+                        <a:ext cx="5189537" cy="2400300"/>
+                      </a:xfrm>
+                      <a:prstGeom prst="rect">
+                        <a:avLst/>
+                      </a:prstGeom>
+                    </p:spPr>
+                  </p:pic>
+                </p:oleObj>
+              </mc:Fallback>
+            </mc:AlternateContent>
+          </a:graphicData>
+        </a:graphic>
+      </p:graphicFrame>
+    </p:spTree>
+    <p:extLst>
+      <p:ext uri="{BB962C8B-B14F-4D97-AF65-F5344CB8AC3E}">
+        <p14:creationId xmlns:p14="http://schemas.microsoft.com/office/powerpoint/2010/main" val="2515122019"/>
       </p:ext>
     </p:extLst>
   </p:cSld>

--- a/Пример каз.pptx
+++ b/Пример каз.pptx
@@ -157,7 +157,7 @@
 </file>
 
 <file path=ppt/charts/chart1.xml><?xml version="1.0" encoding="utf-8"?>
-<c:chartSpace xmlns:c="http://schemas.openxmlformats.org/drawingml/2006/chart" xmlns:a="http://schemas.openxmlformats.org/drawingml/2006/main" xmlns:r="http://schemas.openxmlformats.org/officeDocument/2006/relationships" xmlns:c16r2="http://schemas.microsoft.com/office/drawing/2015/06/chart">
+<c:chartSpace xmlns:c="http://schemas.openxmlformats.org/drawingml/2006/chart" xmlns:a="http://schemas.openxmlformats.org/drawingml/2006/main" xmlns:r="http://schemas.openxmlformats.org/officeDocument/2006/relationships">
   <c:date1904 val="0"/>
   <c:lang val="ru-RU"/>
   <c:roundedCorners val="0"/>
@@ -267,7 +267,7 @@
             </c:numRef>
           </c:val>
           <c:smooth val="0"/>
-          <c:extLst>
+          <c:extLst xmlns:c16r2="http://schemas.microsoft.com/office/drawing/2015/06/chart">
             <c:ext xmlns:c16="http://schemas.microsoft.com/office/drawing/2014/chart" uri="{C3380CC4-5D6E-409C-BE32-E72D297353CC}">
               <c16:uniqueId val="{00000000-FEDA-49A1-B04A-2387A934BC79}"/>
             </c:ext>
@@ -354,7 +354,7 @@
             </c:numRef>
           </c:val>
           <c:smooth val="0"/>
-          <c:extLst>
+          <c:extLst xmlns:c16r2="http://schemas.microsoft.com/office/drawing/2015/06/chart">
             <c:ext xmlns:c16="http://schemas.microsoft.com/office/drawing/2014/chart" uri="{C3380CC4-5D6E-409C-BE32-E72D297353CC}">
               <c16:uniqueId val="{00000001-FEDA-49A1-B04A-2387A934BC79}"/>
             </c:ext>
@@ -370,11 +370,11 @@
         </c:dLbls>
         <c:marker val="1"/>
         <c:smooth val="0"/>
-        <c:axId val="1457872287"/>
-        <c:axId val="1457858143"/>
+        <c:axId val="675907120"/>
+        <c:axId val="675909840"/>
       </c:lineChart>
       <c:catAx>
-        <c:axId val="1457872287"/>
+        <c:axId val="675907120"/>
         <c:scaling>
           <c:orientation val="minMax"/>
         </c:scaling>
@@ -414,10 +414,10 @@
                 <a:cs typeface="+mn-cs"/>
               </a:defRPr>
             </a:pPr>
-            <a:endParaRPr lang="en-US"/>
+            <a:endParaRPr lang="ru-RU"/>
           </a:p>
         </c:txPr>
-        <c:crossAx val="1457858143"/>
+        <c:crossAx val="675909840"/>
         <c:crosses val="autoZero"/>
         <c:auto val="1"/>
         <c:lblAlgn val="ctr"/>
@@ -425,7 +425,7 @@
         <c:noMultiLvlLbl val="0"/>
       </c:catAx>
       <c:valAx>
-        <c:axId val="1457858143"/>
+        <c:axId val="675909840"/>
         <c:scaling>
           <c:orientation val="minMax"/>
         </c:scaling>
@@ -473,10 +473,10 @@
                 <a:cs typeface="+mn-cs"/>
               </a:defRPr>
             </a:pPr>
-            <a:endParaRPr lang="en-US"/>
+            <a:endParaRPr lang="ru-RU"/>
           </a:p>
         </c:txPr>
-        <c:crossAx val="1457872287"/>
+        <c:crossAx val="675907120"/>
         <c:crosses val="autoZero"/>
         <c:crossBetween val="between"/>
       </c:valAx>
@@ -516,7 +516,7 @@
               <a:cs typeface="+mn-cs"/>
             </a:defRPr>
           </a:pPr>
-          <a:endParaRPr lang="en-US"/>
+          <a:endParaRPr lang="ru-RU"/>
         </a:p>
       </c:txPr>
     </c:legend>
@@ -538,7 +538,7 @@
       <a:pPr>
         <a:defRPr/>
       </a:pPr>
-      <a:endParaRPr lang="en-US"/>
+      <a:endParaRPr lang="ru-RU"/>
     </a:p>
   </c:txPr>
   <c:externalData r:id="rId3">
@@ -1117,7 +1117,7 @@
           <p:cNvPr id="2" name="Верхний колонтитул 1">
             <a:extLst>
               <a:ext uri="{FF2B5EF4-FFF2-40B4-BE49-F238E27FC236}">
-                <a16:creationId xmlns:a16="http://schemas.microsoft.com/office/drawing/2014/main" id="{260D1341-3503-487C-B2C2-A6063D072EA6}"/>
+                <a16:creationId xmlns:a16="http://schemas.microsoft.com/office/drawing/2014/main" xmlns="" id="{260D1341-3503-487C-B2C2-A6063D072EA6}"/>
               </a:ext>
             </a:extLst>
           </p:cNvPr>
@@ -1154,7 +1154,7 @@
           <p:cNvPr id="3" name="Дата 2">
             <a:extLst>
               <a:ext uri="{FF2B5EF4-FFF2-40B4-BE49-F238E27FC236}">
-                <a16:creationId xmlns:a16="http://schemas.microsoft.com/office/drawing/2014/main" id="{B8AEEF98-7BDD-4C72-BD8C-644041A68A22}"/>
+                <a16:creationId xmlns:a16="http://schemas.microsoft.com/office/drawing/2014/main" xmlns="" id="{B8AEEF98-7BDD-4C72-BD8C-644041A68A22}"/>
               </a:ext>
             </a:extLst>
           </p:cNvPr>
@@ -1184,7 +1184,7 @@
           <a:p>
             <a:fld id="{EAC7B480-4FB3-4F32-9642-08EBE6967632}" type="datetime1">
               <a:rPr lang="ru-RU" smtClean="0"/>
-              <a:t>25.04.2022</a:t>
+              <a:t>26.04.2022</a:t>
             </a:fld>
             <a:endParaRPr lang="ru-RU"/>
           </a:p>
@@ -1195,7 +1195,7 @@
           <p:cNvPr id="4" name="Нижний колонтитул 3">
             <a:extLst>
               <a:ext uri="{FF2B5EF4-FFF2-40B4-BE49-F238E27FC236}">
-                <a16:creationId xmlns:a16="http://schemas.microsoft.com/office/drawing/2014/main" id="{8A9A61ED-275F-419B-B7E2-E79F99C7E38E}"/>
+                <a16:creationId xmlns:a16="http://schemas.microsoft.com/office/drawing/2014/main" xmlns="" id="{8A9A61ED-275F-419B-B7E2-E79F99C7E38E}"/>
               </a:ext>
             </a:extLst>
           </p:cNvPr>
@@ -1232,7 +1232,7 @@
           <p:cNvPr id="5" name="Номер слайда 4">
             <a:extLst>
               <a:ext uri="{FF2B5EF4-FFF2-40B4-BE49-F238E27FC236}">
-                <a16:creationId xmlns:a16="http://schemas.microsoft.com/office/drawing/2014/main" id="{992D84CA-A59B-4F92-95A7-F148697C5BED}"/>
+                <a16:creationId xmlns:a16="http://schemas.microsoft.com/office/drawing/2014/main" xmlns="" id="{992D84CA-A59B-4F92-95A7-F148697C5BED}"/>
               </a:ext>
             </a:extLst>
           </p:cNvPr>
@@ -1362,7 +1362,7 @@
           <a:p>
             <a:fld id="{0FF2E734-2E7E-4FAA-9647-ABEE08BAA44C}" type="datetime1">
               <a:rPr lang="ru-RU" smtClean="0"/>
-              <a:t>25.04.2022</a:t>
+              <a:t>26.04.2022</a:t>
             </a:fld>
             <a:endParaRPr lang="ru-RU"/>
           </a:p>
@@ -1652,7 +1652,7 @@
           <p:cNvPr id="2" name="Заголовок 1">
             <a:extLst>
               <a:ext uri="{FF2B5EF4-FFF2-40B4-BE49-F238E27FC236}">
-                <a16:creationId xmlns:a16="http://schemas.microsoft.com/office/drawing/2014/main" id="{02E488CE-BB74-46D3-90B9-713EBE8D0B2E}"/>
+                <a16:creationId xmlns:a16="http://schemas.microsoft.com/office/drawing/2014/main" xmlns="" id="{02E488CE-BB74-46D3-90B9-713EBE8D0B2E}"/>
               </a:ext>
             </a:extLst>
           </p:cNvPr>
@@ -1694,7 +1694,7 @@
           <p:cNvPr id="3" name="Подзаголовок 2">
             <a:extLst>
               <a:ext uri="{FF2B5EF4-FFF2-40B4-BE49-F238E27FC236}">
-                <a16:creationId xmlns:a16="http://schemas.microsoft.com/office/drawing/2014/main" id="{D2630922-A485-4FF7-BB07-B0F425146DE9}"/>
+                <a16:creationId xmlns:a16="http://schemas.microsoft.com/office/drawing/2014/main" xmlns="" id="{D2630922-A485-4FF7-BB07-B0F425146DE9}"/>
               </a:ext>
             </a:extLst>
           </p:cNvPr>
@@ -1767,7 +1767,7 @@
           <p:cNvPr id="5" name="Нижний колонтитул 4">
             <a:extLst>
               <a:ext uri="{FF2B5EF4-FFF2-40B4-BE49-F238E27FC236}">
-                <a16:creationId xmlns:a16="http://schemas.microsoft.com/office/drawing/2014/main" id="{91B5DE16-A7BD-4ABD-999B-24DCE1863DD4}"/>
+                <a16:creationId xmlns:a16="http://schemas.microsoft.com/office/drawing/2014/main" xmlns="" id="{91B5DE16-A7BD-4ABD-999B-24DCE1863DD4}"/>
               </a:ext>
             </a:extLst>
           </p:cNvPr>
@@ -1806,7 +1806,7 @@
           <p:cNvPr id="7" name="Дата 3">
             <a:extLst>
               <a:ext uri="{FF2B5EF4-FFF2-40B4-BE49-F238E27FC236}">
-                <a16:creationId xmlns:a16="http://schemas.microsoft.com/office/drawing/2014/main" id="{DC5540A6-634B-4BA2-AA77-828AA7F80B39}"/>
+                <a16:creationId xmlns:a16="http://schemas.microsoft.com/office/drawing/2014/main" xmlns="" id="{DC5540A6-634B-4BA2-AA77-828AA7F80B39}"/>
               </a:ext>
             </a:extLst>
           </p:cNvPr>
@@ -1946,7 +1946,7 @@
           <p:cNvPr id="10" name="Рисунок 17">
             <a:extLst>
               <a:ext uri="{FF2B5EF4-FFF2-40B4-BE49-F238E27FC236}">
-                <a16:creationId xmlns:a16="http://schemas.microsoft.com/office/drawing/2014/main" id="{60AEDDCC-4C87-4893-A5D3-0631D38616C4}"/>
+                <a16:creationId xmlns:a16="http://schemas.microsoft.com/office/drawing/2014/main" xmlns="" id="{60AEDDCC-4C87-4893-A5D3-0631D38616C4}"/>
               </a:ext>
             </a:extLst>
           </p:cNvPr>
@@ -1956,7 +1956,7 @@
           <p:nvPr userDrawn="1"/>
         </p:nvPicPr>
         <p:blipFill>
-          <a:blip r:embed="rId2" cstate="hqprint">
+          <a:blip r:embed="rId2" cstate="print">
             <a:extLst>
               <a:ext uri="{28A0092B-C50C-407E-A947-70E740481C1C}">
                 <a14:useLocalDpi xmlns:a14="http://schemas.microsoft.com/office/drawing/2010/main" val="0"/>
@@ -1982,7 +1982,7 @@
           <p:cNvPr id="11" name="Рисунок 18">
             <a:extLst>
               <a:ext uri="{FF2B5EF4-FFF2-40B4-BE49-F238E27FC236}">
-                <a16:creationId xmlns:a16="http://schemas.microsoft.com/office/drawing/2014/main" id="{DCEFA212-7D5C-4A28-812C-20A093AA4AB3}"/>
+                <a16:creationId xmlns:a16="http://schemas.microsoft.com/office/drawing/2014/main" xmlns="" id="{DCEFA212-7D5C-4A28-812C-20A093AA4AB3}"/>
               </a:ext>
             </a:extLst>
           </p:cNvPr>
@@ -1992,7 +1992,7 @@
           <p:nvPr userDrawn="1"/>
         </p:nvPicPr>
         <p:blipFill>
-          <a:blip r:embed="rId3" cstate="hqprint">
+          <a:blip r:embed="rId3" cstate="print">
             <a:extLst>
               <a:ext uri="{28A0092B-C50C-407E-A947-70E740481C1C}">
                 <a14:useLocalDpi xmlns:a14="http://schemas.microsoft.com/office/drawing/2010/main" val="0"/>
@@ -2048,7 +2048,7 @@
           <p:cNvPr id="2" name="Заголовок 1">
             <a:extLst>
               <a:ext uri="{FF2B5EF4-FFF2-40B4-BE49-F238E27FC236}">
-                <a16:creationId xmlns:a16="http://schemas.microsoft.com/office/drawing/2014/main" id="{EFF7F242-F07A-45C0-AEB9-A32ABD0350EA}"/>
+                <a16:creationId xmlns:a16="http://schemas.microsoft.com/office/drawing/2014/main" xmlns="" id="{EFF7F242-F07A-45C0-AEB9-A32ABD0350EA}"/>
               </a:ext>
             </a:extLst>
           </p:cNvPr>
@@ -2090,7 +2090,7 @@
           <p:cNvPr id="3" name="Объект 2">
             <a:extLst>
               <a:ext uri="{FF2B5EF4-FFF2-40B4-BE49-F238E27FC236}">
-                <a16:creationId xmlns:a16="http://schemas.microsoft.com/office/drawing/2014/main" id="{0BFF90FD-C0D8-4B51-8306-AFB023E96585}"/>
+                <a16:creationId xmlns:a16="http://schemas.microsoft.com/office/drawing/2014/main" xmlns="" id="{0BFF90FD-C0D8-4B51-8306-AFB023E96585}"/>
               </a:ext>
             </a:extLst>
           </p:cNvPr>
@@ -2185,7 +2185,7 @@
           <p:cNvPr id="4" name="Дата 3">
             <a:extLst>
               <a:ext uri="{FF2B5EF4-FFF2-40B4-BE49-F238E27FC236}">
-                <a16:creationId xmlns:a16="http://schemas.microsoft.com/office/drawing/2014/main" id="{7302B221-F06D-4F53-BDC8-A12B64C49F42}"/>
+                <a16:creationId xmlns:a16="http://schemas.microsoft.com/office/drawing/2014/main" xmlns="" id="{7302B221-F06D-4F53-BDC8-A12B64C49F42}"/>
               </a:ext>
             </a:extLst>
           </p:cNvPr>
@@ -2216,7 +2216,7 @@
           <a:p>
             <a:fld id="{44E0955F-D797-4FF7-9F57-168AA0F993D1}" type="datetime1">
               <a:rPr lang="ru-RU" smtClean="0"/>
-              <a:t>25.04.2022</a:t>
+              <a:t>26.04.2022</a:t>
             </a:fld>
             <a:endParaRPr lang="ru-RU" dirty="0"/>
           </a:p>
@@ -2227,7 +2227,7 @@
           <p:cNvPr id="5" name="Нижний колонтитул 4">
             <a:extLst>
               <a:ext uri="{FF2B5EF4-FFF2-40B4-BE49-F238E27FC236}">
-                <a16:creationId xmlns:a16="http://schemas.microsoft.com/office/drawing/2014/main" id="{EF7FCF93-A051-41A8-9C44-C22E3620F78E}"/>
+                <a16:creationId xmlns:a16="http://schemas.microsoft.com/office/drawing/2014/main" xmlns="" id="{EF7FCF93-A051-41A8-9C44-C22E3620F78E}"/>
               </a:ext>
             </a:extLst>
           </p:cNvPr>
@@ -2268,7 +2268,7 @@
           <p:cNvPr id="6" name="Номер слайда 5">
             <a:extLst>
               <a:ext uri="{FF2B5EF4-FFF2-40B4-BE49-F238E27FC236}">
-                <a16:creationId xmlns:a16="http://schemas.microsoft.com/office/drawing/2014/main" id="{24AE224D-782B-4F27-9797-384084E4CC6F}"/>
+                <a16:creationId xmlns:a16="http://schemas.microsoft.com/office/drawing/2014/main" xmlns="" id="{24AE224D-782B-4F27-9797-384084E4CC6F}"/>
               </a:ext>
             </a:extLst>
           </p:cNvPr>
@@ -2302,7 +2302,7 @@
           <p:cNvPr id="7" name="Рисунок 18">
             <a:extLst>
               <a:ext uri="{FF2B5EF4-FFF2-40B4-BE49-F238E27FC236}">
-                <a16:creationId xmlns:a16="http://schemas.microsoft.com/office/drawing/2014/main" id="{737DC428-FDB3-416A-B0C9-B92BE34AA2DA}"/>
+                <a16:creationId xmlns:a16="http://schemas.microsoft.com/office/drawing/2014/main" xmlns="" id="{737DC428-FDB3-416A-B0C9-B92BE34AA2DA}"/>
               </a:ext>
             </a:extLst>
           </p:cNvPr>
@@ -2312,7 +2312,7 @@
           <p:nvPr userDrawn="1"/>
         </p:nvPicPr>
         <p:blipFill>
-          <a:blip r:embed="rId2" cstate="hqprint">
+          <a:blip r:embed="rId2" cstate="print">
             <a:extLst>
               <a:ext uri="{28A0092B-C50C-407E-A947-70E740481C1C}">
                 <a14:useLocalDpi xmlns:a14="http://schemas.microsoft.com/office/drawing/2010/main" val="0"/>
@@ -2368,7 +2368,7 @@
           <p:cNvPr id="2" name="Заголовок 1">
             <a:extLst>
               <a:ext uri="{FF2B5EF4-FFF2-40B4-BE49-F238E27FC236}">
-                <a16:creationId xmlns:a16="http://schemas.microsoft.com/office/drawing/2014/main" id="{F7DA01EE-B7B9-4D18-97C7-99C58A3F1C3B}"/>
+                <a16:creationId xmlns:a16="http://schemas.microsoft.com/office/drawing/2014/main" xmlns="" id="{F7DA01EE-B7B9-4D18-97C7-99C58A3F1C3B}"/>
               </a:ext>
             </a:extLst>
           </p:cNvPr>
@@ -2445,7 +2445,7 @@
           <p:cNvPr id="2" name="Заголовок 1">
             <a:extLst>
               <a:ext uri="{FF2B5EF4-FFF2-40B4-BE49-F238E27FC236}">
-                <a16:creationId xmlns:a16="http://schemas.microsoft.com/office/drawing/2014/main" id="{8EA7CEAE-8323-493F-BBC3-9E0AA1DF04D1}"/>
+                <a16:creationId xmlns:a16="http://schemas.microsoft.com/office/drawing/2014/main" xmlns="" id="{8EA7CEAE-8323-493F-BBC3-9E0AA1DF04D1}"/>
               </a:ext>
             </a:extLst>
           </p:cNvPr>
@@ -2483,7 +2483,7 @@
           <p:cNvPr id="3" name="Текст 2">
             <a:extLst>
               <a:ext uri="{FF2B5EF4-FFF2-40B4-BE49-F238E27FC236}">
-                <a16:creationId xmlns:a16="http://schemas.microsoft.com/office/drawing/2014/main" id="{D6F520A9-A6C0-45A5-9C1E-10CCA59B8EAB}"/>
+                <a16:creationId xmlns:a16="http://schemas.microsoft.com/office/drawing/2014/main" xmlns="" id="{D6F520A9-A6C0-45A5-9C1E-10CCA59B8EAB}"/>
               </a:ext>
             </a:extLst>
           </p:cNvPr>
@@ -2550,7 +2550,7 @@
           <p:cNvPr id="4" name="Дата 3">
             <a:extLst>
               <a:ext uri="{FF2B5EF4-FFF2-40B4-BE49-F238E27FC236}">
-                <a16:creationId xmlns:a16="http://schemas.microsoft.com/office/drawing/2014/main" id="{D8A9A8BC-6172-48CE-94F9-37F883C63354}"/>
+                <a16:creationId xmlns:a16="http://schemas.microsoft.com/office/drawing/2014/main" xmlns="" id="{D8A9A8BC-6172-48CE-94F9-37F883C63354}"/>
               </a:ext>
             </a:extLst>
           </p:cNvPr>
@@ -2586,7 +2586,7 @@
           <a:p>
             <a:fld id="{E5D7C68A-9F4D-47E4-815D-DFB2FF0C473E}" type="datetime1">
               <a:rPr lang="ru-RU" smtClean="0"/>
-              <a:t>25.04.2022</a:t>
+              <a:t>26.04.2022</a:t>
             </a:fld>
             <a:endParaRPr lang="ru-RU"/>
           </a:p>
@@ -2597,7 +2597,7 @@
           <p:cNvPr id="5" name="Нижний колонтитул 4">
             <a:extLst>
               <a:ext uri="{FF2B5EF4-FFF2-40B4-BE49-F238E27FC236}">
-                <a16:creationId xmlns:a16="http://schemas.microsoft.com/office/drawing/2014/main" id="{DBDB827B-4F63-4973-AE13-A65032270EEF}"/>
+                <a16:creationId xmlns:a16="http://schemas.microsoft.com/office/drawing/2014/main" xmlns="" id="{DBDB827B-4F63-4973-AE13-A65032270EEF}"/>
               </a:ext>
             </a:extLst>
           </p:cNvPr>
@@ -2643,7 +2643,7 @@
           <p:cNvPr id="6" name="Номер слайда 5">
             <a:extLst>
               <a:ext uri="{FF2B5EF4-FFF2-40B4-BE49-F238E27FC236}">
-                <a16:creationId xmlns:a16="http://schemas.microsoft.com/office/drawing/2014/main" id="{78F32744-8F93-402F-BABE-5B7AB1061047}"/>
+                <a16:creationId xmlns:a16="http://schemas.microsoft.com/office/drawing/2014/main" xmlns="" id="{78F32744-8F93-402F-BABE-5B7AB1061047}"/>
               </a:ext>
             </a:extLst>
           </p:cNvPr>
@@ -3004,7 +3004,7 @@
           <p:cNvPr id="2" name="Заголовок 1">
             <a:extLst>
               <a:ext uri="{FF2B5EF4-FFF2-40B4-BE49-F238E27FC236}">
-                <a16:creationId xmlns:a16="http://schemas.microsoft.com/office/drawing/2014/main" id="{3C2A1577-F9E9-4059-87AE-497430A2CDE1}"/>
+                <a16:creationId xmlns:a16="http://schemas.microsoft.com/office/drawing/2014/main" xmlns="" id="{3C2A1577-F9E9-4059-87AE-497430A2CDE1}"/>
               </a:ext>
             </a:extLst>
           </p:cNvPr>
@@ -3044,7 +3044,7 @@
           <p:cNvPr id="3" name="Подзаголовок 2">
             <a:extLst>
               <a:ext uri="{FF2B5EF4-FFF2-40B4-BE49-F238E27FC236}">
-                <a16:creationId xmlns:a16="http://schemas.microsoft.com/office/drawing/2014/main" id="{1B104A6D-C2F9-4718-BBAF-4134E4A75125}"/>
+                <a16:creationId xmlns:a16="http://schemas.microsoft.com/office/drawing/2014/main" xmlns="" id="{1B104A6D-C2F9-4718-BBAF-4134E4A75125}"/>
               </a:ext>
             </a:extLst>
           </p:cNvPr>
@@ -3088,7 +3088,7 @@
           <p:cNvPr id="4" name="Нижний колонтитул 3">
             <a:extLst>
               <a:ext uri="{FF2B5EF4-FFF2-40B4-BE49-F238E27FC236}">
-                <a16:creationId xmlns:a16="http://schemas.microsoft.com/office/drawing/2014/main" id="{57F69275-E68D-4C49-91F1-A922172C27F5}"/>
+                <a16:creationId xmlns:a16="http://schemas.microsoft.com/office/drawing/2014/main" xmlns="" id="{57F69275-E68D-4C49-91F1-A922172C27F5}"/>
               </a:ext>
             </a:extLst>
           </p:cNvPr>
@@ -3217,7 +3217,7 @@
           <a:p>
             <a:fld id="{44E0955F-D797-4FF7-9F57-168AA0F993D1}" type="datetime1">
               <a:rPr lang="ru-RU" smtClean="0"/>
-              <a:t>25.04.2022</a:t>
+              <a:t>26.04.2022</a:t>
             </a:fld>
             <a:endParaRPr lang="ru-RU" dirty="0"/>
           </a:p>
@@ -3603,7 +3603,365 @@
             </a:r>
             <a:r>
               <a:rPr lang="ru-RU" dirty="0"/>
-              <a:t> интерфейс стандарты</a:t>
+              <a:t> интерфейс </a:t>
+            </a:r>
+            <a:r>
+              <a:rPr lang="ru-RU" dirty="0" smtClean="0"/>
+              <a:t>стандарты</a:t>
+            </a:r>
+            <a:r>
+              <a:rPr lang="en-US" dirty="0" smtClean="0"/>
+              <a:t>.</a:t>
+            </a:r>
+          </a:p>
+          <a:p>
+            <a:pPr marL="0" indent="0">
+              <a:buNone/>
+            </a:pPr>
+            <a:r>
+              <a:rPr lang="ru-RU" b="1" dirty="0" smtClean="0"/>
+              <a:t>Гаусс </a:t>
+            </a:r>
+            <a:r>
+              <a:rPr lang="ru-RU" b="1" dirty="0" err="1" smtClean="0"/>
+              <a:t>әдісінің</a:t>
+            </a:r>
+            <a:r>
+              <a:rPr lang="ru-RU" b="1" dirty="0" smtClean="0"/>
+              <a:t> </a:t>
+            </a:r>
+            <a:r>
+              <a:rPr lang="ru-RU" dirty="0" err="1" smtClean="0"/>
+              <a:t>бағандағы</a:t>
+            </a:r>
+            <a:r>
+              <a:rPr lang="ru-RU" dirty="0" smtClean="0"/>
+              <a:t> максимум </a:t>
+            </a:r>
+            <a:r>
+              <a:rPr lang="ru-RU" dirty="0" err="1" smtClean="0"/>
+              <a:t>элементті</a:t>
+            </a:r>
+            <a:r>
+              <a:rPr lang="ru-RU" dirty="0" smtClean="0"/>
+              <a:t> </a:t>
+            </a:r>
+            <a:r>
+              <a:rPr lang="ru-RU" dirty="0" err="1" smtClean="0"/>
+              <a:t>іздеу</a:t>
+            </a:r>
+            <a:r>
+              <a:rPr lang="ru-RU" dirty="0" smtClean="0"/>
+              <a:t>, </a:t>
+            </a:r>
+            <a:r>
+              <a:rPr lang="ru-RU" dirty="0" err="1" smtClean="0"/>
+              <a:t>тапқан</a:t>
+            </a:r>
+            <a:r>
+              <a:rPr lang="ru-RU" dirty="0" smtClean="0"/>
+              <a:t> максимум </a:t>
+            </a:r>
+            <a:r>
+              <a:rPr lang="ru-RU" dirty="0" err="1" smtClean="0"/>
+              <a:t>элементінен</a:t>
+            </a:r>
+            <a:r>
+              <a:rPr lang="ru-RU" dirty="0" smtClean="0"/>
+              <a:t> </a:t>
+            </a:r>
+            <a:r>
+              <a:rPr lang="ru-RU" dirty="0" err="1" smtClean="0"/>
+              <a:t>бағанның</a:t>
+            </a:r>
+            <a:r>
+              <a:rPr lang="ru-RU" dirty="0" smtClean="0"/>
+              <a:t> </a:t>
+            </a:r>
+            <a:r>
+              <a:rPr lang="ru-RU" dirty="0" err="1" smtClean="0"/>
+              <a:t>басқа</a:t>
+            </a:r>
+            <a:r>
+              <a:rPr lang="ru-RU" dirty="0" smtClean="0"/>
+              <a:t> </a:t>
+            </a:r>
+            <a:r>
+              <a:rPr lang="ru-RU" dirty="0" err="1" smtClean="0"/>
+              <a:t>элементтерін</a:t>
+            </a:r>
+            <a:r>
+              <a:rPr lang="ru-RU" dirty="0" smtClean="0"/>
+              <a:t> </a:t>
+            </a:r>
+            <a:r>
+              <a:rPr lang="ru-RU" dirty="0" err="1" smtClean="0"/>
+              <a:t>нөлге</a:t>
+            </a:r>
+            <a:r>
+              <a:rPr lang="ru-RU" dirty="0" smtClean="0"/>
+              <a:t> </a:t>
+            </a:r>
+            <a:r>
+              <a:rPr lang="ru-RU" dirty="0" err="1" smtClean="0"/>
+              <a:t>айналдыру</a:t>
+            </a:r>
+            <a:r>
+              <a:rPr lang="ru-RU" dirty="0" smtClean="0"/>
+              <a:t> </a:t>
+            </a:r>
+            <a:r>
+              <a:rPr lang="ru-RU" dirty="0" smtClean="0"/>
+              <a:t>(</a:t>
+            </a:r>
+            <a:r>
+              <a:rPr lang="ru-RU" dirty="0" err="1" smtClean="0"/>
+              <a:t>айнымалыларды</a:t>
+            </a:r>
+            <a:r>
+              <a:rPr lang="ru-RU" dirty="0" smtClean="0"/>
+              <a:t> </a:t>
+            </a:r>
+            <a:r>
+              <a:rPr lang="ru-RU" dirty="0" err="1" smtClean="0"/>
+              <a:t>жою</a:t>
+            </a:r>
+            <a:r>
+              <a:rPr lang="ru-RU" dirty="0" smtClean="0"/>
+              <a:t>)</a:t>
+            </a:r>
+            <a:r>
+              <a:rPr lang="ru-RU" dirty="0"/>
+              <a:t> </a:t>
+            </a:r>
+            <a:r>
+              <a:rPr lang="ru-RU" dirty="0" err="1" smtClean="0"/>
+              <a:t>және</a:t>
+            </a:r>
+            <a:r>
+              <a:rPr lang="ru-RU" dirty="0" smtClean="0"/>
+              <a:t> </a:t>
+            </a:r>
+            <a:r>
+              <a:rPr lang="ru-RU" dirty="0" err="1" smtClean="0"/>
+              <a:t>кері</a:t>
+            </a:r>
+            <a:r>
+              <a:rPr lang="ru-RU" dirty="0" smtClean="0"/>
+              <a:t> </a:t>
+            </a:r>
+            <a:r>
+              <a:rPr lang="ru-RU" dirty="0" err="1" smtClean="0"/>
+              <a:t>жүріс</a:t>
+            </a:r>
+            <a:r>
+              <a:rPr lang="ru-RU" dirty="0" smtClean="0"/>
+              <a:t> </a:t>
+            </a:r>
+            <a:r>
+              <a:rPr lang="ru-RU" dirty="0" err="1" smtClean="0"/>
+              <a:t>кезеңінде</a:t>
+            </a:r>
+            <a:r>
+              <a:rPr lang="ru-RU" dirty="0" smtClean="0"/>
+              <a:t> </a:t>
+            </a:r>
+            <a:r>
+              <a:rPr lang="ru-RU" dirty="0" err="1" smtClean="0"/>
+              <a:t>айнымалыларды</a:t>
+            </a:r>
+            <a:r>
+              <a:rPr lang="ru-RU" dirty="0" smtClean="0"/>
+              <a:t> </a:t>
+            </a:r>
+            <a:r>
+              <a:rPr lang="ru-RU" dirty="0" err="1" smtClean="0"/>
+              <a:t>есептеу</a:t>
+            </a:r>
+            <a:r>
+              <a:rPr lang="ru-RU" dirty="0" smtClean="0"/>
+              <a:t> </a:t>
+            </a:r>
+            <a:r>
+              <a:rPr lang="ru-RU" dirty="0" err="1" smtClean="0"/>
+              <a:t>процесстері</a:t>
+            </a:r>
+            <a:r>
+              <a:rPr lang="ru-RU" dirty="0" smtClean="0"/>
+              <a:t> </a:t>
+            </a:r>
+            <a:r>
+              <a:rPr lang="ru-RU" dirty="0" err="1" smtClean="0"/>
+              <a:t>параллелденді</a:t>
+            </a:r>
+            <a:r>
+              <a:rPr lang="ru-RU" dirty="0" smtClean="0"/>
+              <a:t>.</a:t>
+            </a:r>
+            <a:r>
+              <a:rPr lang="ru-RU" dirty="0" smtClean="0"/>
+              <a:t> </a:t>
+            </a:r>
+          </a:p>
+          <a:p>
+            <a:pPr marL="0" indent="0">
+              <a:buNone/>
+            </a:pPr>
+            <a:r>
+              <a:rPr lang="en-US" b="1" dirty="0" smtClean="0"/>
+              <a:t>CG </a:t>
+            </a:r>
+            <a:r>
+              <a:rPr lang="ru-RU" b="1" dirty="0" err="1" smtClean="0"/>
+              <a:t>әдісінің</a:t>
+            </a:r>
+            <a:r>
+              <a:rPr lang="ru-RU" b="1" dirty="0" smtClean="0"/>
+              <a:t> </a:t>
+            </a:r>
+            <a:r>
+              <a:rPr lang="ru-RU" dirty="0" err="1" smtClean="0"/>
+              <a:t>бастапқы</a:t>
+            </a:r>
+            <a:r>
+              <a:rPr lang="ru-RU" dirty="0" smtClean="0"/>
+              <a:t> </a:t>
+            </a:r>
+            <a:r>
+              <a:rPr lang="ru-RU" dirty="0" err="1" smtClean="0"/>
+              <a:t>мәндерді</a:t>
+            </a:r>
+            <a:r>
+              <a:rPr lang="ru-RU" dirty="0" smtClean="0"/>
+              <a:t> </a:t>
+            </a:r>
+            <a:r>
+              <a:rPr lang="ru-RU" dirty="0" err="1" smtClean="0"/>
+              <a:t>енгізу</a:t>
+            </a:r>
+            <a:r>
+              <a:rPr lang="ru-RU" dirty="0" smtClean="0"/>
+              <a:t>, </a:t>
+            </a:r>
+            <a:r>
+              <a:rPr lang="ru-RU" dirty="0" err="1" smtClean="0"/>
+              <a:t>қадам</a:t>
+            </a:r>
+            <a:r>
+              <a:rPr lang="ru-RU" dirty="0" smtClean="0"/>
+              <a:t> </a:t>
+            </a:r>
+            <a:r>
+              <a:rPr lang="ru-RU" dirty="0" err="1" smtClean="0"/>
+              <a:t>шамасын</a:t>
+            </a:r>
+            <a:r>
+              <a:rPr lang="ru-RU" dirty="0" smtClean="0"/>
+              <a:t>, </a:t>
+            </a:r>
+            <a:r>
+              <a:rPr lang="ru-RU" dirty="0" err="1" smtClean="0"/>
+              <a:t>жаңа</a:t>
+            </a:r>
+            <a:r>
+              <a:rPr lang="ru-RU" dirty="0" smtClean="0"/>
+              <a:t> </a:t>
+            </a:r>
+            <a:r>
+              <a:rPr lang="ru-RU" dirty="0" err="1" smtClean="0"/>
+              <a:t>шешімді</a:t>
+            </a:r>
+            <a:r>
+              <a:rPr lang="ru-RU" dirty="0" smtClean="0"/>
+              <a:t>, </a:t>
+            </a:r>
+            <a:r>
+              <a:rPr lang="ru-RU" dirty="0" err="1" smtClean="0"/>
+              <a:t>жаңа</a:t>
+            </a:r>
+            <a:r>
+              <a:rPr lang="ru-RU" dirty="0" smtClean="0"/>
+              <a:t> </a:t>
+            </a:r>
+            <a:r>
+              <a:rPr lang="ru-RU" dirty="0" err="1" smtClean="0"/>
+              <a:t>градиентті</a:t>
+            </a:r>
+            <a:r>
+              <a:rPr lang="ru-RU" dirty="0" smtClean="0"/>
+              <a:t>, </a:t>
+            </a:r>
+            <a:r>
+              <a:rPr lang="ru-RU" dirty="0" err="1" smtClean="0"/>
+              <a:t>градиенттің</a:t>
+            </a:r>
+            <a:r>
+              <a:rPr lang="ru-RU" dirty="0" smtClean="0"/>
+              <a:t> </a:t>
+            </a:r>
+            <a:r>
+              <a:rPr lang="ru-RU" dirty="0" err="1" smtClean="0"/>
+              <a:t>біріктірілгендік</a:t>
+            </a:r>
+            <a:r>
+              <a:rPr lang="ru-RU" dirty="0" smtClean="0"/>
+              <a:t> </a:t>
+            </a:r>
+            <a:r>
+              <a:rPr lang="ru-RU" dirty="0" err="1" smtClean="0"/>
+              <a:t>параметрі</a:t>
+            </a:r>
+            <a:r>
+              <a:rPr lang="ru-RU" dirty="0" smtClean="0"/>
+              <a:t> </a:t>
+            </a:r>
+            <a:r>
+              <a:rPr lang="ru-RU" dirty="0" err="1" smtClean="0"/>
+              <a:t>және</a:t>
+            </a:r>
+            <a:r>
+              <a:rPr lang="ru-RU" dirty="0" smtClean="0"/>
+              <a:t> </a:t>
+            </a:r>
+            <a:r>
+              <a:rPr lang="ru-RU" dirty="0" err="1" smtClean="0"/>
+              <a:t>жаңа</a:t>
+            </a:r>
+            <a:r>
+              <a:rPr lang="ru-RU" dirty="0" smtClean="0"/>
+              <a:t> </a:t>
+            </a:r>
+            <a:r>
+              <a:rPr lang="ru-RU" dirty="0" err="1" smtClean="0"/>
+              <a:t>бағытты</a:t>
+            </a:r>
+            <a:r>
+              <a:rPr lang="ru-RU" dirty="0" smtClean="0"/>
+              <a:t> </a:t>
+            </a:r>
+            <a:r>
+              <a:rPr lang="ru-RU" dirty="0" err="1" smtClean="0"/>
+              <a:t>есептеу</a:t>
+            </a:r>
+            <a:r>
+              <a:rPr lang="ru-RU" dirty="0" smtClean="0"/>
+              <a:t> </a:t>
+            </a:r>
+            <a:r>
+              <a:rPr lang="ru-RU" dirty="0" err="1" smtClean="0"/>
+              <a:t>кезеңдері</a:t>
+            </a:r>
+            <a:r>
+              <a:rPr lang="ru-RU" dirty="0" smtClean="0"/>
+              <a:t> </a:t>
+            </a:r>
+            <a:r>
+              <a:rPr lang="ru-RU" dirty="0" err="1" smtClean="0"/>
+              <a:t>параллелденді</a:t>
+            </a:r>
+            <a:r>
+              <a:rPr lang="ru-RU" dirty="0" smtClean="0"/>
+              <a:t>.</a:t>
             </a:r>
             <a:endParaRPr lang="ru-RU" dirty="0" smtClean="0"/>
           </a:p>
@@ -3632,7 +3990,7 @@
           <a:p>
             <a:fld id="{44E0955F-D797-4FF7-9F57-168AA0F993D1}" type="datetime1">
               <a:rPr lang="ru-RU" smtClean="0"/>
-              <a:t>25.04.2022</a:t>
+              <a:t>26.04.2022</a:t>
             </a:fld>
             <a:endParaRPr lang="ru-RU" dirty="0"/>
           </a:p>
@@ -3769,7 +4127,7 @@
           <a:p>
             <a:fld id="{44E0955F-D797-4FF7-9F57-168AA0F993D1}" type="datetime1">
               <a:rPr lang="ru-RU" smtClean="0"/>
-              <a:t>25.04.2022</a:t>
+              <a:t>26.04.2022</a:t>
             </a:fld>
             <a:endParaRPr lang="ru-RU" dirty="0"/>
           </a:p>
@@ -3856,7 +4214,7 @@
           <p:cNvPr id="2" name="Заголовок 1">
             <a:extLst>
               <a:ext uri="{FF2B5EF4-FFF2-40B4-BE49-F238E27FC236}">
-                <a16:creationId xmlns:a16="http://schemas.microsoft.com/office/drawing/2014/main" id="{707BE14F-B593-41C0-AE63-A4D21B92A937}"/>
+                <a16:creationId xmlns:a16="http://schemas.microsoft.com/office/drawing/2014/main" xmlns="" id="{707BE14F-B593-41C0-AE63-A4D21B92A937}"/>
               </a:ext>
             </a:extLst>
           </p:cNvPr>
@@ -3903,7 +4261,7 @@
           <p:cNvPr id="3" name="Объект 2">
             <a:extLst>
               <a:ext uri="{FF2B5EF4-FFF2-40B4-BE49-F238E27FC236}">
-                <a16:creationId xmlns:a16="http://schemas.microsoft.com/office/drawing/2014/main" id="{0412E398-2BD1-4A66-B50A-DAFF60E098A9}"/>
+                <a16:creationId xmlns:a16="http://schemas.microsoft.com/office/drawing/2014/main" xmlns="" id="{0412E398-2BD1-4A66-B50A-DAFF60E098A9}"/>
               </a:ext>
             </a:extLst>
           </p:cNvPr>
@@ -3928,7 +4286,7 @@
           <p:cNvPr id="4" name="Дата 3">
             <a:extLst>
               <a:ext uri="{FF2B5EF4-FFF2-40B4-BE49-F238E27FC236}">
-                <a16:creationId xmlns:a16="http://schemas.microsoft.com/office/drawing/2014/main" id="{55FD7646-7316-478C-A278-77F0790A6AED}"/>
+                <a16:creationId xmlns:a16="http://schemas.microsoft.com/office/drawing/2014/main" xmlns="" id="{55FD7646-7316-478C-A278-77F0790A6AED}"/>
               </a:ext>
             </a:extLst>
           </p:cNvPr>
@@ -3946,7 +4304,7 @@
           <a:p>
             <a:fld id="{E78E70B4-3E75-47F2-9C8B-A072F7CAC3FB}" type="datetime1">
               <a:rPr lang="ru-RU" smtClean="0"/>
-              <a:t>25.04.2022</a:t>
+              <a:t>26.04.2022</a:t>
             </a:fld>
             <a:endParaRPr lang="ru-RU" dirty="0"/>
           </a:p>
@@ -3957,7 +4315,7 @@
           <p:cNvPr id="5" name="Нижний колонтитул 4">
             <a:extLst>
               <a:ext uri="{FF2B5EF4-FFF2-40B4-BE49-F238E27FC236}">
-                <a16:creationId xmlns:a16="http://schemas.microsoft.com/office/drawing/2014/main" id="{BD90A76A-990E-469D-8F80-F257D9F68AEB}"/>
+                <a16:creationId xmlns:a16="http://schemas.microsoft.com/office/drawing/2014/main" xmlns="" id="{BD90A76A-990E-469D-8F80-F257D9F68AEB}"/>
               </a:ext>
             </a:extLst>
           </p:cNvPr>
@@ -3986,7 +4344,7 @@
           <p:cNvPr id="6" name="Номер слайда 5">
             <a:extLst>
               <a:ext uri="{FF2B5EF4-FFF2-40B4-BE49-F238E27FC236}">
-                <a16:creationId xmlns:a16="http://schemas.microsoft.com/office/drawing/2014/main" id="{2E7D4CFA-BC6C-4A77-87E9-D4F23BC4DD79}"/>
+                <a16:creationId xmlns:a16="http://schemas.microsoft.com/office/drawing/2014/main" xmlns="" id="{2E7D4CFA-BC6C-4A77-87E9-D4F23BC4DD79}"/>
               </a:ext>
             </a:extLst>
           </p:cNvPr>
@@ -4045,7 +4403,7 @@
           <p:cNvPr id="5" name="Заголовок 4">
             <a:extLst>
               <a:ext uri="{FF2B5EF4-FFF2-40B4-BE49-F238E27FC236}">
-                <a16:creationId xmlns:a16="http://schemas.microsoft.com/office/drawing/2014/main" id="{D448D9FA-893E-4870-BD8B-65DF1C654E77}"/>
+                <a16:creationId xmlns:a16="http://schemas.microsoft.com/office/drawing/2014/main" xmlns="" id="{D448D9FA-893E-4870-BD8B-65DF1C654E77}"/>
               </a:ext>
             </a:extLst>
           </p:cNvPr>
@@ -4103,7 +4461,7 @@
           <p:cNvPr id="10" name="Объект 9">
             <a:extLst>
               <a:ext uri="{FF2B5EF4-FFF2-40B4-BE49-F238E27FC236}">
-                <a16:creationId xmlns:a16="http://schemas.microsoft.com/office/drawing/2014/main" id="{1CB27D92-96CD-44F8-8D83-564EDD636E51}"/>
+                <a16:creationId xmlns:a16="http://schemas.microsoft.com/office/drawing/2014/main" xmlns="" id="{1CB27D92-96CD-44F8-8D83-564EDD636E51}"/>
               </a:ext>
             </a:extLst>
           </p:cNvPr>
@@ -4128,7 +4486,7 @@
           <p:cNvPr id="8" name="Дата 7">
             <a:extLst>
               <a:ext uri="{FF2B5EF4-FFF2-40B4-BE49-F238E27FC236}">
-                <a16:creationId xmlns:a16="http://schemas.microsoft.com/office/drawing/2014/main" id="{F7F4D3F7-36E3-4B72-BC1D-5F2980B47D66}"/>
+                <a16:creationId xmlns:a16="http://schemas.microsoft.com/office/drawing/2014/main" xmlns="" id="{F7F4D3F7-36E3-4B72-BC1D-5F2980B47D66}"/>
               </a:ext>
             </a:extLst>
           </p:cNvPr>
@@ -4146,7 +4504,7 @@
           <a:p>
             <a:fld id="{2F69B412-2FFB-469E-B29B-6FD9F71D1B4A}" type="datetime1">
               <a:rPr lang="ru-RU" smtClean="0"/>
-              <a:t>25.04.2022</a:t>
+              <a:t>26.04.2022</a:t>
             </a:fld>
             <a:endParaRPr lang="ru-RU" dirty="0"/>
           </a:p>
@@ -4157,7 +4515,7 @@
           <p:cNvPr id="6" name="Нижний колонтитул 5">
             <a:extLst>
               <a:ext uri="{FF2B5EF4-FFF2-40B4-BE49-F238E27FC236}">
-                <a16:creationId xmlns:a16="http://schemas.microsoft.com/office/drawing/2014/main" id="{DC782594-9F4A-4E97-AC68-B38F2CD3E936}"/>
+                <a16:creationId xmlns:a16="http://schemas.microsoft.com/office/drawing/2014/main" xmlns="" id="{DC782594-9F4A-4E97-AC68-B38F2CD3E936}"/>
               </a:ext>
             </a:extLst>
           </p:cNvPr>
@@ -4186,7 +4544,7 @@
           <p:cNvPr id="7" name="Номер слайда 6">
             <a:extLst>
               <a:ext uri="{FF2B5EF4-FFF2-40B4-BE49-F238E27FC236}">
-                <a16:creationId xmlns:a16="http://schemas.microsoft.com/office/drawing/2014/main" id="{D8F8CABC-DB36-4F4C-B4D6-E636A2013CBE}"/>
+                <a16:creationId xmlns:a16="http://schemas.microsoft.com/office/drawing/2014/main" xmlns="" id="{D8F8CABC-DB36-4F4C-B4D6-E636A2013CBE}"/>
               </a:ext>
             </a:extLst>
           </p:cNvPr>
@@ -4245,7 +4603,7 @@
           <p:cNvPr id="4" name="Заголовок 3">
             <a:extLst>
               <a:ext uri="{FF2B5EF4-FFF2-40B4-BE49-F238E27FC236}">
-                <a16:creationId xmlns:a16="http://schemas.microsoft.com/office/drawing/2014/main" id="{BADCCEB6-0C4A-4681-BAE5-867300BC153E}"/>
+                <a16:creationId xmlns:a16="http://schemas.microsoft.com/office/drawing/2014/main" xmlns="" id="{BADCCEB6-0C4A-4681-BAE5-867300BC153E}"/>
               </a:ext>
             </a:extLst>
           </p:cNvPr>
@@ -4282,7 +4640,7 @@
           <p:cNvPr id="9" name="Объект 8">
             <a:extLst>
               <a:ext uri="{FF2B5EF4-FFF2-40B4-BE49-F238E27FC236}">
-                <a16:creationId xmlns:a16="http://schemas.microsoft.com/office/drawing/2014/main" id="{218E2EB6-D834-4934-84AF-10EFBFA05D21}"/>
+                <a16:creationId xmlns:a16="http://schemas.microsoft.com/office/drawing/2014/main" xmlns="" id="{218E2EB6-D834-4934-84AF-10EFBFA05D21}"/>
               </a:ext>
             </a:extLst>
           </p:cNvPr>
@@ -4307,7 +4665,7 @@
           <p:cNvPr id="7" name="Дата 6">
             <a:extLst>
               <a:ext uri="{FF2B5EF4-FFF2-40B4-BE49-F238E27FC236}">
-                <a16:creationId xmlns:a16="http://schemas.microsoft.com/office/drawing/2014/main" id="{FC7A876D-9BF7-4194-9208-A7EDE492A79C}"/>
+                <a16:creationId xmlns:a16="http://schemas.microsoft.com/office/drawing/2014/main" xmlns="" id="{FC7A876D-9BF7-4194-9208-A7EDE492A79C}"/>
               </a:ext>
             </a:extLst>
           </p:cNvPr>
@@ -4325,7 +4683,7 @@
           <a:p>
             <a:fld id="{D5779F22-C20D-4E9F-B8C2-1FF288EE1F47}" type="datetime1">
               <a:rPr lang="ru-RU" smtClean="0"/>
-              <a:t>25.04.2022</a:t>
+              <a:t>26.04.2022</a:t>
             </a:fld>
             <a:endParaRPr lang="ru-RU" dirty="0"/>
           </a:p>
@@ -4336,7 +4694,7 @@
           <p:cNvPr id="5" name="Нижний колонтитул 4">
             <a:extLst>
               <a:ext uri="{FF2B5EF4-FFF2-40B4-BE49-F238E27FC236}">
-                <a16:creationId xmlns:a16="http://schemas.microsoft.com/office/drawing/2014/main" id="{446EAAA1-17F5-422B-86CA-30F52F3E7476}"/>
+                <a16:creationId xmlns:a16="http://schemas.microsoft.com/office/drawing/2014/main" xmlns="" id="{446EAAA1-17F5-422B-86CA-30F52F3E7476}"/>
               </a:ext>
             </a:extLst>
           </p:cNvPr>
@@ -4365,7 +4723,7 @@
           <p:cNvPr id="6" name="Номер слайда 5">
             <a:extLst>
               <a:ext uri="{FF2B5EF4-FFF2-40B4-BE49-F238E27FC236}">
-                <a16:creationId xmlns:a16="http://schemas.microsoft.com/office/drawing/2014/main" id="{1E08A1D2-23D0-45DE-B69D-626B41E1BE03}"/>
+                <a16:creationId xmlns:a16="http://schemas.microsoft.com/office/drawing/2014/main" xmlns="" id="{1E08A1D2-23D0-45DE-B69D-626B41E1BE03}"/>
               </a:ext>
             </a:extLst>
           </p:cNvPr>
@@ -4424,7 +4782,7 @@
           <p:cNvPr id="2" name="Заголовок 1">
             <a:extLst>
               <a:ext uri="{FF2B5EF4-FFF2-40B4-BE49-F238E27FC236}">
-                <a16:creationId xmlns:a16="http://schemas.microsoft.com/office/drawing/2014/main" id="{515EF497-8DEC-45C5-8A62-FA196ED89846}"/>
+                <a16:creationId xmlns:a16="http://schemas.microsoft.com/office/drawing/2014/main" xmlns="" id="{515EF497-8DEC-45C5-8A62-FA196ED89846}"/>
               </a:ext>
             </a:extLst>
           </p:cNvPr>
@@ -4484,7 +4842,7 @@
           <p:cNvPr id="9" name="Заголовок 8">
             <a:extLst>
               <a:ext uri="{FF2B5EF4-FFF2-40B4-BE49-F238E27FC236}">
-                <a16:creationId xmlns:a16="http://schemas.microsoft.com/office/drawing/2014/main" id="{9590A45A-00A2-4763-9693-EEB9105E47BA}"/>
+                <a16:creationId xmlns:a16="http://schemas.microsoft.com/office/drawing/2014/main" xmlns="" id="{9590A45A-00A2-4763-9693-EEB9105E47BA}"/>
               </a:ext>
             </a:extLst>
           </p:cNvPr>
@@ -4525,7 +4883,7 @@
           <p:cNvPr id="7" name="Дата 6">
             <a:extLst>
               <a:ext uri="{FF2B5EF4-FFF2-40B4-BE49-F238E27FC236}">
-                <a16:creationId xmlns:a16="http://schemas.microsoft.com/office/drawing/2014/main" id="{CCAD228C-EFCB-4380-9B89-C33E83F1C06A}"/>
+                <a16:creationId xmlns:a16="http://schemas.microsoft.com/office/drawing/2014/main" xmlns="" id="{CCAD228C-EFCB-4380-9B89-C33E83F1C06A}"/>
               </a:ext>
             </a:extLst>
           </p:cNvPr>
@@ -4543,7 +4901,7 @@
           <a:p>
             <a:fld id="{D2F1E462-3017-480F-B32E-3DD937001A55}" type="datetime1">
               <a:rPr lang="ru-RU" smtClean="0"/>
-              <a:t>25.04.2022</a:t>
+              <a:t>26.04.2022</a:t>
             </a:fld>
             <a:endParaRPr lang="ru-RU" dirty="0"/>
           </a:p>
@@ -4554,7 +4912,7 @@
           <p:cNvPr id="8" name="Нижний колонтитул 7">
             <a:extLst>
               <a:ext uri="{FF2B5EF4-FFF2-40B4-BE49-F238E27FC236}">
-                <a16:creationId xmlns:a16="http://schemas.microsoft.com/office/drawing/2014/main" id="{EB42A9F9-31A3-49FC-9A35-FDEE00785A1A}"/>
+                <a16:creationId xmlns:a16="http://schemas.microsoft.com/office/drawing/2014/main" xmlns="" id="{EB42A9F9-31A3-49FC-9A35-FDEE00785A1A}"/>
               </a:ext>
             </a:extLst>
           </p:cNvPr>
@@ -4583,7 +4941,7 @@
           <p:cNvPr id="6" name="Номер слайда 5">
             <a:extLst>
               <a:ext uri="{FF2B5EF4-FFF2-40B4-BE49-F238E27FC236}">
-                <a16:creationId xmlns:a16="http://schemas.microsoft.com/office/drawing/2014/main" id="{4566B233-7D02-4B9C-9B84-F9FB8908B533}"/>
+                <a16:creationId xmlns:a16="http://schemas.microsoft.com/office/drawing/2014/main" xmlns="" id="{4566B233-7D02-4B9C-9B84-F9FB8908B533}"/>
               </a:ext>
             </a:extLst>
           </p:cNvPr>
@@ -4677,7 +5035,7 @@
           <p:cNvPr id="4" name="Заголовок 3">
             <a:extLst>
               <a:ext uri="{FF2B5EF4-FFF2-40B4-BE49-F238E27FC236}">
-                <a16:creationId xmlns:a16="http://schemas.microsoft.com/office/drawing/2014/main" id="{8263C44E-BF71-4CF3-A95B-11D4CC5307A6}"/>
+                <a16:creationId xmlns:a16="http://schemas.microsoft.com/office/drawing/2014/main" xmlns="" id="{8263C44E-BF71-4CF3-A95B-11D4CC5307A6}"/>
               </a:ext>
             </a:extLst>
           </p:cNvPr>
@@ -4714,7 +5072,7 @@
           <p:cNvPr id="9" name="Объект 8">
             <a:extLst>
               <a:ext uri="{FF2B5EF4-FFF2-40B4-BE49-F238E27FC236}">
-                <a16:creationId xmlns:a16="http://schemas.microsoft.com/office/drawing/2014/main" id="{80435EA2-C945-452A-86D4-EAB636900007}"/>
+                <a16:creationId xmlns:a16="http://schemas.microsoft.com/office/drawing/2014/main" xmlns="" id="{80435EA2-C945-452A-86D4-EAB636900007}"/>
               </a:ext>
             </a:extLst>
           </p:cNvPr>
@@ -4748,7 +5106,7 @@
           <p:cNvPr id="7" name="Дата 6">
             <a:extLst>
               <a:ext uri="{FF2B5EF4-FFF2-40B4-BE49-F238E27FC236}">
-                <a16:creationId xmlns:a16="http://schemas.microsoft.com/office/drawing/2014/main" id="{73563632-4708-41D8-B720-573906BAFE66}"/>
+                <a16:creationId xmlns:a16="http://schemas.microsoft.com/office/drawing/2014/main" xmlns="" id="{73563632-4708-41D8-B720-573906BAFE66}"/>
               </a:ext>
             </a:extLst>
           </p:cNvPr>
@@ -4766,7 +5124,7 @@
           <a:p>
             <a:fld id="{72EFA71C-0D3E-470E-A426-350DC7500209}" type="datetime1">
               <a:rPr lang="ru-RU" smtClean="0"/>
-              <a:t>25.04.2022</a:t>
+              <a:t>26.04.2022</a:t>
             </a:fld>
             <a:endParaRPr lang="ru-RU" dirty="0"/>
           </a:p>
@@ -4777,7 +5135,7 @@
           <p:cNvPr id="5" name="Нижний колонтитул 4">
             <a:extLst>
               <a:ext uri="{FF2B5EF4-FFF2-40B4-BE49-F238E27FC236}">
-                <a16:creationId xmlns:a16="http://schemas.microsoft.com/office/drawing/2014/main" id="{92AD0149-C5A8-4973-B7E2-9C9AE7A692A3}"/>
+                <a16:creationId xmlns:a16="http://schemas.microsoft.com/office/drawing/2014/main" xmlns="" id="{92AD0149-C5A8-4973-B7E2-9C9AE7A692A3}"/>
               </a:ext>
             </a:extLst>
           </p:cNvPr>
@@ -4806,7 +5164,7 @@
           <p:cNvPr id="6" name="Номер слайда 5">
             <a:extLst>
               <a:ext uri="{FF2B5EF4-FFF2-40B4-BE49-F238E27FC236}">
-                <a16:creationId xmlns:a16="http://schemas.microsoft.com/office/drawing/2014/main" id="{46295A2A-325D-44D1-BAD4-B1510C41C156}"/>
+                <a16:creationId xmlns:a16="http://schemas.microsoft.com/office/drawing/2014/main" xmlns="" id="{46295A2A-325D-44D1-BAD4-B1510C41C156}"/>
               </a:ext>
             </a:extLst>
           </p:cNvPr>
@@ -4865,7 +5223,7 @@
           <p:cNvPr id="4" name="Заголовок 3">
             <a:extLst>
               <a:ext uri="{FF2B5EF4-FFF2-40B4-BE49-F238E27FC236}">
-                <a16:creationId xmlns:a16="http://schemas.microsoft.com/office/drawing/2014/main" id="{9CA50693-4DF5-466D-B66D-60F784FBC0C9}"/>
+                <a16:creationId xmlns:a16="http://schemas.microsoft.com/office/drawing/2014/main" xmlns="" id="{9CA50693-4DF5-466D-B66D-60F784FBC0C9}"/>
               </a:ext>
             </a:extLst>
           </p:cNvPr>
@@ -4930,7 +5288,7 @@
           <p:cNvPr id="9" name="Объект 8">
             <a:extLst>
               <a:ext uri="{FF2B5EF4-FFF2-40B4-BE49-F238E27FC236}">
-                <a16:creationId xmlns:a16="http://schemas.microsoft.com/office/drawing/2014/main" id="{9A0B86FD-C1CA-4D72-930C-EAE8546A30A2}"/>
+                <a16:creationId xmlns:a16="http://schemas.microsoft.com/office/drawing/2014/main" xmlns="" id="{9A0B86FD-C1CA-4D72-930C-EAE8546A30A2}"/>
               </a:ext>
             </a:extLst>
           </p:cNvPr>
@@ -4993,7 +5351,7 @@
           <p:cNvPr id="7" name="Дата 6">
             <a:extLst>
               <a:ext uri="{FF2B5EF4-FFF2-40B4-BE49-F238E27FC236}">
-                <a16:creationId xmlns:a16="http://schemas.microsoft.com/office/drawing/2014/main" id="{049B5B99-EF75-4AFB-9456-CB0929EBE308}"/>
+                <a16:creationId xmlns:a16="http://schemas.microsoft.com/office/drawing/2014/main" xmlns="" id="{049B5B99-EF75-4AFB-9456-CB0929EBE308}"/>
               </a:ext>
             </a:extLst>
           </p:cNvPr>
@@ -5011,7 +5369,7 @@
           <a:p>
             <a:fld id="{6AA39B8D-9B44-4C03-8586-2025FA882966}" type="datetime1">
               <a:rPr lang="ru-RU" smtClean="0"/>
-              <a:t>25.04.2022</a:t>
+              <a:t>26.04.2022</a:t>
             </a:fld>
             <a:endParaRPr lang="ru-RU" dirty="0"/>
           </a:p>
@@ -5022,7 +5380,7 @@
           <p:cNvPr id="5" name="Нижний колонтитул 4">
             <a:extLst>
               <a:ext uri="{FF2B5EF4-FFF2-40B4-BE49-F238E27FC236}">
-                <a16:creationId xmlns:a16="http://schemas.microsoft.com/office/drawing/2014/main" id="{086D19DD-127A-4E9A-AFB2-8884BBEB37A4}"/>
+                <a16:creationId xmlns:a16="http://schemas.microsoft.com/office/drawing/2014/main" xmlns="" id="{086D19DD-127A-4E9A-AFB2-8884BBEB37A4}"/>
               </a:ext>
             </a:extLst>
           </p:cNvPr>
@@ -5083,7 +5441,7 @@
           <p:cNvPr id="6" name="Номер слайда 5">
             <a:extLst>
               <a:ext uri="{FF2B5EF4-FFF2-40B4-BE49-F238E27FC236}">
-                <a16:creationId xmlns:a16="http://schemas.microsoft.com/office/drawing/2014/main" id="{E3588571-E445-434F-8FD2-D54B2296434C}"/>
+                <a16:creationId xmlns:a16="http://schemas.microsoft.com/office/drawing/2014/main" xmlns="" id="{E3588571-E445-434F-8FD2-D54B2296434C}"/>
               </a:ext>
             </a:extLst>
           </p:cNvPr>
@@ -5142,7 +5500,7 @@
           <p:cNvPr id="4" name="Заголовок 3">
             <a:extLst>
               <a:ext uri="{FF2B5EF4-FFF2-40B4-BE49-F238E27FC236}">
-                <a16:creationId xmlns:a16="http://schemas.microsoft.com/office/drawing/2014/main" id="{D95D4696-F944-4C89-9B83-6616BB6638D4}"/>
+                <a16:creationId xmlns:a16="http://schemas.microsoft.com/office/drawing/2014/main" xmlns="" id="{D95D4696-F944-4C89-9B83-6616BB6638D4}"/>
               </a:ext>
             </a:extLst>
           </p:cNvPr>
@@ -5176,7 +5534,7 @@
           <p:cNvPr id="7" name="Дата 6">
             <a:extLst>
               <a:ext uri="{FF2B5EF4-FFF2-40B4-BE49-F238E27FC236}">
-                <a16:creationId xmlns:a16="http://schemas.microsoft.com/office/drawing/2014/main" id="{D8742F10-06D1-4BD4-BA5A-3BDDC21E8878}"/>
+                <a16:creationId xmlns:a16="http://schemas.microsoft.com/office/drawing/2014/main" xmlns="" id="{D8742F10-06D1-4BD4-BA5A-3BDDC21E8878}"/>
               </a:ext>
             </a:extLst>
           </p:cNvPr>
@@ -5194,7 +5552,7 @@
           <a:p>
             <a:fld id="{A643CDCB-9A2C-4E9E-A4D3-2108173B919B}" type="datetime1">
               <a:rPr lang="ru-RU" smtClean="0"/>
-              <a:t>25.04.2022</a:t>
+              <a:t>26.04.2022</a:t>
             </a:fld>
             <a:endParaRPr lang="ru-RU" dirty="0"/>
           </a:p>
@@ -5205,7 +5563,7 @@
           <p:cNvPr id="5" name="Нижний колонтитул 4">
             <a:extLst>
               <a:ext uri="{FF2B5EF4-FFF2-40B4-BE49-F238E27FC236}">
-                <a16:creationId xmlns:a16="http://schemas.microsoft.com/office/drawing/2014/main" id="{D47828EA-BC17-4948-A67F-CD76A3F9002D}"/>
+                <a16:creationId xmlns:a16="http://schemas.microsoft.com/office/drawing/2014/main" xmlns="" id="{D47828EA-BC17-4948-A67F-CD76A3F9002D}"/>
               </a:ext>
             </a:extLst>
           </p:cNvPr>
@@ -5234,7 +5592,7 @@
           <p:cNvPr id="6" name="Номер слайда 5">
             <a:extLst>
               <a:ext uri="{FF2B5EF4-FFF2-40B4-BE49-F238E27FC236}">
-                <a16:creationId xmlns:a16="http://schemas.microsoft.com/office/drawing/2014/main" id="{A0D18334-E7B7-4952-9766-69063E780E08}"/>
+                <a16:creationId xmlns:a16="http://schemas.microsoft.com/office/drawing/2014/main" xmlns="" id="{A0D18334-E7B7-4952-9766-69063E780E08}"/>
               </a:ext>
             </a:extLst>
           </p:cNvPr>
@@ -5287,14 +5645,14 @@
                 <a:gridCol w="4354945">
                   <a:extLst>
                     <a:ext uri="{9D8B030D-6E8A-4147-A177-3AD203B41FA5}">
-                      <a16:colId xmlns:a16="http://schemas.microsoft.com/office/drawing/2014/main" val="3377184731"/>
+                      <a16:colId xmlns:a16="http://schemas.microsoft.com/office/drawing/2014/main" xmlns="" val="3377184731"/>
                     </a:ext>
                   </a:extLst>
                 </a:gridCol>
                 <a:gridCol w="4354945">
                   <a:extLst>
                     <a:ext uri="{9D8B030D-6E8A-4147-A177-3AD203B41FA5}">
-                      <a16:colId xmlns:a16="http://schemas.microsoft.com/office/drawing/2014/main" val="3065886717"/>
+                      <a16:colId xmlns:a16="http://schemas.microsoft.com/office/drawing/2014/main" xmlns="" val="3065886717"/>
                     </a:ext>
                   </a:extLst>
                 </a:gridCol>
@@ -5331,7 +5689,7 @@
                 </a:tc>
                 <a:extLst>
                   <a:ext uri="{0D108BD9-81ED-4DB2-BD59-A6C34878D82A}">
-                    <a16:rowId xmlns:a16="http://schemas.microsoft.com/office/drawing/2014/main" val="705156520"/>
+                    <a16:rowId xmlns:a16="http://schemas.microsoft.com/office/drawing/2014/main" xmlns="" val="705156520"/>
                   </a:ext>
                 </a:extLst>
               </a:tr>
@@ -5376,7 +5734,7 @@
                 </a:tc>
                 <a:extLst>
                   <a:ext uri="{0D108BD9-81ED-4DB2-BD59-A6C34878D82A}">
-                    <a16:rowId xmlns:a16="http://schemas.microsoft.com/office/drawing/2014/main" val="1140924515"/>
+                    <a16:rowId xmlns:a16="http://schemas.microsoft.com/office/drawing/2014/main" xmlns="" val="1140924515"/>
                   </a:ext>
                 </a:extLst>
               </a:tr>
@@ -5453,7 +5811,7 @@
                 </a:tc>
                 <a:extLst>
                   <a:ext uri="{0D108BD9-81ED-4DB2-BD59-A6C34878D82A}">
-                    <a16:rowId xmlns:a16="http://schemas.microsoft.com/office/drawing/2014/main" val="2497548534"/>
+                    <a16:rowId xmlns:a16="http://schemas.microsoft.com/office/drawing/2014/main" xmlns="" val="2497548534"/>
                   </a:ext>
                 </a:extLst>
               </a:tr>
@@ -5490,7 +5848,7 @@
                 </a:tc>
                 <a:extLst>
                   <a:ext uri="{0D108BD9-81ED-4DB2-BD59-A6C34878D82A}">
-                    <a16:rowId xmlns:a16="http://schemas.microsoft.com/office/drawing/2014/main" val="4001791123"/>
+                    <a16:rowId xmlns:a16="http://schemas.microsoft.com/office/drawing/2014/main" xmlns="" val="4001791123"/>
                   </a:ext>
                 </a:extLst>
               </a:tr>
@@ -5527,7 +5885,7 @@
                 </a:tc>
                 <a:extLst>
                   <a:ext uri="{0D108BD9-81ED-4DB2-BD59-A6C34878D82A}">
-                    <a16:rowId xmlns:a16="http://schemas.microsoft.com/office/drawing/2014/main" val="4030120575"/>
+                    <a16:rowId xmlns:a16="http://schemas.microsoft.com/office/drawing/2014/main" xmlns="" val="4030120575"/>
                   </a:ext>
                 </a:extLst>
               </a:tr>
@@ -5584,11 +5942,7 @@
           <a:p>
             <a:r>
               <a:rPr lang="kk-KZ" dirty="0" smtClean="0"/>
-              <a:t>Гаусс </a:t>
-            </a:r>
-            <a:r>
-              <a:rPr lang="kk-KZ" dirty="0" smtClean="0"/>
-              <a:t>әдісі</a:t>
+              <a:t>Гаусс әдісі</a:t>
             </a:r>
             <a:endParaRPr lang="ru-RU" dirty="0"/>
           </a:p>
@@ -5611,7 +5965,7 @@
           <a:p>
             <a:fld id="{44E0955F-D797-4FF7-9F57-168AA0F993D1}" type="datetime1">
               <a:rPr lang="ru-RU" smtClean="0"/>
-              <a:t>25.04.2022</a:t>
+              <a:t>26.04.2022</a:t>
             </a:fld>
             <a:endParaRPr lang="ru-RU" dirty="0"/>
           </a:p>
@@ -6374,7 +6728,7 @@
           <a:graphicData uri="http://schemas.openxmlformats.org/presentationml/2006/ole">
             <mc:AlternateContent xmlns:mc="http://schemas.openxmlformats.org/markup-compatibility/2006">
               <mc:Choice xmlns:v="urn:schemas-microsoft-com:vml" Requires="v">
-                <p:oleObj spid="_x0000_s5124" name="Equation" r:id="rId3" imgW="4775040" imgH="711000" progId="Equation.DSMT4">
+                <p:oleObj spid="_x0000_s5126" name="Equation" r:id="rId3" imgW="4775040" imgH="711000" progId="Equation.DSMT4">
                   <p:embed/>
                 </p:oleObj>
               </mc:Choice>
@@ -6458,11 +6812,7 @@
           <a:p>
             <a:r>
               <a:rPr lang="kk-KZ" dirty="0" smtClean="0"/>
-              <a:t>Гаусс </a:t>
-            </a:r>
-            <a:r>
-              <a:rPr lang="kk-KZ" dirty="0" smtClean="0"/>
-              <a:t>әдісі алгоритмі</a:t>
+              <a:t>Гаусс әдісі алгоритмі</a:t>
             </a:r>
             <a:endParaRPr lang="ru-RU" dirty="0"/>
           </a:p>
@@ -6485,7 +6835,7 @@
           <a:p>
             <a:fld id="{44E0955F-D797-4FF7-9F57-168AA0F993D1}" type="datetime1">
               <a:rPr lang="ru-RU" smtClean="0"/>
-              <a:t>25.04.2022</a:t>
+              <a:t>26.04.2022</a:t>
             </a:fld>
             <a:endParaRPr lang="ru-RU" dirty="0"/>
           </a:p>
@@ -6559,7 +6909,7 @@
           <a:graphicData uri="http://schemas.openxmlformats.org/presentationml/2006/ole">
             <mc:AlternateContent xmlns:mc="http://schemas.openxmlformats.org/markup-compatibility/2006">
               <mc:Choice xmlns:v="urn:schemas-microsoft-com:vml" Requires="v">
-                <p:oleObj spid="_x0000_s2055" name="Equation" r:id="rId3" imgW="1828800" imgH="1244520" progId="Equation.DSMT4">
+                <p:oleObj spid="_x0000_s2059" name="Equation" r:id="rId3" imgW="1828800" imgH="1244520" progId="Equation.DSMT4">
                   <p:embed/>
                 </p:oleObj>
               </mc:Choice>
@@ -7320,7 +7670,7 @@
           <a:graphicData uri="http://schemas.openxmlformats.org/presentationml/2006/ole">
             <mc:AlternateContent xmlns:mc="http://schemas.openxmlformats.org/markup-compatibility/2006">
               <mc:Choice xmlns:v="urn:schemas-microsoft-com:vml" Requires="v">
-                <p:oleObj spid="_x0000_s2056" name="Equation" r:id="rId5" imgW="2616120" imgH="1193760" progId="Equation.DSMT4">
+                <p:oleObj spid="_x0000_s2060" name="Equation" r:id="rId5" imgW="2616120" imgH="1193760" progId="Equation.DSMT4">
                   <p:embed/>
                 </p:oleObj>
               </mc:Choice>
@@ -7952,7 +8302,7 @@
           <a:p>
             <a:fld id="{44E0955F-D797-4FF7-9F57-168AA0F993D1}" type="datetime1">
               <a:rPr lang="ru-RU" smtClean="0"/>
-              <a:t>25.04.2022</a:t>
+              <a:t>26.04.2022</a:t>
             </a:fld>
             <a:endParaRPr lang="ru-RU" dirty="0"/>
           </a:p>
@@ -8026,7 +8376,7 @@
           <a:graphicData uri="http://schemas.openxmlformats.org/presentationml/2006/ole">
             <mc:AlternateContent xmlns:mc="http://schemas.openxmlformats.org/markup-compatibility/2006">
               <mc:Choice xmlns:v="urn:schemas-microsoft-com:vml" Requires="v">
-                <p:oleObj spid="_x0000_s4104" name="Equation" r:id="rId3" imgW="8503920" imgH="2110850" progId="Equation.DSMT4">
+                <p:oleObj spid="_x0000_s4110" name="Equation" r:id="rId3" imgW="8503920" imgH="2110850" progId="Equation.DSMT4">
                   <p:embed/>
                 </p:oleObj>
               </mc:Choice>
@@ -8070,25 +8420,25 @@
           <p:nvPr>
             <p:extLst>
               <p:ext uri="{D42A27DB-BD31-4B8C-83A1-F6EECF244321}">
-                <p14:modId xmlns:p14="http://schemas.microsoft.com/office/powerpoint/2010/main" val="3780977173"/>
+                <p14:modId xmlns:p14="http://schemas.microsoft.com/office/powerpoint/2010/main" val="960164077"/>
               </p:ext>
             </p:extLst>
           </p:nvPr>
         </p:nvGraphicFramePr>
         <p:xfrm>
-          <a:off x="4935249" y="4414278"/>
-          <a:ext cx="5995987" cy="1371600"/>
+          <a:off x="5615532" y="4404314"/>
+          <a:ext cx="5245470" cy="1169171"/>
         </p:xfrm>
         <a:graphic>
           <a:graphicData uri="http://schemas.openxmlformats.org/presentationml/2006/ole">
             <mc:AlternateContent xmlns:mc="http://schemas.openxmlformats.org/markup-compatibility/2006">
               <mc:Choice xmlns:v="urn:schemas-microsoft-com:vml" Requires="v">
-                <p:oleObj spid="_x0000_s4105" name="Equation" r:id="rId5" imgW="5996763" imgH="1371459" progId="Equation.DSMT4">
+                <p:oleObj spid="_x0000_s4111" name="Equation" r:id="rId5" imgW="4216320" imgH="939600" progId="Equation.DSMT4">
                   <p:embed/>
                 </p:oleObj>
               </mc:Choice>
               <mc:Fallback>
-                <p:oleObj name="Equation" r:id="rId5" imgW="5996763" imgH="1371459" progId="Equation.DSMT4">
+                <p:oleObj name="Equation" r:id="rId5" imgW="4216320" imgH="939600" progId="Equation.DSMT4">
                   <p:embed/>
                   <p:pic>
                     <p:nvPicPr>
@@ -8104,8 +8454,8 @@
                     </p:blipFill>
                     <p:spPr>
                       <a:xfrm>
-                        <a:off x="4935249" y="4414278"/>
-                        <a:ext cx="5995987" cy="1371600"/>
+                        <a:off x="5615532" y="4404314"/>
+                        <a:ext cx="5245470" cy="1169171"/>
                       </a:xfrm>
                       <a:prstGeom prst="rect">
                         <a:avLst/>
@@ -8232,32 +8582,199 @@
         </p:spPr>
         <p:txBody>
           <a:bodyPr>
-            <a:normAutofit/>
+            <a:normAutofit fontScale="92500" lnSpcReduction="20000"/>
           </a:bodyPr>
           <a:lstStyle/>
+          <a:p>
+            <a:pPr marL="457200" indent="-457200" algn="just">
+              <a:buFont typeface="Arial" panose="020B0604020202020204" pitchFamily="34" charset="0"/>
+              <a:buAutoNum type="arabicPeriod"/>
+            </a:pPr>
+            <a:r>
+              <a:rPr lang="ru-RU" dirty="0" err="1">
+                <a:latin typeface="Times New Roman" panose="02020603050405020304" pitchFamily="18" charset="0"/>
+                <a:cs typeface="Times New Roman" panose="02020603050405020304" pitchFamily="18" charset="0"/>
+              </a:rPr>
+              <a:t>Берілген</a:t>
+            </a:r>
+            <a:r>
+              <a:rPr lang="ru-RU" dirty="0">
+                <a:latin typeface="Times New Roman" panose="02020603050405020304" pitchFamily="18" charset="0"/>
+                <a:cs typeface="Times New Roman" panose="02020603050405020304" pitchFamily="18" charset="0"/>
+              </a:rPr>
+              <a:t> </a:t>
+            </a:r>
+            <a:r>
+              <a:rPr lang="ru-RU" dirty="0" err="1">
+                <a:latin typeface="Times New Roman" panose="02020603050405020304" pitchFamily="18" charset="0"/>
+                <a:cs typeface="Times New Roman" panose="02020603050405020304" pitchFamily="18" charset="0"/>
+              </a:rPr>
+              <a:t>бағыт</a:t>
+            </a:r>
+            <a:r>
+              <a:rPr lang="ru-RU" dirty="0">
+                <a:latin typeface="Times New Roman" panose="02020603050405020304" pitchFamily="18" charset="0"/>
+                <a:cs typeface="Times New Roman" panose="02020603050405020304" pitchFamily="18" charset="0"/>
+              </a:rPr>
+              <a:t> </a:t>
+            </a:r>
+            <a:r>
+              <a:rPr lang="ru-RU" dirty="0" err="1">
+                <a:latin typeface="Times New Roman" panose="02020603050405020304" pitchFamily="18" charset="0"/>
+                <a:cs typeface="Times New Roman" panose="02020603050405020304" pitchFamily="18" charset="0"/>
+              </a:rPr>
+              <a:t>бойынша</a:t>
+            </a:r>
+            <a:r>
+              <a:rPr lang="ru-RU" dirty="0">
+                <a:latin typeface="Times New Roman" panose="02020603050405020304" pitchFamily="18" charset="0"/>
+                <a:cs typeface="Times New Roman" panose="02020603050405020304" pitchFamily="18" charset="0"/>
+              </a:rPr>
+              <a:t> </a:t>
+            </a:r>
+            <a:r>
+              <a:rPr lang="ru-RU" dirty="0" err="1" smtClean="0">
+                <a:latin typeface="Times New Roman" panose="02020603050405020304" pitchFamily="18" charset="0"/>
+                <a:cs typeface="Times New Roman" panose="02020603050405020304" pitchFamily="18" charset="0"/>
+              </a:rPr>
+              <a:t>қадам</a:t>
+            </a:r>
+            <a:r>
+              <a:rPr lang="ru-RU" dirty="0" smtClean="0">
+                <a:latin typeface="Times New Roman" panose="02020603050405020304" pitchFamily="18" charset="0"/>
+                <a:cs typeface="Times New Roman" panose="02020603050405020304" pitchFamily="18" charset="0"/>
+              </a:rPr>
+              <a:t> </a:t>
+            </a:r>
+            <a:r>
+              <a:rPr lang="ru-RU" dirty="0" err="1">
+                <a:latin typeface="Times New Roman" panose="02020603050405020304" pitchFamily="18" charset="0"/>
+                <a:cs typeface="Times New Roman" panose="02020603050405020304" pitchFamily="18" charset="0"/>
+              </a:rPr>
+              <a:t>шамасын</a:t>
+            </a:r>
+            <a:r>
+              <a:rPr lang="ru-RU" dirty="0">
+                <a:latin typeface="Times New Roman" panose="02020603050405020304" pitchFamily="18" charset="0"/>
+                <a:cs typeface="Times New Roman" panose="02020603050405020304" pitchFamily="18" charset="0"/>
+              </a:rPr>
+              <a:t> </a:t>
+            </a:r>
+            <a:r>
+              <a:rPr lang="ru-RU" dirty="0" smtClean="0">
+                <a:latin typeface="Times New Roman" panose="02020603050405020304" pitchFamily="18" charset="0"/>
+                <a:cs typeface="Times New Roman" panose="02020603050405020304" pitchFamily="18" charset="0"/>
+              </a:rPr>
+              <a:t>(</a:t>
+            </a:r>
+            <a:r>
+              <a:rPr lang="ru-RU" dirty="0" err="1" smtClean="0">
+                <a:latin typeface="Times New Roman" panose="02020603050405020304" pitchFamily="18" charset="0"/>
+                <a:cs typeface="Times New Roman" panose="02020603050405020304" pitchFamily="18" charset="0"/>
+              </a:rPr>
+              <a:t>ұзындығын</a:t>
+            </a:r>
+            <a:r>
+              <a:rPr lang="ru-RU" dirty="0" smtClean="0">
+                <a:latin typeface="Times New Roman" panose="02020603050405020304" pitchFamily="18" charset="0"/>
+                <a:cs typeface="Times New Roman" panose="02020603050405020304" pitchFamily="18" charset="0"/>
+              </a:rPr>
+              <a:t>) </a:t>
+            </a:r>
+            <a:r>
+              <a:rPr lang="ru-RU" dirty="0" err="1">
+                <a:latin typeface="Times New Roman" panose="02020603050405020304" pitchFamily="18" charset="0"/>
+                <a:cs typeface="Times New Roman" panose="02020603050405020304" pitchFamily="18" charset="0"/>
+              </a:rPr>
+              <a:t>есептеу</a:t>
+            </a:r>
+            <a:r>
+              <a:rPr lang="ru-RU" dirty="0">
+                <a:latin typeface="Times New Roman" panose="02020603050405020304" pitchFamily="18" charset="0"/>
+                <a:cs typeface="Times New Roman" panose="02020603050405020304" pitchFamily="18" charset="0"/>
+              </a:rPr>
+              <a:t>;</a:t>
+            </a:r>
+          </a:p>
           <a:p>
             <a:pPr marL="457200" indent="-457200" algn="just">
               <a:buAutoNum type="arabicPeriod"/>
             </a:pPr>
             <a:r>
+              <a:rPr lang="ru-RU" dirty="0" err="1" smtClean="0">
+                <a:latin typeface="Times New Roman" panose="02020603050405020304" pitchFamily="18" charset="0"/>
+                <a:cs typeface="Times New Roman" panose="02020603050405020304" pitchFamily="18" charset="0"/>
+              </a:rPr>
+              <a:t>Қадам</a:t>
+            </a:r>
+            <a:r>
+              <a:rPr lang="ru-RU" dirty="0" smtClean="0">
+                <a:latin typeface="Times New Roman" panose="02020603050405020304" pitchFamily="18" charset="0"/>
+                <a:cs typeface="Times New Roman" panose="02020603050405020304" pitchFamily="18" charset="0"/>
+              </a:rPr>
+              <a:t> </a:t>
+            </a:r>
+            <a:r>
+              <a:rPr lang="ru-RU" dirty="0" err="1" smtClean="0">
+                <a:latin typeface="Times New Roman" panose="02020603050405020304" pitchFamily="18" charset="0"/>
+                <a:cs typeface="Times New Roman" panose="02020603050405020304" pitchFamily="18" charset="0"/>
+              </a:rPr>
+              <a:t>жасағандағы</a:t>
+            </a:r>
+            <a:r>
+              <a:rPr lang="ru-RU" dirty="0" smtClean="0">
+                <a:latin typeface="Times New Roman" panose="02020603050405020304" pitchFamily="18" charset="0"/>
+                <a:cs typeface="Times New Roman" panose="02020603050405020304" pitchFamily="18" charset="0"/>
+              </a:rPr>
+              <a:t> </a:t>
+            </a:r>
+            <a:r>
+              <a:rPr lang="ru-RU" dirty="0" err="1" smtClean="0">
+                <a:latin typeface="Times New Roman" panose="02020603050405020304" pitchFamily="18" charset="0"/>
+                <a:cs typeface="Times New Roman" panose="02020603050405020304" pitchFamily="18" charset="0"/>
+              </a:rPr>
+              <a:t>жаңа</a:t>
+            </a:r>
+            <a:r>
+              <a:rPr lang="ru-RU" dirty="0" smtClean="0">
+                <a:latin typeface="Times New Roman" panose="02020603050405020304" pitchFamily="18" charset="0"/>
+                <a:cs typeface="Times New Roman" panose="02020603050405020304" pitchFamily="18" charset="0"/>
+              </a:rPr>
+              <a:t> </a:t>
+            </a:r>
+            <a:r>
               <a:rPr lang="ru-RU" dirty="0" err="1">
                 <a:latin typeface="Times New Roman" panose="02020603050405020304" pitchFamily="18" charset="0"/>
                 <a:cs typeface="Times New Roman" panose="02020603050405020304" pitchFamily="18" charset="0"/>
               </a:rPr>
-              <a:t>Градиетті</a:t>
+              <a:t>жуықтауды</a:t>
             </a:r>
             <a:r>
               <a:rPr lang="ru-RU" dirty="0">
                 <a:latin typeface="Times New Roman" panose="02020603050405020304" pitchFamily="18" charset="0"/>
                 <a:cs typeface="Times New Roman" panose="02020603050405020304" pitchFamily="18" charset="0"/>
               </a:rPr>
-              <a:t> </a:t>
+              <a:t> (</a:t>
             </a:r>
             <a:r>
               <a:rPr lang="ru-RU" dirty="0" err="1">
                 <a:latin typeface="Times New Roman" panose="02020603050405020304" pitchFamily="18" charset="0"/>
                 <a:cs typeface="Times New Roman" panose="02020603050405020304" pitchFamily="18" charset="0"/>
               </a:rPr>
+              <a:t>шешімді</a:t>
+            </a:r>
+            <a:r>
+              <a:rPr lang="ru-RU" dirty="0">
+                <a:latin typeface="Times New Roman" panose="02020603050405020304" pitchFamily="18" charset="0"/>
+                <a:cs typeface="Times New Roman" panose="02020603050405020304" pitchFamily="18" charset="0"/>
+              </a:rPr>
+              <a:t>) </a:t>
+            </a:r>
+            <a:r>
+              <a:rPr lang="ru-RU" dirty="0" err="1">
+                <a:latin typeface="Times New Roman" panose="02020603050405020304" pitchFamily="18" charset="0"/>
+                <a:cs typeface="Times New Roman" panose="02020603050405020304" pitchFamily="18" charset="0"/>
+              </a:rPr>
               <a:t>есептеу</a:t>
             </a:r>
             <a:r>
@@ -8265,50 +8782,194 @@
                 <a:latin typeface="Times New Roman" panose="02020603050405020304" pitchFamily="18" charset="0"/>
                 <a:cs typeface="Times New Roman" panose="02020603050405020304" pitchFamily="18" charset="0"/>
               </a:rPr>
-              <a:t>;</a:t>
-            </a:r>
+              <a:t> </a:t>
+            </a:r>
+            <a:endParaRPr lang="ru-RU" dirty="0" smtClean="0">
+              <a:latin typeface="Times New Roman" panose="02020603050405020304" pitchFamily="18" charset="0"/>
+              <a:cs typeface="Times New Roman" panose="02020603050405020304" pitchFamily="18" charset="0"/>
+            </a:endParaRPr>
           </a:p>
           <a:p>
             <a:pPr marL="457200" indent="-457200" algn="just">
               <a:buAutoNum type="arabicPeriod"/>
             </a:pPr>
             <a:r>
+              <a:rPr lang="ru-RU" dirty="0" err="1" smtClean="0">
+                <a:latin typeface="Times New Roman" panose="02020603050405020304" pitchFamily="18" charset="0"/>
+                <a:cs typeface="Times New Roman" panose="02020603050405020304" pitchFamily="18" charset="0"/>
+              </a:rPr>
+              <a:t>Жаңа</a:t>
+            </a:r>
+            <a:r>
+              <a:rPr lang="ru-RU" dirty="0" smtClean="0">
+                <a:latin typeface="Times New Roman" panose="02020603050405020304" pitchFamily="18" charset="0"/>
+                <a:cs typeface="Times New Roman" panose="02020603050405020304" pitchFamily="18" charset="0"/>
+              </a:rPr>
+              <a:t> </a:t>
+            </a:r>
+            <a:r>
+              <a:rPr lang="ru-RU" dirty="0" err="1" smtClean="0">
+                <a:latin typeface="Times New Roman" panose="02020603050405020304" pitchFamily="18" charset="0"/>
+                <a:cs typeface="Times New Roman" panose="02020603050405020304" pitchFamily="18" charset="0"/>
+              </a:rPr>
+              <a:t>градиетті</a:t>
+            </a:r>
+            <a:r>
+              <a:rPr lang="ru-RU" dirty="0" smtClean="0">
+                <a:latin typeface="Times New Roman" panose="02020603050405020304" pitchFamily="18" charset="0"/>
+                <a:cs typeface="Times New Roman" panose="02020603050405020304" pitchFamily="18" charset="0"/>
+              </a:rPr>
+              <a:t> </a:t>
+            </a:r>
+            <a:r>
               <a:rPr lang="ru-RU" dirty="0" err="1">
                 <a:latin typeface="Times New Roman" panose="02020603050405020304" pitchFamily="18" charset="0"/>
                 <a:cs typeface="Times New Roman" panose="02020603050405020304" pitchFamily="18" charset="0"/>
               </a:rPr>
-              <a:t>Бағыттауыш</a:t>
-            </a:r>
-            <a:r>
-              <a:rPr lang="ru-RU" dirty="0">
-                <a:latin typeface="Times New Roman" panose="02020603050405020304" pitchFamily="18" charset="0"/>
-                <a:cs typeface="Times New Roman" panose="02020603050405020304" pitchFamily="18" charset="0"/>
-              </a:rPr>
-              <a:t> </a:t>
-            </a:r>
-            <a:r>
-              <a:rPr lang="ru-RU" dirty="0" err="1">
-                <a:latin typeface="Times New Roman" panose="02020603050405020304" pitchFamily="18" charset="0"/>
-                <a:cs typeface="Times New Roman" panose="02020603050405020304" pitchFamily="18" charset="0"/>
-              </a:rPr>
-              <a:t>векторды</a:t>
-            </a:r>
-            <a:r>
-              <a:rPr lang="ru-RU" dirty="0">
-                <a:latin typeface="Times New Roman" panose="02020603050405020304" pitchFamily="18" charset="0"/>
-                <a:cs typeface="Times New Roman" panose="02020603050405020304" pitchFamily="18" charset="0"/>
-              </a:rPr>
-              <a:t> </a:t>
-            </a:r>
-            <a:r>
-              <a:rPr lang="ru-RU" dirty="0" err="1">
-                <a:latin typeface="Times New Roman" panose="02020603050405020304" pitchFamily="18" charset="0"/>
-                <a:cs typeface="Times New Roman" panose="02020603050405020304" pitchFamily="18" charset="0"/>
-              </a:rPr>
               <a:t>есептеу</a:t>
             </a:r>
             <a:r>
-              <a:rPr lang="ru-RU" dirty="0">
+              <a:rPr lang="ru-RU" dirty="0" smtClean="0">
+                <a:latin typeface="Times New Roman" panose="02020603050405020304" pitchFamily="18" charset="0"/>
+                <a:cs typeface="Times New Roman" panose="02020603050405020304" pitchFamily="18" charset="0"/>
+              </a:rPr>
+              <a:t>;</a:t>
+            </a:r>
+          </a:p>
+          <a:p>
+            <a:pPr marL="457200" indent="-457200" algn="just">
+              <a:buAutoNum type="arabicPeriod"/>
+            </a:pPr>
+            <a:r>
+              <a:rPr lang="ru-RU" dirty="0" err="1" smtClean="0">
+                <a:latin typeface="Times New Roman" panose="02020603050405020304" pitchFamily="18" charset="0"/>
+                <a:cs typeface="Times New Roman" panose="02020603050405020304" pitchFamily="18" charset="0"/>
+              </a:rPr>
+              <a:t>Градиенттің</a:t>
+            </a:r>
+            <a:r>
+              <a:rPr lang="ru-RU" dirty="0" smtClean="0">
+                <a:latin typeface="Times New Roman" panose="02020603050405020304" pitchFamily="18" charset="0"/>
+                <a:cs typeface="Times New Roman" panose="02020603050405020304" pitchFamily="18" charset="0"/>
+              </a:rPr>
+              <a:t> </a:t>
+            </a:r>
+            <a:r>
+              <a:rPr lang="ru-RU" dirty="0" err="1" smtClean="0">
+                <a:latin typeface="Times New Roman" panose="02020603050405020304" pitchFamily="18" charset="0"/>
+                <a:cs typeface="Times New Roman" panose="02020603050405020304" pitchFamily="18" charset="0"/>
+              </a:rPr>
+              <a:t>б</a:t>
+            </a:r>
+            <a:r>
+              <a:rPr lang="ru-RU" dirty="0" err="1" smtClean="0">
+                <a:latin typeface="Times New Roman" panose="02020603050405020304" pitchFamily="18" charset="0"/>
+                <a:cs typeface="Times New Roman" panose="02020603050405020304" pitchFamily="18" charset="0"/>
+              </a:rPr>
+              <a:t>іріктірілгендік</a:t>
+            </a:r>
+            <a:r>
+              <a:rPr lang="ru-RU" dirty="0" smtClean="0">
+                <a:latin typeface="Times New Roman" panose="02020603050405020304" pitchFamily="18" charset="0"/>
+                <a:cs typeface="Times New Roman" panose="02020603050405020304" pitchFamily="18" charset="0"/>
+              </a:rPr>
+              <a:t> </a:t>
+            </a:r>
+            <a:r>
+              <a:rPr lang="ru-RU" dirty="0" err="1" smtClean="0">
+                <a:latin typeface="Times New Roman" panose="02020603050405020304" pitchFamily="18" charset="0"/>
+                <a:cs typeface="Times New Roman" panose="02020603050405020304" pitchFamily="18" charset="0"/>
+              </a:rPr>
+              <a:t>параметрі</a:t>
+            </a:r>
+            <a:r>
+              <a:rPr lang="ru-RU" dirty="0" smtClean="0">
+                <a:latin typeface="Times New Roman" panose="02020603050405020304" pitchFamily="18" charset="0"/>
+                <a:cs typeface="Times New Roman" panose="02020603050405020304" pitchFamily="18" charset="0"/>
+              </a:rPr>
+              <a:t> </a:t>
+            </a:r>
+            <a:r>
+              <a:rPr lang="ru-RU" dirty="0" err="1" smtClean="0">
+                <a:latin typeface="Times New Roman" panose="02020603050405020304" pitchFamily="18" charset="0"/>
+                <a:cs typeface="Times New Roman" panose="02020603050405020304" pitchFamily="18" charset="0"/>
+              </a:rPr>
+              <a:t>есептелінеді</a:t>
+            </a:r>
+            <a:endParaRPr lang="ru-RU" dirty="0">
+              <a:latin typeface="Times New Roman" panose="02020603050405020304" pitchFamily="18" charset="0"/>
+              <a:cs typeface="Times New Roman" panose="02020603050405020304" pitchFamily="18" charset="0"/>
+            </a:endParaRPr>
+          </a:p>
+          <a:p>
+            <a:pPr marL="457200" indent="-457200" algn="just">
+              <a:buAutoNum type="arabicPeriod"/>
+            </a:pPr>
+            <a:r>
+              <a:rPr lang="ru-RU" dirty="0" err="1" smtClean="0">
+                <a:latin typeface="Times New Roman" panose="02020603050405020304" pitchFamily="18" charset="0"/>
+                <a:cs typeface="Times New Roman" panose="02020603050405020304" pitchFamily="18" charset="0"/>
+              </a:rPr>
+              <a:t>Жаңа</a:t>
+            </a:r>
+            <a:r>
+              <a:rPr lang="ru-RU" dirty="0" smtClean="0">
+                <a:latin typeface="Times New Roman" panose="02020603050405020304" pitchFamily="18" charset="0"/>
+                <a:cs typeface="Times New Roman" panose="02020603050405020304" pitchFamily="18" charset="0"/>
+              </a:rPr>
+              <a:t> </a:t>
+            </a:r>
+            <a:r>
+              <a:rPr lang="ru-RU" dirty="0" err="1" smtClean="0">
+                <a:latin typeface="Times New Roman" panose="02020603050405020304" pitchFamily="18" charset="0"/>
+                <a:cs typeface="Times New Roman" panose="02020603050405020304" pitchFamily="18" charset="0"/>
+              </a:rPr>
+              <a:t>қадам</a:t>
+            </a:r>
+            <a:r>
+              <a:rPr lang="ru-RU" dirty="0" err="1" smtClean="0">
+                <a:latin typeface="Times New Roman" panose="02020603050405020304" pitchFamily="18" charset="0"/>
+                <a:cs typeface="Times New Roman" panose="02020603050405020304" pitchFamily="18" charset="0"/>
+              </a:rPr>
+              <a:t>ның</a:t>
+            </a:r>
+            <a:r>
+              <a:rPr lang="ru-RU" dirty="0" smtClean="0">
+                <a:latin typeface="Times New Roman" panose="02020603050405020304" pitchFamily="18" charset="0"/>
+                <a:cs typeface="Times New Roman" panose="02020603050405020304" pitchFamily="18" charset="0"/>
+              </a:rPr>
+              <a:t> </a:t>
+            </a:r>
+            <a:r>
+              <a:rPr lang="ru-RU" dirty="0" err="1" smtClean="0">
+                <a:latin typeface="Times New Roman" panose="02020603050405020304" pitchFamily="18" charset="0"/>
+                <a:cs typeface="Times New Roman" panose="02020603050405020304" pitchFamily="18" charset="0"/>
+              </a:rPr>
+              <a:t>б</a:t>
+            </a:r>
+            <a:r>
+              <a:rPr lang="ru-RU" dirty="0" err="1" smtClean="0">
+                <a:latin typeface="Times New Roman" panose="02020603050405020304" pitchFamily="18" charset="0"/>
+                <a:cs typeface="Times New Roman" panose="02020603050405020304" pitchFamily="18" charset="0"/>
+              </a:rPr>
+              <a:t>ағытын</a:t>
+            </a:r>
+            <a:r>
+              <a:rPr lang="ru-RU" dirty="0" smtClean="0">
+                <a:latin typeface="Times New Roman" panose="02020603050405020304" pitchFamily="18" charset="0"/>
+                <a:cs typeface="Times New Roman" panose="02020603050405020304" pitchFamily="18" charset="0"/>
+              </a:rPr>
+              <a:t> </a:t>
+            </a:r>
+            <a:r>
+              <a:rPr lang="ru-RU" dirty="0" err="1" smtClean="0">
+                <a:latin typeface="Times New Roman" panose="02020603050405020304" pitchFamily="18" charset="0"/>
+                <a:cs typeface="Times New Roman" panose="02020603050405020304" pitchFamily="18" charset="0"/>
+              </a:rPr>
+              <a:t>есептеу</a:t>
+            </a:r>
+            <a:r>
+              <a:rPr lang="ru-RU" dirty="0" smtClean="0">
                 <a:latin typeface="Times New Roman" panose="02020603050405020304" pitchFamily="18" charset="0"/>
                 <a:cs typeface="Times New Roman" panose="02020603050405020304" pitchFamily="18" charset="0"/>
               </a:rPr>
@@ -8318,170 +8979,6 @@
               <a:latin typeface="Times New Roman" panose="02020603050405020304" pitchFamily="18" charset="0"/>
               <a:cs typeface="Times New Roman" panose="02020603050405020304" pitchFamily="18" charset="0"/>
             </a:endParaRPr>
-          </a:p>
-          <a:p>
-            <a:pPr marL="457200" indent="-457200" algn="just">
-              <a:buAutoNum type="arabicPeriod"/>
-            </a:pPr>
-            <a:r>
-              <a:rPr lang="ru-RU" dirty="0" err="1">
-                <a:latin typeface="Times New Roman" panose="02020603050405020304" pitchFamily="18" charset="0"/>
-                <a:cs typeface="Times New Roman" panose="02020603050405020304" pitchFamily="18" charset="0"/>
-              </a:rPr>
-              <a:t>Берілген</a:t>
-            </a:r>
-            <a:r>
-              <a:rPr lang="ru-RU" dirty="0">
-                <a:latin typeface="Times New Roman" panose="02020603050405020304" pitchFamily="18" charset="0"/>
-                <a:cs typeface="Times New Roman" panose="02020603050405020304" pitchFamily="18" charset="0"/>
-              </a:rPr>
-              <a:t> </a:t>
-            </a:r>
-            <a:r>
-              <a:rPr lang="ru-RU" dirty="0" err="1">
-                <a:latin typeface="Times New Roman" panose="02020603050405020304" pitchFamily="18" charset="0"/>
-                <a:cs typeface="Times New Roman" panose="02020603050405020304" pitchFamily="18" charset="0"/>
-              </a:rPr>
-              <a:t>бағыт</a:t>
-            </a:r>
-            <a:r>
-              <a:rPr lang="ru-RU" dirty="0">
-                <a:latin typeface="Times New Roman" panose="02020603050405020304" pitchFamily="18" charset="0"/>
-                <a:cs typeface="Times New Roman" panose="02020603050405020304" pitchFamily="18" charset="0"/>
-              </a:rPr>
-              <a:t> </a:t>
-            </a:r>
-            <a:r>
-              <a:rPr lang="ru-RU" dirty="0" err="1">
-                <a:latin typeface="Times New Roman" panose="02020603050405020304" pitchFamily="18" charset="0"/>
-                <a:cs typeface="Times New Roman" panose="02020603050405020304" pitchFamily="18" charset="0"/>
-              </a:rPr>
-              <a:t>бойынша</a:t>
-            </a:r>
-            <a:r>
-              <a:rPr lang="ru-RU" dirty="0">
-                <a:latin typeface="Times New Roman" panose="02020603050405020304" pitchFamily="18" charset="0"/>
-                <a:cs typeface="Times New Roman" panose="02020603050405020304" pitchFamily="18" charset="0"/>
-              </a:rPr>
-              <a:t> </a:t>
-            </a:r>
-            <a:r>
-              <a:rPr lang="ru-RU" dirty="0" err="1">
-                <a:latin typeface="Times New Roman" panose="02020603050405020304" pitchFamily="18" charset="0"/>
-                <a:cs typeface="Times New Roman" panose="02020603050405020304" pitchFamily="18" charset="0"/>
-              </a:rPr>
-              <a:t>ығысу</a:t>
-            </a:r>
-            <a:r>
-              <a:rPr lang="ru-RU" dirty="0">
-                <a:latin typeface="Times New Roman" panose="02020603050405020304" pitchFamily="18" charset="0"/>
-                <a:cs typeface="Times New Roman" panose="02020603050405020304" pitchFamily="18" charset="0"/>
-              </a:rPr>
-              <a:t> </a:t>
-            </a:r>
-            <a:r>
-              <a:rPr lang="ru-RU" dirty="0" err="1">
-                <a:latin typeface="Times New Roman" panose="02020603050405020304" pitchFamily="18" charset="0"/>
-                <a:cs typeface="Times New Roman" panose="02020603050405020304" pitchFamily="18" charset="0"/>
-              </a:rPr>
-              <a:t>шамасын</a:t>
-            </a:r>
-            <a:r>
-              <a:rPr lang="ru-RU" dirty="0">
-                <a:latin typeface="Times New Roman" panose="02020603050405020304" pitchFamily="18" charset="0"/>
-                <a:cs typeface="Times New Roman" panose="02020603050405020304" pitchFamily="18" charset="0"/>
-              </a:rPr>
-              <a:t> (</a:t>
-            </a:r>
-            <a:r>
-              <a:rPr lang="ru-RU" dirty="0" err="1">
-                <a:latin typeface="Times New Roman" panose="02020603050405020304" pitchFamily="18" charset="0"/>
-                <a:cs typeface="Times New Roman" panose="02020603050405020304" pitchFamily="18" charset="0"/>
-              </a:rPr>
-              <a:t>қадамды</a:t>
-            </a:r>
-            <a:r>
-              <a:rPr lang="ru-RU" dirty="0">
-                <a:latin typeface="Times New Roman" panose="02020603050405020304" pitchFamily="18" charset="0"/>
-                <a:cs typeface="Times New Roman" panose="02020603050405020304" pitchFamily="18" charset="0"/>
-              </a:rPr>
-              <a:t>) </a:t>
-            </a:r>
-            <a:r>
-              <a:rPr lang="ru-RU" dirty="0" err="1">
-                <a:latin typeface="Times New Roman" panose="02020603050405020304" pitchFamily="18" charset="0"/>
-                <a:cs typeface="Times New Roman" panose="02020603050405020304" pitchFamily="18" charset="0"/>
-              </a:rPr>
-              <a:t>есептеу</a:t>
-            </a:r>
-            <a:r>
-              <a:rPr lang="ru-RU" dirty="0">
-                <a:latin typeface="Times New Roman" panose="02020603050405020304" pitchFamily="18" charset="0"/>
-                <a:cs typeface="Times New Roman" panose="02020603050405020304" pitchFamily="18" charset="0"/>
-              </a:rPr>
-              <a:t>;</a:t>
-            </a:r>
-          </a:p>
-          <a:p>
-            <a:pPr marL="457200" indent="-457200" algn="just">
-              <a:buAutoNum type="arabicPeriod"/>
-            </a:pPr>
-            <a:r>
-              <a:rPr lang="ru-RU" dirty="0" err="1">
-                <a:latin typeface="Times New Roman" panose="02020603050405020304" pitchFamily="18" charset="0"/>
-                <a:cs typeface="Times New Roman" panose="02020603050405020304" pitchFamily="18" charset="0"/>
-              </a:rPr>
-              <a:t>Жаңа</a:t>
-            </a:r>
-            <a:r>
-              <a:rPr lang="ru-RU" dirty="0">
-                <a:latin typeface="Times New Roman" panose="02020603050405020304" pitchFamily="18" charset="0"/>
-                <a:cs typeface="Times New Roman" panose="02020603050405020304" pitchFamily="18" charset="0"/>
-              </a:rPr>
-              <a:t> </a:t>
-            </a:r>
-            <a:r>
-              <a:rPr lang="ru-RU" dirty="0" err="1">
-                <a:latin typeface="Times New Roman" panose="02020603050405020304" pitchFamily="18" charset="0"/>
-                <a:cs typeface="Times New Roman" panose="02020603050405020304" pitchFamily="18" charset="0"/>
-              </a:rPr>
-              <a:t>жуықтауды</a:t>
-            </a:r>
-            <a:r>
-              <a:rPr lang="ru-RU" dirty="0">
-                <a:latin typeface="Times New Roman" panose="02020603050405020304" pitchFamily="18" charset="0"/>
-                <a:cs typeface="Times New Roman" panose="02020603050405020304" pitchFamily="18" charset="0"/>
-              </a:rPr>
-              <a:t> (</a:t>
-            </a:r>
-            <a:r>
-              <a:rPr lang="ru-RU" dirty="0" err="1">
-                <a:latin typeface="Times New Roman" panose="02020603050405020304" pitchFamily="18" charset="0"/>
-                <a:cs typeface="Times New Roman" panose="02020603050405020304" pitchFamily="18" charset="0"/>
-              </a:rPr>
-              <a:t>шешімді</a:t>
-            </a:r>
-            <a:r>
-              <a:rPr lang="ru-RU" dirty="0">
-                <a:latin typeface="Times New Roman" panose="02020603050405020304" pitchFamily="18" charset="0"/>
-                <a:cs typeface="Times New Roman" panose="02020603050405020304" pitchFamily="18" charset="0"/>
-              </a:rPr>
-              <a:t>) </a:t>
-            </a:r>
-            <a:r>
-              <a:rPr lang="ru-RU" dirty="0" err="1">
-                <a:latin typeface="Times New Roman" panose="02020603050405020304" pitchFamily="18" charset="0"/>
-                <a:cs typeface="Times New Roman" panose="02020603050405020304" pitchFamily="18" charset="0"/>
-              </a:rPr>
-              <a:t>есептеу</a:t>
-            </a:r>
-            <a:r>
-              <a:rPr lang="ru-RU" dirty="0">
-                <a:latin typeface="Times New Roman" panose="02020603050405020304" pitchFamily="18" charset="0"/>
-                <a:cs typeface="Times New Roman" panose="02020603050405020304" pitchFamily="18" charset="0"/>
-              </a:rPr>
-              <a:t>.</a:t>
-            </a:r>
           </a:p>
         </p:txBody>
       </p:sp>
@@ -8502,7 +8999,7 @@
           <a:p>
             <a:fld id="{44E0955F-D797-4FF7-9F57-168AA0F993D1}" type="datetime1">
               <a:rPr lang="ru-RU" smtClean="0"/>
-              <a:t>25.04.2022</a:t>
+              <a:t>26.04.2022</a:t>
             </a:fld>
             <a:endParaRPr lang="ru-RU" dirty="0"/>
           </a:p>
@@ -8563,25 +9060,25 @@
           <p:nvPr>
             <p:extLst>
               <p:ext uri="{D42A27DB-BD31-4B8C-83A1-F6EECF244321}">
-                <p14:modId xmlns:p14="http://schemas.microsoft.com/office/powerpoint/2010/main" val="1133300017"/>
+                <p14:modId xmlns:p14="http://schemas.microsoft.com/office/powerpoint/2010/main" val="3485746532"/>
               </p:ext>
             </p:extLst>
           </p:nvPr>
         </p:nvGraphicFramePr>
         <p:xfrm>
-          <a:off x="804863" y="3105778"/>
-          <a:ext cx="4763366" cy="3814618"/>
+          <a:off x="962978" y="3047455"/>
+          <a:ext cx="3019132" cy="3057254"/>
         </p:xfrm>
         <a:graphic>
           <a:graphicData uri="http://schemas.openxmlformats.org/presentationml/2006/ole">
             <mc:AlternateContent xmlns:mc="http://schemas.openxmlformats.org/markup-compatibility/2006">
               <mc:Choice xmlns:v="urn:schemas-microsoft-com:vml" Requires="v">
-                <p:oleObj spid="_x0000_s1032" name="Equation" r:id="rId3" imgW="3688222" imgH="3931967" progId="Equation.DSMT4">
+                <p:oleObj spid="_x0000_s1038" name="Equation" r:id="rId3" imgW="1460160" imgH="1968480" progId="Equation.DSMT4">
                   <p:embed/>
                 </p:oleObj>
               </mc:Choice>
               <mc:Fallback>
-                <p:oleObj name="Equation" r:id="rId3" imgW="3688222" imgH="3931967" progId="Equation.DSMT4">
+                <p:oleObj name="Equation" r:id="rId3" imgW="1460160" imgH="1968480" progId="Equation.DSMT4">
                   <p:embed/>
                   <p:pic>
                     <p:nvPicPr>
@@ -8597,8 +9094,8 @@
                     </p:blipFill>
                     <p:spPr>
                       <a:xfrm>
-                        <a:off x="804863" y="3105778"/>
-                        <a:ext cx="4763366" cy="3814618"/>
+                        <a:off x="962978" y="3047455"/>
+                        <a:ext cx="3019132" cy="3057254"/>
                       </a:xfrm>
                       <a:prstGeom prst="rect">
                         <a:avLst/>
@@ -8620,25 +9117,25 @@
           <p:nvPr>
             <p:extLst>
               <p:ext uri="{D42A27DB-BD31-4B8C-83A1-F6EECF244321}">
-                <p14:modId xmlns:p14="http://schemas.microsoft.com/office/powerpoint/2010/main" val="1106875644"/>
+                <p14:modId xmlns:p14="http://schemas.microsoft.com/office/powerpoint/2010/main" val="1807833196"/>
               </p:ext>
             </p:extLst>
           </p:nvPr>
         </p:nvGraphicFramePr>
         <p:xfrm>
-          <a:off x="5975927" y="3156578"/>
-          <a:ext cx="5189537" cy="2400300"/>
+          <a:off x="5520179" y="3273107"/>
+          <a:ext cx="5266441" cy="1968633"/>
         </p:xfrm>
         <a:graphic>
           <a:graphicData uri="http://schemas.openxmlformats.org/presentationml/2006/ole">
             <mc:AlternateContent xmlns:mc="http://schemas.openxmlformats.org/markup-compatibility/2006">
               <mc:Choice xmlns:v="urn:schemas-microsoft-com:vml" Requires="v">
-                <p:oleObj spid="_x0000_s1033" name="Equation" r:id="rId5" imgW="5189114" imgH="2400159" progId="Equation.DSMT4">
+                <p:oleObj spid="_x0000_s1039" name="Equation" r:id="rId5" imgW="3974760" imgH="1485720" progId="Equation.DSMT4">
                   <p:embed/>
                 </p:oleObj>
               </mc:Choice>
               <mc:Fallback>
-                <p:oleObj name="Equation" r:id="rId5" imgW="5189114" imgH="2400159" progId="Equation.DSMT4">
+                <p:oleObj name="Equation" r:id="rId5" imgW="3974760" imgH="1485720" progId="Equation.DSMT4">
                   <p:embed/>
                   <p:pic>
                     <p:nvPicPr>
@@ -8654,8 +9151,8 @@
                     </p:blipFill>
                     <p:spPr>
                       <a:xfrm>
-                        <a:off x="5975927" y="3156578"/>
-                        <a:ext cx="5189537" cy="2400300"/>
+                        <a:off x="5520179" y="3273107"/>
+                        <a:ext cx="5266441" cy="1968633"/>
                       </a:xfrm>
                       <a:prstGeom prst="rect">
                         <a:avLst/>

--- a/Пример каз.pptx
+++ b/Пример каз.pptx
@@ -23,7 +23,7 @@
     <p:sldId id="275" r:id="rId11"/>
     <p:sldId id="273" r:id="rId12"/>
     <p:sldId id="274" r:id="rId13"/>
-    <p:sldId id="266" r:id="rId14"/>
+    <p:sldId id="277" r:id="rId14"/>
     <p:sldId id="263" r:id="rId15"/>
     <p:sldId id="265" r:id="rId16"/>
     <p:sldId id="267" r:id="rId17"/>
@@ -157,7 +157,7 @@
 </file>
 
 <file path=ppt/charts/chart1.xml><?xml version="1.0" encoding="utf-8"?>
-<c:chartSpace xmlns:c="http://schemas.openxmlformats.org/drawingml/2006/chart" xmlns:a="http://schemas.openxmlformats.org/drawingml/2006/main" xmlns:r="http://schemas.openxmlformats.org/officeDocument/2006/relationships">
+<c:chartSpace xmlns:c="http://schemas.openxmlformats.org/drawingml/2006/chart" xmlns:a="http://schemas.openxmlformats.org/drawingml/2006/main" xmlns:r="http://schemas.openxmlformats.org/officeDocument/2006/relationships" xmlns:c16r2="http://schemas.microsoft.com/office/drawing/2015/06/chart">
   <c:date1904 val="0"/>
   <c:lang val="ru-RU"/>
   <c:roundedCorners val="0"/>
@@ -170,24 +170,123 @@
     </mc:Fallback>
   </mc:AlternateContent>
   <c:chart>
-    <c:autoTitleDeleted val="1"/>
+    <c:title>
+      <c:tx>
+        <c:rich>
+          <a:bodyPr rot="0" spcFirstLastPara="1" vertOverflow="ellipsis" vert="horz" wrap="square" anchor="ctr" anchorCtr="1"/>
+          <a:lstStyle/>
+          <a:p>
+            <a:pPr>
+              <a:defRPr sz="1400" b="0" i="0" u="none" strike="noStrike" kern="1200" spc="0" baseline="0">
+                <a:solidFill>
+                  <a:schemeClr val="tx1">
+                    <a:lumMod val="65000"/>
+                    <a:lumOff val="35000"/>
+                  </a:schemeClr>
+                </a:solidFill>
+                <a:latin typeface="+mn-lt"/>
+                <a:ea typeface="+mn-ea"/>
+                <a:cs typeface="+mn-cs"/>
+              </a:defRPr>
+            </a:pPr>
+            <a:r>
+              <a:rPr lang="ru-RU" dirty="0" err="1" smtClean="0"/>
+              <a:t>Әдістердің</a:t>
+            </a:r>
+            <a:r>
+              <a:rPr lang="ru-RU" baseline="0" dirty="0" smtClean="0"/>
+              <a:t> </a:t>
+            </a:r>
+            <a:r>
+              <a:rPr lang="ru-RU" baseline="0" dirty="0" err="1" smtClean="0"/>
+              <a:t>есептеу</a:t>
+            </a:r>
+            <a:r>
+              <a:rPr lang="ru-RU" baseline="0" dirty="0" smtClean="0"/>
+              <a:t> </a:t>
+            </a:r>
+            <a:r>
+              <a:rPr lang="ru-RU" baseline="0" dirty="0" err="1" smtClean="0"/>
+              <a:t>уақыты</a:t>
+            </a:r>
+            <a:r>
+              <a:rPr lang="ru-RU" baseline="0" dirty="0" smtClean="0"/>
+              <a:t> (</a:t>
+            </a:r>
+            <a:r>
+              <a:rPr lang="ru-RU" baseline="0" dirty="0" err="1" smtClean="0"/>
+              <a:t>қаншалықты</a:t>
+            </a:r>
+            <a:r>
+              <a:rPr lang="ru-RU" baseline="0" dirty="0" smtClean="0"/>
+              <a:t> </a:t>
+            </a:r>
+            <a:r>
+              <a:rPr lang="ru-RU" baseline="0" dirty="0" err="1" smtClean="0"/>
+              <a:t>көп</a:t>
+            </a:r>
+            <a:r>
+              <a:rPr lang="ru-RU" baseline="0" dirty="0" smtClean="0"/>
+              <a:t>, </a:t>
+            </a:r>
+            <a:r>
+              <a:rPr lang="ru-RU" baseline="0" dirty="0" err="1" smtClean="0"/>
+              <a:t>соншалықты</a:t>
+            </a:r>
+            <a:r>
+              <a:rPr lang="ru-RU" baseline="0" dirty="0" smtClean="0"/>
+              <a:t> </a:t>
+            </a:r>
+            <a:r>
+              <a:rPr lang="ru-RU" baseline="0" dirty="0" err="1" smtClean="0"/>
+              <a:t>нашар</a:t>
+            </a:r>
+            <a:r>
+              <a:rPr lang="ru-RU" baseline="0" dirty="0" smtClean="0"/>
+              <a:t>)</a:t>
+            </a:r>
+            <a:endParaRPr lang="ru-RU" dirty="0"/>
+          </a:p>
+        </c:rich>
+      </c:tx>
+      <c:layout/>
+      <c:overlay val="0"/>
+      <c:spPr>
+        <a:noFill/>
+        <a:ln>
+          <a:noFill/>
+        </a:ln>
+        <a:effectLst/>
+      </c:spPr>
+      <c:txPr>
+        <a:bodyPr rot="0" spcFirstLastPara="1" vertOverflow="ellipsis" vert="horz" wrap="square" anchor="ctr" anchorCtr="1"/>
+        <a:lstStyle/>
+        <a:p>
+          <a:pPr>
+            <a:defRPr sz="1400" b="0" i="0" u="none" strike="noStrike" kern="1200" spc="0" baseline="0">
+              <a:solidFill>
+                <a:schemeClr val="tx1">
+                  <a:lumMod val="65000"/>
+                  <a:lumOff val="35000"/>
+                </a:schemeClr>
+              </a:solidFill>
+              <a:latin typeface="+mn-lt"/>
+              <a:ea typeface="+mn-ea"/>
+              <a:cs typeface="+mn-cs"/>
+            </a:defRPr>
+          </a:pPr>
+          <a:endParaRPr lang="en-US"/>
+        </a:p>
+      </c:txPr>
+    </c:title>
+    <c:autoTitleDeleted val="0"/>
     <c:plotArea>
-      <c:layout>
-        <c:manualLayout>
-          <c:layoutTarget val="inner"/>
-          <c:xMode val="edge"/>
-          <c:yMode val="edge"/>
-          <c:x val="0.10213744999840192"/>
-          <c:y val="7.9171992246663173E-2"/>
-          <c:w val="0.77410356077760323"/>
-          <c:h val="0.81318966414838345"/>
-        </c:manualLayout>
-      </c:layout>
+      <c:layout/>
       <c:lineChart>
-        <c:grouping val="stacked"/>
+        <c:grouping val="standard"/>
         <c:varyColors val="0"/>
         <c:ser>
-          <c:idx val="0"/>
+          <c:idx val="1"/>
           <c:order val="0"/>
           <c:tx>
             <c:strRef>
@@ -195,7 +294,141 @@
               <c:strCache>
                 <c:ptCount val="1"/>
                 <c:pt idx="0">
-                  <c:v>Гаусс</c:v>
+                  <c:v>Гаусс сызықты</c:v>
+                </c:pt>
+              </c:strCache>
+            </c:strRef>
+          </c:tx>
+          <c:spPr>
+            <a:ln w="28575" cap="rnd">
+              <a:solidFill>
+                <a:schemeClr val="accent2"/>
+              </a:solidFill>
+              <a:round/>
+            </a:ln>
+            <a:effectLst/>
+          </c:spPr>
+          <c:marker>
+            <c:symbol val="none"/>
+          </c:marker>
+          <c:cat>
+            <c:strRef>
+              <c:f>Лист1!$A$2:$A$15</c:f>
+              <c:strCache>
+                <c:ptCount val="14"/>
+                <c:pt idx="0">
+                  <c:v>100x100</c:v>
+                </c:pt>
+                <c:pt idx="1">
+                  <c:v>500x500</c:v>
+                </c:pt>
+                <c:pt idx="2">
+                  <c:v>1000x1000</c:v>
+                </c:pt>
+                <c:pt idx="3">
+                  <c:v>1500x1500</c:v>
+                </c:pt>
+                <c:pt idx="4">
+                  <c:v>2000x2000</c:v>
+                </c:pt>
+                <c:pt idx="5">
+                  <c:v>2500x2500</c:v>
+                </c:pt>
+                <c:pt idx="6">
+                  <c:v>3000x3000</c:v>
+                </c:pt>
+                <c:pt idx="7">
+                  <c:v>3500x3500</c:v>
+                </c:pt>
+                <c:pt idx="8">
+                  <c:v>4000x4000</c:v>
+                </c:pt>
+                <c:pt idx="9">
+                  <c:v>4500x4500</c:v>
+                </c:pt>
+                <c:pt idx="10">
+                  <c:v>5000x5000</c:v>
+                </c:pt>
+                <c:pt idx="11">
+                  <c:v>5500x5500</c:v>
+                </c:pt>
+                <c:pt idx="12">
+                  <c:v>6000x6000</c:v>
+                </c:pt>
+                <c:pt idx="13">
+                  <c:v>6500x6500</c:v>
+                </c:pt>
+              </c:strCache>
+            </c:strRef>
+          </c:cat>
+          <c:val>
+            <c:numRef>
+              <c:f>Лист1!$B$2:$B$15</c:f>
+              <c:numCache>
+                <c:formatCode>General</c:formatCode>
+                <c:ptCount val="14"/>
+                <c:pt idx="0">
+                  <c:v>2.4130000000000002E-3</c:v>
+                </c:pt>
+                <c:pt idx="1">
+                  <c:v>0.181258</c:v>
+                </c:pt>
+                <c:pt idx="2">
+                  <c:v>1.207951</c:v>
+                </c:pt>
+                <c:pt idx="3">
+                  <c:v>4.0654909999999997</c:v>
+                </c:pt>
+                <c:pt idx="4">
+                  <c:v>9.8244959999999999</c:v>
+                </c:pt>
+                <c:pt idx="5">
+                  <c:v>19.539286000000001</c:v>
+                </c:pt>
+                <c:pt idx="6">
+                  <c:v>35.40493</c:v>
+                </c:pt>
+                <c:pt idx="7">
+                  <c:v>53.709325</c:v>
+                </c:pt>
+                <c:pt idx="8">
+                  <c:v>65.554631000000001</c:v>
+                </c:pt>
+                <c:pt idx="9">
+                  <c:v>98.951352999999997</c:v>
+                </c:pt>
+                <c:pt idx="10">
+                  <c:v>133.10032899999999</c:v>
+                </c:pt>
+                <c:pt idx="11">
+                  <c:v>177.68724399999999</c:v>
+                </c:pt>
+                <c:pt idx="12">
+                  <c:v>225.46875299999999</c:v>
+                </c:pt>
+                <c:pt idx="13">
+                  <c:v>294.43813799999998</c:v>
+                </c:pt>
+              </c:numCache>
+            </c:numRef>
+          </c:val>
+          <c:smooth val="0"/>
+          <c:extLst>
+            <c:ext xmlns:c16="http://schemas.microsoft.com/office/drawing/2014/chart" uri="{C3380CC4-5D6E-409C-BE32-E72D297353CC}">
+              <c16:uniqueId val="{00000000-FE67-475D-8C59-5B4A6778C7E0}"/>
+            </c:ext>
+          </c:extLst>
+        </c:ser>
+        <c:ser>
+          <c:idx val="0"/>
+          <c:order val="1"/>
+          <c:tx>
+            <c:strRef>
+              <c:f>Лист1!$I$1</c:f>
+              <c:strCache>
+                <c:ptCount val="1"/>
+                <c:pt idx="0">
+                  <c:v>CG сызықты</c:v>
                 </c:pt>
               </c:strCache>
             </c:strRef>
@@ -210,153 +443,113 @@
             <a:effectLst/>
           </c:spPr>
           <c:marker>
-            <c:symbol val="circle"/>
-            <c:size val="5"/>
-            <c:spPr>
-              <a:solidFill>
-                <a:schemeClr val="accent1"/>
-              </a:solidFill>
-              <a:ln w="9525">
-                <a:solidFill>
-                  <a:schemeClr val="accent1"/>
-                </a:solidFill>
-              </a:ln>
-              <a:effectLst/>
-            </c:spPr>
+            <c:symbol val="none"/>
           </c:marker>
           <c:cat>
-            <c:numRef>
-              <c:f>Лист1!$A$2:$A$5</c:f>
-              <c:numCache>
-                <c:formatCode>General</c:formatCode>
-                <c:ptCount val="4"/>
+            <c:strRef>
+              <c:f>Лист1!$A$2:$A$15</c:f>
+              <c:strCache>
+                <c:ptCount val="14"/>
                 <c:pt idx="0">
-                  <c:v>1000</c:v>
+                  <c:v>100x100</c:v>
                 </c:pt>
                 <c:pt idx="1">
-                  <c:v>2000</c:v>
+                  <c:v>500x500</c:v>
                 </c:pt>
                 <c:pt idx="2">
-                  <c:v>3000</c:v>
+                  <c:v>1000x1000</c:v>
                 </c:pt>
                 <c:pt idx="3">
-                  <c:v>4000</c:v>
-                </c:pt>
-              </c:numCache>
-            </c:numRef>
+                  <c:v>1500x1500</c:v>
+                </c:pt>
+                <c:pt idx="4">
+                  <c:v>2000x2000</c:v>
+                </c:pt>
+                <c:pt idx="5">
+                  <c:v>2500x2500</c:v>
+                </c:pt>
+                <c:pt idx="6">
+                  <c:v>3000x3000</c:v>
+                </c:pt>
+                <c:pt idx="7">
+                  <c:v>3500x3500</c:v>
+                </c:pt>
+                <c:pt idx="8">
+                  <c:v>4000x4000</c:v>
+                </c:pt>
+                <c:pt idx="9">
+                  <c:v>4500x4500</c:v>
+                </c:pt>
+                <c:pt idx="10">
+                  <c:v>5000x5000</c:v>
+                </c:pt>
+                <c:pt idx="11">
+                  <c:v>5500x5500</c:v>
+                </c:pt>
+                <c:pt idx="12">
+                  <c:v>6000x6000</c:v>
+                </c:pt>
+                <c:pt idx="13">
+                  <c:v>6500x6500</c:v>
+                </c:pt>
+              </c:strCache>
+            </c:strRef>
           </c:cat>
           <c:val>
             <c:numRef>
-              <c:f>Лист1!$B$2:$B$5</c:f>
+              <c:f>Лист1!$I$2:$I$15</c:f>
               <c:numCache>
                 <c:formatCode>General</c:formatCode>
-                <c:ptCount val="4"/>
+                <c:ptCount val="14"/>
                 <c:pt idx="0">
-                  <c:v>1</c:v>
+                  <c:v>9.0109999999999999E-3</c:v>
                 </c:pt>
                 <c:pt idx="1">
-                  <c:v>5</c:v>
+                  <c:v>0.78839499999999996</c:v>
                 </c:pt>
                 <c:pt idx="2">
-                  <c:v>7</c:v>
+                  <c:v>6.5381929999999997</c:v>
                 </c:pt>
                 <c:pt idx="3">
-                  <c:v>10</c:v>
+                  <c:v>22.277898</c:v>
+                </c:pt>
+                <c:pt idx="4">
+                  <c:v>57.832872999999999</c:v>
+                </c:pt>
+                <c:pt idx="5">
+                  <c:v>114.741939</c:v>
+                </c:pt>
+                <c:pt idx="6">
+                  <c:v>206.316068</c:v>
+                </c:pt>
+                <c:pt idx="7">
+                  <c:v>293.075289</c:v>
+                </c:pt>
+                <c:pt idx="8">
+                  <c:v>411.58971400000001</c:v>
+                </c:pt>
+                <c:pt idx="9">
+                  <c:v>583.762562</c:v>
+                </c:pt>
+                <c:pt idx="10">
+                  <c:v>812.65298700000005</c:v>
+                </c:pt>
+                <c:pt idx="11">
+                  <c:v>1114.021628</c:v>
+                </c:pt>
+                <c:pt idx="12">
+                  <c:v>1454.705676</c:v>
+                </c:pt>
+                <c:pt idx="13">
+                  <c:v>1882.174031</c:v>
                 </c:pt>
               </c:numCache>
             </c:numRef>
           </c:val>
           <c:smooth val="0"/>
-          <c:extLst xmlns:c16r2="http://schemas.microsoft.com/office/drawing/2015/06/chart">
+          <c:extLst>
             <c:ext xmlns:c16="http://schemas.microsoft.com/office/drawing/2014/chart" uri="{C3380CC4-5D6E-409C-BE32-E72D297353CC}">
-              <c16:uniqueId val="{00000000-FEDA-49A1-B04A-2387A934BC79}"/>
-            </c:ext>
-          </c:extLst>
-        </c:ser>
-        <c:ser>
-          <c:idx val="1"/>
-          <c:order val="1"/>
-          <c:tx>
-            <c:strRef>
-              <c:f>Лист1!$C$1</c:f>
-              <c:strCache>
-                <c:ptCount val="1"/>
-                <c:pt idx="0">
-                  <c:v>CG</c:v>
-                </c:pt>
-              </c:strCache>
-            </c:strRef>
-          </c:tx>
-          <c:spPr>
-            <a:ln w="28575" cap="rnd">
-              <a:solidFill>
-                <a:schemeClr val="accent2"/>
-              </a:solidFill>
-              <a:round/>
-            </a:ln>
-            <a:effectLst/>
-          </c:spPr>
-          <c:marker>
-            <c:symbol val="circle"/>
-            <c:size val="5"/>
-            <c:spPr>
-              <a:solidFill>
-                <a:schemeClr val="accent2"/>
-              </a:solidFill>
-              <a:ln w="9525">
-                <a:solidFill>
-                  <a:schemeClr val="accent2"/>
-                </a:solidFill>
-              </a:ln>
-              <a:effectLst/>
-            </c:spPr>
-          </c:marker>
-          <c:cat>
-            <c:numRef>
-              <c:f>Лист1!$A$2:$A$5</c:f>
-              <c:numCache>
-                <c:formatCode>General</c:formatCode>
-                <c:ptCount val="4"/>
-                <c:pt idx="0">
-                  <c:v>1000</c:v>
-                </c:pt>
-                <c:pt idx="1">
-                  <c:v>2000</c:v>
-                </c:pt>
-                <c:pt idx="2">
-                  <c:v>3000</c:v>
-                </c:pt>
-                <c:pt idx="3">
-                  <c:v>4000</c:v>
-                </c:pt>
-              </c:numCache>
-            </c:numRef>
-          </c:cat>
-          <c:val>
-            <c:numRef>
-              <c:f>Лист1!$C$2:$C$5</c:f>
-              <c:numCache>
-                <c:formatCode>General</c:formatCode>
-                <c:ptCount val="4"/>
-                <c:pt idx="0">
-                  <c:v>5</c:v>
-                </c:pt>
-                <c:pt idx="1">
-                  <c:v>10</c:v>
-                </c:pt>
-                <c:pt idx="2">
-                  <c:v>20</c:v>
-                </c:pt>
-                <c:pt idx="3">
-                  <c:v>30</c:v>
-                </c:pt>
-              </c:numCache>
-            </c:numRef>
-          </c:val>
-          <c:smooth val="0"/>
-          <c:extLst xmlns:c16r2="http://schemas.microsoft.com/office/drawing/2015/06/chart">
-            <c:ext xmlns:c16="http://schemas.microsoft.com/office/drawing/2014/chart" uri="{C3380CC4-5D6E-409C-BE32-E72D297353CC}">
-              <c16:uniqueId val="{00000001-FEDA-49A1-B04A-2387A934BC79}"/>
+              <c16:uniqueId val="{00000001-FE67-475D-8C59-5B4A6778C7E0}"/>
             </c:ext>
           </c:extLst>
         </c:ser>
@@ -368,18 +561,31 @@
           <c:showPercent val="0"/>
           <c:showBubbleSize val="0"/>
         </c:dLbls>
-        <c:marker val="1"/>
         <c:smooth val="0"/>
-        <c:axId val="675907120"/>
-        <c:axId val="675909840"/>
+        <c:axId val="855560800"/>
+        <c:axId val="855571136"/>
       </c:lineChart>
       <c:catAx>
-        <c:axId val="675907120"/>
+        <c:axId val="855560800"/>
         <c:scaling>
           <c:orientation val="minMax"/>
         </c:scaling>
         <c:delete val="0"/>
         <c:axPos val="b"/>
+        <c:majorGridlines>
+          <c:spPr>
+            <a:ln w="9525" cap="flat" cmpd="sng" algn="ctr">
+              <a:solidFill>
+                <a:schemeClr val="tx1">
+                  <a:lumMod val="15000"/>
+                  <a:lumOff val="85000"/>
+                </a:schemeClr>
+              </a:solidFill>
+              <a:round/>
+            </a:ln>
+            <a:effectLst/>
+          </c:spPr>
+        </c:majorGridlines>
         <c:numFmt formatCode="General" sourceLinked="1"/>
         <c:majorTickMark val="none"/>
         <c:minorTickMark val="none"/>
@@ -402,7 +608,7 @@
           <a:lstStyle/>
           <a:p>
             <a:pPr>
-              <a:defRPr sz="1197" b="0" i="0" u="none" strike="noStrike" kern="1200" baseline="0">
+              <a:defRPr sz="900" b="0" i="0" u="none" strike="noStrike" kern="1200" baseline="0">
                 <a:solidFill>
                   <a:schemeClr val="tx1">
                     <a:lumMod val="65000"/>
@@ -414,10 +620,10 @@
                 <a:cs typeface="+mn-cs"/>
               </a:defRPr>
             </a:pPr>
-            <a:endParaRPr lang="ru-RU"/>
+            <a:endParaRPr lang="en-US"/>
           </a:p>
         </c:txPr>
-        <c:crossAx val="675909840"/>
+        <c:crossAx val="855571136"/>
         <c:crosses val="autoZero"/>
         <c:auto val="1"/>
         <c:lblAlgn val="ctr"/>
@@ -425,7 +631,7 @@
         <c:noMultiLvlLbl val="0"/>
       </c:catAx>
       <c:valAx>
-        <c:axId val="675909840"/>
+        <c:axId val="855571136"/>
         <c:scaling>
           <c:orientation val="minMax"/>
         </c:scaling>
@@ -461,7 +667,7 @@
           <a:lstStyle/>
           <a:p>
             <a:pPr>
-              <a:defRPr sz="1197" b="0" i="0" u="none" strike="noStrike" kern="1200" baseline="0">
+              <a:defRPr sz="900" b="0" i="0" u="none" strike="noStrike" kern="1200" baseline="0">
                 <a:solidFill>
                   <a:schemeClr val="tx1">
                     <a:lumMod val="65000"/>
@@ -473,12 +679,12 @@
                 <a:cs typeface="+mn-cs"/>
               </a:defRPr>
             </a:pPr>
-            <a:endParaRPr lang="ru-RU"/>
+            <a:endParaRPr lang="en-US"/>
           </a:p>
         </c:txPr>
-        <c:crossAx val="675907120"/>
+        <c:crossAx val="855560800"/>
         <c:crosses val="autoZero"/>
-        <c:crossBetween val="between"/>
+        <c:crossBetween val="midCat"/>
       </c:valAx>
       <c:spPr>
         <a:noFill/>
@@ -504,7 +710,7 @@
         <a:lstStyle/>
         <a:p>
           <a:pPr>
-            <a:defRPr sz="1197" b="0" i="0" u="none" strike="noStrike" kern="1200" baseline="0">
+            <a:defRPr sz="900" b="0" i="0" u="none" strike="noStrike" kern="1200" baseline="0">
               <a:solidFill>
                 <a:schemeClr val="tx1">
                   <a:lumMod val="65000"/>
@@ -516,12 +722,12 @@
               <a:cs typeface="+mn-cs"/>
             </a:defRPr>
           </a:pPr>
-          <a:endParaRPr lang="ru-RU"/>
+          <a:endParaRPr lang="en-US"/>
         </a:p>
       </c:txPr>
     </c:legend>
     <c:plotVisOnly val="1"/>
-    <c:dispBlanksAs val="zero"/>
+    <c:dispBlanksAs val="gap"/>
     <c:showDLblsOverMax val="0"/>
   </c:chart>
   <c:spPr>
@@ -538,7 +744,2224 @@
       <a:pPr>
         <a:defRPr/>
       </a:pPr>
-      <a:endParaRPr lang="ru-RU"/>
+      <a:endParaRPr lang="en-US"/>
+    </a:p>
+  </c:txPr>
+  <c:externalData r:id="rId3">
+    <c:autoUpdate val="0"/>
+  </c:externalData>
+</c:chartSpace>
+</file>
+
+<file path=ppt/charts/chart2.xml><?xml version="1.0" encoding="utf-8"?>
+<c:chartSpace xmlns:c="http://schemas.openxmlformats.org/drawingml/2006/chart" xmlns:a="http://schemas.openxmlformats.org/drawingml/2006/main" xmlns:r="http://schemas.openxmlformats.org/officeDocument/2006/relationships" xmlns:c16r2="http://schemas.microsoft.com/office/drawing/2015/06/chart">
+  <c:date1904 val="0"/>
+  <c:lang val="ru-RU"/>
+  <c:roundedCorners val="0"/>
+  <mc:AlternateContent xmlns:mc="http://schemas.openxmlformats.org/markup-compatibility/2006">
+    <mc:Choice xmlns:c14="http://schemas.microsoft.com/office/drawing/2007/8/2/chart" Requires="c14">
+      <c14:style val="102"/>
+    </mc:Choice>
+    <mc:Fallback>
+      <c:style val="2"/>
+    </mc:Fallback>
+  </mc:AlternateContent>
+  <c:chart>
+    <c:title>
+      <c:tx>
+        <c:rich>
+          <a:bodyPr rot="0" spcFirstLastPara="1" vertOverflow="ellipsis" vert="horz" wrap="square" anchor="ctr" anchorCtr="1"/>
+          <a:lstStyle/>
+          <a:p>
+            <a:pPr>
+              <a:defRPr sz="1400" b="0" i="0" u="none" strike="noStrike" kern="1200" spc="0" baseline="0">
+                <a:solidFill>
+                  <a:schemeClr val="tx1">
+                    <a:lumMod val="65000"/>
+                    <a:lumOff val="35000"/>
+                  </a:schemeClr>
+                </a:solidFill>
+                <a:latin typeface="+mn-lt"/>
+                <a:ea typeface="+mn-ea"/>
+                <a:cs typeface="+mn-cs"/>
+              </a:defRPr>
+            </a:pPr>
+            <a:r>
+              <a:rPr lang="en-US"/>
+              <a:t>Gauss </a:t>
+            </a:r>
+            <a:r>
+              <a:rPr lang="ru-RU"/>
+              <a:t>параллель</a:t>
+            </a:r>
+            <a:r>
+              <a:rPr lang="ru-RU" baseline="0"/>
+              <a:t> есептеулерді сызықты есептеумен салыстыру</a:t>
+            </a:r>
+            <a:endParaRPr lang="ru-RU"/>
+          </a:p>
+        </c:rich>
+      </c:tx>
+      <c:layout>
+        <c:manualLayout>
+          <c:xMode val="edge"/>
+          <c:yMode val="edge"/>
+          <c:x val="0.14354701071154483"/>
+          <c:y val="2.0997375328083989E-2"/>
+        </c:manualLayout>
+      </c:layout>
+      <c:overlay val="0"/>
+      <c:spPr>
+        <a:noFill/>
+        <a:ln>
+          <a:noFill/>
+        </a:ln>
+        <a:effectLst/>
+      </c:spPr>
+      <c:txPr>
+        <a:bodyPr rot="0" spcFirstLastPara="1" vertOverflow="ellipsis" vert="horz" wrap="square" anchor="ctr" anchorCtr="1"/>
+        <a:lstStyle/>
+        <a:p>
+          <a:pPr>
+            <a:defRPr sz="1400" b="0" i="0" u="none" strike="noStrike" kern="1200" spc="0" baseline="0">
+              <a:solidFill>
+                <a:schemeClr val="tx1">
+                  <a:lumMod val="65000"/>
+                  <a:lumOff val="35000"/>
+                </a:schemeClr>
+              </a:solidFill>
+              <a:latin typeface="+mn-lt"/>
+              <a:ea typeface="+mn-ea"/>
+              <a:cs typeface="+mn-cs"/>
+            </a:defRPr>
+          </a:pPr>
+          <a:endParaRPr lang="en-US"/>
+        </a:p>
+      </c:txPr>
+    </c:title>
+    <c:autoTitleDeleted val="0"/>
+    <c:plotArea>
+      <c:layout/>
+      <c:lineChart>
+        <c:grouping val="standard"/>
+        <c:varyColors val="0"/>
+        <c:ser>
+          <c:idx val="1"/>
+          <c:order val="0"/>
+          <c:tx>
+            <c:strRef>
+              <c:f>Gauss!$C$1</c:f>
+              <c:strCache>
+                <c:ptCount val="1"/>
+                <c:pt idx="0">
+                  <c:v>S(2)</c:v>
+                </c:pt>
+              </c:strCache>
+            </c:strRef>
+          </c:tx>
+          <c:spPr>
+            <a:ln w="28575" cap="rnd">
+              <a:solidFill>
+                <a:schemeClr val="accent2"/>
+              </a:solidFill>
+              <a:round/>
+            </a:ln>
+            <a:effectLst/>
+          </c:spPr>
+          <c:marker>
+            <c:symbol val="none"/>
+          </c:marker>
+          <c:cat>
+            <c:strRef>
+              <c:f>Gauss!$A$2:$A$15</c:f>
+              <c:strCache>
+                <c:ptCount val="14"/>
+                <c:pt idx="0">
+                  <c:v>100x100</c:v>
+                </c:pt>
+                <c:pt idx="1">
+                  <c:v>500x500</c:v>
+                </c:pt>
+                <c:pt idx="2">
+                  <c:v>1000x1000</c:v>
+                </c:pt>
+                <c:pt idx="3">
+                  <c:v>1500x1500</c:v>
+                </c:pt>
+                <c:pt idx="4">
+                  <c:v>2000x2000</c:v>
+                </c:pt>
+                <c:pt idx="5">
+                  <c:v>2500x2500</c:v>
+                </c:pt>
+                <c:pt idx="6">
+                  <c:v>3000x3000</c:v>
+                </c:pt>
+                <c:pt idx="7">
+                  <c:v>3500x3500</c:v>
+                </c:pt>
+                <c:pt idx="8">
+                  <c:v>4000x4000</c:v>
+                </c:pt>
+                <c:pt idx="9">
+                  <c:v>4500x4500</c:v>
+                </c:pt>
+                <c:pt idx="10">
+                  <c:v>5000x5000</c:v>
+                </c:pt>
+                <c:pt idx="11">
+                  <c:v>5500x5500</c:v>
+                </c:pt>
+                <c:pt idx="12">
+                  <c:v>6000x6000</c:v>
+                </c:pt>
+                <c:pt idx="13">
+                  <c:v>6500x6500</c:v>
+                </c:pt>
+              </c:strCache>
+            </c:strRef>
+          </c:cat>
+          <c:val>
+            <c:numRef>
+              <c:f>Gauss!$C$2:$C$15</c:f>
+              <c:numCache>
+                <c:formatCode>General</c:formatCode>
+                <c:ptCount val="14"/>
+                <c:pt idx="0">
+                  <c:v>0.65269137138220179</c:v>
+                </c:pt>
+                <c:pt idx="1">
+                  <c:v>2.2489422683226423</c:v>
+                </c:pt>
+                <c:pt idx="2">
+                  <c:v>1.8817341319604008</c:v>
+                </c:pt>
+                <c:pt idx="3">
+                  <c:v>2.0246882530968011</c:v>
+                </c:pt>
+                <c:pt idx="4">
+                  <c:v>1.7503007732183296</c:v>
+                </c:pt>
+                <c:pt idx="5">
+                  <c:v>1.9062331222937134</c:v>
+                </c:pt>
+                <c:pt idx="6">
+                  <c:v>1.9650914045438799</c:v>
+                </c:pt>
+                <c:pt idx="7">
+                  <c:v>2.0143731134704899</c:v>
+                </c:pt>
+                <c:pt idx="8">
+                  <c:v>1.8588605765622206</c:v>
+                </c:pt>
+                <c:pt idx="9">
+                  <c:v>1.9812046813134188</c:v>
+                </c:pt>
+                <c:pt idx="10">
+                  <c:v>1.9992370323513</c:v>
+                </c:pt>
+                <c:pt idx="11">
+                  <c:v>1.9596719527309514</c:v>
+                </c:pt>
+                <c:pt idx="12">
+                  <c:v>1.941301200078968</c:v>
+                </c:pt>
+                <c:pt idx="13">
+                  <c:v>1.962494849284921</c:v>
+                </c:pt>
+              </c:numCache>
+            </c:numRef>
+          </c:val>
+          <c:smooth val="0"/>
+          <c:extLst>
+            <c:ext xmlns:c16="http://schemas.microsoft.com/office/drawing/2014/chart" uri="{C3380CC4-5D6E-409C-BE32-E72D297353CC}">
+              <c16:uniqueId val="{00000000-E998-4C97-9A4D-3022BCDC9E25}"/>
+            </c:ext>
+          </c:extLst>
+        </c:ser>
+        <c:ser>
+          <c:idx val="2"/>
+          <c:order val="1"/>
+          <c:tx>
+            <c:strRef>
+              <c:f>Gauss!$D$1</c:f>
+              <c:strCache>
+                <c:ptCount val="1"/>
+                <c:pt idx="0">
+                  <c:v>S(4)</c:v>
+                </c:pt>
+              </c:strCache>
+            </c:strRef>
+          </c:tx>
+          <c:spPr>
+            <a:ln w="28575" cap="rnd">
+              <a:solidFill>
+                <a:schemeClr val="accent3"/>
+              </a:solidFill>
+              <a:round/>
+            </a:ln>
+            <a:effectLst/>
+          </c:spPr>
+          <c:marker>
+            <c:symbol val="none"/>
+          </c:marker>
+          <c:cat>
+            <c:strRef>
+              <c:f>Gauss!$A$2:$A$15</c:f>
+              <c:strCache>
+                <c:ptCount val="14"/>
+                <c:pt idx="0">
+                  <c:v>100x100</c:v>
+                </c:pt>
+                <c:pt idx="1">
+                  <c:v>500x500</c:v>
+                </c:pt>
+                <c:pt idx="2">
+                  <c:v>1000x1000</c:v>
+                </c:pt>
+                <c:pt idx="3">
+                  <c:v>1500x1500</c:v>
+                </c:pt>
+                <c:pt idx="4">
+                  <c:v>2000x2000</c:v>
+                </c:pt>
+                <c:pt idx="5">
+                  <c:v>2500x2500</c:v>
+                </c:pt>
+                <c:pt idx="6">
+                  <c:v>3000x3000</c:v>
+                </c:pt>
+                <c:pt idx="7">
+                  <c:v>3500x3500</c:v>
+                </c:pt>
+                <c:pt idx="8">
+                  <c:v>4000x4000</c:v>
+                </c:pt>
+                <c:pt idx="9">
+                  <c:v>4500x4500</c:v>
+                </c:pt>
+                <c:pt idx="10">
+                  <c:v>5000x5000</c:v>
+                </c:pt>
+                <c:pt idx="11">
+                  <c:v>5500x5500</c:v>
+                </c:pt>
+                <c:pt idx="12">
+                  <c:v>6000x6000</c:v>
+                </c:pt>
+                <c:pt idx="13">
+                  <c:v>6500x6500</c:v>
+                </c:pt>
+              </c:strCache>
+            </c:strRef>
+          </c:cat>
+          <c:val>
+            <c:numRef>
+              <c:f>Gauss!$D$2:$D$15</c:f>
+              <c:numCache>
+                <c:formatCode>General</c:formatCode>
+                <c:ptCount val="14"/>
+                <c:pt idx="0">
+                  <c:v>0.40829103214890017</c:v>
+                </c:pt>
+                <c:pt idx="1">
+                  <c:v>2.8868714861356652</c:v>
+                </c:pt>
+                <c:pt idx="2">
+                  <c:v>3.1678975112113505</c:v>
+                </c:pt>
+                <c:pt idx="3">
+                  <c:v>3.2794469253554119</c:v>
+                </c:pt>
+                <c:pt idx="4">
+                  <c:v>3.219925824834915</c:v>
+                </c:pt>
+                <c:pt idx="5">
+                  <c:v>3.34977870765821</c:v>
+                </c:pt>
+                <c:pt idx="6">
+                  <c:v>3.3931352439966642</c:v>
+                </c:pt>
+                <c:pt idx="7">
+                  <c:v>3.6298727480786641</c:v>
+                </c:pt>
+                <c:pt idx="8">
+                  <c:v>3.3841612206857739</c:v>
+                </c:pt>
+                <c:pt idx="9">
+                  <c:v>3.6079826737524363</c:v>
+                </c:pt>
+                <c:pt idx="10">
+                  <c:v>3.5032622502737518</c:v>
+                </c:pt>
+                <c:pt idx="11">
+                  <c:v>3.540052664305001</c:v>
+                </c:pt>
+                <c:pt idx="12">
+                  <c:v>3.4210958649863961</c:v>
+                </c:pt>
+                <c:pt idx="13">
+                  <c:v>3.5193188447018184</c:v>
+                </c:pt>
+              </c:numCache>
+            </c:numRef>
+          </c:val>
+          <c:smooth val="0"/>
+          <c:extLst>
+            <c:ext xmlns:c16="http://schemas.microsoft.com/office/drawing/2014/chart" uri="{C3380CC4-5D6E-409C-BE32-E72D297353CC}">
+              <c16:uniqueId val="{00000001-E998-4C97-9A4D-3022BCDC9E25}"/>
+            </c:ext>
+          </c:extLst>
+        </c:ser>
+        <c:ser>
+          <c:idx val="3"/>
+          <c:order val="2"/>
+          <c:tx>
+            <c:strRef>
+              <c:f>Gauss!$E$1</c:f>
+              <c:strCache>
+                <c:ptCount val="1"/>
+                <c:pt idx="0">
+                  <c:v>S(6)</c:v>
+                </c:pt>
+              </c:strCache>
+            </c:strRef>
+          </c:tx>
+          <c:spPr>
+            <a:ln w="28575" cap="rnd">
+              <a:solidFill>
+                <a:schemeClr val="accent4"/>
+              </a:solidFill>
+              <a:round/>
+            </a:ln>
+            <a:effectLst/>
+          </c:spPr>
+          <c:marker>
+            <c:symbol val="none"/>
+          </c:marker>
+          <c:cat>
+            <c:strRef>
+              <c:f>Gauss!$A$2:$A$15</c:f>
+              <c:strCache>
+                <c:ptCount val="14"/>
+                <c:pt idx="0">
+                  <c:v>100x100</c:v>
+                </c:pt>
+                <c:pt idx="1">
+                  <c:v>500x500</c:v>
+                </c:pt>
+                <c:pt idx="2">
+                  <c:v>1000x1000</c:v>
+                </c:pt>
+                <c:pt idx="3">
+                  <c:v>1500x1500</c:v>
+                </c:pt>
+                <c:pt idx="4">
+                  <c:v>2000x2000</c:v>
+                </c:pt>
+                <c:pt idx="5">
+                  <c:v>2500x2500</c:v>
+                </c:pt>
+                <c:pt idx="6">
+                  <c:v>3000x3000</c:v>
+                </c:pt>
+                <c:pt idx="7">
+                  <c:v>3500x3500</c:v>
+                </c:pt>
+                <c:pt idx="8">
+                  <c:v>4000x4000</c:v>
+                </c:pt>
+                <c:pt idx="9">
+                  <c:v>4500x4500</c:v>
+                </c:pt>
+                <c:pt idx="10">
+                  <c:v>5000x5000</c:v>
+                </c:pt>
+                <c:pt idx="11">
+                  <c:v>5500x5500</c:v>
+                </c:pt>
+                <c:pt idx="12">
+                  <c:v>6000x6000</c:v>
+                </c:pt>
+                <c:pt idx="13">
+                  <c:v>6500x6500</c:v>
+                </c:pt>
+              </c:strCache>
+            </c:strRef>
+          </c:cat>
+          <c:val>
+            <c:numRef>
+              <c:f>Gauss!$E$2:$E$15</c:f>
+              <c:numCache>
+                <c:formatCode>General</c:formatCode>
+                <c:ptCount val="14"/>
+                <c:pt idx="0">
+                  <c:v>0.51515798462852269</c:v>
+                </c:pt>
+                <c:pt idx="1">
+                  <c:v>2.7787521079258011</c:v>
+                </c:pt>
+                <c:pt idx="2">
+                  <c:v>3.7319527431583239</c:v>
+                </c:pt>
+                <c:pt idx="3">
+                  <c:v>4.1124469189202308</c:v>
+                </c:pt>
+                <c:pt idx="4">
+                  <c:v>4.0136253741135874</c:v>
+                </c:pt>
+                <c:pt idx="5">
+                  <c:v>4.2628624138151467</c:v>
+                </c:pt>
+                <c:pt idx="6">
+                  <c:v>4.2258734732427854</c:v>
+                </c:pt>
+                <c:pt idx="7">
+                  <c:v>4.9580041340913725</c:v>
+                </c:pt>
+                <c:pt idx="8">
+                  <c:v>4.6159388409833744</c:v>
+                </c:pt>
+                <c:pt idx="9">
+                  <c:v>4.8466898589483147</c:v>
+                </c:pt>
+                <c:pt idx="10">
+                  <c:v>4.7407715819976213</c:v>
+                </c:pt>
+                <c:pt idx="11">
+                  <c:v>4.7249581510701226</c:v>
+                </c:pt>
+                <c:pt idx="12">
+                  <c:v>4.6397857978060832</c:v>
+                </c:pt>
+                <c:pt idx="13">
+                  <c:v>4.7489171282753304</c:v>
+                </c:pt>
+              </c:numCache>
+            </c:numRef>
+          </c:val>
+          <c:smooth val="0"/>
+          <c:extLst>
+            <c:ext xmlns:c16="http://schemas.microsoft.com/office/drawing/2014/chart" uri="{C3380CC4-5D6E-409C-BE32-E72D297353CC}">
+              <c16:uniqueId val="{00000002-E998-4C97-9A4D-3022BCDC9E25}"/>
+            </c:ext>
+          </c:extLst>
+        </c:ser>
+        <c:ser>
+          <c:idx val="4"/>
+          <c:order val="3"/>
+          <c:tx>
+            <c:strRef>
+              <c:f>Gauss!$F$1</c:f>
+              <c:strCache>
+                <c:ptCount val="1"/>
+                <c:pt idx="0">
+                  <c:v>S(8)</c:v>
+                </c:pt>
+              </c:strCache>
+            </c:strRef>
+          </c:tx>
+          <c:spPr>
+            <a:ln w="28575" cap="rnd">
+              <a:solidFill>
+                <a:schemeClr val="accent5"/>
+              </a:solidFill>
+              <a:round/>
+            </a:ln>
+            <a:effectLst/>
+          </c:spPr>
+          <c:marker>
+            <c:symbol val="none"/>
+          </c:marker>
+          <c:cat>
+            <c:strRef>
+              <c:f>Gauss!$A$2:$A$15</c:f>
+              <c:strCache>
+                <c:ptCount val="14"/>
+                <c:pt idx="0">
+                  <c:v>100x100</c:v>
+                </c:pt>
+                <c:pt idx="1">
+                  <c:v>500x500</c:v>
+                </c:pt>
+                <c:pt idx="2">
+                  <c:v>1000x1000</c:v>
+                </c:pt>
+                <c:pt idx="3">
+                  <c:v>1500x1500</c:v>
+                </c:pt>
+                <c:pt idx="4">
+                  <c:v>2000x2000</c:v>
+                </c:pt>
+                <c:pt idx="5">
+                  <c:v>2500x2500</c:v>
+                </c:pt>
+                <c:pt idx="6">
+                  <c:v>3000x3000</c:v>
+                </c:pt>
+                <c:pt idx="7">
+                  <c:v>3500x3500</c:v>
+                </c:pt>
+                <c:pt idx="8">
+                  <c:v>4000x4000</c:v>
+                </c:pt>
+                <c:pt idx="9">
+                  <c:v>4500x4500</c:v>
+                </c:pt>
+                <c:pt idx="10">
+                  <c:v>5000x5000</c:v>
+                </c:pt>
+                <c:pt idx="11">
+                  <c:v>5500x5500</c:v>
+                </c:pt>
+                <c:pt idx="12">
+                  <c:v>6000x6000</c:v>
+                </c:pt>
+                <c:pt idx="13">
+                  <c:v>6500x6500</c:v>
+                </c:pt>
+              </c:strCache>
+            </c:strRef>
+          </c:cat>
+          <c:val>
+            <c:numRef>
+              <c:f>Gauss!$F$2:$F$15</c:f>
+              <c:numCache>
+                <c:formatCode>General</c:formatCode>
+                <c:ptCount val="14"/>
+                <c:pt idx="0">
+                  <c:v>0.37691346454233055</c:v>
+                </c:pt>
+                <c:pt idx="1">
+                  <c:v>2.7872124492557506</c:v>
+                </c:pt>
+                <c:pt idx="2">
+                  <c:v>3.808312420394214</c:v>
+                </c:pt>
+                <c:pt idx="3">
+                  <c:v>4.1057395649552557</c:v>
+                </c:pt>
+                <c:pt idx="4">
+                  <c:v>3.9675280043097843</c:v>
+                </c:pt>
+                <c:pt idx="5">
+                  <c:v>4.2285962235567816</c:v>
+                </c:pt>
+                <c:pt idx="6">
+                  <c:v>4.1922568903587374</c:v>
+                </c:pt>
+                <c:pt idx="7">
+                  <c:v>4.8269805450736998</c:v>
+                </c:pt>
+                <c:pt idx="8">
+                  <c:v>4.4727062744190462</c:v>
+                </c:pt>
+                <c:pt idx="9">
+                  <c:v>4.7013405787943405</c:v>
+                </c:pt>
+                <c:pt idx="10">
+                  <c:v>4.676747228094202</c:v>
+                </c:pt>
+                <c:pt idx="11">
+                  <c:v>4.5928447801686518</c:v>
+                </c:pt>
+                <c:pt idx="12">
+                  <c:v>4.4764757387352541</c:v>
+                </c:pt>
+                <c:pt idx="13">
+                  <c:v>4.5303815750474898</c:v>
+                </c:pt>
+              </c:numCache>
+            </c:numRef>
+          </c:val>
+          <c:smooth val="0"/>
+          <c:extLst>
+            <c:ext xmlns:c16="http://schemas.microsoft.com/office/drawing/2014/chart" uri="{C3380CC4-5D6E-409C-BE32-E72D297353CC}">
+              <c16:uniqueId val="{00000003-E998-4C97-9A4D-3022BCDC9E25}"/>
+            </c:ext>
+          </c:extLst>
+        </c:ser>
+        <c:ser>
+          <c:idx val="0"/>
+          <c:order val="4"/>
+          <c:tx>
+            <c:strRef>
+              <c:f>Gauss!$G$1</c:f>
+              <c:strCache>
+                <c:ptCount val="1"/>
+                <c:pt idx="0">
+                  <c:v>S(10)</c:v>
+                </c:pt>
+              </c:strCache>
+            </c:strRef>
+          </c:tx>
+          <c:spPr>
+            <a:ln w="28575" cap="rnd">
+              <a:solidFill>
+                <a:schemeClr val="accent1"/>
+              </a:solidFill>
+              <a:round/>
+            </a:ln>
+            <a:effectLst/>
+          </c:spPr>
+          <c:marker>
+            <c:symbol val="none"/>
+          </c:marker>
+          <c:cat>
+            <c:strRef>
+              <c:f>Gauss!$A$2:$A$15</c:f>
+              <c:strCache>
+                <c:ptCount val="14"/>
+                <c:pt idx="0">
+                  <c:v>100x100</c:v>
+                </c:pt>
+                <c:pt idx="1">
+                  <c:v>500x500</c:v>
+                </c:pt>
+                <c:pt idx="2">
+                  <c:v>1000x1000</c:v>
+                </c:pt>
+                <c:pt idx="3">
+                  <c:v>1500x1500</c:v>
+                </c:pt>
+                <c:pt idx="4">
+                  <c:v>2000x2000</c:v>
+                </c:pt>
+                <c:pt idx="5">
+                  <c:v>2500x2500</c:v>
+                </c:pt>
+                <c:pt idx="6">
+                  <c:v>3000x3000</c:v>
+                </c:pt>
+                <c:pt idx="7">
+                  <c:v>3500x3500</c:v>
+                </c:pt>
+                <c:pt idx="8">
+                  <c:v>4000x4000</c:v>
+                </c:pt>
+                <c:pt idx="9">
+                  <c:v>4500x4500</c:v>
+                </c:pt>
+                <c:pt idx="10">
+                  <c:v>5000x5000</c:v>
+                </c:pt>
+                <c:pt idx="11">
+                  <c:v>5500x5500</c:v>
+                </c:pt>
+                <c:pt idx="12">
+                  <c:v>6000x6000</c:v>
+                </c:pt>
+                <c:pt idx="13">
+                  <c:v>6500x6500</c:v>
+                </c:pt>
+              </c:strCache>
+            </c:strRef>
+          </c:cat>
+          <c:val>
+            <c:numRef>
+              <c:f>Gauss!$G$2:$G$15</c:f>
+              <c:numCache>
+                <c:formatCode>General</c:formatCode>
+                <c:ptCount val="14"/>
+                <c:pt idx="0">
+                  <c:v>0.43020146193617403</c:v>
+                </c:pt>
+                <c:pt idx="1">
+                  <c:v>2.9399227949524769</c:v>
+                </c:pt>
+                <c:pt idx="2">
+                  <c:v>3.8809421304923344</c:v>
+                </c:pt>
+                <c:pt idx="3">
+                  <c:v>4.2284424881664711</c:v>
+                </c:pt>
+                <c:pt idx="4">
+                  <c:v>4.1118875850618446</c:v>
+                </c:pt>
+                <c:pt idx="5">
+                  <c:v>4.288391947887769</c:v>
+                </c:pt>
+                <c:pt idx="6">
+                  <c:v>4.2569766520510779</c:v>
+                </c:pt>
+                <c:pt idx="7">
+                  <c:v>4.7977788086298219</c:v>
+                </c:pt>
+                <c:pt idx="8">
+                  <c:v>4.5824972992787778</c:v>
+                </c:pt>
+                <c:pt idx="9">
+                  <c:v>4.7176271980290272</c:v>
+                </c:pt>
+                <c:pt idx="10">
+                  <c:v>4.6802480377642688</c:v>
+                </c:pt>
+                <c:pt idx="11">
+                  <c:v>4.6177571146826812</c:v>
+                </c:pt>
+                <c:pt idx="12">
+                  <c:v>4.4912688688567135</c:v>
+                </c:pt>
+                <c:pt idx="13">
+                  <c:v>4.599402648725321</c:v>
+                </c:pt>
+              </c:numCache>
+            </c:numRef>
+          </c:val>
+          <c:smooth val="0"/>
+          <c:extLst>
+            <c:ext xmlns:c16="http://schemas.microsoft.com/office/drawing/2014/chart" uri="{C3380CC4-5D6E-409C-BE32-E72D297353CC}">
+              <c16:uniqueId val="{00000004-E998-4C97-9A4D-3022BCDC9E25}"/>
+            </c:ext>
+          </c:extLst>
+        </c:ser>
+        <c:ser>
+          <c:idx val="5"/>
+          <c:order val="5"/>
+          <c:tx>
+            <c:strRef>
+              <c:f>Gauss!$H$1</c:f>
+              <c:strCache>
+                <c:ptCount val="1"/>
+                <c:pt idx="0">
+                  <c:v>S(12)</c:v>
+                </c:pt>
+              </c:strCache>
+            </c:strRef>
+          </c:tx>
+          <c:spPr>
+            <a:ln w="28575" cap="rnd">
+              <a:solidFill>
+                <a:schemeClr val="accent6"/>
+              </a:solidFill>
+              <a:round/>
+            </a:ln>
+            <a:effectLst/>
+          </c:spPr>
+          <c:marker>
+            <c:symbol val="none"/>
+          </c:marker>
+          <c:cat>
+            <c:strRef>
+              <c:f>Gauss!$A$2:$A$15</c:f>
+              <c:strCache>
+                <c:ptCount val="14"/>
+                <c:pt idx="0">
+                  <c:v>100x100</c:v>
+                </c:pt>
+                <c:pt idx="1">
+                  <c:v>500x500</c:v>
+                </c:pt>
+                <c:pt idx="2">
+                  <c:v>1000x1000</c:v>
+                </c:pt>
+                <c:pt idx="3">
+                  <c:v>1500x1500</c:v>
+                </c:pt>
+                <c:pt idx="4">
+                  <c:v>2000x2000</c:v>
+                </c:pt>
+                <c:pt idx="5">
+                  <c:v>2500x2500</c:v>
+                </c:pt>
+                <c:pt idx="6">
+                  <c:v>3000x3000</c:v>
+                </c:pt>
+                <c:pt idx="7">
+                  <c:v>3500x3500</c:v>
+                </c:pt>
+                <c:pt idx="8">
+                  <c:v>4000x4000</c:v>
+                </c:pt>
+                <c:pt idx="9">
+                  <c:v>4500x4500</c:v>
+                </c:pt>
+                <c:pt idx="10">
+                  <c:v>5000x5000</c:v>
+                </c:pt>
+                <c:pt idx="11">
+                  <c:v>5500x5500</c:v>
+                </c:pt>
+                <c:pt idx="12">
+                  <c:v>6000x6000</c:v>
+                </c:pt>
+                <c:pt idx="13">
+                  <c:v>6500x6500</c:v>
+                </c:pt>
+              </c:strCache>
+            </c:strRef>
+          </c:cat>
+          <c:val>
+            <c:numRef>
+              <c:f>Gauss!$H$2:$H$15</c:f>
+              <c:numCache>
+                <c:formatCode>General</c:formatCode>
+                <c:ptCount val="14"/>
+                <c:pt idx="0">
+                  <c:v>0.44718309859154937</c:v>
+                </c:pt>
+                <c:pt idx="1">
+                  <c:v>2.8347695531818395</c:v>
+                </c:pt>
+                <c:pt idx="2">
+                  <c:v>3.9463786913042198</c:v>
+                </c:pt>
+                <c:pt idx="3">
+                  <c:v>4.3172652763884196</c:v>
+                </c:pt>
+                <c:pt idx="4">
+                  <c:v>4.1528232827036282</c:v>
+                </c:pt>
+                <c:pt idx="5">
+                  <c:v>4.3448162380210213</c:v>
+                </c:pt>
+                <c:pt idx="6">
+                  <c:v>4.23346610296867</c:v>
+                </c:pt>
+                <c:pt idx="7">
+                  <c:v>4.6594769625831756</c:v>
+                </c:pt>
+                <c:pt idx="8">
+                  <c:v>4.7436635138547887</c:v>
+                </c:pt>
+                <c:pt idx="9">
+                  <c:v>4.8862247627719695</c:v>
+                </c:pt>
+                <c:pt idx="10">
+                  <c:v>4.811177961779677</c:v>
+                </c:pt>
+                <c:pt idx="11">
+                  <c:v>4.7909239527372289</c:v>
+                </c:pt>
+                <c:pt idx="12">
+                  <c:v>4.5713301141843354</c:v>
+                </c:pt>
+                <c:pt idx="13">
+                  <c:v>4.7805316051655327</c:v>
+                </c:pt>
+              </c:numCache>
+            </c:numRef>
+          </c:val>
+          <c:smooth val="0"/>
+          <c:extLst>
+            <c:ext xmlns:c16="http://schemas.microsoft.com/office/drawing/2014/chart" uri="{C3380CC4-5D6E-409C-BE32-E72D297353CC}">
+              <c16:uniqueId val="{00000005-E998-4C97-9A4D-3022BCDC9E25}"/>
+            </c:ext>
+          </c:extLst>
+        </c:ser>
+        <c:dLbls>
+          <c:showLegendKey val="0"/>
+          <c:showVal val="0"/>
+          <c:showCatName val="0"/>
+          <c:showSerName val="0"/>
+          <c:showPercent val="0"/>
+          <c:showBubbleSize val="0"/>
+        </c:dLbls>
+        <c:smooth val="0"/>
+        <c:axId val="855570048"/>
+        <c:axId val="855562976"/>
+      </c:lineChart>
+      <c:catAx>
+        <c:axId val="855570048"/>
+        <c:scaling>
+          <c:orientation val="minMax"/>
+        </c:scaling>
+        <c:delete val="0"/>
+        <c:axPos val="b"/>
+        <c:majorGridlines>
+          <c:spPr>
+            <a:ln w="9525" cap="flat" cmpd="sng" algn="ctr">
+              <a:solidFill>
+                <a:schemeClr val="tx1">
+                  <a:lumMod val="15000"/>
+                  <a:lumOff val="85000"/>
+                </a:schemeClr>
+              </a:solidFill>
+              <a:round/>
+            </a:ln>
+            <a:effectLst/>
+          </c:spPr>
+        </c:majorGridlines>
+        <c:numFmt formatCode="General" sourceLinked="1"/>
+        <c:majorTickMark val="none"/>
+        <c:minorTickMark val="none"/>
+        <c:tickLblPos val="nextTo"/>
+        <c:spPr>
+          <a:noFill/>
+          <a:ln w="9525" cap="flat" cmpd="sng" algn="ctr">
+            <a:solidFill>
+              <a:schemeClr val="tx1">
+                <a:lumMod val="15000"/>
+                <a:lumOff val="85000"/>
+              </a:schemeClr>
+            </a:solidFill>
+            <a:round/>
+          </a:ln>
+          <a:effectLst/>
+        </c:spPr>
+        <c:txPr>
+          <a:bodyPr rot="-60000000" spcFirstLastPara="1" vertOverflow="ellipsis" vert="horz" wrap="square" anchor="ctr" anchorCtr="1"/>
+          <a:lstStyle/>
+          <a:p>
+            <a:pPr>
+              <a:defRPr sz="900" b="0" i="0" u="none" strike="noStrike" kern="1200" baseline="0">
+                <a:solidFill>
+                  <a:schemeClr val="tx1">
+                    <a:lumMod val="65000"/>
+                    <a:lumOff val="35000"/>
+                  </a:schemeClr>
+                </a:solidFill>
+                <a:latin typeface="+mn-lt"/>
+                <a:ea typeface="+mn-ea"/>
+                <a:cs typeface="+mn-cs"/>
+              </a:defRPr>
+            </a:pPr>
+            <a:endParaRPr lang="en-US"/>
+          </a:p>
+        </c:txPr>
+        <c:crossAx val="855562976"/>
+        <c:crosses val="autoZero"/>
+        <c:auto val="1"/>
+        <c:lblAlgn val="ctr"/>
+        <c:lblOffset val="100"/>
+        <c:noMultiLvlLbl val="0"/>
+      </c:catAx>
+      <c:valAx>
+        <c:axId val="855562976"/>
+        <c:scaling>
+          <c:orientation val="minMax"/>
+          <c:min val="1"/>
+        </c:scaling>
+        <c:delete val="0"/>
+        <c:axPos val="l"/>
+        <c:majorGridlines>
+          <c:spPr>
+            <a:ln w="9525" cap="flat" cmpd="sng" algn="ctr">
+              <a:solidFill>
+                <a:schemeClr val="tx1">
+                  <a:lumMod val="15000"/>
+                  <a:lumOff val="85000"/>
+                </a:schemeClr>
+              </a:solidFill>
+              <a:round/>
+            </a:ln>
+            <a:effectLst/>
+          </c:spPr>
+        </c:majorGridlines>
+        <c:numFmt formatCode="General" sourceLinked="1"/>
+        <c:majorTickMark val="none"/>
+        <c:minorTickMark val="none"/>
+        <c:tickLblPos val="nextTo"/>
+        <c:spPr>
+          <a:noFill/>
+          <a:ln>
+            <a:noFill/>
+          </a:ln>
+          <a:effectLst/>
+        </c:spPr>
+        <c:txPr>
+          <a:bodyPr rot="-60000000" spcFirstLastPara="1" vertOverflow="ellipsis" vert="horz" wrap="square" anchor="ctr" anchorCtr="1"/>
+          <a:lstStyle/>
+          <a:p>
+            <a:pPr>
+              <a:defRPr sz="900" b="0" i="0" u="none" strike="noStrike" kern="1200" baseline="0">
+                <a:solidFill>
+                  <a:schemeClr val="tx1">
+                    <a:lumMod val="65000"/>
+                    <a:lumOff val="35000"/>
+                  </a:schemeClr>
+                </a:solidFill>
+                <a:latin typeface="+mn-lt"/>
+                <a:ea typeface="+mn-ea"/>
+                <a:cs typeface="+mn-cs"/>
+              </a:defRPr>
+            </a:pPr>
+            <a:endParaRPr lang="en-US"/>
+          </a:p>
+        </c:txPr>
+        <c:crossAx val="855570048"/>
+        <c:crosses val="autoZero"/>
+        <c:crossBetween val="midCat"/>
+        <c:majorUnit val="0.5"/>
+      </c:valAx>
+      <c:spPr>
+        <a:noFill/>
+        <a:ln>
+          <a:noFill/>
+        </a:ln>
+        <a:effectLst/>
+      </c:spPr>
+    </c:plotArea>
+    <c:legend>
+      <c:legendPos val="r"/>
+      <c:layout/>
+      <c:overlay val="0"/>
+      <c:spPr>
+        <a:noFill/>
+        <a:ln>
+          <a:noFill/>
+        </a:ln>
+        <a:effectLst/>
+      </c:spPr>
+      <c:txPr>
+        <a:bodyPr rot="0" spcFirstLastPara="1" vertOverflow="ellipsis" vert="horz" wrap="square" anchor="ctr" anchorCtr="1"/>
+        <a:lstStyle/>
+        <a:p>
+          <a:pPr>
+            <a:defRPr sz="900" b="0" i="0" u="none" strike="noStrike" kern="1200" baseline="0">
+              <a:solidFill>
+                <a:schemeClr val="tx1">
+                  <a:lumMod val="65000"/>
+                  <a:lumOff val="35000"/>
+                </a:schemeClr>
+              </a:solidFill>
+              <a:latin typeface="+mn-lt"/>
+              <a:ea typeface="+mn-ea"/>
+              <a:cs typeface="+mn-cs"/>
+            </a:defRPr>
+          </a:pPr>
+          <a:endParaRPr lang="en-US"/>
+        </a:p>
+      </c:txPr>
+    </c:legend>
+    <c:plotVisOnly val="1"/>
+    <c:dispBlanksAs val="gap"/>
+    <c:showDLblsOverMax val="0"/>
+  </c:chart>
+  <c:spPr>
+    <a:noFill/>
+    <a:ln>
+      <a:noFill/>
+    </a:ln>
+    <a:effectLst/>
+  </c:spPr>
+  <c:txPr>
+    <a:bodyPr/>
+    <a:lstStyle/>
+    <a:p>
+      <a:pPr>
+        <a:defRPr/>
+      </a:pPr>
+      <a:endParaRPr lang="en-US"/>
+    </a:p>
+  </c:txPr>
+  <c:externalData r:id="rId3">
+    <c:autoUpdate val="0"/>
+  </c:externalData>
+</c:chartSpace>
+</file>
+
+<file path=ppt/charts/chart3.xml><?xml version="1.0" encoding="utf-8"?>
+<c:chartSpace xmlns:c="http://schemas.openxmlformats.org/drawingml/2006/chart" xmlns:a="http://schemas.openxmlformats.org/drawingml/2006/main" xmlns:r="http://schemas.openxmlformats.org/officeDocument/2006/relationships" xmlns:c16r2="http://schemas.microsoft.com/office/drawing/2015/06/chart">
+  <c:date1904 val="0"/>
+  <c:lang val="ru-RU"/>
+  <c:roundedCorners val="0"/>
+  <mc:AlternateContent xmlns:mc="http://schemas.openxmlformats.org/markup-compatibility/2006">
+    <mc:Choice xmlns:c14="http://schemas.microsoft.com/office/drawing/2007/8/2/chart" Requires="c14">
+      <c14:style val="102"/>
+    </mc:Choice>
+    <mc:Fallback>
+      <c:style val="2"/>
+    </mc:Fallback>
+  </mc:AlternateContent>
+  <c:chart>
+    <c:title>
+      <c:tx>
+        <c:rich>
+          <a:bodyPr rot="0" spcFirstLastPara="1" vertOverflow="ellipsis" vert="horz" wrap="square" anchor="ctr" anchorCtr="1"/>
+          <a:lstStyle/>
+          <a:p>
+            <a:pPr marL="0" marR="0" lvl="0" indent="0" algn="ctr" defTabSz="914400" rtl="0" eaLnBrk="1" fontAlgn="auto" latinLnBrk="0" hangingPunct="1">
+              <a:lnSpc>
+                <a:spcPct val="100000"/>
+              </a:lnSpc>
+              <a:spcBef>
+                <a:spcPts val="0"/>
+              </a:spcBef>
+              <a:spcAft>
+                <a:spcPts val="0"/>
+              </a:spcAft>
+              <a:buClrTx/>
+              <a:buSzTx/>
+              <a:buFontTx/>
+              <a:buNone/>
+              <a:tabLst/>
+              <a:defRPr sz="1400" b="0" i="0" u="none" strike="noStrike" kern="1200" spc="0" baseline="0">
+                <a:solidFill>
+                  <a:sysClr val="windowText" lastClr="000000">
+                    <a:lumMod val="65000"/>
+                    <a:lumOff val="35000"/>
+                  </a:sysClr>
+                </a:solidFill>
+                <a:latin typeface="+mn-lt"/>
+                <a:ea typeface="+mn-ea"/>
+                <a:cs typeface="+mn-cs"/>
+              </a:defRPr>
+            </a:pPr>
+            <a:r>
+              <a:rPr lang="en-US"/>
+              <a:t>CG</a:t>
+            </a:r>
+            <a:r>
+              <a:rPr lang="en-US" baseline="0"/>
+              <a:t>  </a:t>
+            </a:r>
+            <a:r>
+              <a:rPr lang="ru-RU" baseline="0"/>
+              <a:t>параллель есептеулерді сызықты есептеумен салыстыру</a:t>
+            </a:r>
+            <a:endParaRPr lang="ru-RU"/>
+          </a:p>
+        </c:rich>
+      </c:tx>
+      <c:layout/>
+      <c:overlay val="0"/>
+      <c:spPr>
+        <a:noFill/>
+        <a:ln>
+          <a:noFill/>
+        </a:ln>
+        <a:effectLst/>
+      </c:spPr>
+      <c:txPr>
+        <a:bodyPr rot="0" spcFirstLastPara="1" vertOverflow="ellipsis" vert="horz" wrap="square" anchor="ctr" anchorCtr="1"/>
+        <a:lstStyle/>
+        <a:p>
+          <a:pPr marL="0" marR="0" lvl="0" indent="0" algn="ctr" defTabSz="914400" rtl="0" eaLnBrk="1" fontAlgn="auto" latinLnBrk="0" hangingPunct="1">
+            <a:lnSpc>
+              <a:spcPct val="100000"/>
+            </a:lnSpc>
+            <a:spcBef>
+              <a:spcPts val="0"/>
+            </a:spcBef>
+            <a:spcAft>
+              <a:spcPts val="0"/>
+            </a:spcAft>
+            <a:buClrTx/>
+            <a:buSzTx/>
+            <a:buFontTx/>
+            <a:buNone/>
+            <a:tabLst/>
+            <a:defRPr sz="1400" b="0" i="0" u="none" strike="noStrike" kern="1200" spc="0" baseline="0">
+              <a:solidFill>
+                <a:sysClr val="windowText" lastClr="000000">
+                  <a:lumMod val="65000"/>
+                  <a:lumOff val="35000"/>
+                </a:sysClr>
+              </a:solidFill>
+              <a:latin typeface="+mn-lt"/>
+              <a:ea typeface="+mn-ea"/>
+              <a:cs typeface="+mn-cs"/>
+            </a:defRPr>
+          </a:pPr>
+          <a:endParaRPr lang="en-US"/>
+        </a:p>
+      </c:txPr>
+    </c:title>
+    <c:autoTitleDeleted val="0"/>
+    <c:plotArea>
+      <c:layout/>
+      <c:lineChart>
+        <c:grouping val="standard"/>
+        <c:varyColors val="0"/>
+        <c:ser>
+          <c:idx val="1"/>
+          <c:order val="0"/>
+          <c:tx>
+            <c:strRef>
+              <c:f>CG!$C$1</c:f>
+              <c:strCache>
+                <c:ptCount val="1"/>
+                <c:pt idx="0">
+                  <c:v>S(2)</c:v>
+                </c:pt>
+              </c:strCache>
+            </c:strRef>
+          </c:tx>
+          <c:spPr>
+            <a:ln w="28575" cap="rnd">
+              <a:solidFill>
+                <a:schemeClr val="accent2"/>
+              </a:solidFill>
+              <a:round/>
+            </a:ln>
+            <a:effectLst/>
+          </c:spPr>
+          <c:marker>
+            <c:symbol val="none"/>
+          </c:marker>
+          <c:cat>
+            <c:strRef>
+              <c:f>CG!$A$2:$A$15</c:f>
+              <c:strCache>
+                <c:ptCount val="14"/>
+                <c:pt idx="0">
+                  <c:v>100x100</c:v>
+                </c:pt>
+                <c:pt idx="1">
+                  <c:v>500x500</c:v>
+                </c:pt>
+                <c:pt idx="2">
+                  <c:v>1000x1000</c:v>
+                </c:pt>
+                <c:pt idx="3">
+                  <c:v>1500x1500</c:v>
+                </c:pt>
+                <c:pt idx="4">
+                  <c:v>2000x2000</c:v>
+                </c:pt>
+                <c:pt idx="5">
+                  <c:v>2500x2500</c:v>
+                </c:pt>
+                <c:pt idx="6">
+                  <c:v>3000x3000</c:v>
+                </c:pt>
+                <c:pt idx="7">
+                  <c:v>3500x3500</c:v>
+                </c:pt>
+                <c:pt idx="8">
+                  <c:v>4000x4000</c:v>
+                </c:pt>
+                <c:pt idx="9">
+                  <c:v>4500x4500</c:v>
+                </c:pt>
+                <c:pt idx="10">
+                  <c:v>5000x5000</c:v>
+                </c:pt>
+                <c:pt idx="11">
+                  <c:v>5500x5500</c:v>
+                </c:pt>
+                <c:pt idx="12">
+                  <c:v>6000x6000</c:v>
+                </c:pt>
+                <c:pt idx="13">
+                  <c:v>6500x6500</c:v>
+                </c:pt>
+              </c:strCache>
+            </c:strRef>
+          </c:cat>
+          <c:val>
+            <c:numRef>
+              <c:f>CG!$C$2:$C$15</c:f>
+              <c:numCache>
+                <c:formatCode>General</c:formatCode>
+                <c:ptCount val="14"/>
+                <c:pt idx="0">
+                  <c:v>3.2946983546617914</c:v>
+                </c:pt>
+                <c:pt idx="1">
+                  <c:v>2.1772792673867234</c:v>
+                </c:pt>
+                <c:pt idx="2">
+                  <c:v>1.9465604833091386</c:v>
+                </c:pt>
+                <c:pt idx="3">
+                  <c:v>1.6767207653311746</c:v>
+                </c:pt>
+                <c:pt idx="4">
+                  <c:v>1.9165687137606144</c:v>
+                </c:pt>
+                <c:pt idx="5">
+                  <c:v>1.8690672432084035</c:v>
+                </c:pt>
+                <c:pt idx="6">
+                  <c:v>1.9411244200072286</c:v>
+                </c:pt>
+                <c:pt idx="7">
+                  <c:v>2.0144680765773293</c:v>
+                </c:pt>
+                <c:pt idx="8">
+                  <c:v>1.8792922948953237</c:v>
+                </c:pt>
+                <c:pt idx="9">
+                  <c:v>1.8514715718564996</c:v>
+                </c:pt>
+                <c:pt idx="10">
+                  <c:v>1.8912959707219106</c:v>
+                </c:pt>
+                <c:pt idx="11">
+                  <c:v>1.8600738088003435</c:v>
+                </c:pt>
+                <c:pt idx="12">
+                  <c:v>1.7539771143256453</c:v>
+                </c:pt>
+                <c:pt idx="13">
+                  <c:v>1.2394217061947619</c:v>
+                </c:pt>
+              </c:numCache>
+            </c:numRef>
+          </c:val>
+          <c:smooth val="0"/>
+          <c:extLst>
+            <c:ext xmlns:c16="http://schemas.microsoft.com/office/drawing/2014/chart" uri="{C3380CC4-5D6E-409C-BE32-E72D297353CC}">
+              <c16:uniqueId val="{00000000-BD7C-45D4-82CE-ABDCF4E7BAA4}"/>
+            </c:ext>
+          </c:extLst>
+        </c:ser>
+        <c:ser>
+          <c:idx val="2"/>
+          <c:order val="1"/>
+          <c:tx>
+            <c:strRef>
+              <c:f>CG!$D$1</c:f>
+              <c:strCache>
+                <c:ptCount val="1"/>
+                <c:pt idx="0">
+                  <c:v>S(4)</c:v>
+                </c:pt>
+              </c:strCache>
+            </c:strRef>
+          </c:tx>
+          <c:spPr>
+            <a:ln w="28575" cap="rnd">
+              <a:solidFill>
+                <a:schemeClr val="accent3"/>
+              </a:solidFill>
+              <a:round/>
+            </a:ln>
+            <a:effectLst/>
+          </c:spPr>
+          <c:marker>
+            <c:symbol val="none"/>
+          </c:marker>
+          <c:cat>
+            <c:strRef>
+              <c:f>CG!$A$2:$A$15</c:f>
+              <c:strCache>
+                <c:ptCount val="14"/>
+                <c:pt idx="0">
+                  <c:v>100x100</c:v>
+                </c:pt>
+                <c:pt idx="1">
+                  <c:v>500x500</c:v>
+                </c:pt>
+                <c:pt idx="2">
+                  <c:v>1000x1000</c:v>
+                </c:pt>
+                <c:pt idx="3">
+                  <c:v>1500x1500</c:v>
+                </c:pt>
+                <c:pt idx="4">
+                  <c:v>2000x2000</c:v>
+                </c:pt>
+                <c:pt idx="5">
+                  <c:v>2500x2500</c:v>
+                </c:pt>
+                <c:pt idx="6">
+                  <c:v>3000x3000</c:v>
+                </c:pt>
+                <c:pt idx="7">
+                  <c:v>3500x3500</c:v>
+                </c:pt>
+                <c:pt idx="8">
+                  <c:v>4000x4000</c:v>
+                </c:pt>
+                <c:pt idx="9">
+                  <c:v>4500x4500</c:v>
+                </c:pt>
+                <c:pt idx="10">
+                  <c:v>5000x5000</c:v>
+                </c:pt>
+                <c:pt idx="11">
+                  <c:v>5500x5500</c:v>
+                </c:pt>
+                <c:pt idx="12">
+                  <c:v>6000x6000</c:v>
+                </c:pt>
+                <c:pt idx="13">
+                  <c:v>6500x6500</c:v>
+                </c:pt>
+              </c:strCache>
+            </c:strRef>
+          </c:cat>
+          <c:val>
+            <c:numRef>
+              <c:f>CG!$D$2:$D$15</c:f>
+              <c:numCache>
+                <c:formatCode>General</c:formatCode>
+                <c:ptCount val="14"/>
+                <c:pt idx="0">
+                  <c:v>2.9651201052977951</c:v>
+                </c:pt>
+                <c:pt idx="1">
+                  <c:v>3.7718098008353147</c:v>
+                </c:pt>
+                <c:pt idx="2">
+                  <c:v>3.4686349271358825</c:v>
+                </c:pt>
+                <c:pt idx="3">
+                  <c:v>3.2415837824034361</c:v>
+                </c:pt>
+                <c:pt idx="4">
+                  <c:v>3.1898360644706485</c:v>
+                </c:pt>
+                <c:pt idx="5">
+                  <c:v>3.1624352423500968</c:v>
+                </c:pt>
+                <c:pt idx="6">
+                  <c:v>3.2266302409578032</c:v>
+                </c:pt>
+                <c:pt idx="7">
+                  <c:v>2.6019563158710679</c:v>
+                </c:pt>
+                <c:pt idx="8">
+                  <c:v>3.4006360819066481</c:v>
+                </c:pt>
+                <c:pt idx="9">
+                  <c:v>3.4678566546095575</c:v>
+                </c:pt>
+                <c:pt idx="10">
+                  <c:v>3.1219146984170996</c:v>
+                </c:pt>
+                <c:pt idx="11">
+                  <c:v>3.0166627003557585</c:v>
+                </c:pt>
+                <c:pt idx="12">
+                  <c:v>1.8155979209781281</c:v>
+                </c:pt>
+                <c:pt idx="13">
+                  <c:v>3.178372640758214</c:v>
+                </c:pt>
+              </c:numCache>
+            </c:numRef>
+          </c:val>
+          <c:smooth val="0"/>
+          <c:extLst>
+            <c:ext xmlns:c16="http://schemas.microsoft.com/office/drawing/2014/chart" uri="{C3380CC4-5D6E-409C-BE32-E72D297353CC}">
+              <c16:uniqueId val="{00000001-BD7C-45D4-82CE-ABDCF4E7BAA4}"/>
+            </c:ext>
+          </c:extLst>
+        </c:ser>
+        <c:ser>
+          <c:idx val="3"/>
+          <c:order val="2"/>
+          <c:tx>
+            <c:strRef>
+              <c:f>CG!$E$1</c:f>
+              <c:strCache>
+                <c:ptCount val="1"/>
+                <c:pt idx="0">
+                  <c:v>S(6)</c:v>
+                </c:pt>
+              </c:strCache>
+            </c:strRef>
+          </c:tx>
+          <c:spPr>
+            <a:ln w="28575" cap="rnd">
+              <a:solidFill>
+                <a:schemeClr val="accent4"/>
+              </a:solidFill>
+              <a:round/>
+            </a:ln>
+            <a:effectLst/>
+          </c:spPr>
+          <c:marker>
+            <c:symbol val="none"/>
+          </c:marker>
+          <c:cat>
+            <c:strRef>
+              <c:f>CG!$A$2:$A$15</c:f>
+              <c:strCache>
+                <c:ptCount val="14"/>
+                <c:pt idx="0">
+                  <c:v>100x100</c:v>
+                </c:pt>
+                <c:pt idx="1">
+                  <c:v>500x500</c:v>
+                </c:pt>
+                <c:pt idx="2">
+                  <c:v>1000x1000</c:v>
+                </c:pt>
+                <c:pt idx="3">
+                  <c:v>1500x1500</c:v>
+                </c:pt>
+                <c:pt idx="4">
+                  <c:v>2000x2000</c:v>
+                </c:pt>
+                <c:pt idx="5">
+                  <c:v>2500x2500</c:v>
+                </c:pt>
+                <c:pt idx="6">
+                  <c:v>3000x3000</c:v>
+                </c:pt>
+                <c:pt idx="7">
+                  <c:v>3500x3500</c:v>
+                </c:pt>
+                <c:pt idx="8">
+                  <c:v>4000x4000</c:v>
+                </c:pt>
+                <c:pt idx="9">
+                  <c:v>4500x4500</c:v>
+                </c:pt>
+                <c:pt idx="10">
+                  <c:v>5000x5000</c:v>
+                </c:pt>
+                <c:pt idx="11">
+                  <c:v>5500x5500</c:v>
+                </c:pt>
+                <c:pt idx="12">
+                  <c:v>6000x6000</c:v>
+                </c:pt>
+                <c:pt idx="13">
+                  <c:v>6500x6500</c:v>
+                </c:pt>
+              </c:strCache>
+            </c:strRef>
+          </c:cat>
+          <c:val>
+            <c:numRef>
+              <c:f>CG!$E$2:$E$15</c:f>
+              <c:numCache>
+                <c:formatCode>General</c:formatCode>
+                <c:ptCount val="14"/>
+                <c:pt idx="0">
+                  <c:v>2.5804696449026348</c:v>
+                </c:pt>
+                <c:pt idx="1">
+                  <c:v>3.1755036773886913</c:v>
+                </c:pt>
+                <c:pt idx="2">
+                  <c:v>4.3118849002089927</c:v>
+                </c:pt>
+                <c:pt idx="3">
+                  <c:v>3.9011600041536916</c:v>
+                </c:pt>
+                <c:pt idx="4">
+                  <c:v>3.8779458569630076</c:v>
+                </c:pt>
+                <c:pt idx="5">
+                  <c:v>3.6899734689152162</c:v>
+                </c:pt>
+                <c:pt idx="6">
+                  <c:v>3.4712342645078764</c:v>
+                </c:pt>
+                <c:pt idx="7">
+                  <c:v>4.8892530678395767</c:v>
+                </c:pt>
+                <c:pt idx="8">
+                  <c:v>4.4785860728661753</c:v>
+                </c:pt>
+                <c:pt idx="9">
+                  <c:v>4.4963052065269711</c:v>
+                </c:pt>
+                <c:pt idx="10">
+                  <c:v>4.5558488222373814</c:v>
+                </c:pt>
+                <c:pt idx="11">
+                  <c:v>4.5387345257264631</c:v>
+                </c:pt>
+                <c:pt idx="12">
+                  <c:v>4.6022795308138118</c:v>
+                </c:pt>
+                <c:pt idx="13">
+                  <c:v>4.3470929870754631</c:v>
+                </c:pt>
+              </c:numCache>
+            </c:numRef>
+          </c:val>
+          <c:smooth val="0"/>
+          <c:extLst>
+            <c:ext xmlns:c16="http://schemas.microsoft.com/office/drawing/2014/chart" uri="{C3380CC4-5D6E-409C-BE32-E72D297353CC}">
+              <c16:uniqueId val="{00000002-BD7C-45D4-82CE-ABDCF4E7BAA4}"/>
+            </c:ext>
+          </c:extLst>
+        </c:ser>
+        <c:ser>
+          <c:idx val="4"/>
+          <c:order val="3"/>
+          <c:tx>
+            <c:strRef>
+              <c:f>CG!$F$1</c:f>
+              <c:strCache>
+                <c:ptCount val="1"/>
+                <c:pt idx="0">
+                  <c:v>S(8)</c:v>
+                </c:pt>
+              </c:strCache>
+            </c:strRef>
+          </c:tx>
+          <c:spPr>
+            <a:ln w="28575" cap="rnd">
+              <a:solidFill>
+                <a:schemeClr val="accent5"/>
+              </a:solidFill>
+              <a:round/>
+            </a:ln>
+            <a:effectLst/>
+          </c:spPr>
+          <c:marker>
+            <c:symbol val="none"/>
+          </c:marker>
+          <c:cat>
+            <c:strRef>
+              <c:f>CG!$A$2:$A$15</c:f>
+              <c:strCache>
+                <c:ptCount val="14"/>
+                <c:pt idx="0">
+                  <c:v>100x100</c:v>
+                </c:pt>
+                <c:pt idx="1">
+                  <c:v>500x500</c:v>
+                </c:pt>
+                <c:pt idx="2">
+                  <c:v>1000x1000</c:v>
+                </c:pt>
+                <c:pt idx="3">
+                  <c:v>1500x1500</c:v>
+                </c:pt>
+                <c:pt idx="4">
+                  <c:v>2000x2000</c:v>
+                </c:pt>
+                <c:pt idx="5">
+                  <c:v>2500x2500</c:v>
+                </c:pt>
+                <c:pt idx="6">
+                  <c:v>3000x3000</c:v>
+                </c:pt>
+                <c:pt idx="7">
+                  <c:v>3500x3500</c:v>
+                </c:pt>
+                <c:pt idx="8">
+                  <c:v>4000x4000</c:v>
+                </c:pt>
+                <c:pt idx="9">
+                  <c:v>4500x4500</c:v>
+                </c:pt>
+                <c:pt idx="10">
+                  <c:v>5000x5000</c:v>
+                </c:pt>
+                <c:pt idx="11">
+                  <c:v>5500x5500</c:v>
+                </c:pt>
+                <c:pt idx="12">
+                  <c:v>6000x6000</c:v>
+                </c:pt>
+                <c:pt idx="13">
+                  <c:v>6500x6500</c:v>
+                </c:pt>
+              </c:strCache>
+            </c:strRef>
+          </c:cat>
+          <c:val>
+            <c:numRef>
+              <c:f>CG!$F$2:$F$15</c:f>
+              <c:numCache>
+                <c:formatCode>General</c:formatCode>
+                <c:ptCount val="14"/>
+                <c:pt idx="0">
+                  <c:v>2.8909207571382738</c:v>
+                </c:pt>
+                <c:pt idx="1">
+                  <c:v>3.9660688683753804</c:v>
+                </c:pt>
+                <c:pt idx="2">
+                  <c:v>3.837276236411026</c:v>
+                </c:pt>
+                <c:pt idx="3">
+                  <c:v>3.3586200377473352</c:v>
+                </c:pt>
+                <c:pt idx="4">
+                  <c:v>3.5177926196691103</c:v>
+                </c:pt>
+                <c:pt idx="5">
+                  <c:v>3.3680610646098499</c:v>
+                </c:pt>
+                <c:pt idx="6">
+                  <c:v>3.5026085610769755</c:v>
+                </c:pt>
+                <c:pt idx="7">
+                  <c:v>3.8053763711855044</c:v>
+                </c:pt>
+                <c:pt idx="8">
+                  <c:v>3.5748460803998983</c:v>
+                </c:pt>
+                <c:pt idx="9">
+                  <c:v>3.4593504901217864</c:v>
+                </c:pt>
+                <c:pt idx="10">
+                  <c:v>3.4594729796124151</c:v>
+                </c:pt>
+                <c:pt idx="11">
+                  <c:v>3.5019025586679255</c:v>
+                </c:pt>
+                <c:pt idx="12">
+                  <c:v>3.4272686495078339</c:v>
+                </c:pt>
+                <c:pt idx="13">
+                  <c:v>3.6042832555021844</c:v>
+                </c:pt>
+              </c:numCache>
+            </c:numRef>
+          </c:val>
+          <c:smooth val="0"/>
+          <c:extLst>
+            <c:ext xmlns:c16="http://schemas.microsoft.com/office/drawing/2014/chart" uri="{C3380CC4-5D6E-409C-BE32-E72D297353CC}">
+              <c16:uniqueId val="{00000003-BD7C-45D4-82CE-ABDCF4E7BAA4}"/>
+            </c:ext>
+          </c:extLst>
+        </c:ser>
+        <c:ser>
+          <c:idx val="0"/>
+          <c:order val="4"/>
+          <c:tx>
+            <c:strRef>
+              <c:f>CG!$G$1</c:f>
+              <c:strCache>
+                <c:ptCount val="1"/>
+                <c:pt idx="0">
+                  <c:v>S(10)</c:v>
+                </c:pt>
+              </c:strCache>
+            </c:strRef>
+          </c:tx>
+          <c:spPr>
+            <a:ln w="28575" cap="rnd">
+              <a:solidFill>
+                <a:schemeClr val="accent1"/>
+              </a:solidFill>
+              <a:round/>
+            </a:ln>
+            <a:effectLst/>
+          </c:spPr>
+          <c:marker>
+            <c:symbol val="none"/>
+          </c:marker>
+          <c:cat>
+            <c:strRef>
+              <c:f>CG!$A$2:$A$15</c:f>
+              <c:strCache>
+                <c:ptCount val="14"/>
+                <c:pt idx="0">
+                  <c:v>100x100</c:v>
+                </c:pt>
+                <c:pt idx="1">
+                  <c:v>500x500</c:v>
+                </c:pt>
+                <c:pt idx="2">
+                  <c:v>1000x1000</c:v>
+                </c:pt>
+                <c:pt idx="3">
+                  <c:v>1500x1500</c:v>
+                </c:pt>
+                <c:pt idx="4">
+                  <c:v>2000x2000</c:v>
+                </c:pt>
+                <c:pt idx="5">
+                  <c:v>2500x2500</c:v>
+                </c:pt>
+                <c:pt idx="6">
+                  <c:v>3000x3000</c:v>
+                </c:pt>
+                <c:pt idx="7">
+                  <c:v>3500x3500</c:v>
+                </c:pt>
+                <c:pt idx="8">
+                  <c:v>4000x4000</c:v>
+                </c:pt>
+                <c:pt idx="9">
+                  <c:v>4500x4500</c:v>
+                </c:pt>
+                <c:pt idx="10">
+                  <c:v>5000x5000</c:v>
+                </c:pt>
+                <c:pt idx="11">
+                  <c:v>5500x5500</c:v>
+                </c:pt>
+                <c:pt idx="12">
+                  <c:v>6000x6000</c:v>
+                </c:pt>
+                <c:pt idx="13">
+                  <c:v>6500x6500</c:v>
+                </c:pt>
+              </c:strCache>
+            </c:strRef>
+          </c:cat>
+          <c:val>
+            <c:numRef>
+              <c:f>CG!$G$2:$G$15</c:f>
+              <c:numCache>
+                <c:formatCode>General</c:formatCode>
+                <c:ptCount val="14"/>
+                <c:pt idx="0">
+                  <c:v>1.9887442065769145</c:v>
+                </c:pt>
+                <c:pt idx="1">
+                  <c:v>4.874398733785906</c:v>
+                </c:pt>
+                <c:pt idx="2">
+                  <c:v>4.6287469407491155</c:v>
+                </c:pt>
+                <c:pt idx="3">
+                  <c:v>4.3040844360209354</c:v>
+                </c:pt>
+                <c:pt idx="4">
+                  <c:v>4.2751543521651811</c:v>
+                </c:pt>
+                <c:pt idx="5">
+                  <c:v>4.1210980022853496</c:v>
+                </c:pt>
+                <c:pt idx="6">
+                  <c:v>4.1348294331313769</c:v>
+                </c:pt>
+                <c:pt idx="7">
+                  <c:v>4.5209421030900581</c:v>
+                </c:pt>
+                <c:pt idx="8">
+                  <c:v>4.1672188572135225</c:v>
+                </c:pt>
+                <c:pt idx="9">
+                  <c:v>4.2896946945036669</c:v>
+                </c:pt>
+                <c:pt idx="10">
+                  <c:v>4.1794825739875119</c:v>
+                </c:pt>
+                <c:pt idx="11">
+                  <c:v>4.1581009633304271</c:v>
+                </c:pt>
+                <c:pt idx="12">
+                  <c:v>4.3388170861920354</c:v>
+                </c:pt>
+                <c:pt idx="13">
+                  <c:v>4.3403235051790627</c:v>
+                </c:pt>
+              </c:numCache>
+            </c:numRef>
+          </c:val>
+          <c:smooth val="0"/>
+          <c:extLst>
+            <c:ext xmlns:c16="http://schemas.microsoft.com/office/drawing/2014/chart" uri="{C3380CC4-5D6E-409C-BE32-E72D297353CC}">
+              <c16:uniqueId val="{00000004-BD7C-45D4-82CE-ABDCF4E7BAA4}"/>
+            </c:ext>
+          </c:extLst>
+        </c:ser>
+        <c:ser>
+          <c:idx val="5"/>
+          <c:order val="5"/>
+          <c:tx>
+            <c:strRef>
+              <c:f>CG!$H$1</c:f>
+              <c:strCache>
+                <c:ptCount val="1"/>
+                <c:pt idx="0">
+                  <c:v>S(12)</c:v>
+                </c:pt>
+              </c:strCache>
+            </c:strRef>
+          </c:tx>
+          <c:spPr>
+            <a:ln w="28575" cap="rnd">
+              <a:solidFill>
+                <a:schemeClr val="accent6"/>
+              </a:solidFill>
+              <a:round/>
+            </a:ln>
+            <a:effectLst/>
+          </c:spPr>
+          <c:marker>
+            <c:symbol val="none"/>
+          </c:marker>
+          <c:cat>
+            <c:strRef>
+              <c:f>CG!$A$2:$A$15</c:f>
+              <c:strCache>
+                <c:ptCount val="14"/>
+                <c:pt idx="0">
+                  <c:v>100x100</c:v>
+                </c:pt>
+                <c:pt idx="1">
+                  <c:v>500x500</c:v>
+                </c:pt>
+                <c:pt idx="2">
+                  <c:v>1000x1000</c:v>
+                </c:pt>
+                <c:pt idx="3">
+                  <c:v>1500x1500</c:v>
+                </c:pt>
+                <c:pt idx="4">
+                  <c:v>2000x2000</c:v>
+                </c:pt>
+                <c:pt idx="5">
+                  <c:v>2500x2500</c:v>
+                </c:pt>
+                <c:pt idx="6">
+                  <c:v>3000x3000</c:v>
+                </c:pt>
+                <c:pt idx="7">
+                  <c:v>3500x3500</c:v>
+                </c:pt>
+                <c:pt idx="8">
+                  <c:v>4000x4000</c:v>
+                </c:pt>
+                <c:pt idx="9">
+                  <c:v>4500x4500</c:v>
+                </c:pt>
+                <c:pt idx="10">
+                  <c:v>5000x5000</c:v>
+                </c:pt>
+                <c:pt idx="11">
+                  <c:v>5500x5500</c:v>
+                </c:pt>
+                <c:pt idx="12">
+                  <c:v>6000x6000</c:v>
+                </c:pt>
+                <c:pt idx="13">
+                  <c:v>6500x6500</c:v>
+                </c:pt>
+              </c:strCache>
+            </c:strRef>
+          </c:cat>
+          <c:val>
+            <c:numRef>
+              <c:f>CG!$H$2:$H$15</c:f>
+              <c:numCache>
+                <c:formatCode>General</c:formatCode>
+                <c:ptCount val="14"/>
+                <c:pt idx="0">
+                  <c:v>2.0926614026939157</c:v>
+                </c:pt>
+                <c:pt idx="1">
+                  <c:v>4.1673670467219575</c:v>
+                </c:pt>
+                <c:pt idx="2">
+                  <c:v>3.9623827168125394</c:v>
+                </c:pt>
+                <c:pt idx="3">
+                  <c:v>3.1488813702488287</c:v>
+                </c:pt>
+                <c:pt idx="4">
+                  <c:v>3.4980494035768213</c:v>
+                </c:pt>
+                <c:pt idx="5">
+                  <c:v>3.094941762725393</c:v>
+                </c:pt>
+                <c:pt idx="6">
+                  <c:v>3.2334067179567589</c:v>
+                </c:pt>
+                <c:pt idx="7">
+                  <c:v>5.3608694106120653</c:v>
+                </c:pt>
+                <c:pt idx="8">
+                  <c:v>4.8124397567688204</c:v>
+                </c:pt>
+                <c:pt idx="9">
+                  <c:v>4.7764314253967086</c:v>
+                </c:pt>
+                <c:pt idx="10">
+                  <c:v>4.981554902191224</c:v>
+                </c:pt>
+                <c:pt idx="11">
+                  <c:v>4.9326371501323818</c:v>
+                </c:pt>
+                <c:pt idx="12">
+                  <c:v>4.9129762412273479</c:v>
+                </c:pt>
+                <c:pt idx="13">
+                  <c:v>4.6253344035495303</c:v>
+                </c:pt>
+              </c:numCache>
+            </c:numRef>
+          </c:val>
+          <c:smooth val="0"/>
+          <c:extLst>
+            <c:ext xmlns:c16="http://schemas.microsoft.com/office/drawing/2014/chart" uri="{C3380CC4-5D6E-409C-BE32-E72D297353CC}">
+              <c16:uniqueId val="{00000005-BD7C-45D4-82CE-ABDCF4E7BAA4}"/>
+            </c:ext>
+          </c:extLst>
+        </c:ser>
+        <c:dLbls>
+          <c:showLegendKey val="0"/>
+          <c:showVal val="0"/>
+          <c:showCatName val="0"/>
+          <c:showSerName val="0"/>
+          <c:showPercent val="0"/>
+          <c:showBubbleSize val="0"/>
+        </c:dLbls>
+        <c:smooth val="0"/>
+        <c:axId val="855566240"/>
+        <c:axId val="855565152"/>
+      </c:lineChart>
+      <c:catAx>
+        <c:axId val="855566240"/>
+        <c:scaling>
+          <c:orientation val="minMax"/>
+        </c:scaling>
+        <c:delete val="0"/>
+        <c:axPos val="b"/>
+        <c:majorGridlines>
+          <c:spPr>
+            <a:ln w="9525" cap="flat" cmpd="sng" algn="ctr">
+              <a:solidFill>
+                <a:schemeClr val="tx1">
+                  <a:lumMod val="15000"/>
+                  <a:lumOff val="85000"/>
+                </a:schemeClr>
+              </a:solidFill>
+              <a:round/>
+            </a:ln>
+            <a:effectLst/>
+          </c:spPr>
+        </c:majorGridlines>
+        <c:numFmt formatCode="General" sourceLinked="1"/>
+        <c:majorTickMark val="none"/>
+        <c:minorTickMark val="none"/>
+        <c:tickLblPos val="nextTo"/>
+        <c:spPr>
+          <a:noFill/>
+          <a:ln w="9525" cap="flat" cmpd="sng" algn="ctr">
+            <a:solidFill>
+              <a:schemeClr val="tx1">
+                <a:lumMod val="15000"/>
+                <a:lumOff val="85000"/>
+              </a:schemeClr>
+            </a:solidFill>
+            <a:round/>
+          </a:ln>
+          <a:effectLst/>
+        </c:spPr>
+        <c:txPr>
+          <a:bodyPr rot="-60000000" spcFirstLastPara="1" vertOverflow="ellipsis" vert="horz" wrap="square" anchor="ctr" anchorCtr="1"/>
+          <a:lstStyle/>
+          <a:p>
+            <a:pPr>
+              <a:defRPr sz="900" b="0" i="0" u="none" strike="noStrike" kern="1200" baseline="0">
+                <a:solidFill>
+                  <a:schemeClr val="tx1">
+                    <a:lumMod val="65000"/>
+                    <a:lumOff val="35000"/>
+                  </a:schemeClr>
+                </a:solidFill>
+                <a:latin typeface="+mn-lt"/>
+                <a:ea typeface="+mn-ea"/>
+                <a:cs typeface="+mn-cs"/>
+              </a:defRPr>
+            </a:pPr>
+            <a:endParaRPr lang="en-US"/>
+          </a:p>
+        </c:txPr>
+        <c:crossAx val="855565152"/>
+        <c:crosses val="autoZero"/>
+        <c:auto val="1"/>
+        <c:lblAlgn val="ctr"/>
+        <c:lblOffset val="100"/>
+        <c:noMultiLvlLbl val="0"/>
+      </c:catAx>
+      <c:valAx>
+        <c:axId val="855565152"/>
+        <c:scaling>
+          <c:orientation val="minMax"/>
+          <c:min val="1"/>
+        </c:scaling>
+        <c:delete val="0"/>
+        <c:axPos val="l"/>
+        <c:majorGridlines>
+          <c:spPr>
+            <a:ln w="9525" cap="flat" cmpd="sng" algn="ctr">
+              <a:solidFill>
+                <a:schemeClr val="tx1">
+                  <a:lumMod val="15000"/>
+                  <a:lumOff val="85000"/>
+                </a:schemeClr>
+              </a:solidFill>
+              <a:round/>
+            </a:ln>
+            <a:effectLst/>
+          </c:spPr>
+        </c:majorGridlines>
+        <c:numFmt formatCode="General" sourceLinked="1"/>
+        <c:majorTickMark val="none"/>
+        <c:minorTickMark val="none"/>
+        <c:tickLblPos val="nextTo"/>
+        <c:spPr>
+          <a:noFill/>
+          <a:ln>
+            <a:noFill/>
+          </a:ln>
+          <a:effectLst/>
+        </c:spPr>
+        <c:txPr>
+          <a:bodyPr rot="-60000000" spcFirstLastPara="1" vertOverflow="ellipsis" vert="horz" wrap="square" anchor="ctr" anchorCtr="1"/>
+          <a:lstStyle/>
+          <a:p>
+            <a:pPr>
+              <a:defRPr sz="900" b="0" i="0" u="none" strike="noStrike" kern="1200" baseline="0">
+                <a:solidFill>
+                  <a:schemeClr val="tx1">
+                    <a:lumMod val="65000"/>
+                    <a:lumOff val="35000"/>
+                  </a:schemeClr>
+                </a:solidFill>
+                <a:latin typeface="+mn-lt"/>
+                <a:ea typeface="+mn-ea"/>
+                <a:cs typeface="+mn-cs"/>
+              </a:defRPr>
+            </a:pPr>
+            <a:endParaRPr lang="en-US"/>
+          </a:p>
+        </c:txPr>
+        <c:crossAx val="855566240"/>
+        <c:crosses val="autoZero"/>
+        <c:crossBetween val="midCat"/>
+        <c:majorUnit val="0.5"/>
+      </c:valAx>
+      <c:spPr>
+        <a:noFill/>
+        <a:ln>
+          <a:noFill/>
+        </a:ln>
+        <a:effectLst/>
+      </c:spPr>
+    </c:plotArea>
+    <c:legend>
+      <c:legendPos val="r"/>
+      <c:layout/>
+      <c:overlay val="0"/>
+      <c:spPr>
+        <a:noFill/>
+        <a:ln>
+          <a:noFill/>
+        </a:ln>
+        <a:effectLst/>
+      </c:spPr>
+      <c:txPr>
+        <a:bodyPr rot="0" spcFirstLastPara="1" vertOverflow="ellipsis" vert="horz" wrap="square" anchor="ctr" anchorCtr="1"/>
+        <a:lstStyle/>
+        <a:p>
+          <a:pPr>
+            <a:defRPr sz="900" b="0" i="0" u="none" strike="noStrike" kern="1200" baseline="0">
+              <a:solidFill>
+                <a:schemeClr val="tx1">
+                  <a:lumMod val="65000"/>
+                  <a:lumOff val="35000"/>
+                </a:schemeClr>
+              </a:solidFill>
+              <a:latin typeface="+mn-lt"/>
+              <a:ea typeface="+mn-ea"/>
+              <a:cs typeface="+mn-cs"/>
+            </a:defRPr>
+          </a:pPr>
+          <a:endParaRPr lang="en-US"/>
+        </a:p>
+      </c:txPr>
+    </c:legend>
+    <c:plotVisOnly val="1"/>
+    <c:dispBlanksAs val="gap"/>
+    <c:showDLblsOverMax val="0"/>
+  </c:chart>
+  <c:spPr>
+    <a:noFill/>
+    <a:ln>
+      <a:noFill/>
+    </a:ln>
+    <a:effectLst/>
+  </c:spPr>
+  <c:txPr>
+    <a:bodyPr/>
+    <a:lstStyle/>
+    <a:p>
+      <a:pPr>
+        <a:defRPr/>
+      </a:pPr>
+      <a:endParaRPr lang="en-US"/>
     </a:p>
   </c:txPr>
   <c:externalData r:id="rId3">
@@ -587,8 +3010,88 @@
 </cs:colorStyle>
 </file>
 
+<file path=ppt/charts/colors2.xml><?xml version="1.0" encoding="utf-8"?>
+<cs:colorStyle xmlns:cs="http://schemas.microsoft.com/office/drawing/2012/chartStyle" xmlns:a="http://schemas.openxmlformats.org/drawingml/2006/main" meth="cycle" id="10">
+  <a:schemeClr val="accent1"/>
+  <a:schemeClr val="accent2"/>
+  <a:schemeClr val="accent3"/>
+  <a:schemeClr val="accent4"/>
+  <a:schemeClr val="accent5"/>
+  <a:schemeClr val="accent6"/>
+  <cs:variation/>
+  <cs:variation>
+    <a:lumMod val="60000"/>
+  </cs:variation>
+  <cs:variation>
+    <a:lumMod val="80000"/>
+    <a:lumOff val="20000"/>
+  </cs:variation>
+  <cs:variation>
+    <a:lumMod val="80000"/>
+  </cs:variation>
+  <cs:variation>
+    <a:lumMod val="60000"/>
+    <a:lumOff val="40000"/>
+  </cs:variation>
+  <cs:variation>
+    <a:lumMod val="50000"/>
+  </cs:variation>
+  <cs:variation>
+    <a:lumMod val="70000"/>
+    <a:lumOff val="30000"/>
+  </cs:variation>
+  <cs:variation>
+    <a:lumMod val="70000"/>
+  </cs:variation>
+  <cs:variation>
+    <a:lumMod val="50000"/>
+    <a:lumOff val="50000"/>
+  </cs:variation>
+</cs:colorStyle>
+</file>
+
+<file path=ppt/charts/colors3.xml><?xml version="1.0" encoding="utf-8"?>
+<cs:colorStyle xmlns:cs="http://schemas.microsoft.com/office/drawing/2012/chartStyle" xmlns:a="http://schemas.openxmlformats.org/drawingml/2006/main" meth="cycle" id="10">
+  <a:schemeClr val="accent1"/>
+  <a:schemeClr val="accent2"/>
+  <a:schemeClr val="accent3"/>
+  <a:schemeClr val="accent4"/>
+  <a:schemeClr val="accent5"/>
+  <a:schemeClr val="accent6"/>
+  <cs:variation/>
+  <cs:variation>
+    <a:lumMod val="60000"/>
+  </cs:variation>
+  <cs:variation>
+    <a:lumMod val="80000"/>
+    <a:lumOff val="20000"/>
+  </cs:variation>
+  <cs:variation>
+    <a:lumMod val="80000"/>
+  </cs:variation>
+  <cs:variation>
+    <a:lumMod val="60000"/>
+    <a:lumOff val="40000"/>
+  </cs:variation>
+  <cs:variation>
+    <a:lumMod val="50000"/>
+  </cs:variation>
+  <cs:variation>
+    <a:lumMod val="70000"/>
+    <a:lumOff val="30000"/>
+  </cs:variation>
+  <cs:variation>
+    <a:lumMod val="70000"/>
+  </cs:variation>
+  <cs:variation>
+    <a:lumMod val="50000"/>
+    <a:lumOff val="50000"/>
+  </cs:variation>
+</cs:colorStyle>
+</file>
+
 <file path=ppt/charts/style1.xml><?xml version="1.0" encoding="utf-8"?>
-<cs:chartStyle xmlns:cs="http://schemas.microsoft.com/office/drawing/2012/chartStyle" xmlns:a="http://schemas.openxmlformats.org/drawingml/2006/main" id="332">
+<cs:chartStyle xmlns:cs="http://schemas.microsoft.com/office/drawing/2012/chartStyle" xmlns:a="http://schemas.openxmlformats.org/drawingml/2006/main" id="227">
   <cs:axisTitle>
     <cs:lnRef idx="0"/>
     <cs:fillRef idx="0"/>
@@ -599,7 +3102,7 @@
         <a:lumOff val="35000"/>
       </a:schemeClr>
     </cs:fontRef>
-    <cs:defRPr sz="1330" kern="1200"/>
+    <cs:defRPr sz="1000" kern="1200"/>
   </cs:axisTitle>
   <cs:categoryAxis>
     <cs:lnRef idx="0"/>
@@ -622,7 +3125,7 @@
         <a:round/>
       </a:ln>
     </cs:spPr>
-    <cs:defRPr sz="1197" kern="1200"/>
+    <cs:defRPr sz="900" kern="1200"/>
   </cs:categoryAxis>
   <cs:chartArea mods="allowNoFillOverride allowNoLineOverride">
     <cs:lnRef idx="0"/>
@@ -645,7 +3148,7 @@
         <a:round/>
       </a:ln>
     </cs:spPr>
-    <cs:defRPr sz="1330" kern="1200"/>
+    <cs:defRPr sz="1000" kern="1200"/>
   </cs:chartArea>
   <cs:dataLabel>
     <cs:lnRef idx="0"/>
@@ -657,7 +3160,7 @@
         <a:lumOff val="25000"/>
       </a:schemeClr>
     </cs:fontRef>
-    <cs:defRPr sz="1197" kern="1200"/>
+    <cs:defRPr sz="900" kern="1200"/>
   </cs:dataLabel>
   <cs:dataLabelCallout>
     <cs:lnRef idx="0"/>
@@ -682,7 +3185,7 @@
         </a:solidFill>
       </a:ln>
     </cs:spPr>
-    <cs:defRPr sz="1197" kern="1200"/>
+    <cs:defRPr sz="900" kern="1200"/>
     <cs:bodyPr rot="0" spcFirstLastPara="1" vertOverflow="clip" horzOverflow="clip" vert="horz" wrap="square" lIns="36576" tIns="18288" rIns="36576" bIns="18288" anchor="ctr" anchorCtr="1">
       <a:spAutoFit/>
     </cs:bodyPr>
@@ -696,6 +3199,11 @@
     <cs:fontRef idx="minor">
       <a:schemeClr val="tx1"/>
     </cs:fontRef>
+    <cs:spPr>
+      <a:solidFill>
+        <a:schemeClr val="phClr"/>
+      </a:solidFill>
+    </cs:spPr>
   </cs:dataPoint>
   <cs:dataPoint3D>
     <cs:lnRef idx="0"/>
@@ -706,6 +3214,11 @@
     <cs:fontRef idx="minor">
       <a:schemeClr val="tx1"/>
     </cs:fontRef>
+    <cs:spPr>
+      <a:solidFill>
+        <a:schemeClr val="phClr"/>
+      </a:solidFill>
+    </cs:spPr>
   </cs:dataPoint3D>
   <cs:dataPointLine>
     <cs:lnRef idx="0">
@@ -737,6 +3250,9 @@
       <a:schemeClr val="tx1"/>
     </cs:fontRef>
     <cs:spPr>
+      <a:solidFill>
+        <a:schemeClr val="phClr"/>
+      </a:solidFill>
       <a:ln w="9525">
         <a:solidFill>
           <a:schemeClr val="phClr"/>
@@ -785,7 +3301,7 @@
         <a:round/>
       </a:ln>
     </cs:spPr>
-    <cs:defRPr sz="1197" kern="1200"/>
+    <cs:defRPr sz="900" kern="1200"/>
   </cs:dataTable>
   <cs:downBar>
     <cs:lnRef idx="0"/>
@@ -949,7 +3465,7 @@
         <a:lumOff val="35000"/>
       </a:schemeClr>
     </cs:fontRef>
-    <cs:defRPr sz="1197" kern="1200"/>
+    <cs:defRPr sz="900" kern="1200"/>
   </cs:legend>
   <cs:plotArea mods="allowNoFillOverride allowNoLineOverride">
     <cs:lnRef idx="0"/>
@@ -977,7 +3493,7 @@
         <a:lumOff val="35000"/>
       </a:schemeClr>
     </cs:fontRef>
-    <cs:defRPr sz="1197" kern="1200"/>
+    <cs:defRPr sz="900" kern="1200"/>
   </cs:seriesAxis>
   <cs:seriesLine>
     <cs:lnRef idx="0"/>
@@ -1008,7 +3524,7 @@
         <a:lumOff val="35000"/>
       </a:schemeClr>
     </cs:fontRef>
-    <cs:defRPr sz="1862" b="0" kern="1200" spc="0" baseline="0"/>
+    <cs:defRPr sz="1400" b="0" kern="1200" spc="0" baseline="0"/>
   </cs:title>
   <cs:trendline>
     <cs:lnRef idx="0">
@@ -1038,7 +3554,7 @@
         <a:lumOff val="35000"/>
       </a:schemeClr>
     </cs:fontRef>
-    <cs:defRPr sz="1197" kern="1200"/>
+    <cs:defRPr sz="900" kern="1200"/>
   </cs:trendlineLabel>
   <cs:upBar>
     <cs:lnRef idx="0"/>
@@ -1071,7 +3587,1039 @@
         <a:lumOff val="35000"/>
       </a:schemeClr>
     </cs:fontRef>
-    <cs:defRPr sz="1197" kern="1200"/>
+    <cs:defRPr sz="900" kern="1200"/>
+  </cs:valueAxis>
+  <cs:wall>
+    <cs:lnRef idx="0"/>
+    <cs:fillRef idx="0"/>
+    <cs:effectRef idx="0"/>
+    <cs:fontRef idx="minor">
+      <a:schemeClr val="tx1"/>
+    </cs:fontRef>
+    <cs:spPr>
+      <a:noFill/>
+      <a:ln>
+        <a:noFill/>
+      </a:ln>
+    </cs:spPr>
+  </cs:wall>
+</cs:chartStyle>
+</file>
+
+<file path=ppt/charts/style2.xml><?xml version="1.0" encoding="utf-8"?>
+<cs:chartStyle xmlns:cs="http://schemas.microsoft.com/office/drawing/2012/chartStyle" xmlns:a="http://schemas.openxmlformats.org/drawingml/2006/main" id="227">
+  <cs:axisTitle>
+    <cs:lnRef idx="0"/>
+    <cs:fillRef idx="0"/>
+    <cs:effectRef idx="0"/>
+    <cs:fontRef idx="minor">
+      <a:schemeClr val="tx1">
+        <a:lumMod val="65000"/>
+        <a:lumOff val="35000"/>
+      </a:schemeClr>
+    </cs:fontRef>
+    <cs:defRPr sz="1000" kern="1200"/>
+  </cs:axisTitle>
+  <cs:categoryAxis>
+    <cs:lnRef idx="0"/>
+    <cs:fillRef idx="0"/>
+    <cs:effectRef idx="0"/>
+    <cs:fontRef idx="minor">
+      <a:schemeClr val="tx1">
+        <a:lumMod val="65000"/>
+        <a:lumOff val="35000"/>
+      </a:schemeClr>
+    </cs:fontRef>
+    <cs:spPr>
+      <a:ln w="9525" cap="flat" cmpd="sng" algn="ctr">
+        <a:solidFill>
+          <a:schemeClr val="tx1">
+            <a:lumMod val="15000"/>
+            <a:lumOff val="85000"/>
+          </a:schemeClr>
+        </a:solidFill>
+        <a:round/>
+      </a:ln>
+    </cs:spPr>
+    <cs:defRPr sz="900" kern="1200"/>
+  </cs:categoryAxis>
+  <cs:chartArea mods="allowNoFillOverride allowNoLineOverride">
+    <cs:lnRef idx="0"/>
+    <cs:fillRef idx="0"/>
+    <cs:effectRef idx="0"/>
+    <cs:fontRef idx="minor">
+      <a:schemeClr val="tx1"/>
+    </cs:fontRef>
+    <cs:spPr>
+      <a:solidFill>
+        <a:schemeClr val="bg1"/>
+      </a:solidFill>
+      <a:ln w="9525" cap="flat" cmpd="sng" algn="ctr">
+        <a:solidFill>
+          <a:schemeClr val="tx1">
+            <a:lumMod val="15000"/>
+            <a:lumOff val="85000"/>
+          </a:schemeClr>
+        </a:solidFill>
+        <a:round/>
+      </a:ln>
+    </cs:spPr>
+    <cs:defRPr sz="1000" kern="1200"/>
+  </cs:chartArea>
+  <cs:dataLabel>
+    <cs:lnRef idx="0"/>
+    <cs:fillRef idx="0"/>
+    <cs:effectRef idx="0"/>
+    <cs:fontRef idx="minor">
+      <a:schemeClr val="tx1">
+        <a:lumMod val="75000"/>
+        <a:lumOff val="25000"/>
+      </a:schemeClr>
+    </cs:fontRef>
+    <cs:defRPr sz="900" kern="1200"/>
+  </cs:dataLabel>
+  <cs:dataLabelCallout>
+    <cs:lnRef idx="0"/>
+    <cs:fillRef idx="0"/>
+    <cs:effectRef idx="0"/>
+    <cs:fontRef idx="minor">
+      <a:schemeClr val="dk1">
+        <a:lumMod val="65000"/>
+        <a:lumOff val="35000"/>
+      </a:schemeClr>
+    </cs:fontRef>
+    <cs:spPr>
+      <a:solidFill>
+        <a:schemeClr val="lt1"/>
+      </a:solidFill>
+      <a:ln>
+        <a:solidFill>
+          <a:schemeClr val="dk1">
+            <a:lumMod val="25000"/>
+            <a:lumOff val="75000"/>
+          </a:schemeClr>
+        </a:solidFill>
+      </a:ln>
+    </cs:spPr>
+    <cs:defRPr sz="900" kern="1200"/>
+    <cs:bodyPr rot="0" spcFirstLastPara="1" vertOverflow="clip" horzOverflow="clip" vert="horz" wrap="square" lIns="36576" tIns="18288" rIns="36576" bIns="18288" anchor="ctr" anchorCtr="1">
+      <a:spAutoFit/>
+    </cs:bodyPr>
+  </cs:dataLabelCallout>
+  <cs:dataPoint>
+    <cs:lnRef idx="0"/>
+    <cs:fillRef idx="1">
+      <cs:styleClr val="auto"/>
+    </cs:fillRef>
+    <cs:effectRef idx="0"/>
+    <cs:fontRef idx="minor">
+      <a:schemeClr val="tx1"/>
+    </cs:fontRef>
+    <cs:spPr>
+      <a:solidFill>
+        <a:schemeClr val="phClr"/>
+      </a:solidFill>
+    </cs:spPr>
+  </cs:dataPoint>
+  <cs:dataPoint3D>
+    <cs:lnRef idx="0"/>
+    <cs:fillRef idx="1">
+      <cs:styleClr val="auto"/>
+    </cs:fillRef>
+    <cs:effectRef idx="0"/>
+    <cs:fontRef idx="minor">
+      <a:schemeClr val="tx1"/>
+    </cs:fontRef>
+    <cs:spPr>
+      <a:solidFill>
+        <a:schemeClr val="phClr"/>
+      </a:solidFill>
+    </cs:spPr>
+  </cs:dataPoint3D>
+  <cs:dataPointLine>
+    <cs:lnRef idx="0">
+      <cs:styleClr val="auto"/>
+    </cs:lnRef>
+    <cs:fillRef idx="1"/>
+    <cs:effectRef idx="0"/>
+    <cs:fontRef idx="minor">
+      <a:schemeClr val="tx1"/>
+    </cs:fontRef>
+    <cs:spPr>
+      <a:ln w="28575" cap="rnd">
+        <a:solidFill>
+          <a:schemeClr val="phClr"/>
+        </a:solidFill>
+        <a:round/>
+      </a:ln>
+    </cs:spPr>
+  </cs:dataPointLine>
+  <cs:dataPointMarker>
+    <cs:lnRef idx="0">
+      <cs:styleClr val="auto"/>
+    </cs:lnRef>
+    <cs:fillRef idx="1">
+      <cs:styleClr val="auto"/>
+    </cs:fillRef>
+    <cs:effectRef idx="0"/>
+    <cs:fontRef idx="minor">
+      <a:schemeClr val="tx1"/>
+    </cs:fontRef>
+    <cs:spPr>
+      <a:solidFill>
+        <a:schemeClr val="phClr"/>
+      </a:solidFill>
+      <a:ln w="9525">
+        <a:solidFill>
+          <a:schemeClr val="phClr"/>
+        </a:solidFill>
+      </a:ln>
+    </cs:spPr>
+  </cs:dataPointMarker>
+  <cs:dataPointMarkerLayout symbol="circle" size="5"/>
+  <cs:dataPointWireframe>
+    <cs:lnRef idx="0">
+      <cs:styleClr val="auto"/>
+    </cs:lnRef>
+    <cs:fillRef idx="1"/>
+    <cs:effectRef idx="0"/>
+    <cs:fontRef idx="minor">
+      <a:schemeClr val="tx1"/>
+    </cs:fontRef>
+    <cs:spPr>
+      <a:ln w="9525" cap="rnd">
+        <a:solidFill>
+          <a:schemeClr val="phClr"/>
+        </a:solidFill>
+        <a:round/>
+      </a:ln>
+    </cs:spPr>
+  </cs:dataPointWireframe>
+  <cs:dataTable>
+    <cs:lnRef idx="0"/>
+    <cs:fillRef idx="0"/>
+    <cs:effectRef idx="0"/>
+    <cs:fontRef idx="minor">
+      <a:schemeClr val="tx1">
+        <a:lumMod val="65000"/>
+        <a:lumOff val="35000"/>
+      </a:schemeClr>
+    </cs:fontRef>
+    <cs:spPr>
+      <a:noFill/>
+      <a:ln w="9525" cap="flat" cmpd="sng" algn="ctr">
+        <a:solidFill>
+          <a:schemeClr val="tx1">
+            <a:lumMod val="15000"/>
+            <a:lumOff val="85000"/>
+          </a:schemeClr>
+        </a:solidFill>
+        <a:round/>
+      </a:ln>
+    </cs:spPr>
+    <cs:defRPr sz="900" kern="1200"/>
+  </cs:dataTable>
+  <cs:downBar>
+    <cs:lnRef idx="0"/>
+    <cs:fillRef idx="0"/>
+    <cs:effectRef idx="0"/>
+    <cs:fontRef idx="minor">
+      <a:schemeClr val="dk1"/>
+    </cs:fontRef>
+    <cs:spPr>
+      <a:solidFill>
+        <a:schemeClr val="dk1">
+          <a:lumMod val="65000"/>
+          <a:lumOff val="35000"/>
+        </a:schemeClr>
+      </a:solidFill>
+      <a:ln w="9525">
+        <a:solidFill>
+          <a:schemeClr val="tx1">
+            <a:lumMod val="65000"/>
+            <a:lumOff val="35000"/>
+          </a:schemeClr>
+        </a:solidFill>
+      </a:ln>
+    </cs:spPr>
+  </cs:downBar>
+  <cs:dropLine>
+    <cs:lnRef idx="0"/>
+    <cs:fillRef idx="0"/>
+    <cs:effectRef idx="0"/>
+    <cs:fontRef idx="minor">
+      <a:schemeClr val="tx1"/>
+    </cs:fontRef>
+    <cs:spPr>
+      <a:ln w="9525" cap="flat" cmpd="sng" algn="ctr">
+        <a:solidFill>
+          <a:schemeClr val="tx1">
+            <a:lumMod val="35000"/>
+            <a:lumOff val="65000"/>
+          </a:schemeClr>
+        </a:solidFill>
+        <a:round/>
+      </a:ln>
+    </cs:spPr>
+  </cs:dropLine>
+  <cs:errorBar>
+    <cs:lnRef idx="0"/>
+    <cs:fillRef idx="0"/>
+    <cs:effectRef idx="0"/>
+    <cs:fontRef idx="minor">
+      <a:schemeClr val="tx1"/>
+    </cs:fontRef>
+    <cs:spPr>
+      <a:ln w="9525" cap="flat" cmpd="sng" algn="ctr">
+        <a:solidFill>
+          <a:schemeClr val="tx1">
+            <a:lumMod val="65000"/>
+            <a:lumOff val="35000"/>
+          </a:schemeClr>
+        </a:solidFill>
+        <a:round/>
+      </a:ln>
+    </cs:spPr>
+  </cs:errorBar>
+  <cs:floor>
+    <cs:lnRef idx="0"/>
+    <cs:fillRef idx="0"/>
+    <cs:effectRef idx="0"/>
+    <cs:fontRef idx="minor">
+      <a:schemeClr val="tx1"/>
+    </cs:fontRef>
+    <cs:spPr>
+      <a:noFill/>
+      <a:ln>
+        <a:noFill/>
+      </a:ln>
+    </cs:spPr>
+  </cs:floor>
+  <cs:gridlineMajor>
+    <cs:lnRef idx="0"/>
+    <cs:fillRef idx="0"/>
+    <cs:effectRef idx="0"/>
+    <cs:fontRef idx="minor">
+      <a:schemeClr val="tx1"/>
+    </cs:fontRef>
+    <cs:spPr>
+      <a:ln w="9525" cap="flat" cmpd="sng" algn="ctr">
+        <a:solidFill>
+          <a:schemeClr val="tx1">
+            <a:lumMod val="15000"/>
+            <a:lumOff val="85000"/>
+          </a:schemeClr>
+        </a:solidFill>
+        <a:round/>
+      </a:ln>
+    </cs:spPr>
+  </cs:gridlineMajor>
+  <cs:gridlineMinor>
+    <cs:lnRef idx="0"/>
+    <cs:fillRef idx="0"/>
+    <cs:effectRef idx="0"/>
+    <cs:fontRef idx="minor">
+      <a:schemeClr val="tx1"/>
+    </cs:fontRef>
+    <cs:spPr>
+      <a:ln w="9525" cap="flat" cmpd="sng" algn="ctr">
+        <a:solidFill>
+          <a:schemeClr val="tx1">
+            <a:lumMod val="5000"/>
+            <a:lumOff val="95000"/>
+          </a:schemeClr>
+        </a:solidFill>
+        <a:round/>
+      </a:ln>
+    </cs:spPr>
+  </cs:gridlineMinor>
+  <cs:hiLoLine>
+    <cs:lnRef idx="0"/>
+    <cs:fillRef idx="0"/>
+    <cs:effectRef idx="0"/>
+    <cs:fontRef idx="minor">
+      <a:schemeClr val="tx1"/>
+    </cs:fontRef>
+    <cs:spPr>
+      <a:ln w="9525" cap="flat" cmpd="sng" algn="ctr">
+        <a:solidFill>
+          <a:schemeClr val="tx1">
+            <a:lumMod val="75000"/>
+            <a:lumOff val="25000"/>
+          </a:schemeClr>
+        </a:solidFill>
+        <a:round/>
+      </a:ln>
+    </cs:spPr>
+  </cs:hiLoLine>
+  <cs:leaderLine>
+    <cs:lnRef idx="0"/>
+    <cs:fillRef idx="0"/>
+    <cs:effectRef idx="0"/>
+    <cs:fontRef idx="minor">
+      <a:schemeClr val="tx1"/>
+    </cs:fontRef>
+    <cs:spPr>
+      <a:ln w="9525" cap="flat" cmpd="sng" algn="ctr">
+        <a:solidFill>
+          <a:schemeClr val="tx1">
+            <a:lumMod val="35000"/>
+            <a:lumOff val="65000"/>
+          </a:schemeClr>
+        </a:solidFill>
+        <a:round/>
+      </a:ln>
+    </cs:spPr>
+  </cs:leaderLine>
+  <cs:legend>
+    <cs:lnRef idx="0"/>
+    <cs:fillRef idx="0"/>
+    <cs:effectRef idx="0"/>
+    <cs:fontRef idx="minor">
+      <a:schemeClr val="tx1">
+        <a:lumMod val="65000"/>
+        <a:lumOff val="35000"/>
+      </a:schemeClr>
+    </cs:fontRef>
+    <cs:defRPr sz="900" kern="1200"/>
+  </cs:legend>
+  <cs:plotArea mods="allowNoFillOverride allowNoLineOverride">
+    <cs:lnRef idx="0"/>
+    <cs:fillRef idx="0"/>
+    <cs:effectRef idx="0"/>
+    <cs:fontRef idx="minor">
+      <a:schemeClr val="tx1"/>
+    </cs:fontRef>
+  </cs:plotArea>
+  <cs:plotArea3D mods="allowNoFillOverride allowNoLineOverride">
+    <cs:lnRef idx="0"/>
+    <cs:fillRef idx="0"/>
+    <cs:effectRef idx="0"/>
+    <cs:fontRef idx="minor">
+      <a:schemeClr val="tx1"/>
+    </cs:fontRef>
+  </cs:plotArea3D>
+  <cs:seriesAxis>
+    <cs:lnRef idx="0"/>
+    <cs:fillRef idx="0"/>
+    <cs:effectRef idx="0"/>
+    <cs:fontRef idx="minor">
+      <a:schemeClr val="tx1">
+        <a:lumMod val="65000"/>
+        <a:lumOff val="35000"/>
+      </a:schemeClr>
+    </cs:fontRef>
+    <cs:defRPr sz="900" kern="1200"/>
+  </cs:seriesAxis>
+  <cs:seriesLine>
+    <cs:lnRef idx="0"/>
+    <cs:fillRef idx="0"/>
+    <cs:effectRef idx="0"/>
+    <cs:fontRef idx="minor">
+      <a:schemeClr val="tx1"/>
+    </cs:fontRef>
+    <cs:spPr>
+      <a:ln w="9525" cap="flat" cmpd="sng" algn="ctr">
+        <a:solidFill>
+          <a:schemeClr val="tx1">
+            <a:lumMod val="35000"/>
+            <a:lumOff val="65000"/>
+          </a:schemeClr>
+        </a:solidFill>
+        <a:round/>
+      </a:ln>
+    </cs:spPr>
+  </cs:seriesLine>
+  <cs:title>
+    <cs:lnRef idx="0"/>
+    <cs:fillRef idx="0"/>
+    <cs:effectRef idx="0"/>
+    <cs:fontRef idx="minor">
+      <a:schemeClr val="tx1">
+        <a:lumMod val="65000"/>
+        <a:lumOff val="35000"/>
+      </a:schemeClr>
+    </cs:fontRef>
+    <cs:defRPr sz="1400" b="0" kern="1200" spc="0" baseline="0"/>
+  </cs:title>
+  <cs:trendline>
+    <cs:lnRef idx="0">
+      <cs:styleClr val="auto"/>
+    </cs:lnRef>
+    <cs:fillRef idx="0"/>
+    <cs:effectRef idx="0"/>
+    <cs:fontRef idx="minor">
+      <a:schemeClr val="tx1"/>
+    </cs:fontRef>
+    <cs:spPr>
+      <a:ln w="19050" cap="rnd">
+        <a:solidFill>
+          <a:schemeClr val="phClr"/>
+        </a:solidFill>
+        <a:prstDash val="sysDot"/>
+      </a:ln>
+    </cs:spPr>
+  </cs:trendline>
+  <cs:trendlineLabel>
+    <cs:lnRef idx="0"/>
+    <cs:fillRef idx="0"/>
+    <cs:effectRef idx="0"/>
+    <cs:fontRef idx="minor">
+      <a:schemeClr val="tx1">
+        <a:lumMod val="65000"/>
+        <a:lumOff val="35000"/>
+      </a:schemeClr>
+    </cs:fontRef>
+    <cs:defRPr sz="900" kern="1200"/>
+  </cs:trendlineLabel>
+  <cs:upBar>
+    <cs:lnRef idx="0"/>
+    <cs:fillRef idx="0"/>
+    <cs:effectRef idx="0"/>
+    <cs:fontRef idx="minor">
+      <a:schemeClr val="dk1"/>
+    </cs:fontRef>
+    <cs:spPr>
+      <a:solidFill>
+        <a:schemeClr val="lt1"/>
+      </a:solidFill>
+      <a:ln w="9525">
+        <a:solidFill>
+          <a:schemeClr val="tx1">
+            <a:lumMod val="15000"/>
+            <a:lumOff val="85000"/>
+          </a:schemeClr>
+        </a:solidFill>
+      </a:ln>
+    </cs:spPr>
+  </cs:upBar>
+  <cs:valueAxis>
+    <cs:lnRef idx="0"/>
+    <cs:fillRef idx="0"/>
+    <cs:effectRef idx="0"/>
+    <cs:fontRef idx="minor">
+      <a:schemeClr val="tx1">
+        <a:lumMod val="65000"/>
+        <a:lumOff val="35000"/>
+      </a:schemeClr>
+    </cs:fontRef>
+    <cs:defRPr sz="900" kern="1200"/>
+  </cs:valueAxis>
+  <cs:wall>
+    <cs:lnRef idx="0"/>
+    <cs:fillRef idx="0"/>
+    <cs:effectRef idx="0"/>
+    <cs:fontRef idx="minor">
+      <a:schemeClr val="tx1"/>
+    </cs:fontRef>
+    <cs:spPr>
+      <a:noFill/>
+      <a:ln>
+        <a:noFill/>
+      </a:ln>
+    </cs:spPr>
+  </cs:wall>
+</cs:chartStyle>
+</file>
+
+<file path=ppt/charts/style3.xml><?xml version="1.0" encoding="utf-8"?>
+<cs:chartStyle xmlns:cs="http://schemas.microsoft.com/office/drawing/2012/chartStyle" xmlns:a="http://schemas.openxmlformats.org/drawingml/2006/main" id="227">
+  <cs:axisTitle>
+    <cs:lnRef idx="0"/>
+    <cs:fillRef idx="0"/>
+    <cs:effectRef idx="0"/>
+    <cs:fontRef idx="minor">
+      <a:schemeClr val="tx1">
+        <a:lumMod val="65000"/>
+        <a:lumOff val="35000"/>
+      </a:schemeClr>
+    </cs:fontRef>
+    <cs:defRPr sz="1000" kern="1200"/>
+  </cs:axisTitle>
+  <cs:categoryAxis>
+    <cs:lnRef idx="0"/>
+    <cs:fillRef idx="0"/>
+    <cs:effectRef idx="0"/>
+    <cs:fontRef idx="minor">
+      <a:schemeClr val="tx1">
+        <a:lumMod val="65000"/>
+        <a:lumOff val="35000"/>
+      </a:schemeClr>
+    </cs:fontRef>
+    <cs:spPr>
+      <a:ln w="9525" cap="flat" cmpd="sng" algn="ctr">
+        <a:solidFill>
+          <a:schemeClr val="tx1">
+            <a:lumMod val="15000"/>
+            <a:lumOff val="85000"/>
+          </a:schemeClr>
+        </a:solidFill>
+        <a:round/>
+      </a:ln>
+    </cs:spPr>
+    <cs:defRPr sz="900" kern="1200"/>
+  </cs:categoryAxis>
+  <cs:chartArea mods="allowNoFillOverride allowNoLineOverride">
+    <cs:lnRef idx="0"/>
+    <cs:fillRef idx="0"/>
+    <cs:effectRef idx="0"/>
+    <cs:fontRef idx="minor">
+      <a:schemeClr val="tx1"/>
+    </cs:fontRef>
+    <cs:spPr>
+      <a:solidFill>
+        <a:schemeClr val="bg1"/>
+      </a:solidFill>
+      <a:ln w="9525" cap="flat" cmpd="sng" algn="ctr">
+        <a:solidFill>
+          <a:schemeClr val="tx1">
+            <a:lumMod val="15000"/>
+            <a:lumOff val="85000"/>
+          </a:schemeClr>
+        </a:solidFill>
+        <a:round/>
+      </a:ln>
+    </cs:spPr>
+    <cs:defRPr sz="1000" kern="1200"/>
+  </cs:chartArea>
+  <cs:dataLabel>
+    <cs:lnRef idx="0"/>
+    <cs:fillRef idx="0"/>
+    <cs:effectRef idx="0"/>
+    <cs:fontRef idx="minor">
+      <a:schemeClr val="tx1">
+        <a:lumMod val="75000"/>
+        <a:lumOff val="25000"/>
+      </a:schemeClr>
+    </cs:fontRef>
+    <cs:defRPr sz="900" kern="1200"/>
+  </cs:dataLabel>
+  <cs:dataLabelCallout>
+    <cs:lnRef idx="0"/>
+    <cs:fillRef idx="0"/>
+    <cs:effectRef idx="0"/>
+    <cs:fontRef idx="minor">
+      <a:schemeClr val="dk1">
+        <a:lumMod val="65000"/>
+        <a:lumOff val="35000"/>
+      </a:schemeClr>
+    </cs:fontRef>
+    <cs:spPr>
+      <a:solidFill>
+        <a:schemeClr val="lt1"/>
+      </a:solidFill>
+      <a:ln>
+        <a:solidFill>
+          <a:schemeClr val="dk1">
+            <a:lumMod val="25000"/>
+            <a:lumOff val="75000"/>
+          </a:schemeClr>
+        </a:solidFill>
+      </a:ln>
+    </cs:spPr>
+    <cs:defRPr sz="900" kern="1200"/>
+    <cs:bodyPr rot="0" spcFirstLastPara="1" vertOverflow="clip" horzOverflow="clip" vert="horz" wrap="square" lIns="36576" tIns="18288" rIns="36576" bIns="18288" anchor="ctr" anchorCtr="1">
+      <a:spAutoFit/>
+    </cs:bodyPr>
+  </cs:dataLabelCallout>
+  <cs:dataPoint>
+    <cs:lnRef idx="0"/>
+    <cs:fillRef idx="1">
+      <cs:styleClr val="auto"/>
+    </cs:fillRef>
+    <cs:effectRef idx="0"/>
+    <cs:fontRef idx="minor">
+      <a:schemeClr val="tx1"/>
+    </cs:fontRef>
+    <cs:spPr>
+      <a:solidFill>
+        <a:schemeClr val="phClr"/>
+      </a:solidFill>
+    </cs:spPr>
+  </cs:dataPoint>
+  <cs:dataPoint3D>
+    <cs:lnRef idx="0"/>
+    <cs:fillRef idx="1">
+      <cs:styleClr val="auto"/>
+    </cs:fillRef>
+    <cs:effectRef idx="0"/>
+    <cs:fontRef idx="minor">
+      <a:schemeClr val="tx1"/>
+    </cs:fontRef>
+    <cs:spPr>
+      <a:solidFill>
+        <a:schemeClr val="phClr"/>
+      </a:solidFill>
+    </cs:spPr>
+  </cs:dataPoint3D>
+  <cs:dataPointLine>
+    <cs:lnRef idx="0">
+      <cs:styleClr val="auto"/>
+    </cs:lnRef>
+    <cs:fillRef idx="1"/>
+    <cs:effectRef idx="0"/>
+    <cs:fontRef idx="minor">
+      <a:schemeClr val="tx1"/>
+    </cs:fontRef>
+    <cs:spPr>
+      <a:ln w="28575" cap="rnd">
+        <a:solidFill>
+          <a:schemeClr val="phClr"/>
+        </a:solidFill>
+        <a:round/>
+      </a:ln>
+    </cs:spPr>
+  </cs:dataPointLine>
+  <cs:dataPointMarker>
+    <cs:lnRef idx="0">
+      <cs:styleClr val="auto"/>
+    </cs:lnRef>
+    <cs:fillRef idx="1">
+      <cs:styleClr val="auto"/>
+    </cs:fillRef>
+    <cs:effectRef idx="0"/>
+    <cs:fontRef idx="minor">
+      <a:schemeClr val="tx1"/>
+    </cs:fontRef>
+    <cs:spPr>
+      <a:solidFill>
+        <a:schemeClr val="phClr"/>
+      </a:solidFill>
+      <a:ln w="9525">
+        <a:solidFill>
+          <a:schemeClr val="phClr"/>
+        </a:solidFill>
+      </a:ln>
+    </cs:spPr>
+  </cs:dataPointMarker>
+  <cs:dataPointMarkerLayout symbol="circle" size="5"/>
+  <cs:dataPointWireframe>
+    <cs:lnRef idx="0">
+      <cs:styleClr val="auto"/>
+    </cs:lnRef>
+    <cs:fillRef idx="1"/>
+    <cs:effectRef idx="0"/>
+    <cs:fontRef idx="minor">
+      <a:schemeClr val="tx1"/>
+    </cs:fontRef>
+    <cs:spPr>
+      <a:ln w="9525" cap="rnd">
+        <a:solidFill>
+          <a:schemeClr val="phClr"/>
+        </a:solidFill>
+        <a:round/>
+      </a:ln>
+    </cs:spPr>
+  </cs:dataPointWireframe>
+  <cs:dataTable>
+    <cs:lnRef idx="0"/>
+    <cs:fillRef idx="0"/>
+    <cs:effectRef idx="0"/>
+    <cs:fontRef idx="minor">
+      <a:schemeClr val="tx1">
+        <a:lumMod val="65000"/>
+        <a:lumOff val="35000"/>
+      </a:schemeClr>
+    </cs:fontRef>
+    <cs:spPr>
+      <a:noFill/>
+      <a:ln w="9525" cap="flat" cmpd="sng" algn="ctr">
+        <a:solidFill>
+          <a:schemeClr val="tx1">
+            <a:lumMod val="15000"/>
+            <a:lumOff val="85000"/>
+          </a:schemeClr>
+        </a:solidFill>
+        <a:round/>
+      </a:ln>
+    </cs:spPr>
+    <cs:defRPr sz="900" kern="1200"/>
+  </cs:dataTable>
+  <cs:downBar>
+    <cs:lnRef idx="0"/>
+    <cs:fillRef idx="0"/>
+    <cs:effectRef idx="0"/>
+    <cs:fontRef idx="minor">
+      <a:schemeClr val="dk1"/>
+    </cs:fontRef>
+    <cs:spPr>
+      <a:solidFill>
+        <a:schemeClr val="dk1">
+          <a:lumMod val="65000"/>
+          <a:lumOff val="35000"/>
+        </a:schemeClr>
+      </a:solidFill>
+      <a:ln w="9525">
+        <a:solidFill>
+          <a:schemeClr val="tx1">
+            <a:lumMod val="65000"/>
+            <a:lumOff val="35000"/>
+          </a:schemeClr>
+        </a:solidFill>
+      </a:ln>
+    </cs:spPr>
+  </cs:downBar>
+  <cs:dropLine>
+    <cs:lnRef idx="0"/>
+    <cs:fillRef idx="0"/>
+    <cs:effectRef idx="0"/>
+    <cs:fontRef idx="minor">
+      <a:schemeClr val="tx1"/>
+    </cs:fontRef>
+    <cs:spPr>
+      <a:ln w="9525" cap="flat" cmpd="sng" algn="ctr">
+        <a:solidFill>
+          <a:schemeClr val="tx1">
+            <a:lumMod val="35000"/>
+            <a:lumOff val="65000"/>
+          </a:schemeClr>
+        </a:solidFill>
+        <a:round/>
+      </a:ln>
+    </cs:spPr>
+  </cs:dropLine>
+  <cs:errorBar>
+    <cs:lnRef idx="0"/>
+    <cs:fillRef idx="0"/>
+    <cs:effectRef idx="0"/>
+    <cs:fontRef idx="minor">
+      <a:schemeClr val="tx1"/>
+    </cs:fontRef>
+    <cs:spPr>
+      <a:ln w="9525" cap="flat" cmpd="sng" algn="ctr">
+        <a:solidFill>
+          <a:schemeClr val="tx1">
+            <a:lumMod val="65000"/>
+            <a:lumOff val="35000"/>
+          </a:schemeClr>
+        </a:solidFill>
+        <a:round/>
+      </a:ln>
+    </cs:spPr>
+  </cs:errorBar>
+  <cs:floor>
+    <cs:lnRef idx="0"/>
+    <cs:fillRef idx="0"/>
+    <cs:effectRef idx="0"/>
+    <cs:fontRef idx="minor">
+      <a:schemeClr val="tx1"/>
+    </cs:fontRef>
+    <cs:spPr>
+      <a:noFill/>
+      <a:ln>
+        <a:noFill/>
+      </a:ln>
+    </cs:spPr>
+  </cs:floor>
+  <cs:gridlineMajor>
+    <cs:lnRef idx="0"/>
+    <cs:fillRef idx="0"/>
+    <cs:effectRef idx="0"/>
+    <cs:fontRef idx="minor">
+      <a:schemeClr val="tx1"/>
+    </cs:fontRef>
+    <cs:spPr>
+      <a:ln w="9525" cap="flat" cmpd="sng" algn="ctr">
+        <a:solidFill>
+          <a:schemeClr val="tx1">
+            <a:lumMod val="15000"/>
+            <a:lumOff val="85000"/>
+          </a:schemeClr>
+        </a:solidFill>
+        <a:round/>
+      </a:ln>
+    </cs:spPr>
+  </cs:gridlineMajor>
+  <cs:gridlineMinor>
+    <cs:lnRef idx="0"/>
+    <cs:fillRef idx="0"/>
+    <cs:effectRef idx="0"/>
+    <cs:fontRef idx="minor">
+      <a:schemeClr val="tx1"/>
+    </cs:fontRef>
+    <cs:spPr>
+      <a:ln w="9525" cap="flat" cmpd="sng" algn="ctr">
+        <a:solidFill>
+          <a:schemeClr val="tx1">
+            <a:lumMod val="5000"/>
+            <a:lumOff val="95000"/>
+          </a:schemeClr>
+        </a:solidFill>
+        <a:round/>
+      </a:ln>
+    </cs:spPr>
+  </cs:gridlineMinor>
+  <cs:hiLoLine>
+    <cs:lnRef idx="0"/>
+    <cs:fillRef idx="0"/>
+    <cs:effectRef idx="0"/>
+    <cs:fontRef idx="minor">
+      <a:schemeClr val="tx1"/>
+    </cs:fontRef>
+    <cs:spPr>
+      <a:ln w="9525" cap="flat" cmpd="sng" algn="ctr">
+        <a:solidFill>
+          <a:schemeClr val="tx1">
+            <a:lumMod val="75000"/>
+            <a:lumOff val="25000"/>
+          </a:schemeClr>
+        </a:solidFill>
+        <a:round/>
+      </a:ln>
+    </cs:spPr>
+  </cs:hiLoLine>
+  <cs:leaderLine>
+    <cs:lnRef idx="0"/>
+    <cs:fillRef idx="0"/>
+    <cs:effectRef idx="0"/>
+    <cs:fontRef idx="minor">
+      <a:schemeClr val="tx1"/>
+    </cs:fontRef>
+    <cs:spPr>
+      <a:ln w="9525" cap="flat" cmpd="sng" algn="ctr">
+        <a:solidFill>
+          <a:schemeClr val="tx1">
+            <a:lumMod val="35000"/>
+            <a:lumOff val="65000"/>
+          </a:schemeClr>
+        </a:solidFill>
+        <a:round/>
+      </a:ln>
+    </cs:spPr>
+  </cs:leaderLine>
+  <cs:legend>
+    <cs:lnRef idx="0"/>
+    <cs:fillRef idx="0"/>
+    <cs:effectRef idx="0"/>
+    <cs:fontRef idx="minor">
+      <a:schemeClr val="tx1">
+        <a:lumMod val="65000"/>
+        <a:lumOff val="35000"/>
+      </a:schemeClr>
+    </cs:fontRef>
+    <cs:defRPr sz="900" kern="1200"/>
+  </cs:legend>
+  <cs:plotArea mods="allowNoFillOverride allowNoLineOverride">
+    <cs:lnRef idx="0"/>
+    <cs:fillRef idx="0"/>
+    <cs:effectRef idx="0"/>
+    <cs:fontRef idx="minor">
+      <a:schemeClr val="tx1"/>
+    </cs:fontRef>
+  </cs:plotArea>
+  <cs:plotArea3D mods="allowNoFillOverride allowNoLineOverride">
+    <cs:lnRef idx="0"/>
+    <cs:fillRef idx="0"/>
+    <cs:effectRef idx="0"/>
+    <cs:fontRef idx="minor">
+      <a:schemeClr val="tx1"/>
+    </cs:fontRef>
+  </cs:plotArea3D>
+  <cs:seriesAxis>
+    <cs:lnRef idx="0"/>
+    <cs:fillRef idx="0"/>
+    <cs:effectRef idx="0"/>
+    <cs:fontRef idx="minor">
+      <a:schemeClr val="tx1">
+        <a:lumMod val="65000"/>
+        <a:lumOff val="35000"/>
+      </a:schemeClr>
+    </cs:fontRef>
+    <cs:defRPr sz="900" kern="1200"/>
+  </cs:seriesAxis>
+  <cs:seriesLine>
+    <cs:lnRef idx="0"/>
+    <cs:fillRef idx="0"/>
+    <cs:effectRef idx="0"/>
+    <cs:fontRef idx="minor">
+      <a:schemeClr val="tx1"/>
+    </cs:fontRef>
+    <cs:spPr>
+      <a:ln w="9525" cap="flat" cmpd="sng" algn="ctr">
+        <a:solidFill>
+          <a:schemeClr val="tx1">
+            <a:lumMod val="35000"/>
+            <a:lumOff val="65000"/>
+          </a:schemeClr>
+        </a:solidFill>
+        <a:round/>
+      </a:ln>
+    </cs:spPr>
+  </cs:seriesLine>
+  <cs:title>
+    <cs:lnRef idx="0"/>
+    <cs:fillRef idx="0"/>
+    <cs:effectRef idx="0"/>
+    <cs:fontRef idx="minor">
+      <a:schemeClr val="tx1">
+        <a:lumMod val="65000"/>
+        <a:lumOff val="35000"/>
+      </a:schemeClr>
+    </cs:fontRef>
+    <cs:defRPr sz="1400" b="0" kern="1200" spc="0" baseline="0"/>
+  </cs:title>
+  <cs:trendline>
+    <cs:lnRef idx="0">
+      <cs:styleClr val="auto"/>
+    </cs:lnRef>
+    <cs:fillRef idx="0"/>
+    <cs:effectRef idx="0"/>
+    <cs:fontRef idx="minor">
+      <a:schemeClr val="tx1"/>
+    </cs:fontRef>
+    <cs:spPr>
+      <a:ln w="19050" cap="rnd">
+        <a:solidFill>
+          <a:schemeClr val="phClr"/>
+        </a:solidFill>
+        <a:prstDash val="sysDot"/>
+      </a:ln>
+    </cs:spPr>
+  </cs:trendline>
+  <cs:trendlineLabel>
+    <cs:lnRef idx="0"/>
+    <cs:fillRef idx="0"/>
+    <cs:effectRef idx="0"/>
+    <cs:fontRef idx="minor">
+      <a:schemeClr val="tx1">
+        <a:lumMod val="65000"/>
+        <a:lumOff val="35000"/>
+      </a:schemeClr>
+    </cs:fontRef>
+    <cs:defRPr sz="900" kern="1200"/>
+  </cs:trendlineLabel>
+  <cs:upBar>
+    <cs:lnRef idx="0"/>
+    <cs:fillRef idx="0"/>
+    <cs:effectRef idx="0"/>
+    <cs:fontRef idx="minor">
+      <a:schemeClr val="dk1"/>
+    </cs:fontRef>
+    <cs:spPr>
+      <a:solidFill>
+        <a:schemeClr val="lt1"/>
+      </a:solidFill>
+      <a:ln w="9525">
+        <a:solidFill>
+          <a:schemeClr val="tx1">
+            <a:lumMod val="15000"/>
+            <a:lumOff val="85000"/>
+          </a:schemeClr>
+        </a:solidFill>
+      </a:ln>
+    </cs:spPr>
+  </cs:upBar>
+  <cs:valueAxis>
+    <cs:lnRef idx="0"/>
+    <cs:fillRef idx="0"/>
+    <cs:effectRef idx="0"/>
+    <cs:fontRef idx="minor">
+      <a:schemeClr val="tx1">
+        <a:lumMod val="65000"/>
+        <a:lumOff val="35000"/>
+      </a:schemeClr>
+    </cs:fontRef>
+    <cs:defRPr sz="900" kern="1200"/>
   </cs:valueAxis>
   <cs:wall>
     <cs:lnRef idx="0"/>
@@ -1117,7 +4665,7 @@
           <p:cNvPr id="2" name="Верхний колонтитул 1">
             <a:extLst>
               <a:ext uri="{FF2B5EF4-FFF2-40B4-BE49-F238E27FC236}">
-                <a16:creationId xmlns:a16="http://schemas.microsoft.com/office/drawing/2014/main" xmlns="" id="{260D1341-3503-487C-B2C2-A6063D072EA6}"/>
+                <a16:creationId xmlns:a16="http://schemas.microsoft.com/office/drawing/2014/main" id="{260D1341-3503-487C-B2C2-A6063D072EA6}"/>
               </a:ext>
             </a:extLst>
           </p:cNvPr>
@@ -1154,7 +4702,7 @@
           <p:cNvPr id="3" name="Дата 2">
             <a:extLst>
               <a:ext uri="{FF2B5EF4-FFF2-40B4-BE49-F238E27FC236}">
-                <a16:creationId xmlns:a16="http://schemas.microsoft.com/office/drawing/2014/main" xmlns="" id="{B8AEEF98-7BDD-4C72-BD8C-644041A68A22}"/>
+                <a16:creationId xmlns:a16="http://schemas.microsoft.com/office/drawing/2014/main" id="{B8AEEF98-7BDD-4C72-BD8C-644041A68A22}"/>
               </a:ext>
             </a:extLst>
           </p:cNvPr>
@@ -1195,7 +4743,7 @@
           <p:cNvPr id="4" name="Нижний колонтитул 3">
             <a:extLst>
               <a:ext uri="{FF2B5EF4-FFF2-40B4-BE49-F238E27FC236}">
-                <a16:creationId xmlns:a16="http://schemas.microsoft.com/office/drawing/2014/main" xmlns="" id="{8A9A61ED-275F-419B-B7E2-E79F99C7E38E}"/>
+                <a16:creationId xmlns:a16="http://schemas.microsoft.com/office/drawing/2014/main" id="{8A9A61ED-275F-419B-B7E2-E79F99C7E38E}"/>
               </a:ext>
             </a:extLst>
           </p:cNvPr>
@@ -1232,7 +4780,7 @@
           <p:cNvPr id="5" name="Номер слайда 4">
             <a:extLst>
               <a:ext uri="{FF2B5EF4-FFF2-40B4-BE49-F238E27FC236}">
-                <a16:creationId xmlns:a16="http://schemas.microsoft.com/office/drawing/2014/main" xmlns="" id="{992D84CA-A59B-4F92-95A7-F148697C5BED}"/>
+                <a16:creationId xmlns:a16="http://schemas.microsoft.com/office/drawing/2014/main" id="{992D84CA-A59B-4F92-95A7-F148697C5BED}"/>
               </a:ext>
             </a:extLst>
           </p:cNvPr>
@@ -1652,7 +5200,7 @@
           <p:cNvPr id="2" name="Заголовок 1">
             <a:extLst>
               <a:ext uri="{FF2B5EF4-FFF2-40B4-BE49-F238E27FC236}">
-                <a16:creationId xmlns:a16="http://schemas.microsoft.com/office/drawing/2014/main" xmlns="" id="{02E488CE-BB74-46D3-90B9-713EBE8D0B2E}"/>
+                <a16:creationId xmlns:a16="http://schemas.microsoft.com/office/drawing/2014/main" id="{02E488CE-BB74-46D3-90B9-713EBE8D0B2E}"/>
               </a:ext>
             </a:extLst>
           </p:cNvPr>
@@ -1694,7 +5242,7 @@
           <p:cNvPr id="3" name="Подзаголовок 2">
             <a:extLst>
               <a:ext uri="{FF2B5EF4-FFF2-40B4-BE49-F238E27FC236}">
-                <a16:creationId xmlns:a16="http://schemas.microsoft.com/office/drawing/2014/main" xmlns="" id="{D2630922-A485-4FF7-BB07-B0F425146DE9}"/>
+                <a16:creationId xmlns:a16="http://schemas.microsoft.com/office/drawing/2014/main" id="{D2630922-A485-4FF7-BB07-B0F425146DE9}"/>
               </a:ext>
             </a:extLst>
           </p:cNvPr>
@@ -1767,7 +5315,7 @@
           <p:cNvPr id="5" name="Нижний колонтитул 4">
             <a:extLst>
               <a:ext uri="{FF2B5EF4-FFF2-40B4-BE49-F238E27FC236}">
-                <a16:creationId xmlns:a16="http://schemas.microsoft.com/office/drawing/2014/main" xmlns="" id="{91B5DE16-A7BD-4ABD-999B-24DCE1863DD4}"/>
+                <a16:creationId xmlns:a16="http://schemas.microsoft.com/office/drawing/2014/main" id="{91B5DE16-A7BD-4ABD-999B-24DCE1863DD4}"/>
               </a:ext>
             </a:extLst>
           </p:cNvPr>
@@ -1806,7 +5354,7 @@
           <p:cNvPr id="7" name="Дата 3">
             <a:extLst>
               <a:ext uri="{FF2B5EF4-FFF2-40B4-BE49-F238E27FC236}">
-                <a16:creationId xmlns:a16="http://schemas.microsoft.com/office/drawing/2014/main" xmlns="" id="{DC5540A6-634B-4BA2-AA77-828AA7F80B39}"/>
+                <a16:creationId xmlns:a16="http://schemas.microsoft.com/office/drawing/2014/main" id="{DC5540A6-634B-4BA2-AA77-828AA7F80B39}"/>
               </a:ext>
             </a:extLst>
           </p:cNvPr>
@@ -1946,7 +5494,7 @@
           <p:cNvPr id="10" name="Рисунок 17">
             <a:extLst>
               <a:ext uri="{FF2B5EF4-FFF2-40B4-BE49-F238E27FC236}">
-                <a16:creationId xmlns:a16="http://schemas.microsoft.com/office/drawing/2014/main" xmlns="" id="{60AEDDCC-4C87-4893-A5D3-0631D38616C4}"/>
+                <a16:creationId xmlns:a16="http://schemas.microsoft.com/office/drawing/2014/main" id="{60AEDDCC-4C87-4893-A5D3-0631D38616C4}"/>
               </a:ext>
             </a:extLst>
           </p:cNvPr>
@@ -1982,7 +5530,7 @@
           <p:cNvPr id="11" name="Рисунок 18">
             <a:extLst>
               <a:ext uri="{FF2B5EF4-FFF2-40B4-BE49-F238E27FC236}">
-                <a16:creationId xmlns:a16="http://schemas.microsoft.com/office/drawing/2014/main" xmlns="" id="{DCEFA212-7D5C-4A28-812C-20A093AA4AB3}"/>
+                <a16:creationId xmlns:a16="http://schemas.microsoft.com/office/drawing/2014/main" id="{DCEFA212-7D5C-4A28-812C-20A093AA4AB3}"/>
               </a:ext>
             </a:extLst>
           </p:cNvPr>
@@ -2048,7 +5596,7 @@
           <p:cNvPr id="2" name="Заголовок 1">
             <a:extLst>
               <a:ext uri="{FF2B5EF4-FFF2-40B4-BE49-F238E27FC236}">
-                <a16:creationId xmlns:a16="http://schemas.microsoft.com/office/drawing/2014/main" xmlns="" id="{EFF7F242-F07A-45C0-AEB9-A32ABD0350EA}"/>
+                <a16:creationId xmlns:a16="http://schemas.microsoft.com/office/drawing/2014/main" id="{EFF7F242-F07A-45C0-AEB9-A32ABD0350EA}"/>
               </a:ext>
             </a:extLst>
           </p:cNvPr>
@@ -2090,7 +5638,7 @@
           <p:cNvPr id="3" name="Объект 2">
             <a:extLst>
               <a:ext uri="{FF2B5EF4-FFF2-40B4-BE49-F238E27FC236}">
-                <a16:creationId xmlns:a16="http://schemas.microsoft.com/office/drawing/2014/main" xmlns="" id="{0BFF90FD-C0D8-4B51-8306-AFB023E96585}"/>
+                <a16:creationId xmlns:a16="http://schemas.microsoft.com/office/drawing/2014/main" id="{0BFF90FD-C0D8-4B51-8306-AFB023E96585}"/>
               </a:ext>
             </a:extLst>
           </p:cNvPr>
@@ -2185,7 +5733,7 @@
           <p:cNvPr id="4" name="Дата 3">
             <a:extLst>
               <a:ext uri="{FF2B5EF4-FFF2-40B4-BE49-F238E27FC236}">
-                <a16:creationId xmlns:a16="http://schemas.microsoft.com/office/drawing/2014/main" xmlns="" id="{7302B221-F06D-4F53-BDC8-A12B64C49F42}"/>
+                <a16:creationId xmlns:a16="http://schemas.microsoft.com/office/drawing/2014/main" id="{7302B221-F06D-4F53-BDC8-A12B64C49F42}"/>
               </a:ext>
             </a:extLst>
           </p:cNvPr>
@@ -2227,7 +5775,7 @@
           <p:cNvPr id="5" name="Нижний колонтитул 4">
             <a:extLst>
               <a:ext uri="{FF2B5EF4-FFF2-40B4-BE49-F238E27FC236}">
-                <a16:creationId xmlns:a16="http://schemas.microsoft.com/office/drawing/2014/main" xmlns="" id="{EF7FCF93-A051-41A8-9C44-C22E3620F78E}"/>
+                <a16:creationId xmlns:a16="http://schemas.microsoft.com/office/drawing/2014/main" id="{EF7FCF93-A051-41A8-9C44-C22E3620F78E}"/>
               </a:ext>
             </a:extLst>
           </p:cNvPr>
@@ -2268,7 +5816,7 @@
           <p:cNvPr id="6" name="Номер слайда 5">
             <a:extLst>
               <a:ext uri="{FF2B5EF4-FFF2-40B4-BE49-F238E27FC236}">
-                <a16:creationId xmlns:a16="http://schemas.microsoft.com/office/drawing/2014/main" xmlns="" id="{24AE224D-782B-4F27-9797-384084E4CC6F}"/>
+                <a16:creationId xmlns:a16="http://schemas.microsoft.com/office/drawing/2014/main" id="{24AE224D-782B-4F27-9797-384084E4CC6F}"/>
               </a:ext>
             </a:extLst>
           </p:cNvPr>
@@ -2302,7 +5850,7 @@
           <p:cNvPr id="7" name="Рисунок 18">
             <a:extLst>
               <a:ext uri="{FF2B5EF4-FFF2-40B4-BE49-F238E27FC236}">
-                <a16:creationId xmlns:a16="http://schemas.microsoft.com/office/drawing/2014/main" xmlns="" id="{737DC428-FDB3-416A-B0C9-B92BE34AA2DA}"/>
+                <a16:creationId xmlns:a16="http://schemas.microsoft.com/office/drawing/2014/main" id="{737DC428-FDB3-416A-B0C9-B92BE34AA2DA}"/>
               </a:ext>
             </a:extLst>
           </p:cNvPr>
@@ -2368,7 +5916,7 @@
           <p:cNvPr id="2" name="Заголовок 1">
             <a:extLst>
               <a:ext uri="{FF2B5EF4-FFF2-40B4-BE49-F238E27FC236}">
-                <a16:creationId xmlns:a16="http://schemas.microsoft.com/office/drawing/2014/main" xmlns="" id="{F7DA01EE-B7B9-4D18-97C7-99C58A3F1C3B}"/>
+                <a16:creationId xmlns:a16="http://schemas.microsoft.com/office/drawing/2014/main" id="{F7DA01EE-B7B9-4D18-97C7-99C58A3F1C3B}"/>
               </a:ext>
             </a:extLst>
           </p:cNvPr>
@@ -2445,7 +5993,7 @@
           <p:cNvPr id="2" name="Заголовок 1">
             <a:extLst>
               <a:ext uri="{FF2B5EF4-FFF2-40B4-BE49-F238E27FC236}">
-                <a16:creationId xmlns:a16="http://schemas.microsoft.com/office/drawing/2014/main" xmlns="" id="{8EA7CEAE-8323-493F-BBC3-9E0AA1DF04D1}"/>
+                <a16:creationId xmlns:a16="http://schemas.microsoft.com/office/drawing/2014/main" id="{8EA7CEAE-8323-493F-BBC3-9E0AA1DF04D1}"/>
               </a:ext>
             </a:extLst>
           </p:cNvPr>
@@ -2483,7 +6031,7 @@
           <p:cNvPr id="3" name="Текст 2">
             <a:extLst>
               <a:ext uri="{FF2B5EF4-FFF2-40B4-BE49-F238E27FC236}">
-                <a16:creationId xmlns:a16="http://schemas.microsoft.com/office/drawing/2014/main" xmlns="" id="{D6F520A9-A6C0-45A5-9C1E-10CCA59B8EAB}"/>
+                <a16:creationId xmlns:a16="http://schemas.microsoft.com/office/drawing/2014/main" id="{D6F520A9-A6C0-45A5-9C1E-10CCA59B8EAB}"/>
               </a:ext>
             </a:extLst>
           </p:cNvPr>
@@ -2550,7 +6098,7 @@
           <p:cNvPr id="4" name="Дата 3">
             <a:extLst>
               <a:ext uri="{FF2B5EF4-FFF2-40B4-BE49-F238E27FC236}">
-                <a16:creationId xmlns:a16="http://schemas.microsoft.com/office/drawing/2014/main" xmlns="" id="{D8A9A8BC-6172-48CE-94F9-37F883C63354}"/>
+                <a16:creationId xmlns:a16="http://schemas.microsoft.com/office/drawing/2014/main" id="{D8A9A8BC-6172-48CE-94F9-37F883C63354}"/>
               </a:ext>
             </a:extLst>
           </p:cNvPr>
@@ -2597,7 +6145,7 @@
           <p:cNvPr id="5" name="Нижний колонтитул 4">
             <a:extLst>
               <a:ext uri="{FF2B5EF4-FFF2-40B4-BE49-F238E27FC236}">
-                <a16:creationId xmlns:a16="http://schemas.microsoft.com/office/drawing/2014/main" xmlns="" id="{DBDB827B-4F63-4973-AE13-A65032270EEF}"/>
+                <a16:creationId xmlns:a16="http://schemas.microsoft.com/office/drawing/2014/main" id="{DBDB827B-4F63-4973-AE13-A65032270EEF}"/>
               </a:ext>
             </a:extLst>
           </p:cNvPr>
@@ -2643,7 +6191,7 @@
           <p:cNvPr id="6" name="Номер слайда 5">
             <a:extLst>
               <a:ext uri="{FF2B5EF4-FFF2-40B4-BE49-F238E27FC236}">
-                <a16:creationId xmlns:a16="http://schemas.microsoft.com/office/drawing/2014/main" xmlns="" id="{78F32744-8F93-402F-BABE-5B7AB1061047}"/>
+                <a16:creationId xmlns:a16="http://schemas.microsoft.com/office/drawing/2014/main" id="{78F32744-8F93-402F-BABE-5B7AB1061047}"/>
               </a:ext>
             </a:extLst>
           </p:cNvPr>
@@ -3004,7 +6552,7 @@
           <p:cNvPr id="2" name="Заголовок 1">
             <a:extLst>
               <a:ext uri="{FF2B5EF4-FFF2-40B4-BE49-F238E27FC236}">
-                <a16:creationId xmlns:a16="http://schemas.microsoft.com/office/drawing/2014/main" xmlns="" id="{3C2A1577-F9E9-4059-87AE-497430A2CDE1}"/>
+                <a16:creationId xmlns:a16="http://schemas.microsoft.com/office/drawing/2014/main" id="{3C2A1577-F9E9-4059-87AE-497430A2CDE1}"/>
               </a:ext>
             </a:extLst>
           </p:cNvPr>
@@ -3044,7 +6592,7 @@
           <p:cNvPr id="3" name="Подзаголовок 2">
             <a:extLst>
               <a:ext uri="{FF2B5EF4-FFF2-40B4-BE49-F238E27FC236}">
-                <a16:creationId xmlns:a16="http://schemas.microsoft.com/office/drawing/2014/main" xmlns="" id="{1B104A6D-C2F9-4718-BBAF-4134E4A75125}"/>
+                <a16:creationId xmlns:a16="http://schemas.microsoft.com/office/drawing/2014/main" id="{1B104A6D-C2F9-4718-BBAF-4134E4A75125}"/>
               </a:ext>
             </a:extLst>
           </p:cNvPr>
@@ -3088,7 +6636,7 @@
           <p:cNvPr id="4" name="Нижний колонтитул 3">
             <a:extLst>
               <a:ext uri="{FF2B5EF4-FFF2-40B4-BE49-F238E27FC236}">
-                <a16:creationId xmlns:a16="http://schemas.microsoft.com/office/drawing/2014/main" xmlns="" id="{57F69275-E68D-4C49-91F1-A922172C27F5}"/>
+                <a16:creationId xmlns:a16="http://schemas.microsoft.com/office/drawing/2014/main" id="{57F69275-E68D-4C49-91F1-A922172C27F5}"/>
               </a:ext>
             </a:extLst>
           </p:cNvPr>
@@ -3175,31 +6723,6 @@
           </a:p>
         </p:txBody>
       </p:sp>
-      <p:graphicFrame>
-        <p:nvGraphicFramePr>
-          <p:cNvPr id="9" name="Объект 8"/>
-          <p:cNvGraphicFramePr>
-            <a:graphicFrameLocks noGrp="1"/>
-          </p:cNvGraphicFramePr>
-          <p:nvPr>
-            <p:ph idx="1"/>
-            <p:extLst>
-              <p:ext uri="{D42A27DB-BD31-4B8C-83A1-F6EECF244321}">
-                <p14:modId xmlns:p14="http://schemas.microsoft.com/office/powerpoint/2010/main" val="1986054194"/>
-              </p:ext>
-            </p:extLst>
-          </p:nvPr>
-        </p:nvGraphicFramePr>
-        <p:xfrm>
-          <a:off x="794326" y="1551709"/>
-          <a:ext cx="10168425" cy="4804641"/>
-        </p:xfrm>
-        <a:graphic>
-          <a:graphicData uri="http://schemas.openxmlformats.org/drawingml/2006/chart">
-            <c:chart xmlns:c="http://schemas.openxmlformats.org/drawingml/2006/chart" xmlns:r="http://schemas.openxmlformats.org/officeDocument/2006/relationships" r:id="rId2"/>
-          </a:graphicData>
-        </a:graphic>
-      </p:graphicFrame>
       <p:sp>
         <p:nvSpPr>
           <p:cNvPr id="4" name="Дата 3"/>
@@ -3269,52 +6792,87 @@
           </a:p>
         </p:txBody>
       </p:sp>
-      <p:sp>
-        <p:nvSpPr>
-          <p:cNvPr id="11" name="Прямоугольник 10"/>
-          <p:cNvSpPr/>
-          <p:nvPr/>
-        </p:nvSpPr>
-        <p:spPr>
-          <a:xfrm flipH="1">
-            <a:off x="3788228" y="3086471"/>
-            <a:ext cx="472272" cy="388696"/>
-          </a:xfrm>
-          <a:prstGeom prst="rect">
-            <a:avLst/>
-          </a:prstGeom>
-        </p:spPr>
-        <p:txBody>
-          <a:bodyPr wrap="square">
-            <a:spAutoFit/>
-          </a:bodyPr>
-          <a:lstStyle/>
-          <a:p>
-            <a:pPr indent="450215" algn="just">
-              <a:lnSpc>
-                <a:spcPct val="107000"/>
-              </a:lnSpc>
-              <a:spcAft>
-                <a:spcPts val="0"/>
-              </a:spcAft>
-            </a:pPr>
-            <a:r>
-              <a:rPr lang="en-US" dirty="0" smtClean="0">
-                <a:latin typeface="Times New Roman" panose="02020603050405020304" pitchFamily="18" charset="0"/>
-                <a:ea typeface="Calibri" panose="020F0502020204030204" pitchFamily="34" charset="0"/>
-                <a:cs typeface="Times New Roman" panose="02020603050405020304" pitchFamily="18" charset="0"/>
-              </a:rPr>
-              <a:t>t</a:t>
-            </a:r>
-            <a:endParaRPr lang="ru-RU" sz="1400" dirty="0">
-              <a:effectLst/>
-              <a:latin typeface="Calibri" panose="020F0502020204030204" pitchFamily="34" charset="0"/>
-              <a:ea typeface="Calibri" panose="020F0502020204030204" pitchFamily="34" charset="0"/>
-              <a:cs typeface="Times New Roman" panose="02020603050405020304" pitchFamily="18" charset="0"/>
-            </a:endParaRPr>
-          </a:p>
-        </p:txBody>
-      </p:sp>
+      <p:graphicFrame>
+        <p:nvGraphicFramePr>
+          <p:cNvPr id="10" name="Диаграмма 9"/>
+          <p:cNvGraphicFramePr>
+            <a:graphicFrameLocks/>
+          </p:cNvGraphicFramePr>
+          <p:nvPr>
+            <p:extLst>
+              <p:ext uri="{D42A27DB-BD31-4B8C-83A1-F6EECF244321}">
+                <p14:modId xmlns:p14="http://schemas.microsoft.com/office/powerpoint/2010/main" val="1852441812"/>
+              </p:ext>
+            </p:extLst>
+          </p:nvPr>
+        </p:nvGraphicFramePr>
+        <p:xfrm>
+          <a:off x="3930162" y="1816501"/>
+          <a:ext cx="6622386" cy="3687484"/>
+        </p:xfrm>
+        <a:graphic>
+          <a:graphicData uri="http://schemas.openxmlformats.org/drawingml/2006/chart">
+            <c:chart xmlns:c="http://schemas.openxmlformats.org/drawingml/2006/chart" xmlns:r="http://schemas.openxmlformats.org/officeDocument/2006/relationships" r:id="rId3"/>
+          </a:graphicData>
+        </a:graphic>
+      </p:graphicFrame>
+      <p:graphicFrame>
+        <p:nvGraphicFramePr>
+          <p:cNvPr id="12" name="Объект 11"/>
+          <p:cNvGraphicFramePr>
+            <a:graphicFrameLocks noChangeAspect="1"/>
+          </p:cNvGraphicFramePr>
+          <p:nvPr>
+            <p:extLst>
+              <p:ext uri="{D42A27DB-BD31-4B8C-83A1-F6EECF244321}">
+                <p14:modId xmlns:p14="http://schemas.microsoft.com/office/powerpoint/2010/main" val="3112156606"/>
+              </p:ext>
+            </p:extLst>
+          </p:nvPr>
+        </p:nvGraphicFramePr>
+        <p:xfrm>
+          <a:off x="594702" y="1885461"/>
+          <a:ext cx="2847975" cy="2876550"/>
+        </p:xfrm>
+        <a:graphic>
+          <a:graphicData uri="http://schemas.openxmlformats.org/presentationml/2006/ole">
+            <mc:AlternateContent xmlns:mc="http://schemas.openxmlformats.org/markup-compatibility/2006">
+              <mc:Choice xmlns:v="urn:schemas-microsoft-com:vml" Requires="v">
+                <p:oleObj spid="_x0000_s8197" name="Двоичный лист" r:id="rId4" imgW="2847867" imgH="2876522" progId="Excel.SheetBinaryMacroEnabled.12">
+                  <p:embed/>
+                </p:oleObj>
+              </mc:Choice>
+              <mc:Fallback>
+                <p:oleObj name="Двоичный лист" r:id="rId4" imgW="2847867" imgH="2876522" progId="Excel.SheetBinaryMacroEnabled.12">
+                  <p:embed/>
+                  <p:pic>
+                    <p:nvPicPr>
+                      <p:cNvPr id="11" name="Объект 10"/>
+                      <p:cNvPicPr/>
+                      <p:nvPr/>
+                    </p:nvPicPr>
+                    <p:blipFill>
+                      <a:blip r:embed="rId5"/>
+                      <a:stretch>
+                        <a:fillRect/>
+                      </a:stretch>
+                    </p:blipFill>
+                    <p:spPr>
+                      <a:xfrm>
+                        <a:off x="594702" y="1885461"/>
+                        <a:ext cx="2847975" cy="2876550"/>
+                      </a:xfrm>
+                      <a:prstGeom prst="rect">
+                        <a:avLst/>
+                      </a:prstGeom>
+                    </p:spPr>
+                  </p:pic>
+                </p:oleObj>
+              </mc:Fallback>
+            </mc:AlternateContent>
+          </a:graphicData>
+        </a:graphic>
+      </p:graphicFrame>
     </p:spTree>
     <p:extLst>
       <p:ext uri="{BB962C8B-B14F-4D97-AF65-F5344CB8AC3E}">
@@ -3708,11 +7266,7 @@
             </a:r>
             <a:r>
               <a:rPr lang="ru-RU" dirty="0" smtClean="0"/>
-              <a:t> </a:t>
-            </a:r>
-            <a:r>
-              <a:rPr lang="ru-RU" dirty="0" smtClean="0"/>
-              <a:t>(</a:t>
+              <a:t> (</a:t>
             </a:r>
             <a:r>
               <a:rPr lang="ru-RU" dirty="0" err="1" smtClean="0"/>
@@ -3796,11 +7350,7 @@
             </a:r>
             <a:r>
               <a:rPr lang="ru-RU" dirty="0" smtClean="0"/>
-              <a:t>.</a:t>
-            </a:r>
-            <a:r>
-              <a:rPr lang="ru-RU" dirty="0" smtClean="0"/>
-              <a:t> </a:t>
+              <a:t>. </a:t>
             </a:r>
           </a:p>
           <a:p>
@@ -3962,6 +7512,67 @@
             <a:r>
               <a:rPr lang="ru-RU" dirty="0" smtClean="0"/>
               <a:t>.</a:t>
+            </a:r>
+          </a:p>
+          <a:p>
+            <a:pPr marL="0" indent="0">
+              <a:buNone/>
+            </a:pPr>
+            <a:r>
+              <a:rPr lang="ru-RU" dirty="0" err="1" smtClean="0"/>
+              <a:t>Параллелдеудің</a:t>
+            </a:r>
+            <a:r>
+              <a:rPr lang="ru-RU" dirty="0" smtClean="0"/>
+              <a:t> </a:t>
+            </a:r>
+            <a:r>
+              <a:rPr lang="ru-RU" dirty="0" err="1" smtClean="0"/>
+              <a:t>тиімділігін</a:t>
+            </a:r>
+            <a:r>
+              <a:rPr lang="ru-RU" dirty="0" smtClean="0"/>
+              <a:t> </a:t>
+            </a:r>
+            <a:r>
+              <a:rPr lang="ru-RU" dirty="0" err="1" smtClean="0"/>
+              <a:t>анықтау</a:t>
+            </a:r>
+            <a:r>
+              <a:rPr lang="ru-RU" dirty="0" smtClean="0"/>
+              <a:t> </a:t>
+            </a:r>
+            <a:r>
+              <a:rPr lang="ru-RU" dirty="0" err="1" smtClean="0"/>
+              <a:t>үшін</a:t>
+            </a:r>
+            <a:r>
+              <a:rPr lang="ru-RU" dirty="0" smtClean="0"/>
+              <a:t> </a:t>
+            </a:r>
+            <a:r>
+              <a:rPr lang="ru-RU" dirty="0" err="1" smtClean="0"/>
+              <a:t>келесі</a:t>
+            </a:r>
+            <a:r>
+              <a:rPr lang="ru-RU" dirty="0" smtClean="0"/>
+              <a:t> </a:t>
+            </a:r>
+            <a:r>
+              <a:rPr lang="ru-RU" dirty="0" err="1" smtClean="0"/>
+              <a:t>бағалауды</a:t>
+            </a:r>
+            <a:r>
+              <a:rPr lang="ru-RU" dirty="0" smtClean="0"/>
+              <a:t> </a:t>
+            </a:r>
+            <a:r>
+              <a:rPr lang="ru-RU" dirty="0" err="1" smtClean="0"/>
+              <a:t>қолданамыз</a:t>
+            </a:r>
+            <a:r>
+              <a:rPr lang="ru-RU" dirty="0" smtClean="0"/>
+              <a:t>:</a:t>
             </a:r>
             <a:endParaRPr lang="ru-RU" dirty="0" smtClean="0"/>
           </a:p>
@@ -4042,6 +7653,63 @@
           </a:p>
         </p:txBody>
       </p:sp>
+      <p:graphicFrame>
+        <p:nvGraphicFramePr>
+          <p:cNvPr id="7" name="Объект 6"/>
+          <p:cNvGraphicFramePr>
+            <a:graphicFrameLocks noChangeAspect="1"/>
+          </p:cNvGraphicFramePr>
+          <p:nvPr>
+            <p:extLst>
+              <p:ext uri="{D42A27DB-BD31-4B8C-83A1-F6EECF244321}">
+                <p14:modId xmlns:p14="http://schemas.microsoft.com/office/powerpoint/2010/main" val="3966294776"/>
+              </p:ext>
+            </p:extLst>
+          </p:nvPr>
+        </p:nvGraphicFramePr>
+        <p:xfrm>
+          <a:off x="3699240" y="5040313"/>
+          <a:ext cx="3677787" cy="718648"/>
+        </p:xfrm>
+        <a:graphic>
+          <a:graphicData uri="http://schemas.openxmlformats.org/presentationml/2006/ole">
+            <mc:AlternateContent xmlns:mc="http://schemas.openxmlformats.org/markup-compatibility/2006">
+              <mc:Choice xmlns:v="urn:schemas-microsoft-com:vml" Requires="v">
+                <p:oleObj spid="_x0000_s6148" name="Equation" r:id="rId3" imgW="2209680" imgH="431640" progId="Equation.DSMT4">
+                  <p:embed/>
+                </p:oleObj>
+              </mc:Choice>
+              <mc:Fallback>
+                <p:oleObj name="Equation" r:id="rId3" imgW="2209680" imgH="431640" progId="Equation.DSMT4">
+                  <p:embed/>
+                  <p:pic>
+                    <p:nvPicPr>
+                      <p:cNvPr id="0" name=""/>
+                      <p:cNvPicPr/>
+                      <p:nvPr/>
+                    </p:nvPicPr>
+                    <p:blipFill>
+                      <a:blip r:embed="rId4"/>
+                      <a:stretch>
+                        <a:fillRect/>
+                      </a:stretch>
+                    </p:blipFill>
+                    <p:spPr>
+                      <a:xfrm>
+                        <a:off x="3699240" y="5040313"/>
+                        <a:ext cx="3677787" cy="718648"/>
+                      </a:xfrm>
+                      <a:prstGeom prst="rect">
+                        <a:avLst/>
+                      </a:prstGeom>
+                    </p:spPr>
+                  </p:pic>
+                </p:oleObj>
+              </mc:Fallback>
+            </mc:AlternateContent>
+          </a:graphicData>
+        </a:graphic>
+      </p:graphicFrame>
     </p:spTree>
     <p:extLst>
       <p:ext uri="{BB962C8B-B14F-4D97-AF65-F5344CB8AC3E}">
@@ -4084,29 +7752,52 @@
         </p:nvSpPr>
         <p:spPr/>
         <p:txBody>
-          <a:bodyPr/>
+          <a:bodyPr>
+            <a:normAutofit fontScale="90000"/>
+          </a:bodyPr>
           <a:lstStyle/>
           <a:p>
-            <a:endParaRPr lang="ru-RU"/>
-          </a:p>
-        </p:txBody>
-      </p:sp>
-      <p:sp>
-        <p:nvSpPr>
-          <p:cNvPr id="3" name="Объект 2"/>
-          <p:cNvSpPr>
-            <a:spLocks noGrp="1"/>
-          </p:cNvSpPr>
-          <p:nvPr>
-            <p:ph idx="1"/>
-          </p:nvPr>
-        </p:nvSpPr>
-        <p:spPr/>
-        <p:txBody>
-          <a:bodyPr/>
-          <a:lstStyle/>
-          <a:p>
-            <a:endParaRPr lang="ru-RU"/>
+            <a:r>
+              <a:rPr lang="ru-RU" dirty="0" smtClean="0"/>
+              <a:t>Гаусс </a:t>
+            </a:r>
+            <a:r>
+              <a:rPr lang="ru-RU" dirty="0" err="1" smtClean="0"/>
+              <a:t>әдісінің</a:t>
+            </a:r>
+            <a:r>
+              <a:rPr lang="ru-RU" dirty="0" smtClean="0"/>
+              <a:t> </a:t>
+            </a:r>
+            <a:r>
+              <a:rPr lang="ru-RU" dirty="0" err="1" smtClean="0"/>
+              <a:t>алгоритмін</a:t>
+            </a:r>
+            <a:r>
+              <a:rPr lang="ru-RU" dirty="0" smtClean="0"/>
+              <a:t> </a:t>
+            </a:r>
+            <a:r>
+              <a:rPr lang="ru-RU" dirty="0" err="1" smtClean="0"/>
+              <a:t>параллел</a:t>
+            </a:r>
+            <a:r>
+              <a:rPr lang="ru-RU" dirty="0" err="1"/>
+              <a:t>ь</a:t>
+            </a:r>
+            <a:r>
+              <a:rPr lang="ru-RU" dirty="0" err="1" smtClean="0"/>
+              <a:t>деу</a:t>
+            </a:r>
+            <a:r>
+              <a:rPr lang="ru-RU" dirty="0" smtClean="0"/>
+              <a:t> </a:t>
+            </a:r>
+            <a:r>
+              <a:rPr lang="ru-RU" dirty="0" err="1" smtClean="0"/>
+              <a:t>тиімділігі</a:t>
+            </a:r>
+            <a:endParaRPr lang="ru-RU" dirty="0"/>
           </a:p>
         </p:txBody>
       </p:sp>
@@ -4179,6 +7870,87 @@
           </a:p>
         </p:txBody>
       </p:sp>
+      <p:graphicFrame>
+        <p:nvGraphicFramePr>
+          <p:cNvPr id="10" name="Диаграмма 9"/>
+          <p:cNvGraphicFramePr>
+            <a:graphicFrameLocks/>
+          </p:cNvGraphicFramePr>
+          <p:nvPr>
+            <p:extLst>
+              <p:ext uri="{D42A27DB-BD31-4B8C-83A1-F6EECF244321}">
+                <p14:modId xmlns:p14="http://schemas.microsoft.com/office/powerpoint/2010/main" val="1063891627"/>
+              </p:ext>
+            </p:extLst>
+          </p:nvPr>
+        </p:nvGraphicFramePr>
+        <p:xfrm>
+          <a:off x="4826977" y="1488465"/>
+          <a:ext cx="7091546" cy="3549527"/>
+        </p:xfrm>
+        <a:graphic>
+          <a:graphicData uri="http://schemas.openxmlformats.org/drawingml/2006/chart">
+            <c:chart xmlns:c="http://schemas.openxmlformats.org/drawingml/2006/chart" xmlns:r="http://schemas.openxmlformats.org/officeDocument/2006/relationships" r:id="rId3"/>
+          </a:graphicData>
+        </a:graphic>
+      </p:graphicFrame>
+      <p:graphicFrame>
+        <p:nvGraphicFramePr>
+          <p:cNvPr id="11" name="Объект 10"/>
+          <p:cNvGraphicFramePr>
+            <a:graphicFrameLocks noChangeAspect="1"/>
+          </p:cNvGraphicFramePr>
+          <p:nvPr>
+            <p:extLst>
+              <p:ext uri="{D42A27DB-BD31-4B8C-83A1-F6EECF244321}">
+                <p14:modId xmlns:p14="http://schemas.microsoft.com/office/powerpoint/2010/main" val="3334097164"/>
+              </p:ext>
+            </p:extLst>
+          </p:nvPr>
+        </p:nvGraphicFramePr>
+        <p:xfrm>
+          <a:off x="339725" y="1841500"/>
+          <a:ext cx="4352925" cy="2867025"/>
+        </p:xfrm>
+        <a:graphic>
+          <a:graphicData uri="http://schemas.openxmlformats.org/presentationml/2006/ole">
+            <mc:AlternateContent xmlns:mc="http://schemas.openxmlformats.org/markup-compatibility/2006">
+              <mc:Choice xmlns:v="urn:schemas-microsoft-com:vml" Requires="v">
+                <p:oleObj spid="_x0000_s7173" name="Двоичный лист" r:id="rId4" imgW="4353081" imgH="2866925" progId="Excel.SheetBinaryMacroEnabled.12">
+                  <p:embed/>
+                </p:oleObj>
+              </mc:Choice>
+              <mc:Fallback>
+                <p:oleObj name="Двоичный лист" r:id="rId4" imgW="4353081" imgH="2866925" progId="Excel.SheetBinaryMacroEnabled.12">
+                  <p:embed/>
+                  <p:pic>
+                    <p:nvPicPr>
+                      <p:cNvPr id="0" name=""/>
+                      <p:cNvPicPr/>
+                      <p:nvPr/>
+                    </p:nvPicPr>
+                    <p:blipFill>
+                      <a:blip r:embed="rId5"/>
+                      <a:stretch>
+                        <a:fillRect/>
+                      </a:stretch>
+                    </p:blipFill>
+                    <p:spPr>
+                      <a:xfrm>
+                        <a:off x="339725" y="1841500"/>
+                        <a:ext cx="4352925" cy="2867025"/>
+                      </a:xfrm>
+                      <a:prstGeom prst="rect">
+                        <a:avLst/>
+                      </a:prstGeom>
+                    </p:spPr>
+                  </p:pic>
+                </p:oleObj>
+              </mc:Fallback>
+            </mc:AlternateContent>
+          </a:graphicData>
+        </a:graphic>
+      </p:graphicFrame>
     </p:spTree>
     <p:extLst>
       <p:ext uri="{BB962C8B-B14F-4D97-AF65-F5344CB8AC3E}">
@@ -4211,13 +7983,7 @@
       </p:grpSpPr>
       <p:sp>
         <p:nvSpPr>
-          <p:cNvPr id="2" name="Заголовок 1">
-            <a:extLst>
-              <a:ext uri="{FF2B5EF4-FFF2-40B4-BE49-F238E27FC236}">
-                <a16:creationId xmlns:a16="http://schemas.microsoft.com/office/drawing/2014/main" xmlns="" id="{707BE14F-B593-41C0-AE63-A4D21B92A937}"/>
-              </a:ext>
-            </a:extLst>
-          </p:cNvPr>
+          <p:cNvPr id="2" name="Заголовок 1"/>
           <p:cNvSpPr>
             <a:spLocks noGrp="1"/>
           </p:cNvSpPr>
@@ -4228,68 +7994,61 @@
         <p:spPr/>
         <p:txBody>
           <a:bodyPr>
-            <a:normAutofit/>
+            <a:normAutofit fontScale="90000"/>
           </a:bodyPr>
           <a:lstStyle/>
           <a:p>
             <a:r>
-              <a:rPr lang="ru-RU" sz="3600" dirty="0" err="1"/>
-              <a:t>Графиктер</a:t>
-            </a:r>
-            <a:r>
-              <a:rPr lang="ru-RU" sz="3600" dirty="0"/>
-              <a:t>, </a:t>
-            </a:r>
-            <a:r>
-              <a:rPr lang="ru-RU" sz="3600" dirty="0" err="1"/>
-              <a:t>кестелер</a:t>
-            </a:r>
-            <a:r>
-              <a:rPr lang="ru-RU" sz="3600" dirty="0"/>
-              <a:t>, </a:t>
-            </a:r>
-            <a:r>
-              <a:rPr lang="ru-RU" sz="3600" dirty="0" err="1"/>
-              <a:t>суреттер</a:t>
-            </a:r>
-            <a:endParaRPr lang="ru-RU" sz="3600" dirty="0"/>
+              <a:rPr lang="en-US" dirty="0" smtClean="0"/>
+              <a:t>CG</a:t>
+            </a:r>
+            <a:r>
+              <a:rPr lang="ru-RU" dirty="0" smtClean="0"/>
+              <a:t> </a:t>
+            </a:r>
+            <a:r>
+              <a:rPr lang="ru-RU" dirty="0" err="1" smtClean="0"/>
+              <a:t>әдісінің</a:t>
+            </a:r>
+            <a:r>
+              <a:rPr lang="ru-RU" dirty="0" smtClean="0"/>
+              <a:t> </a:t>
+            </a:r>
+            <a:r>
+              <a:rPr lang="ru-RU" dirty="0" err="1" smtClean="0"/>
+              <a:t>алгоритмін</a:t>
+            </a:r>
+            <a:r>
+              <a:rPr lang="ru-RU" dirty="0" smtClean="0"/>
+              <a:t> </a:t>
+            </a:r>
+            <a:r>
+              <a:rPr lang="ru-RU" dirty="0" err="1" smtClean="0"/>
+              <a:t>параллел</a:t>
+            </a:r>
+            <a:r>
+              <a:rPr lang="ru-RU" dirty="0" err="1"/>
+              <a:t>ь</a:t>
+            </a:r>
+            <a:r>
+              <a:rPr lang="ru-RU" dirty="0" err="1" smtClean="0"/>
+              <a:t>деу</a:t>
+            </a:r>
+            <a:r>
+              <a:rPr lang="ru-RU" dirty="0" smtClean="0"/>
+              <a:t> </a:t>
+            </a:r>
+            <a:r>
+              <a:rPr lang="ru-RU" dirty="0" err="1" smtClean="0"/>
+              <a:t>тиімділігі</a:t>
+            </a:r>
+            <a:endParaRPr lang="ru-RU" dirty="0"/>
           </a:p>
         </p:txBody>
       </p:sp>
       <p:sp>
         <p:nvSpPr>
-          <p:cNvPr id="3" name="Объект 2">
-            <a:extLst>
-              <a:ext uri="{FF2B5EF4-FFF2-40B4-BE49-F238E27FC236}">
-                <a16:creationId xmlns:a16="http://schemas.microsoft.com/office/drawing/2014/main" xmlns="" id="{0412E398-2BD1-4A66-B50A-DAFF60E098A9}"/>
-              </a:ext>
-            </a:extLst>
-          </p:cNvPr>
-          <p:cNvSpPr>
-            <a:spLocks noGrp="1"/>
-          </p:cNvSpPr>
-          <p:nvPr>
-            <p:ph idx="1"/>
-          </p:nvPr>
-        </p:nvSpPr>
-        <p:spPr/>
-        <p:txBody>
-          <a:bodyPr/>
-          <a:lstStyle/>
-          <a:p>
-            <a:endParaRPr lang="ru-RU"/>
-          </a:p>
-        </p:txBody>
-      </p:sp>
-      <p:sp>
-        <p:nvSpPr>
-          <p:cNvPr id="4" name="Дата 3">
-            <a:extLst>
-              <a:ext uri="{FF2B5EF4-FFF2-40B4-BE49-F238E27FC236}">
-                <a16:creationId xmlns:a16="http://schemas.microsoft.com/office/drawing/2014/main" xmlns="" id="{55FD7646-7316-478C-A278-77F0790A6AED}"/>
-              </a:ext>
-            </a:extLst>
-          </p:cNvPr>
+          <p:cNvPr id="4" name="Дата 3"/>
           <p:cNvSpPr>
             <a:spLocks noGrp="1"/>
           </p:cNvSpPr>
@@ -4302,7 +8061,7 @@
           <a:bodyPr/>
           <a:lstStyle/>
           <a:p>
-            <a:fld id="{E78E70B4-3E75-47F2-9C8B-A072F7CAC3FB}" type="datetime1">
+            <a:fld id="{44E0955F-D797-4FF7-9F57-168AA0F993D1}" type="datetime1">
               <a:rPr lang="ru-RU" smtClean="0"/>
               <a:t>26.04.2022</a:t>
             </a:fld>
@@ -4312,13 +8071,7 @@
       </p:sp>
       <p:sp>
         <p:nvSpPr>
-          <p:cNvPr id="5" name="Нижний колонтитул 4">
-            <a:extLst>
-              <a:ext uri="{FF2B5EF4-FFF2-40B4-BE49-F238E27FC236}">
-                <a16:creationId xmlns:a16="http://schemas.microsoft.com/office/drawing/2014/main" xmlns="" id="{BD90A76A-990E-469D-8F80-F257D9F68AEB}"/>
-              </a:ext>
-            </a:extLst>
-          </p:cNvPr>
+          <p:cNvPr id="5" name="Нижний колонтитул 4"/>
           <p:cNvSpPr>
             <a:spLocks noGrp="1"/>
           </p:cNvSpPr>
@@ -4332,7 +8085,7 @@
           <a:lstStyle/>
           <a:p>
             <a:r>
-              <a:rPr lang="kk-KZ"/>
+              <a:rPr lang="kk-KZ" smtClean="0"/>
               <a:t>Әл-Фараби атындағы Қазақ ұлттық университеті</a:t>
             </a:r>
             <a:endParaRPr lang="kk-KZ" dirty="0"/>
@@ -4341,13 +8094,7 @@
       </p:sp>
       <p:sp>
         <p:nvSpPr>
-          <p:cNvPr id="6" name="Номер слайда 5">
-            <a:extLst>
-              <a:ext uri="{FF2B5EF4-FFF2-40B4-BE49-F238E27FC236}">
-                <a16:creationId xmlns:a16="http://schemas.microsoft.com/office/drawing/2014/main" xmlns="" id="{2E7D4CFA-BC6C-4A77-87E9-D4F23BC4DD79}"/>
-              </a:ext>
-            </a:extLst>
-          </p:cNvPr>
+          <p:cNvPr id="6" name="Номер слайда 5"/>
           <p:cNvSpPr>
             <a:spLocks noGrp="1"/>
           </p:cNvSpPr>
@@ -4368,10 +8115,91 @@
           </a:p>
         </p:txBody>
       </p:sp>
+      <p:graphicFrame>
+        <p:nvGraphicFramePr>
+          <p:cNvPr id="11" name="Объект 10"/>
+          <p:cNvGraphicFramePr>
+            <a:graphicFrameLocks noChangeAspect="1"/>
+          </p:cNvGraphicFramePr>
+          <p:nvPr>
+            <p:extLst>
+              <p:ext uri="{D42A27DB-BD31-4B8C-83A1-F6EECF244321}">
+                <p14:modId xmlns:p14="http://schemas.microsoft.com/office/powerpoint/2010/main" val="887780047"/>
+              </p:ext>
+            </p:extLst>
+          </p:nvPr>
+        </p:nvGraphicFramePr>
+        <p:xfrm>
+          <a:off x="339725" y="1841500"/>
+          <a:ext cx="4352925" cy="2867025"/>
+        </p:xfrm>
+        <a:graphic>
+          <a:graphicData uri="http://schemas.openxmlformats.org/presentationml/2006/ole">
+            <mc:AlternateContent xmlns:mc="http://schemas.openxmlformats.org/markup-compatibility/2006">
+              <mc:Choice xmlns:v="urn:schemas-microsoft-com:vml" Requires="v">
+                <p:oleObj spid="_x0000_s9220" name="Двоичный лист" r:id="rId3" imgW="4353081" imgH="2866925" progId="Excel.SheetBinaryMacroEnabled.12">
+                  <p:embed/>
+                </p:oleObj>
+              </mc:Choice>
+              <mc:Fallback>
+                <p:oleObj name="Двоичный лист" r:id="rId3" imgW="4353081" imgH="2866925" progId="Excel.SheetBinaryMacroEnabled.12">
+                  <p:embed/>
+                  <p:pic>
+                    <p:nvPicPr>
+                      <p:cNvPr id="11" name="Объект 10"/>
+                      <p:cNvPicPr/>
+                      <p:nvPr/>
+                    </p:nvPicPr>
+                    <p:blipFill>
+                      <a:blip r:embed="rId4"/>
+                      <a:stretch>
+                        <a:fillRect/>
+                      </a:stretch>
+                    </p:blipFill>
+                    <p:spPr>
+                      <a:xfrm>
+                        <a:off x="339725" y="1841500"/>
+                        <a:ext cx="4352925" cy="2867025"/>
+                      </a:xfrm>
+                      <a:prstGeom prst="rect">
+                        <a:avLst/>
+                      </a:prstGeom>
+                    </p:spPr>
+                  </p:pic>
+                </p:oleObj>
+              </mc:Fallback>
+            </mc:AlternateContent>
+          </a:graphicData>
+        </a:graphic>
+      </p:graphicFrame>
+      <p:graphicFrame>
+        <p:nvGraphicFramePr>
+          <p:cNvPr id="9" name="Диаграмма 8"/>
+          <p:cNvGraphicFramePr>
+            <a:graphicFrameLocks/>
+          </p:cNvGraphicFramePr>
+          <p:nvPr>
+            <p:extLst>
+              <p:ext uri="{D42A27DB-BD31-4B8C-83A1-F6EECF244321}">
+                <p14:modId xmlns:p14="http://schemas.microsoft.com/office/powerpoint/2010/main" val="533086130"/>
+              </p:ext>
+            </p:extLst>
+          </p:nvPr>
+        </p:nvGraphicFramePr>
+        <p:xfrm>
+          <a:off x="5091478" y="1409174"/>
+          <a:ext cx="6915151" cy="3895725"/>
+        </p:xfrm>
+        <a:graphic>
+          <a:graphicData uri="http://schemas.openxmlformats.org/drawingml/2006/chart">
+            <c:chart xmlns:c="http://schemas.openxmlformats.org/drawingml/2006/chart" xmlns:r="http://schemas.openxmlformats.org/officeDocument/2006/relationships" r:id="rId5"/>
+          </a:graphicData>
+        </a:graphic>
+      </p:graphicFrame>
     </p:spTree>
     <p:extLst>
       <p:ext uri="{BB962C8B-B14F-4D97-AF65-F5344CB8AC3E}">
-        <p14:creationId xmlns:p14="http://schemas.microsoft.com/office/powerpoint/2010/main" val="530518521"/>
+        <p14:creationId xmlns:p14="http://schemas.microsoft.com/office/powerpoint/2010/main" val="2904298530"/>
       </p:ext>
     </p:extLst>
   </p:cSld>
@@ -4403,7 +8231,7 @@
           <p:cNvPr id="5" name="Заголовок 4">
             <a:extLst>
               <a:ext uri="{FF2B5EF4-FFF2-40B4-BE49-F238E27FC236}">
-                <a16:creationId xmlns:a16="http://schemas.microsoft.com/office/drawing/2014/main" xmlns="" id="{D448D9FA-893E-4870-BD8B-65DF1C654E77}"/>
+                <a16:creationId xmlns:a16="http://schemas.microsoft.com/office/drawing/2014/main" id="{D448D9FA-893E-4870-BD8B-65DF1C654E77}"/>
               </a:ext>
             </a:extLst>
           </p:cNvPr>
@@ -4461,7 +8289,7 @@
           <p:cNvPr id="10" name="Объект 9">
             <a:extLst>
               <a:ext uri="{FF2B5EF4-FFF2-40B4-BE49-F238E27FC236}">
-                <a16:creationId xmlns:a16="http://schemas.microsoft.com/office/drawing/2014/main" xmlns="" id="{1CB27D92-96CD-44F8-8D83-564EDD636E51}"/>
+                <a16:creationId xmlns:a16="http://schemas.microsoft.com/office/drawing/2014/main" id="{1CB27D92-96CD-44F8-8D83-564EDD636E51}"/>
               </a:ext>
             </a:extLst>
           </p:cNvPr>
@@ -4474,10 +8302,704 @@
         </p:nvSpPr>
         <p:spPr/>
         <p:txBody>
-          <a:bodyPr/>
+          <a:bodyPr>
+            <a:normAutofit fontScale="92500" lnSpcReduction="20000"/>
+          </a:bodyPr>
           <a:lstStyle/>
           <a:p>
-            <a:endParaRPr lang="ru-RU"/>
+            <a:pPr marL="0" indent="0" algn="just">
+              <a:buNone/>
+            </a:pPr>
+            <a:r>
+              <a:rPr lang="ru-RU" dirty="0" err="1" smtClean="0"/>
+              <a:t>Есептеу</a:t>
+            </a:r>
+            <a:r>
+              <a:rPr lang="ru-RU" dirty="0" smtClean="0"/>
+              <a:t> </a:t>
+            </a:r>
+            <a:r>
+              <a:rPr lang="ru-RU" dirty="0" err="1" smtClean="0"/>
+              <a:t>эксперименттері</a:t>
+            </a:r>
+            <a:r>
+              <a:rPr lang="ru-RU" dirty="0" smtClean="0"/>
+              <a:t> </a:t>
+            </a:r>
+            <a:r>
+              <a:rPr lang="ru-RU" dirty="0" err="1" smtClean="0"/>
+              <a:t>келесі</a:t>
+            </a:r>
+            <a:r>
+              <a:rPr lang="ru-RU" dirty="0" smtClean="0"/>
+              <a:t> </a:t>
+            </a:r>
+            <a:r>
+              <a:rPr lang="ru-RU" dirty="0" err="1" smtClean="0"/>
+              <a:t>сипаттамадағы</a:t>
+            </a:r>
+            <a:r>
+              <a:rPr lang="ru-RU" dirty="0" smtClean="0"/>
+              <a:t> </a:t>
+            </a:r>
+            <a:r>
+              <a:rPr lang="ru-RU" dirty="0" err="1" smtClean="0"/>
+              <a:t>ноутбукта</a:t>
+            </a:r>
+            <a:r>
+              <a:rPr lang="ru-RU" dirty="0" smtClean="0"/>
+              <a:t> </a:t>
+            </a:r>
+            <a:r>
+              <a:rPr lang="ru-RU" dirty="0" err="1" smtClean="0"/>
+              <a:t>орындалды</a:t>
+            </a:r>
+            <a:r>
+              <a:rPr lang="ru-RU" dirty="0" smtClean="0"/>
+              <a:t>:</a:t>
+            </a:r>
+          </a:p>
+          <a:p>
+            <a:pPr algn="just"/>
+            <a:r>
+              <a:rPr lang="en-US" dirty="0" smtClean="0"/>
+              <a:t>Microsoft </a:t>
+            </a:r>
+            <a:r>
+              <a:rPr lang="en-US" dirty="0"/>
+              <a:t>Windows 10 Pro</a:t>
+            </a:r>
+            <a:r>
+              <a:rPr lang="ru-RU" dirty="0" smtClean="0"/>
+              <a:t> </a:t>
+            </a:r>
+          </a:p>
+          <a:p>
+            <a:pPr algn="just"/>
+            <a:r>
+              <a:rPr lang="en-US" dirty="0" err="1" smtClean="0"/>
+              <a:t>HexaCore</a:t>
+            </a:r>
+            <a:r>
+              <a:rPr lang="en-US" dirty="0" smtClean="0"/>
+              <a:t> </a:t>
+            </a:r>
+            <a:r>
+              <a:rPr lang="en-US" dirty="0"/>
+              <a:t>Intel Core i7-9750H, 3000 MHz, 12 Multi </a:t>
+            </a:r>
+            <a:r>
+              <a:rPr lang="en-US" dirty="0" smtClean="0"/>
+              <a:t>CPU (</a:t>
+            </a:r>
+            <a:r>
+              <a:rPr lang="ru-RU" dirty="0" smtClean="0"/>
+              <a:t>поток)</a:t>
+            </a:r>
+          </a:p>
+          <a:p>
+            <a:pPr algn="just"/>
+            <a:r>
+              <a:rPr lang="ru-RU" dirty="0" smtClean="0"/>
+              <a:t>15,9 </a:t>
+            </a:r>
+            <a:r>
+              <a:rPr lang="en-US" dirty="0"/>
+              <a:t>G</a:t>
+            </a:r>
+            <a:r>
+              <a:rPr lang="en-US" dirty="0" smtClean="0"/>
+              <a:t>B RAM</a:t>
+            </a:r>
+            <a:endParaRPr lang="ru-RU" dirty="0" smtClean="0"/>
+          </a:p>
+          <a:p>
+            <a:pPr algn="just"/>
+            <a:r>
+              <a:rPr lang="ru-RU" dirty="0" smtClean="0"/>
+              <a:t>Компилятор </a:t>
+            </a:r>
+            <a:r>
+              <a:rPr lang="en-US" dirty="0"/>
+              <a:t>Microsoft </a:t>
+            </a:r>
+            <a:r>
+              <a:rPr lang="en-US" dirty="0" smtClean="0"/>
+              <a:t>Visual 2022 C++</a:t>
+            </a:r>
+            <a:endParaRPr lang="ru-RU" dirty="0" smtClean="0"/>
+          </a:p>
+          <a:p>
+            <a:pPr algn="just"/>
+            <a:r>
+              <a:rPr lang="ru-RU" dirty="0" err="1" smtClean="0"/>
+              <a:t>Матрицалар</a:t>
+            </a:r>
+            <a:r>
+              <a:rPr lang="ru-RU" dirty="0" smtClean="0"/>
+              <a:t> </a:t>
+            </a:r>
+            <a:r>
+              <a:rPr lang="ru-RU" dirty="0" err="1" smtClean="0"/>
+              <a:t>кездейсоқ</a:t>
+            </a:r>
+            <a:r>
+              <a:rPr lang="ru-RU" dirty="0" smtClean="0"/>
+              <a:t> </a:t>
+            </a:r>
+            <a:r>
+              <a:rPr lang="ru-RU" dirty="0" err="1" smtClean="0"/>
+              <a:t>мәндермен</a:t>
+            </a:r>
+            <a:r>
+              <a:rPr lang="ru-RU" dirty="0" smtClean="0"/>
+              <a:t> </a:t>
+            </a:r>
+            <a:r>
+              <a:rPr lang="en-US" dirty="0" smtClean="0"/>
+              <a:t>(double)rand() / RAND_MAX</a:t>
+            </a:r>
+            <a:r>
+              <a:rPr lang="ru-RU" dirty="0" smtClean="0"/>
+              <a:t> </a:t>
+            </a:r>
+            <a:r>
+              <a:rPr lang="ru-RU" dirty="0" err="1" smtClean="0"/>
+              <a:t>толтырылды</a:t>
+            </a:r>
+            <a:r>
+              <a:rPr lang="ru-RU" dirty="0" smtClean="0"/>
+              <a:t>.</a:t>
+            </a:r>
+          </a:p>
+          <a:p>
+            <a:pPr algn="just"/>
+            <a:r>
+              <a:rPr lang="ru-RU" dirty="0" err="1" smtClean="0"/>
+              <a:t>Алынған</a:t>
+            </a:r>
+            <a:r>
+              <a:rPr lang="ru-RU" dirty="0" smtClean="0"/>
+              <a:t> </a:t>
+            </a:r>
+            <a:r>
+              <a:rPr lang="ru-RU" dirty="0" err="1" smtClean="0"/>
+              <a:t>шешім</a:t>
+            </a:r>
+            <a:r>
+              <a:rPr lang="ru-RU" dirty="0" smtClean="0"/>
+              <a:t> </a:t>
+            </a:r>
+            <a:r>
+              <a:rPr lang="ru-RU" dirty="0" err="1" smtClean="0"/>
+              <a:t>қателігі</a:t>
+            </a:r>
+            <a:r>
+              <a:rPr lang="ru-RU" dirty="0" smtClean="0"/>
+              <a:t> </a:t>
+            </a:r>
+            <a:r>
+              <a:rPr lang="el-GR" dirty="0" smtClean="0"/>
+              <a:t>ε</a:t>
+            </a:r>
+            <a:r>
+              <a:rPr lang="en-US" dirty="0" smtClean="0"/>
+              <a:t>&lt;0,01</a:t>
+            </a:r>
+            <a:endParaRPr lang="ru-RU" dirty="0" smtClean="0"/>
+          </a:p>
+          <a:p>
+            <a:pPr marL="0" indent="0" algn="just">
+              <a:buNone/>
+            </a:pPr>
+            <a:r>
+              <a:rPr lang="ru-RU" dirty="0" smtClean="0"/>
+              <a:t>Эксперимент </a:t>
+            </a:r>
+            <a:r>
+              <a:rPr lang="ru-RU" dirty="0" err="1" smtClean="0"/>
+              <a:t>нәтижесі</a:t>
+            </a:r>
+            <a:r>
+              <a:rPr lang="ru-RU" dirty="0" smtClean="0"/>
+              <a:t>:</a:t>
+            </a:r>
+          </a:p>
+          <a:p>
+            <a:pPr algn="just"/>
+            <a:r>
+              <a:rPr lang="ru-RU" dirty="0" err="1" smtClean="0"/>
+              <a:t>Алгоритмді</a:t>
+            </a:r>
+            <a:r>
+              <a:rPr lang="ru-RU" dirty="0" smtClean="0"/>
+              <a:t> </a:t>
+            </a:r>
+            <a:r>
+              <a:rPr lang="ru-RU" dirty="0" err="1" smtClean="0"/>
+              <a:t>сызықты</a:t>
+            </a:r>
+            <a:r>
+              <a:rPr lang="ru-RU" dirty="0" smtClean="0"/>
+              <a:t> </a:t>
+            </a:r>
+            <a:r>
+              <a:rPr lang="ru-RU" dirty="0" err="1" smtClean="0"/>
+              <a:t>орындау</a:t>
+            </a:r>
+            <a:r>
+              <a:rPr lang="ru-RU" dirty="0" smtClean="0"/>
+              <a:t> </a:t>
+            </a:r>
+            <a:r>
+              <a:rPr lang="ru-RU" dirty="0" err="1" smtClean="0"/>
+              <a:t>бойынша</a:t>
+            </a:r>
+            <a:r>
+              <a:rPr lang="ru-RU" dirty="0" smtClean="0"/>
+              <a:t> </a:t>
+            </a:r>
+            <a:r>
+              <a:rPr lang="ru-RU" dirty="0" err="1" smtClean="0"/>
+              <a:t>кез-келген</a:t>
+            </a:r>
+            <a:r>
+              <a:rPr lang="ru-RU" dirty="0" smtClean="0"/>
+              <a:t> </a:t>
+            </a:r>
+            <a:r>
+              <a:rPr lang="ru-RU" dirty="0" err="1" smtClean="0"/>
+              <a:t>өлшемде</a:t>
+            </a:r>
+            <a:r>
+              <a:rPr lang="ru-RU" dirty="0" smtClean="0"/>
+              <a:t> Гаусс </a:t>
+            </a:r>
+            <a:r>
+              <a:rPr lang="ru-RU" dirty="0" err="1" smtClean="0"/>
+              <a:t>әдісі</a:t>
+            </a:r>
+            <a:r>
+              <a:rPr lang="ru-RU" dirty="0" smtClean="0"/>
+              <a:t> </a:t>
+            </a:r>
+            <a:r>
+              <a:rPr lang="ru-RU" dirty="0" err="1" smtClean="0"/>
+              <a:t>әрдайым</a:t>
+            </a:r>
+            <a:r>
+              <a:rPr lang="ru-RU" dirty="0" smtClean="0"/>
+              <a:t> </a:t>
+            </a:r>
+            <a:r>
+              <a:rPr lang="ru-RU" dirty="0" err="1" smtClean="0"/>
+              <a:t>жақсы</a:t>
+            </a:r>
+            <a:r>
+              <a:rPr lang="ru-RU" dirty="0" smtClean="0"/>
+              <a:t> </a:t>
+            </a:r>
+            <a:r>
+              <a:rPr lang="ru-RU" dirty="0" err="1" smtClean="0"/>
+              <a:t>нәтиже</a:t>
+            </a:r>
+            <a:r>
+              <a:rPr lang="ru-RU" dirty="0" smtClean="0"/>
+              <a:t> </a:t>
+            </a:r>
+            <a:r>
+              <a:rPr lang="ru-RU" dirty="0" err="1" smtClean="0"/>
+              <a:t>көрсетті</a:t>
+            </a:r>
+            <a:r>
+              <a:rPr lang="ru-RU" dirty="0" smtClean="0"/>
+              <a:t>, </a:t>
+            </a:r>
+            <a:r>
+              <a:rPr lang="ru-RU" dirty="0" err="1" smtClean="0"/>
+              <a:t>әр</a:t>
+            </a:r>
+            <a:r>
+              <a:rPr lang="ru-RU" dirty="0" smtClean="0"/>
+              <a:t> итерация </a:t>
+            </a:r>
+            <a:r>
+              <a:rPr lang="ru-RU" dirty="0" err="1" smtClean="0"/>
+              <a:t>сайын</a:t>
+            </a:r>
+            <a:r>
+              <a:rPr lang="ru-RU" dirty="0" smtClean="0"/>
+              <a:t> </a:t>
+            </a:r>
+            <a:r>
+              <a:rPr lang="ru-RU" dirty="0" err="1" smtClean="0"/>
+              <a:t>келесі</a:t>
+            </a:r>
+            <a:r>
+              <a:rPr lang="ru-RU" dirty="0" smtClean="0"/>
+              <a:t> цикл </a:t>
+            </a:r>
+            <a:r>
+              <a:rPr lang="ru-RU" dirty="0" err="1" smtClean="0"/>
+              <a:t>өлшемі</a:t>
+            </a:r>
+            <a:r>
+              <a:rPr lang="ru-RU" dirty="0" smtClean="0"/>
+              <a:t> </a:t>
+            </a:r>
+            <a:r>
+              <a:rPr lang="ru-RU" dirty="0" err="1" smtClean="0"/>
+              <a:t>азайып</a:t>
+            </a:r>
+            <a:r>
+              <a:rPr lang="ru-RU" dirty="0" smtClean="0"/>
+              <a:t> </a:t>
+            </a:r>
+            <a:r>
+              <a:rPr lang="ru-RU" dirty="0" err="1" smtClean="0"/>
+              <a:t>отырады</a:t>
+            </a:r>
+            <a:r>
+              <a:rPr lang="ru-RU" dirty="0" smtClean="0"/>
+              <a:t>;</a:t>
+            </a:r>
+          </a:p>
+          <a:p>
+            <a:pPr algn="just"/>
+            <a:r>
+              <a:rPr lang="ru-RU" dirty="0" smtClean="0"/>
+              <a:t>Ал </a:t>
+            </a:r>
+            <a:r>
+              <a:rPr lang="en-US" dirty="0" smtClean="0"/>
+              <a:t>CG </a:t>
+            </a:r>
+            <a:r>
+              <a:rPr lang="ru-RU" dirty="0" err="1" smtClean="0"/>
+              <a:t>әдісі</a:t>
+            </a:r>
+            <a:r>
+              <a:rPr lang="ru-RU" dirty="0" smtClean="0"/>
+              <a:t> </a:t>
+            </a:r>
+            <a:r>
+              <a:rPr lang="ru-RU" dirty="0" err="1" smtClean="0"/>
+              <a:t>жаңа</a:t>
+            </a:r>
+            <a:r>
+              <a:rPr lang="ru-RU" dirty="0" smtClean="0"/>
+              <a:t> </a:t>
+            </a:r>
+            <a:r>
+              <a:rPr lang="ru-RU" dirty="0" err="1" smtClean="0"/>
+              <a:t>қадамды</a:t>
+            </a:r>
+            <a:r>
+              <a:rPr lang="ru-RU" dirty="0" smtClean="0"/>
+              <a:t> </a:t>
+            </a:r>
+            <a:r>
+              <a:rPr lang="ru-RU" dirty="0" err="1" smtClean="0"/>
+              <a:t>есептеу</a:t>
+            </a:r>
+            <a:r>
+              <a:rPr lang="ru-RU" dirty="0" smtClean="0"/>
+              <a:t> </a:t>
+            </a:r>
+            <a:r>
+              <a:rPr lang="ru-RU" dirty="0" err="1" smtClean="0"/>
+              <a:t>кезінде</a:t>
+            </a:r>
+            <a:r>
+              <a:rPr lang="ru-RU" dirty="0" smtClean="0"/>
+              <a:t> </a:t>
+            </a:r>
+            <a:r>
+              <a:rPr lang="ru-RU" dirty="0" err="1" smtClean="0"/>
+              <a:t>әрдайым</a:t>
+            </a:r>
+            <a:r>
+              <a:rPr lang="ru-RU" dirty="0" smtClean="0"/>
+              <a:t> </a:t>
+            </a:r>
+            <a:r>
+              <a:rPr lang="ru-RU" dirty="0" err="1" smtClean="0"/>
+              <a:t>матрицаға</a:t>
+            </a:r>
+            <a:r>
+              <a:rPr lang="ru-RU" dirty="0" smtClean="0"/>
+              <a:t> </a:t>
+            </a:r>
+            <a:r>
+              <a:rPr lang="ru-RU" dirty="0" err="1" smtClean="0"/>
+              <a:t>көбейтіп</a:t>
+            </a:r>
+            <a:r>
+              <a:rPr lang="ru-RU" dirty="0" smtClean="0"/>
+              <a:t> </a:t>
+            </a:r>
+            <a:r>
+              <a:rPr lang="ru-RU" dirty="0" err="1" smtClean="0"/>
+              <a:t>отырғандықтан</a:t>
+            </a:r>
+            <a:r>
+              <a:rPr lang="ru-RU" dirty="0" smtClean="0"/>
+              <a:t>, </a:t>
+            </a:r>
+            <a:r>
+              <a:rPr lang="ru-RU" dirty="0" err="1" smtClean="0"/>
+              <a:t>сызықты</a:t>
+            </a:r>
+            <a:r>
+              <a:rPr lang="ru-RU" dirty="0" smtClean="0"/>
+              <a:t> </a:t>
+            </a:r>
+            <a:r>
+              <a:rPr lang="ru-RU" dirty="0" err="1" smtClean="0"/>
+              <a:t>алгоритмі</a:t>
+            </a:r>
+            <a:r>
+              <a:rPr lang="ru-RU" dirty="0" smtClean="0"/>
+              <a:t> </a:t>
+            </a:r>
+            <a:r>
+              <a:rPr lang="ru-RU" dirty="0" err="1" smtClean="0"/>
+              <a:t>тиімсіз</a:t>
+            </a:r>
+            <a:r>
+              <a:rPr lang="ru-RU" dirty="0" smtClean="0"/>
+              <a:t>; </a:t>
+            </a:r>
+          </a:p>
+          <a:p>
+            <a:pPr algn="just"/>
+            <a:r>
+              <a:rPr lang="ru-RU" dirty="0" err="1" smtClean="0"/>
+              <a:t>Үлкен</a:t>
+            </a:r>
+            <a:r>
+              <a:rPr lang="ru-RU" dirty="0" smtClean="0"/>
+              <a:t> </a:t>
+            </a:r>
+            <a:r>
+              <a:rPr lang="en-US" dirty="0" smtClean="0"/>
+              <a:t>n </a:t>
+            </a:r>
+            <a:r>
+              <a:rPr lang="ru-RU" dirty="0" err="1" smtClean="0"/>
+              <a:t>және</a:t>
+            </a:r>
+            <a:r>
+              <a:rPr lang="ru-RU" dirty="0" smtClean="0"/>
+              <a:t> </a:t>
+            </a:r>
+            <a:r>
+              <a:rPr lang="ru-RU" dirty="0" err="1" smtClean="0"/>
+              <a:t>ақпарат</a:t>
+            </a:r>
+            <a:r>
+              <a:rPr lang="ru-RU" dirty="0" smtClean="0"/>
+              <a:t> </a:t>
+            </a:r>
+            <a:r>
+              <a:rPr lang="ru-RU" dirty="0" err="1" smtClean="0"/>
+              <a:t>алмасуда</a:t>
+            </a:r>
+            <a:r>
+              <a:rPr lang="ru-RU" dirty="0" smtClean="0"/>
+              <a:t> </a:t>
+            </a:r>
+            <a:r>
+              <a:rPr lang="ru-RU" dirty="0" err="1" smtClean="0"/>
+              <a:t>кешіктірулер</a:t>
+            </a:r>
+            <a:r>
+              <a:rPr lang="ru-RU" dirty="0" smtClean="0"/>
+              <a:t> </a:t>
+            </a:r>
+            <a:r>
+              <a:rPr lang="ru-RU" dirty="0" err="1" smtClean="0"/>
+              <a:t>болмаған</a:t>
+            </a:r>
+            <a:r>
+              <a:rPr lang="ru-RU" dirty="0" smtClean="0"/>
+              <a:t> </a:t>
+            </a:r>
+            <a:r>
+              <a:rPr lang="ru-RU" dirty="0" err="1" smtClean="0"/>
+              <a:t>кезде</a:t>
+            </a:r>
+            <a:r>
+              <a:rPr lang="ru-RU" dirty="0" smtClean="0"/>
+              <a:t>, Гаусс </a:t>
+            </a:r>
+            <a:r>
+              <a:rPr lang="ru-RU" dirty="0" err="1" smtClean="0"/>
+              <a:t>әдісі</a:t>
+            </a:r>
+            <a:r>
+              <a:rPr lang="ru-RU" dirty="0" smtClean="0"/>
+              <a:t> </a:t>
+            </a:r>
+            <a:r>
+              <a:rPr lang="ru-RU" dirty="0" err="1" smtClean="0"/>
+              <a:t>максималды</a:t>
+            </a:r>
+            <a:r>
+              <a:rPr lang="ru-RU" dirty="0" smtClean="0"/>
+              <a:t> </a:t>
+            </a:r>
+            <a:r>
+              <a:rPr lang="ru-RU" dirty="0" err="1" smtClean="0"/>
+              <a:t>мүмкін</a:t>
+            </a:r>
+            <a:r>
+              <a:rPr lang="ru-RU" dirty="0" smtClean="0"/>
+              <a:t> </a:t>
+            </a:r>
+            <a:r>
+              <a:rPr lang="ru-RU" dirty="0" err="1" smtClean="0"/>
+              <a:t>болатын</a:t>
+            </a:r>
+            <a:r>
+              <a:rPr lang="ru-RU" dirty="0" smtClean="0"/>
+              <a:t> </a:t>
+            </a:r>
+            <a:r>
+              <a:rPr lang="ru-RU" dirty="0" err="1" smtClean="0"/>
+              <a:t>жылдамдыққа</a:t>
+            </a:r>
+            <a:r>
+              <a:rPr lang="ru-RU" dirty="0" smtClean="0"/>
+              <a:t> </a:t>
+            </a:r>
+            <a:r>
+              <a:rPr lang="ru-RU" dirty="0" err="1" smtClean="0"/>
+              <a:t>және</a:t>
+            </a:r>
+            <a:r>
+              <a:rPr lang="ru-RU" dirty="0" smtClean="0"/>
+              <a:t> </a:t>
+            </a:r>
+            <a:r>
+              <a:rPr lang="ru-RU" dirty="0" err="1" smtClean="0"/>
+              <a:t>тиімділікке</a:t>
+            </a:r>
+            <a:r>
+              <a:rPr lang="ru-RU" dirty="0" smtClean="0"/>
+              <a:t> </a:t>
+            </a:r>
+            <a:r>
+              <a:rPr lang="ru-RU" dirty="0" err="1" smtClean="0"/>
+              <a:t>қол</a:t>
+            </a:r>
+            <a:r>
+              <a:rPr lang="ru-RU" dirty="0" smtClean="0"/>
+              <a:t> </a:t>
+            </a:r>
+            <a:r>
+              <a:rPr lang="ru-RU" dirty="0" err="1" smtClean="0"/>
+              <a:t>жеткізеді</a:t>
+            </a:r>
+            <a:r>
+              <a:rPr lang="ru-RU" dirty="0" smtClean="0"/>
+              <a:t>;</a:t>
+            </a:r>
+          </a:p>
+          <a:p>
+            <a:pPr algn="just"/>
+            <a:r>
+              <a:rPr lang="ru-RU" dirty="0" err="1"/>
+              <a:t>Үлкен</a:t>
+            </a:r>
+            <a:r>
+              <a:rPr lang="ru-RU" dirty="0"/>
+              <a:t> </a:t>
+            </a:r>
+            <a:r>
+              <a:rPr lang="en-US" dirty="0"/>
+              <a:t>n </a:t>
+            </a:r>
+            <a:r>
+              <a:rPr lang="ru-RU" dirty="0" err="1"/>
+              <a:t>және</a:t>
+            </a:r>
+            <a:r>
+              <a:rPr lang="ru-RU" dirty="0"/>
+              <a:t> </a:t>
+            </a:r>
+            <a:r>
+              <a:rPr lang="ru-RU" dirty="0" err="1"/>
+              <a:t>ақпарат</a:t>
+            </a:r>
+            <a:r>
+              <a:rPr lang="ru-RU" dirty="0"/>
+              <a:t> </a:t>
+            </a:r>
+            <a:r>
+              <a:rPr lang="ru-RU" dirty="0" err="1"/>
+              <a:t>алмасуда</a:t>
+            </a:r>
+            <a:r>
+              <a:rPr lang="ru-RU" dirty="0"/>
+              <a:t> </a:t>
+            </a:r>
+            <a:r>
+              <a:rPr lang="ru-RU" dirty="0" err="1" smtClean="0"/>
+              <a:t>кешіктірулер</a:t>
+            </a:r>
+            <a:r>
+              <a:rPr lang="ru-RU" dirty="0" smtClean="0"/>
+              <a:t> </a:t>
+            </a:r>
+            <a:r>
+              <a:rPr lang="ru-RU" dirty="0" err="1" smtClean="0"/>
+              <a:t>болмаған</a:t>
+            </a:r>
+            <a:r>
+              <a:rPr lang="ru-RU" dirty="0" smtClean="0"/>
+              <a:t> </a:t>
+            </a:r>
+            <a:r>
+              <a:rPr lang="ru-RU" dirty="0" err="1" smtClean="0"/>
+              <a:t>кезде</a:t>
+            </a:r>
+            <a:r>
+              <a:rPr lang="en-US" dirty="0" smtClean="0"/>
+              <a:t>, CG </a:t>
+            </a:r>
+            <a:r>
+              <a:rPr lang="ru-RU" dirty="0" err="1" smtClean="0"/>
+              <a:t>әдісі</a:t>
+            </a:r>
+            <a:r>
+              <a:rPr lang="ru-RU" dirty="0" smtClean="0"/>
+              <a:t>  </a:t>
+            </a:r>
+            <a:r>
+              <a:rPr lang="ru-RU" dirty="0" err="1" smtClean="0"/>
+              <a:t>бірдей</a:t>
+            </a:r>
+            <a:r>
+              <a:rPr lang="ru-RU" dirty="0" smtClean="0"/>
+              <a:t> </a:t>
+            </a:r>
+            <a:r>
+              <a:rPr lang="ru-RU" dirty="0" err="1" smtClean="0"/>
+              <a:t>тиімділікке</a:t>
+            </a:r>
+            <a:r>
+              <a:rPr lang="ru-RU" dirty="0" smtClean="0"/>
+              <a:t> </a:t>
+            </a:r>
+            <a:r>
+              <a:rPr lang="ru-RU" dirty="0" err="1" smtClean="0"/>
+              <a:t>ұмтылады</a:t>
+            </a:r>
+            <a:r>
+              <a:rPr lang="ru-RU" dirty="0" smtClean="0"/>
+              <a:t>.</a:t>
+            </a:r>
           </a:p>
         </p:txBody>
       </p:sp>
@@ -4486,7 +9008,7 @@
           <p:cNvPr id="8" name="Дата 7">
             <a:extLst>
               <a:ext uri="{FF2B5EF4-FFF2-40B4-BE49-F238E27FC236}">
-                <a16:creationId xmlns:a16="http://schemas.microsoft.com/office/drawing/2014/main" xmlns="" id="{F7F4D3F7-36E3-4B72-BC1D-5F2980B47D66}"/>
+                <a16:creationId xmlns:a16="http://schemas.microsoft.com/office/drawing/2014/main" id="{F7F4D3F7-36E3-4B72-BC1D-5F2980B47D66}"/>
               </a:ext>
             </a:extLst>
           </p:cNvPr>
@@ -4515,7 +9037,7 @@
           <p:cNvPr id="6" name="Нижний колонтитул 5">
             <a:extLst>
               <a:ext uri="{FF2B5EF4-FFF2-40B4-BE49-F238E27FC236}">
-                <a16:creationId xmlns:a16="http://schemas.microsoft.com/office/drawing/2014/main" xmlns="" id="{DC782594-9F4A-4E97-AC68-B38F2CD3E936}"/>
+                <a16:creationId xmlns:a16="http://schemas.microsoft.com/office/drawing/2014/main" id="{DC782594-9F4A-4E97-AC68-B38F2CD3E936}"/>
               </a:ext>
             </a:extLst>
           </p:cNvPr>
@@ -4544,7 +9066,7 @@
           <p:cNvPr id="7" name="Номер слайда 6">
             <a:extLst>
               <a:ext uri="{FF2B5EF4-FFF2-40B4-BE49-F238E27FC236}">
-                <a16:creationId xmlns:a16="http://schemas.microsoft.com/office/drawing/2014/main" xmlns="" id="{D8F8CABC-DB36-4F4C-B4D6-E636A2013CBE}"/>
+                <a16:creationId xmlns:a16="http://schemas.microsoft.com/office/drawing/2014/main" id="{D8F8CABC-DB36-4F4C-B4D6-E636A2013CBE}"/>
               </a:ext>
             </a:extLst>
           </p:cNvPr>
@@ -4603,7 +9125,7 @@
           <p:cNvPr id="4" name="Заголовок 3">
             <a:extLst>
               <a:ext uri="{FF2B5EF4-FFF2-40B4-BE49-F238E27FC236}">
-                <a16:creationId xmlns:a16="http://schemas.microsoft.com/office/drawing/2014/main" xmlns="" id="{BADCCEB6-0C4A-4681-BAE5-867300BC153E}"/>
+                <a16:creationId xmlns:a16="http://schemas.microsoft.com/office/drawing/2014/main" id="{BADCCEB6-0C4A-4681-BAE5-867300BC153E}"/>
               </a:ext>
             </a:extLst>
           </p:cNvPr>
@@ -4640,7 +9162,7 @@
           <p:cNvPr id="9" name="Объект 8">
             <a:extLst>
               <a:ext uri="{FF2B5EF4-FFF2-40B4-BE49-F238E27FC236}">
-                <a16:creationId xmlns:a16="http://schemas.microsoft.com/office/drawing/2014/main" xmlns="" id="{218E2EB6-D834-4934-84AF-10EFBFA05D21}"/>
+                <a16:creationId xmlns:a16="http://schemas.microsoft.com/office/drawing/2014/main" id="{218E2EB6-D834-4934-84AF-10EFBFA05D21}"/>
               </a:ext>
             </a:extLst>
           </p:cNvPr>
@@ -4651,11 +9173,495 @@
             <p:ph idx="1"/>
           </p:nvPr>
         </p:nvSpPr>
-        <p:spPr/>
+        <p:spPr>
+          <a:xfrm>
+            <a:off x="461639" y="1503486"/>
+            <a:ext cx="11265763" cy="1994550"/>
+          </a:xfrm>
+        </p:spPr>
         <p:txBody>
-          <a:bodyPr/>
+          <a:bodyPr>
+            <a:normAutofit/>
+          </a:bodyPr>
           <a:lstStyle/>
           <a:p>
+            <a:pPr marL="0" indent="0">
+              <a:buNone/>
+            </a:pPr>
+            <a:r>
+              <a:rPr lang="ru-RU" dirty="0" err="1" smtClean="0"/>
+              <a:t>Бұл</a:t>
+            </a:r>
+            <a:r>
+              <a:rPr lang="ru-RU" dirty="0" smtClean="0"/>
+              <a:t> </a:t>
+            </a:r>
+            <a:r>
+              <a:rPr lang="ru-RU" dirty="0" err="1" smtClean="0"/>
+              <a:t>зерттеу</a:t>
+            </a:r>
+            <a:r>
+              <a:rPr lang="ru-RU" dirty="0" smtClean="0"/>
+              <a:t> </a:t>
+            </a:r>
+            <a:r>
+              <a:rPr lang="ru-RU" dirty="0" err="1" smtClean="0"/>
+              <a:t>жұмысында</a:t>
+            </a:r>
+            <a:r>
+              <a:rPr lang="ru-RU" dirty="0" smtClean="0"/>
+              <a:t> </a:t>
+            </a:r>
+            <a:r>
+              <a:rPr lang="ru-RU" dirty="0" err="1" smtClean="0"/>
+              <a:t>теңдеулер</a:t>
+            </a:r>
+            <a:r>
+              <a:rPr lang="ru-RU" dirty="0" smtClean="0"/>
+              <a:t> </a:t>
+            </a:r>
+            <a:r>
+              <a:rPr lang="ru-RU" dirty="0" err="1" smtClean="0"/>
+              <a:t>жүйесін</a:t>
+            </a:r>
+            <a:r>
+              <a:rPr lang="ru-RU" dirty="0" smtClean="0"/>
+              <a:t> </a:t>
+            </a:r>
+            <a:r>
+              <a:rPr lang="ru-RU" dirty="0" err="1" smtClean="0"/>
+              <a:t>шешудің</a:t>
+            </a:r>
+            <a:r>
+              <a:rPr lang="ru-RU" dirty="0" smtClean="0"/>
+              <a:t> Гаусс </a:t>
+            </a:r>
+            <a:r>
+              <a:rPr lang="ru-RU" dirty="0" err="1" smtClean="0"/>
+              <a:t>және</a:t>
+            </a:r>
+            <a:r>
+              <a:rPr lang="ru-RU" dirty="0" smtClean="0"/>
+              <a:t> </a:t>
+            </a:r>
+            <a:r>
+              <a:rPr lang="en-US" dirty="0" smtClean="0"/>
+              <a:t>CG</a:t>
+            </a:r>
+            <a:r>
+              <a:rPr lang="ru-RU" dirty="0" smtClean="0"/>
+              <a:t> </a:t>
+            </a:r>
+            <a:r>
+              <a:rPr lang="ru-RU" dirty="0" err="1" smtClean="0"/>
+              <a:t>әдістерінің</a:t>
+            </a:r>
+            <a:r>
+              <a:rPr lang="ru-RU" dirty="0" smtClean="0"/>
+              <a:t> </a:t>
+            </a:r>
+            <a:r>
+              <a:rPr lang="ru-RU" dirty="0" err="1" smtClean="0"/>
+              <a:t>сызықты</a:t>
+            </a:r>
+            <a:r>
+              <a:rPr lang="ru-RU" dirty="0" smtClean="0"/>
+              <a:t> </a:t>
+            </a:r>
+            <a:r>
+              <a:rPr lang="ru-RU" dirty="0" err="1" smtClean="0"/>
+              <a:t>және</a:t>
+            </a:r>
+            <a:r>
+              <a:rPr lang="ru-RU" dirty="0" smtClean="0"/>
+              <a:t> параллель </a:t>
+            </a:r>
+            <a:r>
+              <a:rPr lang="ru-RU" dirty="0" err="1" smtClean="0"/>
+              <a:t>алгоритмі</a:t>
+            </a:r>
+            <a:r>
+              <a:rPr lang="ru-RU" dirty="0" smtClean="0"/>
+              <a:t> </a:t>
+            </a:r>
+            <a:r>
+              <a:rPr lang="ru-RU" dirty="0" err="1" smtClean="0"/>
+              <a:t>қарастырылды</a:t>
+            </a:r>
+            <a:r>
+              <a:rPr lang="ru-RU" dirty="0" smtClean="0"/>
+              <a:t>. </a:t>
+            </a:r>
+            <a:r>
+              <a:rPr lang="ru-RU" dirty="0" err="1" smtClean="0"/>
+              <a:t>Олардың</a:t>
+            </a:r>
+            <a:r>
+              <a:rPr lang="ru-RU" dirty="0" smtClean="0"/>
+              <a:t> </a:t>
+            </a:r>
+            <a:r>
+              <a:rPr lang="en-US" dirty="0" err="1" smtClean="0"/>
+              <a:t>c++</a:t>
+            </a:r>
+            <a:r>
+              <a:rPr lang="en-US" dirty="0" smtClean="0"/>
+              <a:t> </a:t>
+            </a:r>
+            <a:r>
+              <a:rPr lang="ru-RU" dirty="0" err="1" smtClean="0"/>
+              <a:t>тілінде</a:t>
+            </a:r>
+            <a:r>
+              <a:rPr lang="ru-RU" dirty="0" smtClean="0"/>
+              <a:t> </a:t>
+            </a:r>
+            <a:r>
+              <a:rPr lang="ru-RU" dirty="0" err="1" smtClean="0"/>
+              <a:t>бағдарламасы</a:t>
+            </a:r>
+            <a:r>
+              <a:rPr lang="ru-RU" dirty="0" smtClean="0"/>
+              <a:t> </a:t>
+            </a:r>
+            <a:r>
+              <a:rPr lang="ru-RU" dirty="0" err="1" smtClean="0"/>
+              <a:t>құрылды</a:t>
+            </a:r>
+            <a:r>
+              <a:rPr lang="ru-RU" dirty="0" smtClean="0"/>
+              <a:t>. </a:t>
+            </a:r>
+            <a:r>
+              <a:rPr lang="ru-RU" dirty="0" err="1" smtClean="0"/>
+              <a:t>Үлкен</a:t>
+            </a:r>
+            <a:r>
+              <a:rPr lang="ru-RU" dirty="0" smtClean="0"/>
+              <a:t> </a:t>
+            </a:r>
+            <a:r>
+              <a:rPr lang="ru-RU" dirty="0" err="1" smtClean="0"/>
+              <a:t>өлшемдегі</a:t>
+            </a:r>
+            <a:r>
+              <a:rPr lang="ru-RU" dirty="0" smtClean="0"/>
+              <a:t> </a:t>
+            </a:r>
+            <a:r>
+              <a:rPr lang="ru-RU" dirty="0" err="1" smtClean="0"/>
+              <a:t>матрицаны</a:t>
+            </a:r>
+            <a:r>
+              <a:rPr lang="ru-RU" dirty="0" smtClean="0"/>
+              <a:t> </a:t>
+            </a:r>
+            <a:r>
+              <a:rPr lang="ru-RU" dirty="0" err="1" smtClean="0"/>
+              <a:t>кездейсоқ</a:t>
+            </a:r>
+            <a:r>
+              <a:rPr lang="ru-RU" dirty="0" smtClean="0"/>
+              <a:t> </a:t>
+            </a:r>
+            <a:r>
+              <a:rPr lang="ru-RU" dirty="0" err="1" smtClean="0"/>
+              <a:t>мәндермен</a:t>
+            </a:r>
+            <a:r>
+              <a:rPr lang="ru-RU" dirty="0" smtClean="0"/>
+              <a:t> </a:t>
+            </a:r>
+            <a:r>
+              <a:rPr lang="ru-RU" dirty="0" err="1" smtClean="0"/>
+              <a:t>толтыру</a:t>
+            </a:r>
+            <a:r>
+              <a:rPr lang="ru-RU" dirty="0" smtClean="0"/>
+              <a:t>, </a:t>
+            </a:r>
+            <a:r>
+              <a:rPr lang="ru-RU" dirty="0" err="1" smtClean="0"/>
+              <a:t>шешімнің</a:t>
+            </a:r>
+            <a:r>
+              <a:rPr lang="ru-RU" dirty="0" smtClean="0"/>
+              <a:t> </a:t>
+            </a:r>
+            <a:r>
+              <a:rPr lang="ru-RU" dirty="0" err="1" smtClean="0"/>
+              <a:t>дұрыстығын</a:t>
+            </a:r>
+            <a:r>
+              <a:rPr lang="ru-RU" dirty="0" smtClean="0"/>
+              <a:t> </a:t>
+            </a:r>
+            <a:r>
+              <a:rPr lang="ru-RU" dirty="0" err="1" smtClean="0"/>
+              <a:t>тексеру</a:t>
+            </a:r>
+            <a:r>
+              <a:rPr lang="ru-RU" dirty="0" smtClean="0"/>
+              <a:t>, матрица </a:t>
+            </a:r>
+            <a:r>
+              <a:rPr lang="ru-RU" dirty="0" err="1" smtClean="0"/>
+              <a:t>симметриялы</a:t>
+            </a:r>
+            <a:r>
+              <a:rPr lang="ru-RU" dirty="0" smtClean="0"/>
+              <a:t> </a:t>
+            </a:r>
+            <a:r>
+              <a:rPr lang="ru-RU" dirty="0" err="1" smtClean="0"/>
+              <a:t>және</a:t>
+            </a:r>
+            <a:r>
+              <a:rPr lang="ru-RU" dirty="0" smtClean="0"/>
+              <a:t> </a:t>
+            </a:r>
+            <a:r>
+              <a:rPr lang="ru-RU" dirty="0" err="1" smtClean="0"/>
+              <a:t>оң</a:t>
+            </a:r>
+            <a:r>
+              <a:rPr lang="ru-RU" dirty="0" smtClean="0"/>
+              <a:t> </a:t>
+            </a:r>
+            <a:r>
+              <a:rPr lang="ru-RU" dirty="0" err="1" smtClean="0"/>
+              <a:t>анықталғандығын</a:t>
+            </a:r>
+            <a:r>
+              <a:rPr lang="ru-RU" dirty="0" smtClean="0"/>
+              <a:t> </a:t>
+            </a:r>
+            <a:r>
+              <a:rPr lang="ru-RU" dirty="0" err="1" smtClean="0"/>
+              <a:t>тексеру</a:t>
+            </a:r>
+            <a:r>
+              <a:rPr lang="ru-RU" dirty="0" smtClean="0"/>
+              <a:t>, </a:t>
+            </a:r>
+            <a:r>
+              <a:rPr lang="ru-RU" dirty="0" err="1" smtClean="0"/>
+              <a:t>әр</a:t>
+            </a:r>
+            <a:r>
+              <a:rPr lang="ru-RU" dirty="0" smtClean="0"/>
+              <a:t> алгоритм </a:t>
+            </a:r>
+            <a:r>
+              <a:rPr lang="ru-RU" dirty="0" err="1" smtClean="0"/>
+              <a:t>есептеу</a:t>
+            </a:r>
+            <a:r>
+              <a:rPr lang="ru-RU" dirty="0" smtClean="0"/>
+              <a:t> </a:t>
+            </a:r>
+            <a:r>
+              <a:rPr lang="ru-RU" dirty="0" err="1" smtClean="0"/>
+              <a:t>уақытын</a:t>
+            </a:r>
+            <a:r>
+              <a:rPr lang="ru-RU" dirty="0" smtClean="0"/>
+              <a:t> </a:t>
+            </a:r>
+            <a:r>
+              <a:rPr lang="ru-RU" dirty="0" err="1" smtClean="0"/>
+              <a:t>автоматты</a:t>
+            </a:r>
+            <a:r>
+              <a:rPr lang="ru-RU" dirty="0" smtClean="0"/>
+              <a:t> </a:t>
+            </a:r>
+            <a:r>
+              <a:rPr lang="en-US" dirty="0" smtClean="0"/>
+              <a:t>*.csv </a:t>
+            </a:r>
+            <a:r>
+              <a:rPr lang="ru-RU" dirty="0" err="1" smtClean="0"/>
+              <a:t>файлына</a:t>
+            </a:r>
+            <a:r>
+              <a:rPr lang="ru-RU" dirty="0" smtClean="0"/>
+              <a:t> </a:t>
+            </a:r>
+            <a:r>
+              <a:rPr lang="ru-RU" dirty="0" err="1" smtClean="0"/>
+              <a:t>жазуға</a:t>
+            </a:r>
+            <a:r>
+              <a:rPr lang="ru-RU" dirty="0" smtClean="0"/>
+              <a:t> </a:t>
+            </a:r>
+            <a:r>
+              <a:rPr lang="ru-RU" dirty="0" err="1" smtClean="0"/>
+              <a:t>арналған</a:t>
+            </a:r>
+            <a:r>
+              <a:rPr lang="ru-RU" dirty="0" smtClean="0"/>
+              <a:t> </a:t>
+            </a:r>
+            <a:r>
+              <a:rPr lang="ru-RU" dirty="0" err="1" smtClean="0"/>
+              <a:t>класстар</a:t>
+            </a:r>
+            <a:r>
+              <a:rPr lang="ru-RU" dirty="0" smtClean="0"/>
+              <a:t> </a:t>
+            </a:r>
+            <a:r>
+              <a:rPr lang="ru-RU" dirty="0" err="1" smtClean="0"/>
+              <a:t>құрылды</a:t>
+            </a:r>
+            <a:r>
+              <a:rPr lang="ru-RU" dirty="0" smtClean="0"/>
+              <a:t>. </a:t>
+            </a:r>
+            <a:endParaRPr lang="en-US" dirty="0" smtClean="0"/>
+          </a:p>
+          <a:p>
+            <a:pPr marL="0" indent="0">
+              <a:buNone/>
+            </a:pPr>
+            <a:r>
+              <a:rPr lang="ru-RU" dirty="0" smtClean="0"/>
+              <a:t>Гаусс </a:t>
+            </a:r>
+            <a:r>
+              <a:rPr lang="ru-RU" dirty="0" err="1" smtClean="0"/>
+              <a:t>әдісі</a:t>
+            </a:r>
+            <a:r>
+              <a:rPr lang="ru-RU" dirty="0" smtClean="0"/>
+              <a:t> </a:t>
+            </a:r>
+            <a:r>
+              <a:rPr lang="ru-RU" dirty="0" err="1" smtClean="0"/>
+              <a:t>есептеуде</a:t>
+            </a:r>
+            <a:r>
+              <a:rPr lang="ru-RU" dirty="0" smtClean="0"/>
+              <a:t> </a:t>
+            </a:r>
+            <a:r>
+              <a:rPr lang="ru-RU" dirty="0" err="1" smtClean="0"/>
+              <a:t>жоғарғы</a:t>
+            </a:r>
+            <a:r>
+              <a:rPr lang="ru-RU" dirty="0" smtClean="0"/>
+              <a:t> </a:t>
+            </a:r>
+            <a:r>
+              <a:rPr lang="ru-RU" dirty="0" err="1" smtClean="0"/>
+              <a:t>нәтиже</a:t>
+            </a:r>
+            <a:r>
+              <a:rPr lang="ru-RU" dirty="0" smtClean="0"/>
+              <a:t> </a:t>
+            </a:r>
+            <a:r>
+              <a:rPr lang="ru-RU" dirty="0" err="1" smtClean="0"/>
+              <a:t>көрсеткенімен</a:t>
+            </a:r>
+            <a:r>
+              <a:rPr lang="ru-RU" dirty="0" smtClean="0"/>
+              <a:t>, </a:t>
+            </a:r>
+            <a:r>
+              <a:rPr lang="ru-RU" dirty="0" err="1" smtClean="0"/>
+              <a:t>қолданыс</a:t>
+            </a:r>
+            <a:r>
+              <a:rPr lang="ru-RU" dirty="0" smtClean="0"/>
+              <a:t> </a:t>
+            </a:r>
+            <a:r>
+              <a:rPr lang="ru-RU" dirty="0" err="1" smtClean="0"/>
+              <a:t>ортасы</a:t>
+            </a:r>
+            <a:r>
+              <a:rPr lang="ru-RU" dirty="0" smtClean="0"/>
+              <a:t> </a:t>
+            </a:r>
+            <a:r>
+              <a:rPr lang="ru-RU" dirty="0" err="1" smtClean="0"/>
+              <a:t>шектеулі</a:t>
+            </a:r>
+            <a:r>
+              <a:rPr lang="ru-RU" dirty="0" smtClean="0"/>
+              <a:t>. Ал </a:t>
+            </a:r>
+            <a:r>
+              <a:rPr lang="en-US" dirty="0" smtClean="0"/>
+              <a:t>CG </a:t>
+            </a:r>
+            <a:r>
+              <a:rPr lang="ru-RU" dirty="0" err="1" smtClean="0"/>
+              <a:t>итерациялық</a:t>
+            </a:r>
+            <a:r>
+              <a:rPr lang="ru-RU" dirty="0" smtClean="0"/>
+              <a:t> </a:t>
+            </a:r>
+            <a:r>
+              <a:rPr lang="ru-RU" dirty="0" err="1" smtClean="0"/>
+              <a:t>әдіс</a:t>
+            </a:r>
+            <a:r>
+              <a:rPr lang="ru-RU" dirty="0" smtClean="0"/>
+              <a:t> </a:t>
+            </a:r>
+            <a:r>
+              <a:rPr lang="ru-RU" dirty="0" err="1" smtClean="0"/>
+              <a:t>болғандықтан</a:t>
+            </a:r>
+            <a:r>
+              <a:rPr lang="ru-RU" dirty="0" smtClean="0"/>
+              <a:t>, </a:t>
+            </a:r>
+            <a:r>
+              <a:rPr lang="ru-RU" dirty="0" err="1" smtClean="0"/>
+              <a:t>сызықты</a:t>
+            </a:r>
+            <a:r>
+              <a:rPr lang="ru-RU" dirty="0" smtClean="0"/>
+              <a:t> </a:t>
+            </a:r>
+            <a:r>
+              <a:rPr lang="ru-RU" dirty="0" err="1" smtClean="0"/>
+              <a:t>емес</a:t>
+            </a:r>
+            <a:r>
+              <a:rPr lang="ru-RU" dirty="0" smtClean="0"/>
+              <a:t> </a:t>
+            </a:r>
+            <a:r>
+              <a:rPr lang="ru-RU" dirty="0" err="1" smtClean="0"/>
+              <a:t>жүйелерге</a:t>
+            </a:r>
+            <a:r>
+              <a:rPr lang="ru-RU" dirty="0" smtClean="0"/>
+              <a:t> де </a:t>
+            </a:r>
+            <a:r>
+              <a:rPr lang="ru-RU" dirty="0" err="1" smtClean="0"/>
+              <a:t>қолдануға</a:t>
+            </a:r>
+            <a:r>
+              <a:rPr lang="ru-RU" dirty="0" smtClean="0"/>
+              <a:t> </a:t>
+            </a:r>
+            <a:r>
+              <a:rPr lang="ru-RU" dirty="0" err="1" smtClean="0"/>
+              <a:t>болады</a:t>
+            </a:r>
+            <a:r>
+              <a:rPr lang="ru-RU" dirty="0" smtClean="0"/>
+              <a:t>.</a:t>
+            </a:r>
             <a:endParaRPr lang="ru-RU" dirty="0"/>
           </a:p>
         </p:txBody>
@@ -4665,7 +9671,7 @@
           <p:cNvPr id="7" name="Дата 6">
             <a:extLst>
               <a:ext uri="{FF2B5EF4-FFF2-40B4-BE49-F238E27FC236}">
-                <a16:creationId xmlns:a16="http://schemas.microsoft.com/office/drawing/2014/main" xmlns="" id="{FC7A876D-9BF7-4194-9208-A7EDE492A79C}"/>
+                <a16:creationId xmlns:a16="http://schemas.microsoft.com/office/drawing/2014/main" id="{FC7A876D-9BF7-4194-9208-A7EDE492A79C}"/>
               </a:ext>
             </a:extLst>
           </p:cNvPr>
@@ -4694,7 +9700,7 @@
           <p:cNvPr id="5" name="Нижний колонтитул 4">
             <a:extLst>
               <a:ext uri="{FF2B5EF4-FFF2-40B4-BE49-F238E27FC236}">
-                <a16:creationId xmlns:a16="http://schemas.microsoft.com/office/drawing/2014/main" xmlns="" id="{446EAAA1-17F5-422B-86CA-30F52F3E7476}"/>
+                <a16:creationId xmlns:a16="http://schemas.microsoft.com/office/drawing/2014/main" id="{446EAAA1-17F5-422B-86CA-30F52F3E7476}"/>
               </a:ext>
             </a:extLst>
           </p:cNvPr>
@@ -4723,7 +9729,7 @@
           <p:cNvPr id="6" name="Номер слайда 5">
             <a:extLst>
               <a:ext uri="{FF2B5EF4-FFF2-40B4-BE49-F238E27FC236}">
-                <a16:creationId xmlns:a16="http://schemas.microsoft.com/office/drawing/2014/main" xmlns="" id="{1E08A1D2-23D0-45DE-B69D-626B41E1BE03}"/>
+                <a16:creationId xmlns:a16="http://schemas.microsoft.com/office/drawing/2014/main" id="{1E08A1D2-23D0-45DE-B69D-626B41E1BE03}"/>
               </a:ext>
             </a:extLst>
           </p:cNvPr>
@@ -4747,6 +9753,451 @@
           </a:p>
         </p:txBody>
       </p:sp>
+      <p:graphicFrame>
+        <p:nvGraphicFramePr>
+          <p:cNvPr id="8" name="Таблица 7"/>
+          <p:cNvGraphicFramePr>
+            <a:graphicFrameLocks noGrp="1"/>
+          </p:cNvGraphicFramePr>
+          <p:nvPr>
+            <p:extLst>
+              <p:ext uri="{D42A27DB-BD31-4B8C-83A1-F6EECF244321}">
+                <p14:modId xmlns:p14="http://schemas.microsoft.com/office/powerpoint/2010/main" val="1873799210"/>
+              </p:ext>
+            </p:extLst>
+          </p:nvPr>
+        </p:nvGraphicFramePr>
+        <p:xfrm>
+          <a:off x="1495669" y="3786992"/>
+          <a:ext cx="8128000" cy="2225040"/>
+        </p:xfrm>
+        <a:graphic>
+          <a:graphicData uri="http://schemas.openxmlformats.org/drawingml/2006/table">
+            <a:tbl>
+              <a:tblPr firstRow="1" bandRow="1">
+                <a:tableStyleId>{5C22544A-7EE6-4342-B048-85BDC9FD1C3A}</a:tableStyleId>
+              </a:tblPr>
+              <a:tblGrid>
+                <a:gridCol w="2032000">
+                  <a:extLst>
+                    <a:ext uri="{9D8B030D-6E8A-4147-A177-3AD203B41FA5}">
+                      <a16:colId xmlns:a16="http://schemas.microsoft.com/office/drawing/2014/main" val="371572502"/>
+                    </a:ext>
+                  </a:extLst>
+                </a:gridCol>
+                <a:gridCol w="2032000">
+                  <a:extLst>
+                    <a:ext uri="{9D8B030D-6E8A-4147-A177-3AD203B41FA5}">
+                      <a16:colId xmlns:a16="http://schemas.microsoft.com/office/drawing/2014/main" val="3975214965"/>
+                    </a:ext>
+                  </a:extLst>
+                </a:gridCol>
+                <a:gridCol w="2032000">
+                  <a:extLst>
+                    <a:ext uri="{9D8B030D-6E8A-4147-A177-3AD203B41FA5}">
+                      <a16:colId xmlns:a16="http://schemas.microsoft.com/office/drawing/2014/main" val="2456663062"/>
+                    </a:ext>
+                  </a:extLst>
+                </a:gridCol>
+                <a:gridCol w="2032000">
+                  <a:extLst>
+                    <a:ext uri="{9D8B030D-6E8A-4147-A177-3AD203B41FA5}">
+                      <a16:colId xmlns:a16="http://schemas.microsoft.com/office/drawing/2014/main" val="509340482"/>
+                    </a:ext>
+                  </a:extLst>
+                </a:gridCol>
+              </a:tblGrid>
+              <a:tr h="370840">
+                <a:tc gridSpan="2">
+                  <a:txBody>
+                    <a:bodyPr/>
+                    <a:lstStyle/>
+                    <a:p>
+                      <a:pPr algn="ctr"/>
+                      <a:r>
+                        <a:rPr lang="en-US" dirty="0" smtClean="0"/>
+                        <a:t>CG</a:t>
+                      </a:r>
+                      <a:endParaRPr lang="en-US" dirty="0"/>
+                    </a:p>
+                  </a:txBody>
+                  <a:tcPr/>
+                </a:tc>
+                <a:tc hMerge="1">
+                  <a:txBody>
+                    <a:bodyPr/>
+                    <a:lstStyle/>
+                    <a:p>
+                      <a:endParaRPr lang="en-US" dirty="0"/>
+                    </a:p>
+                  </a:txBody>
+                  <a:tcPr/>
+                </a:tc>
+                <a:tc gridSpan="2">
+                  <a:txBody>
+                    <a:bodyPr/>
+                    <a:lstStyle/>
+                    <a:p>
+                      <a:pPr algn="ctr"/>
+                      <a:r>
+                        <a:rPr lang="ru-RU" dirty="0" smtClean="0"/>
+                        <a:t>Гаусс</a:t>
+                      </a:r>
+                      <a:endParaRPr lang="en-US" dirty="0"/>
+                    </a:p>
+                  </a:txBody>
+                  <a:tcPr/>
+                </a:tc>
+                <a:tc hMerge="1">
+                  <a:txBody>
+                    <a:bodyPr/>
+                    <a:lstStyle/>
+                    <a:p>
+                      <a:endParaRPr lang="en-US" dirty="0"/>
+                    </a:p>
+                  </a:txBody>
+                  <a:tcPr/>
+                </a:tc>
+                <a:extLst>
+                  <a:ext uri="{0D108BD9-81ED-4DB2-BD59-A6C34878D82A}">
+                    <a16:rowId xmlns:a16="http://schemas.microsoft.com/office/drawing/2014/main" val="2980417252"/>
+                  </a:ext>
+                </a:extLst>
+              </a:tr>
+              <a:tr h="370840">
+                <a:tc>
+                  <a:txBody>
+                    <a:bodyPr/>
+                    <a:lstStyle/>
+                    <a:p>
+                      <a:pPr algn="ctr"/>
+                      <a:r>
+                        <a:rPr lang="ru-RU" dirty="0" smtClean="0"/>
+                        <a:t>+</a:t>
+                      </a:r>
+                      <a:endParaRPr lang="en-US" dirty="0"/>
+                    </a:p>
+                  </a:txBody>
+                  <a:tcPr/>
+                </a:tc>
+                <a:tc gridSpan="2">
+                  <a:txBody>
+                    <a:bodyPr/>
+                    <a:lstStyle/>
+                    <a:p>
+                      <a:pPr algn="ctr"/>
+                      <a:r>
+                        <a:rPr lang="ru-RU" dirty="0" err="1" smtClean="0"/>
+                        <a:t>Симметриялы</a:t>
+                      </a:r>
+                      <a:endParaRPr lang="en-US" dirty="0"/>
+                    </a:p>
+                  </a:txBody>
+                  <a:tcPr/>
+                </a:tc>
+                <a:tc hMerge="1">
+                  <a:txBody>
+                    <a:bodyPr/>
+                    <a:lstStyle/>
+                    <a:p>
+                      <a:endParaRPr lang="en-US" dirty="0"/>
+                    </a:p>
+                  </a:txBody>
+                  <a:tcPr/>
+                </a:tc>
+                <a:tc>
+                  <a:txBody>
+                    <a:bodyPr/>
+                    <a:lstStyle/>
+                    <a:p>
+                      <a:pPr algn="ctr"/>
+                      <a:r>
+                        <a:rPr lang="ru-RU" dirty="0" smtClean="0"/>
+                        <a:t>+</a:t>
+                      </a:r>
+                      <a:endParaRPr lang="en-US" dirty="0"/>
+                    </a:p>
+                  </a:txBody>
+                  <a:tcPr/>
+                </a:tc>
+                <a:extLst>
+                  <a:ext uri="{0D108BD9-81ED-4DB2-BD59-A6C34878D82A}">
+                    <a16:rowId xmlns:a16="http://schemas.microsoft.com/office/drawing/2014/main" val="2126705251"/>
+                  </a:ext>
+                </a:extLst>
+              </a:tr>
+              <a:tr h="370840">
+                <a:tc>
+                  <a:txBody>
+                    <a:bodyPr/>
+                    <a:lstStyle/>
+                    <a:p>
+                      <a:pPr algn="ctr"/>
+                      <a:r>
+                        <a:rPr lang="ru-RU" dirty="0" smtClean="0"/>
+                        <a:t>+</a:t>
+                      </a:r>
+                      <a:endParaRPr lang="en-US" dirty="0"/>
+                    </a:p>
+                  </a:txBody>
+                  <a:tcPr/>
+                </a:tc>
+                <a:tc gridSpan="2">
+                  <a:txBody>
+                    <a:bodyPr/>
+                    <a:lstStyle/>
+                    <a:p>
+                      <a:pPr algn="ctr"/>
+                      <a:r>
+                        <a:rPr lang="ru-RU" dirty="0" err="1" smtClean="0"/>
+                        <a:t>Оң</a:t>
+                      </a:r>
+                      <a:r>
+                        <a:rPr lang="ru-RU" dirty="0" smtClean="0"/>
+                        <a:t> </a:t>
+                      </a:r>
+                      <a:r>
+                        <a:rPr lang="ru-RU" dirty="0" err="1" smtClean="0"/>
+                        <a:t>анықталған</a:t>
+                      </a:r>
+                      <a:endParaRPr lang="en-US" dirty="0"/>
+                    </a:p>
+                  </a:txBody>
+                  <a:tcPr/>
+                </a:tc>
+                <a:tc hMerge="1">
+                  <a:txBody>
+                    <a:bodyPr/>
+                    <a:lstStyle/>
+                    <a:p>
+                      <a:endParaRPr lang="en-US" dirty="0"/>
+                    </a:p>
+                  </a:txBody>
+                  <a:tcPr/>
+                </a:tc>
+                <a:tc>
+                  <a:txBody>
+                    <a:bodyPr/>
+                    <a:lstStyle/>
+                    <a:p>
+                      <a:pPr algn="ctr"/>
+                      <a:r>
+                        <a:rPr lang="ru-RU" dirty="0" smtClean="0"/>
+                        <a:t>+</a:t>
+                      </a:r>
+                      <a:endParaRPr lang="en-US" dirty="0"/>
+                    </a:p>
+                  </a:txBody>
+                  <a:tcPr/>
+                </a:tc>
+                <a:extLst>
+                  <a:ext uri="{0D108BD9-81ED-4DB2-BD59-A6C34878D82A}">
+                    <a16:rowId xmlns:a16="http://schemas.microsoft.com/office/drawing/2014/main" val="996454925"/>
+                  </a:ext>
+                </a:extLst>
+              </a:tr>
+              <a:tr h="370840">
+                <a:tc>
+                  <a:txBody>
+                    <a:bodyPr/>
+                    <a:lstStyle/>
+                    <a:p>
+                      <a:pPr algn="ctr"/>
+                      <a:r>
+                        <a:rPr lang="ru-RU" dirty="0" smtClean="0"/>
+                        <a:t>+</a:t>
+                      </a:r>
+                      <a:endParaRPr lang="en-US" dirty="0"/>
+                    </a:p>
+                  </a:txBody>
+                  <a:tcPr/>
+                </a:tc>
+                <a:tc gridSpan="2">
+                  <a:txBody>
+                    <a:bodyPr/>
+                    <a:lstStyle/>
+                    <a:p>
+                      <a:pPr algn="ctr"/>
+                      <a:r>
+                        <a:rPr lang="ru-RU" dirty="0" err="1" smtClean="0"/>
+                        <a:t>Сызықты</a:t>
+                      </a:r>
+                      <a:endParaRPr lang="en-US" dirty="0"/>
+                    </a:p>
+                  </a:txBody>
+                  <a:tcPr/>
+                </a:tc>
+                <a:tc hMerge="1">
+                  <a:txBody>
+                    <a:bodyPr/>
+                    <a:lstStyle/>
+                    <a:p>
+                      <a:endParaRPr lang="en-US"/>
+                    </a:p>
+                  </a:txBody>
+                  <a:tcPr/>
+                </a:tc>
+                <a:tc>
+                  <a:txBody>
+                    <a:bodyPr/>
+                    <a:lstStyle/>
+                    <a:p>
+                      <a:pPr algn="ctr"/>
+                      <a:r>
+                        <a:rPr lang="ru-RU" dirty="0" smtClean="0"/>
+                        <a:t>+</a:t>
+                      </a:r>
+                      <a:endParaRPr lang="en-US" dirty="0"/>
+                    </a:p>
+                  </a:txBody>
+                  <a:tcPr/>
+                </a:tc>
+                <a:extLst>
+                  <a:ext uri="{0D108BD9-81ED-4DB2-BD59-A6C34878D82A}">
+                    <a16:rowId xmlns:a16="http://schemas.microsoft.com/office/drawing/2014/main" val="233610459"/>
+                  </a:ext>
+                </a:extLst>
+              </a:tr>
+              <a:tr h="370840">
+                <a:tc>
+                  <a:txBody>
+                    <a:bodyPr/>
+                    <a:lstStyle/>
+                    <a:p>
+                      <a:pPr algn="ctr"/>
+                      <a:r>
+                        <a:rPr lang="ru-RU" dirty="0" smtClean="0"/>
+                        <a:t>+</a:t>
+                      </a:r>
+                      <a:endParaRPr lang="en-US" dirty="0"/>
+                    </a:p>
+                  </a:txBody>
+                  <a:tcPr/>
+                </a:tc>
+                <a:tc gridSpan="2">
+                  <a:txBody>
+                    <a:bodyPr/>
+                    <a:lstStyle/>
+                    <a:p>
+                      <a:pPr algn="ctr"/>
+                      <a:r>
+                        <a:rPr lang="ru-RU" dirty="0" err="1" smtClean="0"/>
+                        <a:t>Сызықты</a:t>
+                      </a:r>
+                      <a:r>
+                        <a:rPr lang="ru-RU" dirty="0" smtClean="0"/>
+                        <a:t> </a:t>
+                      </a:r>
+                      <a:r>
+                        <a:rPr lang="ru-RU" dirty="0" err="1" smtClean="0"/>
+                        <a:t>емес</a:t>
+                      </a:r>
+                      <a:endParaRPr lang="en-US" dirty="0"/>
+                    </a:p>
+                  </a:txBody>
+                  <a:tcPr/>
+                </a:tc>
+                <a:tc hMerge="1">
+                  <a:txBody>
+                    <a:bodyPr/>
+                    <a:lstStyle/>
+                    <a:p>
+                      <a:endParaRPr lang="en-US"/>
+                    </a:p>
+                  </a:txBody>
+                  <a:tcPr/>
+                </a:tc>
+                <a:tc>
+                  <a:txBody>
+                    <a:bodyPr/>
+                    <a:lstStyle/>
+                    <a:p>
+                      <a:pPr algn="ctr"/>
+                      <a:r>
+                        <a:rPr lang="ru-RU" dirty="0" smtClean="0"/>
+                        <a:t>-</a:t>
+                      </a:r>
+                      <a:endParaRPr lang="en-US" dirty="0"/>
+                    </a:p>
+                  </a:txBody>
+                  <a:tcPr/>
+                </a:tc>
+                <a:extLst>
+                  <a:ext uri="{0D108BD9-81ED-4DB2-BD59-A6C34878D82A}">
+                    <a16:rowId xmlns:a16="http://schemas.microsoft.com/office/drawing/2014/main" val="3975439938"/>
+                  </a:ext>
+                </a:extLst>
+              </a:tr>
+              <a:tr h="370840">
+                <a:tc>
+                  <a:txBody>
+                    <a:bodyPr/>
+                    <a:lstStyle/>
+                    <a:p>
+                      <a:pPr algn="ctr"/>
+                      <a:r>
+                        <a:rPr lang="ru-RU" dirty="0" smtClean="0"/>
+                        <a:t>+</a:t>
+                      </a:r>
+                      <a:endParaRPr lang="en-US" dirty="0"/>
+                    </a:p>
+                  </a:txBody>
+                  <a:tcPr/>
+                </a:tc>
+                <a:tc gridSpan="2">
+                  <a:txBody>
+                    <a:bodyPr/>
+                    <a:lstStyle/>
+                    <a:p>
+                      <a:pPr algn="ctr"/>
+                      <a:r>
+                        <a:rPr lang="ru-RU" dirty="0" err="1" smtClean="0"/>
+                        <a:t>Азғындалған</a:t>
+                      </a:r>
+                      <a:r>
+                        <a:rPr lang="ru-RU" dirty="0" smtClean="0"/>
+                        <a:t> (невырожденной)</a:t>
+                      </a:r>
+                      <a:endParaRPr lang="en-US" dirty="0"/>
+                    </a:p>
+                  </a:txBody>
+                  <a:tcPr/>
+                </a:tc>
+                <a:tc hMerge="1">
+                  <a:txBody>
+                    <a:bodyPr/>
+                    <a:lstStyle/>
+                    <a:p>
+                      <a:endParaRPr lang="en-US"/>
+                    </a:p>
+                  </a:txBody>
+                  <a:tcPr/>
+                </a:tc>
+                <a:tc>
+                  <a:txBody>
+                    <a:bodyPr/>
+                    <a:lstStyle/>
+                    <a:p>
+                      <a:pPr algn="ctr"/>
+                      <a:r>
+                        <a:rPr lang="ru-RU" dirty="0" smtClean="0"/>
+                        <a:t>-</a:t>
+                      </a:r>
+                      <a:endParaRPr lang="en-US" dirty="0"/>
+                    </a:p>
+                  </a:txBody>
+                  <a:tcPr/>
+                </a:tc>
+                <a:extLst>
+                  <a:ext uri="{0D108BD9-81ED-4DB2-BD59-A6C34878D82A}">
+                    <a16:rowId xmlns:a16="http://schemas.microsoft.com/office/drawing/2014/main" val="1661241494"/>
+                  </a:ext>
+                </a:extLst>
+              </a:tr>
+            </a:tbl>
+          </a:graphicData>
+        </a:graphic>
+      </p:graphicFrame>
     </p:spTree>
     <p:extLst>
       <p:ext uri="{BB962C8B-B14F-4D97-AF65-F5344CB8AC3E}">
@@ -4782,7 +10233,7 @@
           <p:cNvPr id="2" name="Заголовок 1">
             <a:extLst>
               <a:ext uri="{FF2B5EF4-FFF2-40B4-BE49-F238E27FC236}">
-                <a16:creationId xmlns:a16="http://schemas.microsoft.com/office/drawing/2014/main" xmlns="" id="{515EF497-8DEC-45C5-8A62-FA196ED89846}"/>
+                <a16:creationId xmlns:a16="http://schemas.microsoft.com/office/drawing/2014/main" id="{515EF497-8DEC-45C5-8A62-FA196ED89846}"/>
               </a:ext>
             </a:extLst>
           </p:cNvPr>
@@ -4842,7 +10293,7 @@
           <p:cNvPr id="9" name="Заголовок 8">
             <a:extLst>
               <a:ext uri="{FF2B5EF4-FFF2-40B4-BE49-F238E27FC236}">
-                <a16:creationId xmlns:a16="http://schemas.microsoft.com/office/drawing/2014/main" xmlns="" id="{9590A45A-00A2-4763-9693-EEB9105E47BA}"/>
+                <a16:creationId xmlns:a16="http://schemas.microsoft.com/office/drawing/2014/main" id="{9590A45A-00A2-4763-9693-EEB9105E47BA}"/>
               </a:ext>
             </a:extLst>
           </p:cNvPr>
@@ -4883,7 +10334,7 @@
           <p:cNvPr id="7" name="Дата 6">
             <a:extLst>
               <a:ext uri="{FF2B5EF4-FFF2-40B4-BE49-F238E27FC236}">
-                <a16:creationId xmlns:a16="http://schemas.microsoft.com/office/drawing/2014/main" xmlns="" id="{CCAD228C-EFCB-4380-9B89-C33E83F1C06A}"/>
+                <a16:creationId xmlns:a16="http://schemas.microsoft.com/office/drawing/2014/main" id="{CCAD228C-EFCB-4380-9B89-C33E83F1C06A}"/>
               </a:ext>
             </a:extLst>
           </p:cNvPr>
@@ -4912,7 +10363,7 @@
           <p:cNvPr id="8" name="Нижний колонтитул 7">
             <a:extLst>
               <a:ext uri="{FF2B5EF4-FFF2-40B4-BE49-F238E27FC236}">
-                <a16:creationId xmlns:a16="http://schemas.microsoft.com/office/drawing/2014/main" xmlns="" id="{EB42A9F9-31A3-49FC-9A35-FDEE00785A1A}"/>
+                <a16:creationId xmlns:a16="http://schemas.microsoft.com/office/drawing/2014/main" id="{EB42A9F9-31A3-49FC-9A35-FDEE00785A1A}"/>
               </a:ext>
             </a:extLst>
           </p:cNvPr>
@@ -4941,7 +10392,7 @@
           <p:cNvPr id="6" name="Номер слайда 5">
             <a:extLst>
               <a:ext uri="{FF2B5EF4-FFF2-40B4-BE49-F238E27FC236}">
-                <a16:creationId xmlns:a16="http://schemas.microsoft.com/office/drawing/2014/main" xmlns="" id="{4566B233-7D02-4B9C-9B84-F9FB8908B533}"/>
+                <a16:creationId xmlns:a16="http://schemas.microsoft.com/office/drawing/2014/main" id="{4566B233-7D02-4B9C-9B84-F9FB8908B533}"/>
               </a:ext>
             </a:extLst>
           </p:cNvPr>
@@ -5035,7 +10486,7 @@
           <p:cNvPr id="4" name="Заголовок 3">
             <a:extLst>
               <a:ext uri="{FF2B5EF4-FFF2-40B4-BE49-F238E27FC236}">
-                <a16:creationId xmlns:a16="http://schemas.microsoft.com/office/drawing/2014/main" xmlns="" id="{8263C44E-BF71-4CF3-A95B-11D4CC5307A6}"/>
+                <a16:creationId xmlns:a16="http://schemas.microsoft.com/office/drawing/2014/main" id="{8263C44E-BF71-4CF3-A95B-11D4CC5307A6}"/>
               </a:ext>
             </a:extLst>
           </p:cNvPr>
@@ -5072,7 +10523,7 @@
           <p:cNvPr id="9" name="Объект 8">
             <a:extLst>
               <a:ext uri="{FF2B5EF4-FFF2-40B4-BE49-F238E27FC236}">
-                <a16:creationId xmlns:a16="http://schemas.microsoft.com/office/drawing/2014/main" xmlns="" id="{80435EA2-C945-452A-86D4-EAB636900007}"/>
+                <a16:creationId xmlns:a16="http://schemas.microsoft.com/office/drawing/2014/main" id="{80435EA2-C945-452A-86D4-EAB636900007}"/>
               </a:ext>
             </a:extLst>
           </p:cNvPr>
@@ -5106,7 +10557,7 @@
           <p:cNvPr id="7" name="Дата 6">
             <a:extLst>
               <a:ext uri="{FF2B5EF4-FFF2-40B4-BE49-F238E27FC236}">
-                <a16:creationId xmlns:a16="http://schemas.microsoft.com/office/drawing/2014/main" xmlns="" id="{73563632-4708-41D8-B720-573906BAFE66}"/>
+                <a16:creationId xmlns:a16="http://schemas.microsoft.com/office/drawing/2014/main" id="{73563632-4708-41D8-B720-573906BAFE66}"/>
               </a:ext>
             </a:extLst>
           </p:cNvPr>
@@ -5135,7 +10586,7 @@
           <p:cNvPr id="5" name="Нижний колонтитул 4">
             <a:extLst>
               <a:ext uri="{FF2B5EF4-FFF2-40B4-BE49-F238E27FC236}">
-                <a16:creationId xmlns:a16="http://schemas.microsoft.com/office/drawing/2014/main" xmlns="" id="{92AD0149-C5A8-4973-B7E2-9C9AE7A692A3}"/>
+                <a16:creationId xmlns:a16="http://schemas.microsoft.com/office/drawing/2014/main" id="{92AD0149-C5A8-4973-B7E2-9C9AE7A692A3}"/>
               </a:ext>
             </a:extLst>
           </p:cNvPr>
@@ -5164,7 +10615,7 @@
           <p:cNvPr id="6" name="Номер слайда 5">
             <a:extLst>
               <a:ext uri="{FF2B5EF4-FFF2-40B4-BE49-F238E27FC236}">
-                <a16:creationId xmlns:a16="http://schemas.microsoft.com/office/drawing/2014/main" xmlns="" id="{46295A2A-325D-44D1-BAD4-B1510C41C156}"/>
+                <a16:creationId xmlns:a16="http://schemas.microsoft.com/office/drawing/2014/main" id="{46295A2A-325D-44D1-BAD4-B1510C41C156}"/>
               </a:ext>
             </a:extLst>
           </p:cNvPr>
@@ -5223,7 +10674,7 @@
           <p:cNvPr id="4" name="Заголовок 3">
             <a:extLst>
               <a:ext uri="{FF2B5EF4-FFF2-40B4-BE49-F238E27FC236}">
-                <a16:creationId xmlns:a16="http://schemas.microsoft.com/office/drawing/2014/main" xmlns="" id="{9CA50693-4DF5-466D-B66D-60F784FBC0C9}"/>
+                <a16:creationId xmlns:a16="http://schemas.microsoft.com/office/drawing/2014/main" id="{9CA50693-4DF5-466D-B66D-60F784FBC0C9}"/>
               </a:ext>
             </a:extLst>
           </p:cNvPr>
@@ -5288,7 +10739,7 @@
           <p:cNvPr id="9" name="Объект 8">
             <a:extLst>
               <a:ext uri="{FF2B5EF4-FFF2-40B4-BE49-F238E27FC236}">
-                <a16:creationId xmlns:a16="http://schemas.microsoft.com/office/drawing/2014/main" xmlns="" id="{9A0B86FD-C1CA-4D72-930C-EAE8546A30A2}"/>
+                <a16:creationId xmlns:a16="http://schemas.microsoft.com/office/drawing/2014/main" id="{9A0B86FD-C1CA-4D72-930C-EAE8546A30A2}"/>
               </a:ext>
             </a:extLst>
           </p:cNvPr>
@@ -5351,7 +10802,7 @@
           <p:cNvPr id="7" name="Дата 6">
             <a:extLst>
               <a:ext uri="{FF2B5EF4-FFF2-40B4-BE49-F238E27FC236}">
-                <a16:creationId xmlns:a16="http://schemas.microsoft.com/office/drawing/2014/main" xmlns="" id="{049B5B99-EF75-4AFB-9456-CB0929EBE308}"/>
+                <a16:creationId xmlns:a16="http://schemas.microsoft.com/office/drawing/2014/main" id="{049B5B99-EF75-4AFB-9456-CB0929EBE308}"/>
               </a:ext>
             </a:extLst>
           </p:cNvPr>
@@ -5380,7 +10831,7 @@
           <p:cNvPr id="5" name="Нижний колонтитул 4">
             <a:extLst>
               <a:ext uri="{FF2B5EF4-FFF2-40B4-BE49-F238E27FC236}">
-                <a16:creationId xmlns:a16="http://schemas.microsoft.com/office/drawing/2014/main" xmlns="" id="{086D19DD-127A-4E9A-AFB2-8884BBEB37A4}"/>
+                <a16:creationId xmlns:a16="http://schemas.microsoft.com/office/drawing/2014/main" id="{086D19DD-127A-4E9A-AFB2-8884BBEB37A4}"/>
               </a:ext>
             </a:extLst>
           </p:cNvPr>
@@ -5441,7 +10892,7 @@
           <p:cNvPr id="6" name="Номер слайда 5">
             <a:extLst>
               <a:ext uri="{FF2B5EF4-FFF2-40B4-BE49-F238E27FC236}">
-                <a16:creationId xmlns:a16="http://schemas.microsoft.com/office/drawing/2014/main" xmlns="" id="{E3588571-E445-434F-8FD2-D54B2296434C}"/>
+                <a16:creationId xmlns:a16="http://schemas.microsoft.com/office/drawing/2014/main" id="{E3588571-E445-434F-8FD2-D54B2296434C}"/>
               </a:ext>
             </a:extLst>
           </p:cNvPr>
@@ -5500,7 +10951,7 @@
           <p:cNvPr id="4" name="Заголовок 3">
             <a:extLst>
               <a:ext uri="{FF2B5EF4-FFF2-40B4-BE49-F238E27FC236}">
-                <a16:creationId xmlns:a16="http://schemas.microsoft.com/office/drawing/2014/main" xmlns="" id="{D95D4696-F944-4C89-9B83-6616BB6638D4}"/>
+                <a16:creationId xmlns:a16="http://schemas.microsoft.com/office/drawing/2014/main" id="{D95D4696-F944-4C89-9B83-6616BB6638D4}"/>
               </a:ext>
             </a:extLst>
           </p:cNvPr>
@@ -5534,7 +10985,7 @@
           <p:cNvPr id="7" name="Дата 6">
             <a:extLst>
               <a:ext uri="{FF2B5EF4-FFF2-40B4-BE49-F238E27FC236}">
-                <a16:creationId xmlns:a16="http://schemas.microsoft.com/office/drawing/2014/main" xmlns="" id="{D8742F10-06D1-4BD4-BA5A-3BDDC21E8878}"/>
+                <a16:creationId xmlns:a16="http://schemas.microsoft.com/office/drawing/2014/main" id="{D8742F10-06D1-4BD4-BA5A-3BDDC21E8878}"/>
               </a:ext>
             </a:extLst>
           </p:cNvPr>
@@ -5563,7 +11014,7 @@
           <p:cNvPr id="5" name="Нижний колонтитул 4">
             <a:extLst>
               <a:ext uri="{FF2B5EF4-FFF2-40B4-BE49-F238E27FC236}">
-                <a16:creationId xmlns:a16="http://schemas.microsoft.com/office/drawing/2014/main" xmlns="" id="{D47828EA-BC17-4948-A67F-CD76A3F9002D}"/>
+                <a16:creationId xmlns:a16="http://schemas.microsoft.com/office/drawing/2014/main" id="{D47828EA-BC17-4948-A67F-CD76A3F9002D}"/>
               </a:ext>
             </a:extLst>
           </p:cNvPr>
@@ -5592,7 +11043,7 @@
           <p:cNvPr id="6" name="Номер слайда 5">
             <a:extLst>
               <a:ext uri="{FF2B5EF4-FFF2-40B4-BE49-F238E27FC236}">
-                <a16:creationId xmlns:a16="http://schemas.microsoft.com/office/drawing/2014/main" xmlns="" id="{A0D18334-E7B7-4952-9766-69063E780E08}"/>
+                <a16:creationId xmlns:a16="http://schemas.microsoft.com/office/drawing/2014/main" id="{A0D18334-E7B7-4952-9766-69063E780E08}"/>
               </a:ext>
             </a:extLst>
           </p:cNvPr>
@@ -5645,14 +11096,14 @@
                 <a:gridCol w="4354945">
                   <a:extLst>
                     <a:ext uri="{9D8B030D-6E8A-4147-A177-3AD203B41FA5}">
-                      <a16:colId xmlns:a16="http://schemas.microsoft.com/office/drawing/2014/main" xmlns="" val="3377184731"/>
+                      <a16:colId xmlns:a16="http://schemas.microsoft.com/office/drawing/2014/main" val="3377184731"/>
                     </a:ext>
                   </a:extLst>
                 </a:gridCol>
                 <a:gridCol w="4354945">
                   <a:extLst>
                     <a:ext uri="{9D8B030D-6E8A-4147-A177-3AD203B41FA5}">
-                      <a16:colId xmlns:a16="http://schemas.microsoft.com/office/drawing/2014/main" xmlns="" val="3065886717"/>
+                      <a16:colId xmlns:a16="http://schemas.microsoft.com/office/drawing/2014/main" val="3065886717"/>
                     </a:ext>
                   </a:extLst>
                 </a:gridCol>
@@ -5689,7 +11140,7 @@
                 </a:tc>
                 <a:extLst>
                   <a:ext uri="{0D108BD9-81ED-4DB2-BD59-A6C34878D82A}">
-                    <a16:rowId xmlns:a16="http://schemas.microsoft.com/office/drawing/2014/main" xmlns="" val="705156520"/>
+                    <a16:rowId xmlns:a16="http://schemas.microsoft.com/office/drawing/2014/main" val="705156520"/>
                   </a:ext>
                 </a:extLst>
               </a:tr>
@@ -5734,7 +11185,7 @@
                 </a:tc>
                 <a:extLst>
                   <a:ext uri="{0D108BD9-81ED-4DB2-BD59-A6C34878D82A}">
-                    <a16:rowId xmlns:a16="http://schemas.microsoft.com/office/drawing/2014/main" xmlns="" val="1140924515"/>
+                    <a16:rowId xmlns:a16="http://schemas.microsoft.com/office/drawing/2014/main" val="1140924515"/>
                   </a:ext>
                 </a:extLst>
               </a:tr>
@@ -5811,7 +11262,7 @@
                 </a:tc>
                 <a:extLst>
                   <a:ext uri="{0D108BD9-81ED-4DB2-BD59-A6C34878D82A}">
-                    <a16:rowId xmlns:a16="http://schemas.microsoft.com/office/drawing/2014/main" xmlns="" val="2497548534"/>
+                    <a16:rowId xmlns:a16="http://schemas.microsoft.com/office/drawing/2014/main" val="2497548534"/>
                   </a:ext>
                 </a:extLst>
               </a:tr>
@@ -5848,7 +11299,7 @@
                 </a:tc>
                 <a:extLst>
                   <a:ext uri="{0D108BD9-81ED-4DB2-BD59-A6C34878D82A}">
-                    <a16:rowId xmlns:a16="http://schemas.microsoft.com/office/drawing/2014/main" xmlns="" val="4001791123"/>
+                    <a16:rowId xmlns:a16="http://schemas.microsoft.com/office/drawing/2014/main" val="4001791123"/>
                   </a:ext>
                 </a:extLst>
               </a:tr>
@@ -5885,7 +11336,7 @@
                 </a:tc>
                 <a:extLst>
                   <a:ext uri="{0D108BD9-81ED-4DB2-BD59-A6C34878D82A}">
-                    <a16:rowId xmlns:a16="http://schemas.microsoft.com/office/drawing/2014/main" xmlns="" val="4030120575"/>
+                    <a16:rowId xmlns:a16="http://schemas.microsoft.com/office/drawing/2014/main" val="4030120575"/>
                   </a:ext>
                 </a:extLst>
               </a:tr>
@@ -6728,7 +12179,7 @@
           <a:graphicData uri="http://schemas.openxmlformats.org/presentationml/2006/ole">
             <mc:AlternateContent xmlns:mc="http://schemas.openxmlformats.org/markup-compatibility/2006">
               <mc:Choice xmlns:v="urn:schemas-microsoft-com:vml" Requires="v">
-                <p:oleObj spid="_x0000_s5126" name="Equation" r:id="rId3" imgW="4775040" imgH="711000" progId="Equation.DSMT4">
+                <p:oleObj spid="_x0000_s5129" name="Equation" r:id="rId3" imgW="4775040" imgH="711000" progId="Equation.DSMT4">
                   <p:embed/>
                 </p:oleObj>
               </mc:Choice>
@@ -6812,7 +12263,11 @@
           <a:p>
             <a:r>
               <a:rPr lang="kk-KZ" dirty="0" smtClean="0"/>
-              <a:t>Гаусс әдісі алгоритмі</a:t>
+              <a:t>Гаусс әдісі </a:t>
+            </a:r>
+            <a:r>
+              <a:rPr lang="kk-KZ" dirty="0" smtClean="0"/>
+              <a:t>алгоритмі</a:t>
             </a:r>
             <a:endParaRPr lang="ru-RU" dirty="0"/>
           </a:p>
@@ -6902,14 +12357,14 @@
           </p:nvPr>
         </p:nvGraphicFramePr>
         <p:xfrm>
-          <a:off x="4038600" y="2136531"/>
-          <a:ext cx="2897518" cy="1707824"/>
+          <a:off x="4038600" y="2136775"/>
+          <a:ext cx="2897188" cy="1708150"/>
         </p:xfrm>
         <a:graphic>
           <a:graphicData uri="http://schemas.openxmlformats.org/presentationml/2006/ole">
             <mc:AlternateContent xmlns:mc="http://schemas.openxmlformats.org/markup-compatibility/2006">
               <mc:Choice xmlns:v="urn:schemas-microsoft-com:vml" Requires="v">
-                <p:oleObj spid="_x0000_s2059" name="Equation" r:id="rId3" imgW="1828800" imgH="1244520" progId="Equation.DSMT4">
+                <p:oleObj spid="_x0000_s2069" name="Equation" r:id="rId3" imgW="1828800" imgH="1244520" progId="Equation.DSMT4">
                   <p:embed/>
                 </p:oleObj>
               </mc:Choice>
@@ -6930,8 +12385,8 @@
                     </p:blipFill>
                     <p:spPr>
                       <a:xfrm>
-                        <a:off x="4038600" y="2136531"/>
-                        <a:ext cx="2897518" cy="1707824"/>
+                        <a:off x="4038600" y="2136775"/>
+                        <a:ext cx="2897188" cy="1708150"/>
                       </a:xfrm>
                       <a:prstGeom prst="rect">
                         <a:avLst/>
@@ -6956,8 +12411,8 @@
         </p:nvSpPr>
         <p:spPr>
           <a:xfrm>
-            <a:off x="336631" y="1556545"/>
-            <a:ext cx="10483272" cy="579986"/>
+            <a:off x="336630" y="1556545"/>
+            <a:ext cx="11023031" cy="579986"/>
           </a:xfrm>
         </p:spPr>
         <p:txBody>
@@ -7002,7 +12457,42 @@
                 <a:latin typeface="Times New Roman" panose="02020603050405020304" pitchFamily="18" charset="0"/>
                 <a:cs typeface="Times New Roman" panose="02020603050405020304" pitchFamily="18" charset="0"/>
               </a:rPr>
-              <a:t> бас диагональ элемент </a:t>
+              <a:t> </a:t>
+            </a:r>
+            <a:r>
+              <a:rPr lang="ru-RU" dirty="0" err="1" smtClean="0">
+                <a:latin typeface="Times New Roman" panose="02020603050405020304" pitchFamily="18" charset="0"/>
+                <a:cs typeface="Times New Roman" panose="02020603050405020304" pitchFamily="18" charset="0"/>
+              </a:rPr>
+              <a:t>баған</a:t>
+            </a:r>
+            <a:r>
+              <a:rPr lang="ru-RU" dirty="0" smtClean="0">
+                <a:latin typeface="Times New Roman" panose="02020603050405020304" pitchFamily="18" charset="0"/>
+                <a:cs typeface="Times New Roman" panose="02020603050405020304" pitchFamily="18" charset="0"/>
+              </a:rPr>
+              <a:t> </a:t>
+            </a:r>
+            <a:r>
+              <a:rPr lang="ru-RU" dirty="0" err="1" smtClean="0">
+                <a:latin typeface="Times New Roman" panose="02020603050405020304" pitchFamily="18" charset="0"/>
+                <a:cs typeface="Times New Roman" panose="02020603050405020304" pitchFamily="18" charset="0"/>
+              </a:rPr>
+              <a:t>бойынша</a:t>
+            </a:r>
+            <a:r>
+              <a:rPr lang="ru-RU" dirty="0" smtClean="0">
+                <a:latin typeface="Times New Roman" panose="02020603050405020304" pitchFamily="18" charset="0"/>
+                <a:cs typeface="Times New Roman" panose="02020603050405020304" pitchFamily="18" charset="0"/>
+              </a:rPr>
+              <a:t> </a:t>
+            </a:r>
+            <a:r>
+              <a:rPr lang="ru-RU" dirty="0" smtClean="0">
+                <a:latin typeface="Times New Roman" panose="02020603050405020304" pitchFamily="18" charset="0"/>
+                <a:cs typeface="Times New Roman" panose="02020603050405020304" pitchFamily="18" charset="0"/>
+              </a:rPr>
+              <a:t>диагональ </a:t>
             </a:r>
             <a:r>
               <a:rPr lang="ru-RU" dirty="0" err="1" smtClean="0">
@@ -7670,7 +13160,7 @@
           <a:graphicData uri="http://schemas.openxmlformats.org/presentationml/2006/ole">
             <mc:AlternateContent xmlns:mc="http://schemas.openxmlformats.org/markup-compatibility/2006">
               <mc:Choice xmlns:v="urn:schemas-microsoft-com:vml" Requires="v">
-                <p:oleObj spid="_x0000_s2060" name="Equation" r:id="rId5" imgW="2616120" imgH="1193760" progId="Equation.DSMT4">
+                <p:oleObj spid="_x0000_s2070" name="Equation" r:id="rId5" imgW="2616120" imgH="1193760" progId="Equation.DSMT4">
                   <p:embed/>
                 </p:oleObj>
               </mc:Choice>
@@ -8376,7 +13866,7 @@
           <a:graphicData uri="http://schemas.openxmlformats.org/presentationml/2006/ole">
             <mc:AlternateContent xmlns:mc="http://schemas.openxmlformats.org/markup-compatibility/2006">
               <mc:Choice xmlns:v="urn:schemas-microsoft-com:vml" Requires="v">
-                <p:oleObj spid="_x0000_s4110" name="Equation" r:id="rId3" imgW="8503920" imgH="2110850" progId="Equation.DSMT4">
+                <p:oleObj spid="_x0000_s4116" name="Equation" r:id="rId3" imgW="8503920" imgH="2110850" progId="Equation.DSMT4">
                   <p:embed/>
                 </p:oleObj>
               </mc:Choice>
@@ -8433,7 +13923,7 @@
           <a:graphicData uri="http://schemas.openxmlformats.org/presentationml/2006/ole">
             <mc:AlternateContent xmlns:mc="http://schemas.openxmlformats.org/markup-compatibility/2006">
               <mc:Choice xmlns:v="urn:schemas-microsoft-com:vml" Requires="v">
-                <p:oleObj spid="_x0000_s4111" name="Equation" r:id="rId5" imgW="4216320" imgH="939600" progId="Equation.DSMT4">
+                <p:oleObj spid="_x0000_s4117" name="Equation" r:id="rId5" imgW="4216320" imgH="939600" progId="Equation.DSMT4">
                   <p:embed/>
                 </p:oleObj>
               </mc:Choice>
@@ -8859,14 +14349,7 @@
                 <a:latin typeface="Times New Roman" panose="02020603050405020304" pitchFamily="18" charset="0"/>
                 <a:cs typeface="Times New Roman" panose="02020603050405020304" pitchFamily="18" charset="0"/>
               </a:rPr>
-              <a:t>б</a:t>
-            </a:r>
-            <a:r>
-              <a:rPr lang="ru-RU" dirty="0" err="1" smtClean="0">
-                <a:latin typeface="Times New Roman" panose="02020603050405020304" pitchFamily="18" charset="0"/>
-                <a:cs typeface="Times New Roman" panose="02020603050405020304" pitchFamily="18" charset="0"/>
-              </a:rPr>
-              <a:t>іріктірілгендік</a:t>
+              <a:t>біріктірілгендік</a:t>
             </a:r>
             <a:r>
               <a:rPr lang="ru-RU" dirty="0" smtClean="0">
@@ -8924,35 +14407,21 @@
                 <a:latin typeface="Times New Roman" panose="02020603050405020304" pitchFamily="18" charset="0"/>
                 <a:cs typeface="Times New Roman" panose="02020603050405020304" pitchFamily="18" charset="0"/>
               </a:rPr>
-              <a:t>қадам</a:t>
+              <a:t>қадамның</a:t>
+            </a:r>
+            <a:r>
+              <a:rPr lang="ru-RU" dirty="0" smtClean="0">
+                <a:latin typeface="Times New Roman" panose="02020603050405020304" pitchFamily="18" charset="0"/>
+                <a:cs typeface="Times New Roman" panose="02020603050405020304" pitchFamily="18" charset="0"/>
+              </a:rPr>
+              <a:t> </a:t>
             </a:r>
             <a:r>
               <a:rPr lang="ru-RU" dirty="0" err="1" smtClean="0">
                 <a:latin typeface="Times New Roman" panose="02020603050405020304" pitchFamily="18" charset="0"/>
                 <a:cs typeface="Times New Roman" panose="02020603050405020304" pitchFamily="18" charset="0"/>
               </a:rPr>
-              <a:t>ның</a:t>
-            </a:r>
-            <a:r>
-              <a:rPr lang="ru-RU" dirty="0" smtClean="0">
-                <a:latin typeface="Times New Roman" panose="02020603050405020304" pitchFamily="18" charset="0"/>
-                <a:cs typeface="Times New Roman" panose="02020603050405020304" pitchFamily="18" charset="0"/>
-              </a:rPr>
-              <a:t> </a:t>
-            </a:r>
-            <a:r>
-              <a:rPr lang="ru-RU" dirty="0" err="1" smtClean="0">
-                <a:latin typeface="Times New Roman" panose="02020603050405020304" pitchFamily="18" charset="0"/>
-                <a:cs typeface="Times New Roman" panose="02020603050405020304" pitchFamily="18" charset="0"/>
-              </a:rPr>
-              <a:t>б</a:t>
-            </a:r>
-            <a:r>
-              <a:rPr lang="ru-RU" dirty="0" err="1" smtClean="0">
-                <a:latin typeface="Times New Roman" panose="02020603050405020304" pitchFamily="18" charset="0"/>
-                <a:cs typeface="Times New Roman" panose="02020603050405020304" pitchFamily="18" charset="0"/>
-              </a:rPr>
-              <a:t>ағытын</a:t>
+              <a:t>бағытын</a:t>
             </a:r>
             <a:r>
               <a:rPr lang="ru-RU" dirty="0" smtClean="0">
@@ -9073,7 +14542,7 @@
           <a:graphicData uri="http://schemas.openxmlformats.org/presentationml/2006/ole">
             <mc:AlternateContent xmlns:mc="http://schemas.openxmlformats.org/markup-compatibility/2006">
               <mc:Choice xmlns:v="urn:schemas-microsoft-com:vml" Requires="v">
-                <p:oleObj spid="_x0000_s1038" name="Equation" r:id="rId3" imgW="1460160" imgH="1968480" progId="Equation.DSMT4">
+                <p:oleObj spid="_x0000_s1044" name="Equation" r:id="rId3" imgW="1460160" imgH="1968480" progId="Equation.DSMT4">
                   <p:embed/>
                 </p:oleObj>
               </mc:Choice>
@@ -9130,7 +14599,7 @@
           <a:graphicData uri="http://schemas.openxmlformats.org/presentationml/2006/ole">
             <mc:AlternateContent xmlns:mc="http://schemas.openxmlformats.org/markup-compatibility/2006">
               <mc:Choice xmlns:v="urn:schemas-microsoft-com:vml" Requires="v">
-                <p:oleObj spid="_x0000_s1039" name="Equation" r:id="rId5" imgW="3974760" imgH="1485720" progId="Equation.DSMT4">
+                <p:oleObj spid="_x0000_s1045" name="Equation" r:id="rId5" imgW="3974760" imgH="1485720" progId="Equation.DSMT4">
                   <p:embed/>
                 </p:oleObj>
               </mc:Choice>
